--- a/虚拟案例 - 超市管理系统.pptx
+++ b/虚拟案例 - 超市管理系统.pptx
@@ -5,7 +5,7 @@
     <p:sldMasterId id="2147483648" r:id="rId1"/>
   </p:sldMasterIdLst>
   <p:notesMasterIdLst>
-    <p:notesMasterId r:id="rId29"/>
+    <p:notesMasterId r:id="rId30"/>
   </p:notesMasterIdLst>
   <p:sldIdLst>
     <p:sldId id="256" r:id="rId2"/>
@@ -17,24 +17,25 @@
     <p:sldId id="259" r:id="rId8"/>
     <p:sldId id="260" r:id="rId9"/>
     <p:sldId id="261" r:id="rId10"/>
-    <p:sldId id="263" r:id="rId11"/>
-    <p:sldId id="281" r:id="rId12"/>
-    <p:sldId id="264" r:id="rId13"/>
-    <p:sldId id="265" r:id="rId14"/>
-    <p:sldId id="266" r:id="rId15"/>
-    <p:sldId id="267" r:id="rId16"/>
-    <p:sldId id="268" r:id="rId17"/>
-    <p:sldId id="269" r:id="rId18"/>
-    <p:sldId id="270" r:id="rId19"/>
-    <p:sldId id="272" r:id="rId20"/>
-    <p:sldId id="275" r:id="rId21"/>
-    <p:sldId id="271" r:id="rId22"/>
-    <p:sldId id="277" r:id="rId23"/>
-    <p:sldId id="276" r:id="rId24"/>
-    <p:sldId id="279" r:id="rId25"/>
-    <p:sldId id="273" r:id="rId26"/>
-    <p:sldId id="280" r:id="rId27"/>
-    <p:sldId id="282" r:id="rId28"/>
+    <p:sldId id="281" r:id="rId11"/>
+    <p:sldId id="264" r:id="rId12"/>
+    <p:sldId id="283" r:id="rId13"/>
+    <p:sldId id="263" r:id="rId14"/>
+    <p:sldId id="265" r:id="rId15"/>
+    <p:sldId id="266" r:id="rId16"/>
+    <p:sldId id="267" r:id="rId17"/>
+    <p:sldId id="268" r:id="rId18"/>
+    <p:sldId id="269" r:id="rId19"/>
+    <p:sldId id="270" r:id="rId20"/>
+    <p:sldId id="272" r:id="rId21"/>
+    <p:sldId id="275" r:id="rId22"/>
+    <p:sldId id="271" r:id="rId23"/>
+    <p:sldId id="277" r:id="rId24"/>
+    <p:sldId id="276" r:id="rId25"/>
+    <p:sldId id="279" r:id="rId26"/>
+    <p:sldId id="273" r:id="rId27"/>
+    <p:sldId id="280" r:id="rId28"/>
+    <p:sldId id="282" r:id="rId29"/>
   </p:sldIdLst>
   <p:sldSz cx="12192000" cy="6858000"/>
   <p:notesSz cx="6858000" cy="9144000"/>
@@ -151,9 +152,10 @@
             <p14:sldId id="259"/>
             <p14:sldId id="260"/>
             <p14:sldId id="261"/>
-            <p14:sldId id="263"/>
             <p14:sldId id="281"/>
             <p14:sldId id="264"/>
+            <p14:sldId id="283"/>
+            <p14:sldId id="263"/>
             <p14:sldId id="265"/>
             <p14:sldId id="266"/>
             <p14:sldId id="267"/>
@@ -7427,6 +7429,13 @@
         </dgm:presLayoutVars>
       </dgm:prSet>
       <dgm:spPr/>
+      <dgm:t>
+        <a:bodyPr/>
+        <a:lstStyle/>
+        <a:p>
+          <a:endParaRPr lang="zh-CN" altLang="en-US"/>
+        </a:p>
+      </dgm:t>
     </dgm:pt>
     <dgm:pt modelId="{95A2C5D4-D9DE-4712-B032-2E24A7EF7357}" type="pres">
       <dgm:prSet presAssocID="{78B7497A-076A-4A7D-A699-F7B84B15D493}" presName="linNode" presStyleCnt="0"/>
@@ -7440,14 +7449,6 @@
         </dgm:presLayoutVars>
       </dgm:prSet>
       <dgm:spPr/>
-    </dgm:pt>
-    <dgm:pt modelId="{E737CF64-A8CD-49CD-82FF-6D371E9CB6DF}" type="pres">
-      <dgm:prSet presAssocID="{78B7497A-076A-4A7D-A699-F7B84B15D493}" presName="descendantText" presStyleLbl="alignAccFollowNode1" presStyleIdx="0" presStyleCnt="4">
-        <dgm:presLayoutVars>
-          <dgm:bulletEnabled val="1"/>
-        </dgm:presLayoutVars>
-      </dgm:prSet>
-      <dgm:spPr/>
       <dgm:t>
         <a:bodyPr/>
         <a:lstStyle/>
@@ -7456,6 +7457,21 @@
         </a:p>
       </dgm:t>
     </dgm:pt>
+    <dgm:pt modelId="{E737CF64-A8CD-49CD-82FF-6D371E9CB6DF}" type="pres">
+      <dgm:prSet presAssocID="{78B7497A-076A-4A7D-A699-F7B84B15D493}" presName="descendantText" presStyleLbl="alignAccFollowNode1" presStyleIdx="0" presStyleCnt="4">
+        <dgm:presLayoutVars>
+          <dgm:bulletEnabled val="1"/>
+        </dgm:presLayoutVars>
+      </dgm:prSet>
+      <dgm:spPr/>
+      <dgm:t>
+        <a:bodyPr/>
+        <a:lstStyle/>
+        <a:p>
+          <a:endParaRPr lang="zh-CN" altLang="en-US"/>
+        </a:p>
+      </dgm:t>
+    </dgm:pt>
     <dgm:pt modelId="{48FBAC67-8D72-4067-8868-B11C287F1CAC}" type="pres">
       <dgm:prSet presAssocID="{3198AAAD-64BB-4128-8DF3-9AF155575536}" presName="sp" presStyleCnt="0"/>
       <dgm:spPr/>
@@ -7472,6 +7488,13 @@
         </dgm:presLayoutVars>
       </dgm:prSet>
       <dgm:spPr/>
+      <dgm:t>
+        <a:bodyPr/>
+        <a:lstStyle/>
+        <a:p>
+          <a:endParaRPr lang="zh-CN" altLang="en-US"/>
+        </a:p>
+      </dgm:t>
     </dgm:pt>
     <dgm:pt modelId="{152CD389-FB7C-483E-9509-066930DA2C2C}" type="pres">
       <dgm:prSet presAssocID="{AB14B934-32DC-411B-8378-69E2447542BC}" presName="descendantText" presStyleLbl="alignAccFollowNode1" presStyleIdx="1" presStyleCnt="4">
@@ -7480,6 +7503,13 @@
         </dgm:presLayoutVars>
       </dgm:prSet>
       <dgm:spPr/>
+      <dgm:t>
+        <a:bodyPr/>
+        <a:lstStyle/>
+        <a:p>
+          <a:endParaRPr lang="zh-CN" altLang="en-US"/>
+        </a:p>
+      </dgm:t>
     </dgm:pt>
     <dgm:pt modelId="{AEAE0A94-1169-496C-AF5C-34E5B664F344}" type="pres">
       <dgm:prSet presAssocID="{F5DDD257-E682-490D-8EAE-6958DF1A22FB}" presName="sp" presStyleCnt="0"/>
@@ -7497,14 +7527,6 @@
         </dgm:presLayoutVars>
       </dgm:prSet>
       <dgm:spPr/>
-    </dgm:pt>
-    <dgm:pt modelId="{60ECBA00-D3E1-4825-86E9-0685A6385870}" type="pres">
-      <dgm:prSet presAssocID="{7001E8BA-8374-451F-8932-937AED8D5E6C}" presName="descendantText" presStyleLbl="alignAccFollowNode1" presStyleIdx="2" presStyleCnt="4">
-        <dgm:presLayoutVars>
-          <dgm:bulletEnabled val="1"/>
-        </dgm:presLayoutVars>
-      </dgm:prSet>
-      <dgm:spPr/>
       <dgm:t>
         <a:bodyPr/>
         <a:lstStyle/>
@@ -7513,6 +7535,21 @@
         </a:p>
       </dgm:t>
     </dgm:pt>
+    <dgm:pt modelId="{60ECBA00-D3E1-4825-86E9-0685A6385870}" type="pres">
+      <dgm:prSet presAssocID="{7001E8BA-8374-451F-8932-937AED8D5E6C}" presName="descendantText" presStyleLbl="alignAccFollowNode1" presStyleIdx="2" presStyleCnt="4">
+        <dgm:presLayoutVars>
+          <dgm:bulletEnabled val="1"/>
+        </dgm:presLayoutVars>
+      </dgm:prSet>
+      <dgm:spPr/>
+      <dgm:t>
+        <a:bodyPr/>
+        <a:lstStyle/>
+        <a:p>
+          <a:endParaRPr lang="zh-CN" altLang="en-US"/>
+        </a:p>
+      </dgm:t>
+    </dgm:pt>
     <dgm:pt modelId="{FB718F3F-574F-415F-B0E9-E2D5D345BB6F}" type="pres">
       <dgm:prSet presAssocID="{4B304156-3C0B-4672-8DF4-439CDC8E8D35}" presName="sp" presStyleCnt="0"/>
       <dgm:spPr/>
@@ -7529,14 +7566,6 @@
         </dgm:presLayoutVars>
       </dgm:prSet>
       <dgm:spPr/>
-    </dgm:pt>
-    <dgm:pt modelId="{36956BE0-05B7-41AE-BD40-33ED050991DE}" type="pres">
-      <dgm:prSet presAssocID="{66B96BB6-A132-4803-97B0-6D5265E6305A}" presName="descendantText" presStyleLbl="alignAccFollowNode1" presStyleIdx="3" presStyleCnt="4">
-        <dgm:presLayoutVars>
-          <dgm:bulletEnabled val="1"/>
-        </dgm:presLayoutVars>
-      </dgm:prSet>
-      <dgm:spPr/>
       <dgm:t>
         <a:bodyPr/>
         <a:lstStyle/>
@@ -7545,35 +7574,50 @@
         </a:p>
       </dgm:t>
     </dgm:pt>
+    <dgm:pt modelId="{36956BE0-05B7-41AE-BD40-33ED050991DE}" type="pres">
+      <dgm:prSet presAssocID="{66B96BB6-A132-4803-97B0-6D5265E6305A}" presName="descendantText" presStyleLbl="alignAccFollowNode1" presStyleIdx="3" presStyleCnt="4">
+        <dgm:presLayoutVars>
+          <dgm:bulletEnabled val="1"/>
+        </dgm:presLayoutVars>
+      </dgm:prSet>
+      <dgm:spPr/>
+      <dgm:t>
+        <a:bodyPr/>
+        <a:lstStyle/>
+        <a:p>
+          <a:endParaRPr lang="zh-CN" altLang="en-US"/>
+        </a:p>
+      </dgm:t>
+    </dgm:pt>
   </dgm:ptLst>
   <dgm:cxnLst>
+    <dgm:cxn modelId="{BAB30DE4-A1C0-48CB-87A7-F7B9ACD9068F}" type="presOf" srcId="{126F9B22-6F97-45AD-A1CA-C8A60AFDB571}" destId="{152CD389-FB7C-483E-9509-066930DA2C2C}" srcOrd="0" destOrd="1" presId="urn:microsoft.com/office/officeart/2005/8/layout/vList5"/>
+    <dgm:cxn modelId="{C1313669-30DD-4E22-BF1C-4B6A57BAA9A1}" srcId="{AB14B934-32DC-411B-8378-69E2447542BC}" destId="{126F9B22-6F97-45AD-A1CA-C8A60AFDB571}" srcOrd="1" destOrd="0" parTransId="{46F22716-F8BC-4071-8AD3-A7AB7634CF8B}" sibTransId="{CF67F4F7-E5AD-4CFC-B121-45D6E4EE803D}"/>
+    <dgm:cxn modelId="{A6384A8F-F82F-43C3-B0E2-D47CFCBA16E4}" type="presOf" srcId="{279C1AB8-F1B9-43F0-BED7-D45997FE6329}" destId="{E737CF64-A8CD-49CD-82FF-6D371E9CB6DF}" srcOrd="0" destOrd="1" presId="urn:microsoft.com/office/officeart/2005/8/layout/vList5"/>
+    <dgm:cxn modelId="{E9F476F3-5DA9-4F84-B133-0C209D736EED}" srcId="{66B96BB6-A132-4803-97B0-6D5265E6305A}" destId="{EB87D58D-F577-41E4-AF7A-0B9364CF303C}" srcOrd="1" destOrd="0" parTransId="{7A41172B-833F-4CC2-9A49-763C1EB65D0C}" sibTransId="{CFE253A1-1EE1-4F90-98B5-00BFD2D22A3D}"/>
+    <dgm:cxn modelId="{93E06CD4-F38E-4433-AB8F-722C002941BD}" type="presOf" srcId="{EB87D58D-F577-41E4-AF7A-0B9364CF303C}" destId="{36956BE0-05B7-41AE-BD40-33ED050991DE}" srcOrd="0" destOrd="1" presId="urn:microsoft.com/office/officeart/2005/8/layout/vList5"/>
+    <dgm:cxn modelId="{51967502-9435-4E82-9BCD-45813B488898}" type="presOf" srcId="{7001E8BA-8374-451F-8932-937AED8D5E6C}" destId="{2BD04F73-A120-4469-A71C-CDBD9809A108}" srcOrd="0" destOrd="0" presId="urn:microsoft.com/office/officeart/2005/8/layout/vList5"/>
+    <dgm:cxn modelId="{F6C7A4F2-5996-48AA-8C70-44F1CA080441}" srcId="{7001E8BA-8374-451F-8932-937AED8D5E6C}" destId="{FFE020AB-DCB5-41F0-8A05-C266B3C9B850}" srcOrd="1" destOrd="0" parTransId="{66A5CCD9-1E00-4C59-9674-238520E4DCC9}" sibTransId="{E22B60C7-B6EF-4603-99B5-488C034D41BB}"/>
+    <dgm:cxn modelId="{5A593E7F-4881-4402-922F-ECDC3231BEC5}" type="presOf" srcId="{66B96BB6-A132-4803-97B0-6D5265E6305A}" destId="{9773167E-A701-42C6-BA75-8915AA17C14B}" srcOrd="0" destOrd="0" presId="urn:microsoft.com/office/officeart/2005/8/layout/vList5"/>
+    <dgm:cxn modelId="{CFB6D81A-85FF-4DE9-9068-5F69D88EB2D5}" srcId="{7001E8BA-8374-451F-8932-937AED8D5E6C}" destId="{17584A41-AECE-4F1A-8918-17F51FD846E5}" srcOrd="0" destOrd="0" parTransId="{99BE621A-1FBD-466D-8750-F114BC15CC49}" sibTransId="{E9FB6FB7-66E9-4CCD-AE89-656767861A0F}"/>
+    <dgm:cxn modelId="{F208E266-859F-4D4B-8AC0-A573E3529CE9}" srcId="{78B7497A-076A-4A7D-A699-F7B84B15D493}" destId="{A77E3808-BB68-4157-A3A9-6EF972858A71}" srcOrd="0" destOrd="0" parTransId="{CAE2B97D-F3CB-4E86-B833-01E86181AED9}" sibTransId="{B4E95669-5130-47EE-9ADC-1553850DB8D9}"/>
+    <dgm:cxn modelId="{7DF06DCA-4C31-4A17-93CA-24DB2602D218}" type="presOf" srcId="{17584A41-AECE-4F1A-8918-17F51FD846E5}" destId="{60ECBA00-D3E1-4825-86E9-0685A6385870}" srcOrd="0" destOrd="0" presId="urn:microsoft.com/office/officeart/2005/8/layout/vList5"/>
+    <dgm:cxn modelId="{41B93851-6D9B-4A5E-A685-CC8281B6344C}" srcId="{7001E8BA-8374-451F-8932-937AED8D5E6C}" destId="{6C7F7168-D977-4D97-BBF4-8649598A6A66}" srcOrd="2" destOrd="0" parTransId="{0C2508F3-156C-4141-998A-AC2BD237C5C7}" sibTransId="{472E817A-E46E-4E59-945F-B24DF5ABF6C3}"/>
+    <dgm:cxn modelId="{CAEB3619-4C27-48AC-BEF0-FBAE2CF2D849}" srcId="{66B96BB6-A132-4803-97B0-6D5265E6305A}" destId="{936EAFFC-1D9C-4F87-8903-70C25D2A159C}" srcOrd="0" destOrd="0" parTransId="{CF0E500B-0137-4F86-87DC-3AB30A9BAF3F}" sibTransId="{BF142261-C537-42BC-B275-E45C004F9F2C}"/>
+    <dgm:cxn modelId="{26EF9647-E655-4DC7-8C08-27BC13A0F4A0}" srcId="{B53A589E-D83E-4383-BB94-52E587DEC46E}" destId="{7001E8BA-8374-451F-8932-937AED8D5E6C}" srcOrd="2" destOrd="0" parTransId="{75A6D201-5F76-4060-9CC8-A819E1667751}" sibTransId="{4B304156-3C0B-4672-8DF4-439CDC8E8D35}"/>
+    <dgm:cxn modelId="{35597375-AB24-4897-B2B3-B6A4CED1BF3C}" type="presOf" srcId="{6C7F7168-D977-4D97-BBF4-8649598A6A66}" destId="{60ECBA00-D3E1-4825-86E9-0685A6385870}" srcOrd="0" destOrd="2" presId="urn:microsoft.com/office/officeart/2005/8/layout/vList5"/>
+    <dgm:cxn modelId="{CFE30045-FC44-4E10-A93F-2AFDD0772798}" srcId="{78B7497A-076A-4A7D-A699-F7B84B15D493}" destId="{279C1AB8-F1B9-43F0-BED7-D45997FE6329}" srcOrd="1" destOrd="0" parTransId="{ACF4E50D-CE43-45FB-8D9F-CF855DF4530A}" sibTransId="{21032158-FF95-4324-A50C-27FE3B18F7D8}"/>
+    <dgm:cxn modelId="{A2A1230A-1615-4389-96CA-CAE7C9308494}" srcId="{B53A589E-D83E-4383-BB94-52E587DEC46E}" destId="{66B96BB6-A132-4803-97B0-6D5265E6305A}" srcOrd="3" destOrd="0" parTransId="{6A8E9E1F-CD85-4FA1-B953-AE366BB13AA7}" sibTransId="{D6B393A8-B31E-467F-A439-C7921AEAB30B}"/>
+    <dgm:cxn modelId="{F33576F7-7C40-4B7B-A5DE-993970D57DC1}" type="presOf" srcId="{96CE1403-1DE0-400B-875E-6DBDE6587CC8}" destId="{152CD389-FB7C-483E-9509-066930DA2C2C}" srcOrd="0" destOrd="0" presId="urn:microsoft.com/office/officeart/2005/8/layout/vList5"/>
+    <dgm:cxn modelId="{3CD0AEA2-B921-4827-A3CB-4A283D870C03}" type="presOf" srcId="{FFE020AB-DCB5-41F0-8A05-C266B3C9B850}" destId="{60ECBA00-D3E1-4825-86E9-0685A6385870}" srcOrd="0" destOrd="1" presId="urn:microsoft.com/office/officeart/2005/8/layout/vList5"/>
+    <dgm:cxn modelId="{47CD9B65-F9BF-4F62-8363-479A5F835455}" srcId="{B53A589E-D83E-4383-BB94-52E587DEC46E}" destId="{78B7497A-076A-4A7D-A699-F7B84B15D493}" srcOrd="0" destOrd="0" parTransId="{5BB687F7-3BF1-4A75-9E03-F68017582DD1}" sibTransId="{3198AAAD-64BB-4128-8DF3-9AF155575536}"/>
+    <dgm:cxn modelId="{5D9E6953-792A-4A9B-911D-C70A78E17E44}" type="presOf" srcId="{936EAFFC-1D9C-4F87-8903-70C25D2A159C}" destId="{36956BE0-05B7-41AE-BD40-33ED050991DE}" srcOrd="0" destOrd="0" presId="urn:microsoft.com/office/officeart/2005/8/layout/vList5"/>
+    <dgm:cxn modelId="{9503139A-6D90-48D3-AAB0-1C1D89F3A60E}" type="presOf" srcId="{AB14B934-32DC-411B-8378-69E2447542BC}" destId="{FBA1C901-7916-4DCE-A544-974146758833}" srcOrd="0" destOrd="0" presId="urn:microsoft.com/office/officeart/2005/8/layout/vList5"/>
+    <dgm:cxn modelId="{16CDF153-57AC-46F1-90DB-1648CF37E973}" type="presOf" srcId="{A77E3808-BB68-4157-A3A9-6EF972858A71}" destId="{E737CF64-A8CD-49CD-82FF-6D371E9CB6DF}" srcOrd="0" destOrd="0" presId="urn:microsoft.com/office/officeart/2005/8/layout/vList5"/>
+    <dgm:cxn modelId="{A955C1A0-A3CE-4A97-BEE9-66CEEB90AC0C}" srcId="{AB14B934-32DC-411B-8378-69E2447542BC}" destId="{96CE1403-1DE0-400B-875E-6DBDE6587CC8}" srcOrd="0" destOrd="0" parTransId="{EDEF0428-2C99-47FC-9CB5-C9CE5D073FD7}" sibTransId="{8A26B170-674A-454D-A735-56DD37835440}"/>
+    <dgm:cxn modelId="{E0CCD336-02C8-4879-9B72-162758A11E04}" type="presOf" srcId="{78B7497A-076A-4A7D-A699-F7B84B15D493}" destId="{2A37E1F1-254C-4AD4-BEC0-D854ACB45241}" srcOrd="0" destOrd="0" presId="urn:microsoft.com/office/officeart/2005/8/layout/vList5"/>
     <dgm:cxn modelId="{11CA3FD9-3B39-4EB5-A940-990A04702DBD}" type="presOf" srcId="{B53A589E-D83E-4383-BB94-52E587DEC46E}" destId="{59D762EA-2942-4BF1-8CC2-CA2DE2D600A6}" srcOrd="0" destOrd="0" presId="urn:microsoft.com/office/officeart/2005/8/layout/vList5"/>
-    <dgm:cxn modelId="{F6C7A4F2-5996-48AA-8C70-44F1CA080441}" srcId="{7001E8BA-8374-451F-8932-937AED8D5E6C}" destId="{FFE020AB-DCB5-41F0-8A05-C266B3C9B850}" srcOrd="1" destOrd="0" parTransId="{66A5CCD9-1E00-4C59-9674-238520E4DCC9}" sibTransId="{E22B60C7-B6EF-4603-99B5-488C034D41BB}"/>
-    <dgm:cxn modelId="{A6384A8F-F82F-43C3-B0E2-D47CFCBA16E4}" type="presOf" srcId="{279C1AB8-F1B9-43F0-BED7-D45997FE6329}" destId="{E737CF64-A8CD-49CD-82FF-6D371E9CB6DF}" srcOrd="0" destOrd="1" presId="urn:microsoft.com/office/officeart/2005/8/layout/vList5"/>
-    <dgm:cxn modelId="{A955C1A0-A3CE-4A97-BEE9-66CEEB90AC0C}" srcId="{AB14B934-32DC-411B-8378-69E2447542BC}" destId="{96CE1403-1DE0-400B-875E-6DBDE6587CC8}" srcOrd="0" destOrd="0" parTransId="{EDEF0428-2C99-47FC-9CB5-C9CE5D073FD7}" sibTransId="{8A26B170-674A-454D-A735-56DD37835440}"/>
-    <dgm:cxn modelId="{51967502-9435-4E82-9BCD-45813B488898}" type="presOf" srcId="{7001E8BA-8374-451F-8932-937AED8D5E6C}" destId="{2BD04F73-A120-4469-A71C-CDBD9809A108}" srcOrd="0" destOrd="0" presId="urn:microsoft.com/office/officeart/2005/8/layout/vList5"/>
-    <dgm:cxn modelId="{9503139A-6D90-48D3-AAB0-1C1D89F3A60E}" type="presOf" srcId="{AB14B934-32DC-411B-8378-69E2447542BC}" destId="{FBA1C901-7916-4DCE-A544-974146758833}" srcOrd="0" destOrd="0" presId="urn:microsoft.com/office/officeart/2005/8/layout/vList5"/>
-    <dgm:cxn modelId="{F33576F7-7C40-4B7B-A5DE-993970D57DC1}" type="presOf" srcId="{96CE1403-1DE0-400B-875E-6DBDE6587CC8}" destId="{152CD389-FB7C-483E-9509-066930DA2C2C}" srcOrd="0" destOrd="0" presId="urn:microsoft.com/office/officeart/2005/8/layout/vList5"/>
-    <dgm:cxn modelId="{CAEB3619-4C27-48AC-BEF0-FBAE2CF2D849}" srcId="{66B96BB6-A132-4803-97B0-6D5265E6305A}" destId="{936EAFFC-1D9C-4F87-8903-70C25D2A159C}" srcOrd="0" destOrd="0" parTransId="{CF0E500B-0137-4F86-87DC-3AB30A9BAF3F}" sibTransId="{BF142261-C537-42BC-B275-E45C004F9F2C}"/>
-    <dgm:cxn modelId="{93E06CD4-F38E-4433-AB8F-722C002941BD}" type="presOf" srcId="{EB87D58D-F577-41E4-AF7A-0B9364CF303C}" destId="{36956BE0-05B7-41AE-BD40-33ED050991DE}" srcOrd="0" destOrd="1" presId="urn:microsoft.com/office/officeart/2005/8/layout/vList5"/>
-    <dgm:cxn modelId="{CFB6D81A-85FF-4DE9-9068-5F69D88EB2D5}" srcId="{7001E8BA-8374-451F-8932-937AED8D5E6C}" destId="{17584A41-AECE-4F1A-8918-17F51FD846E5}" srcOrd="0" destOrd="0" parTransId="{99BE621A-1FBD-466D-8750-F114BC15CC49}" sibTransId="{E9FB6FB7-66E9-4CCD-AE89-656767861A0F}"/>
-    <dgm:cxn modelId="{E9F476F3-5DA9-4F84-B133-0C209D736EED}" srcId="{66B96BB6-A132-4803-97B0-6D5265E6305A}" destId="{EB87D58D-F577-41E4-AF7A-0B9364CF303C}" srcOrd="1" destOrd="0" parTransId="{7A41172B-833F-4CC2-9A49-763C1EB65D0C}" sibTransId="{CFE253A1-1EE1-4F90-98B5-00BFD2D22A3D}"/>
     <dgm:cxn modelId="{430AFAED-0D85-4D6D-8323-E5FD8F2B7EDD}" srcId="{B53A589E-D83E-4383-BB94-52E587DEC46E}" destId="{AB14B934-32DC-411B-8378-69E2447542BC}" srcOrd="1" destOrd="0" parTransId="{D71F80A4-352A-4971-931C-3D6668A38769}" sibTransId="{F5DDD257-E682-490D-8EAE-6958DF1A22FB}"/>
-    <dgm:cxn modelId="{41B93851-6D9B-4A5E-A685-CC8281B6344C}" srcId="{7001E8BA-8374-451F-8932-937AED8D5E6C}" destId="{6C7F7168-D977-4D97-BBF4-8649598A6A66}" srcOrd="2" destOrd="0" parTransId="{0C2508F3-156C-4141-998A-AC2BD237C5C7}" sibTransId="{472E817A-E46E-4E59-945F-B24DF5ABF6C3}"/>
-    <dgm:cxn modelId="{35597375-AB24-4897-B2B3-B6A4CED1BF3C}" type="presOf" srcId="{6C7F7168-D977-4D97-BBF4-8649598A6A66}" destId="{60ECBA00-D3E1-4825-86E9-0685A6385870}" srcOrd="0" destOrd="2" presId="urn:microsoft.com/office/officeart/2005/8/layout/vList5"/>
-    <dgm:cxn modelId="{BAB30DE4-A1C0-48CB-87A7-F7B9ACD9068F}" type="presOf" srcId="{126F9B22-6F97-45AD-A1CA-C8A60AFDB571}" destId="{152CD389-FB7C-483E-9509-066930DA2C2C}" srcOrd="0" destOrd="1" presId="urn:microsoft.com/office/officeart/2005/8/layout/vList5"/>
-    <dgm:cxn modelId="{CFE30045-FC44-4E10-A93F-2AFDD0772798}" srcId="{78B7497A-076A-4A7D-A699-F7B84B15D493}" destId="{279C1AB8-F1B9-43F0-BED7-D45997FE6329}" srcOrd="1" destOrd="0" parTransId="{ACF4E50D-CE43-45FB-8D9F-CF855DF4530A}" sibTransId="{21032158-FF95-4324-A50C-27FE3B18F7D8}"/>
-    <dgm:cxn modelId="{7DF06DCA-4C31-4A17-93CA-24DB2602D218}" type="presOf" srcId="{17584A41-AECE-4F1A-8918-17F51FD846E5}" destId="{60ECBA00-D3E1-4825-86E9-0685A6385870}" srcOrd="0" destOrd="0" presId="urn:microsoft.com/office/officeart/2005/8/layout/vList5"/>
-    <dgm:cxn modelId="{3CD0AEA2-B921-4827-A3CB-4A283D870C03}" type="presOf" srcId="{FFE020AB-DCB5-41F0-8A05-C266B3C9B850}" destId="{60ECBA00-D3E1-4825-86E9-0685A6385870}" srcOrd="0" destOrd="1" presId="urn:microsoft.com/office/officeart/2005/8/layout/vList5"/>
-    <dgm:cxn modelId="{C1313669-30DD-4E22-BF1C-4B6A57BAA9A1}" srcId="{AB14B934-32DC-411B-8378-69E2447542BC}" destId="{126F9B22-6F97-45AD-A1CA-C8A60AFDB571}" srcOrd="1" destOrd="0" parTransId="{46F22716-F8BC-4071-8AD3-A7AB7634CF8B}" sibTransId="{CF67F4F7-E5AD-4CFC-B121-45D6E4EE803D}"/>
-    <dgm:cxn modelId="{5A593E7F-4881-4402-922F-ECDC3231BEC5}" type="presOf" srcId="{66B96BB6-A132-4803-97B0-6D5265E6305A}" destId="{9773167E-A701-42C6-BA75-8915AA17C14B}" srcOrd="0" destOrd="0" presId="urn:microsoft.com/office/officeart/2005/8/layout/vList5"/>
-    <dgm:cxn modelId="{16CDF153-57AC-46F1-90DB-1648CF37E973}" type="presOf" srcId="{A77E3808-BB68-4157-A3A9-6EF972858A71}" destId="{E737CF64-A8CD-49CD-82FF-6D371E9CB6DF}" srcOrd="0" destOrd="0" presId="urn:microsoft.com/office/officeart/2005/8/layout/vList5"/>
-    <dgm:cxn modelId="{47CD9B65-F9BF-4F62-8363-479A5F835455}" srcId="{B53A589E-D83E-4383-BB94-52E587DEC46E}" destId="{78B7497A-076A-4A7D-A699-F7B84B15D493}" srcOrd="0" destOrd="0" parTransId="{5BB687F7-3BF1-4A75-9E03-F68017582DD1}" sibTransId="{3198AAAD-64BB-4128-8DF3-9AF155575536}"/>
-    <dgm:cxn modelId="{26EF9647-E655-4DC7-8C08-27BC13A0F4A0}" srcId="{B53A589E-D83E-4383-BB94-52E587DEC46E}" destId="{7001E8BA-8374-451F-8932-937AED8D5E6C}" srcOrd="2" destOrd="0" parTransId="{75A6D201-5F76-4060-9CC8-A819E1667751}" sibTransId="{4B304156-3C0B-4672-8DF4-439CDC8E8D35}"/>
-    <dgm:cxn modelId="{E0CCD336-02C8-4879-9B72-162758A11E04}" type="presOf" srcId="{78B7497A-076A-4A7D-A699-F7B84B15D493}" destId="{2A37E1F1-254C-4AD4-BEC0-D854ACB45241}" srcOrd="0" destOrd="0" presId="urn:microsoft.com/office/officeart/2005/8/layout/vList5"/>
-    <dgm:cxn modelId="{5D9E6953-792A-4A9B-911D-C70A78E17E44}" type="presOf" srcId="{936EAFFC-1D9C-4F87-8903-70C25D2A159C}" destId="{36956BE0-05B7-41AE-BD40-33ED050991DE}" srcOrd="0" destOrd="0" presId="urn:microsoft.com/office/officeart/2005/8/layout/vList5"/>
-    <dgm:cxn modelId="{A2A1230A-1615-4389-96CA-CAE7C9308494}" srcId="{B53A589E-D83E-4383-BB94-52E587DEC46E}" destId="{66B96BB6-A132-4803-97B0-6D5265E6305A}" srcOrd="3" destOrd="0" parTransId="{6A8E9E1F-CD85-4FA1-B953-AE366BB13AA7}" sibTransId="{D6B393A8-B31E-467F-A439-C7921AEAB30B}"/>
-    <dgm:cxn modelId="{F208E266-859F-4D4B-8AC0-A573E3529CE9}" srcId="{78B7497A-076A-4A7D-A699-F7B84B15D493}" destId="{A77E3808-BB68-4157-A3A9-6EF972858A71}" srcOrd="0" destOrd="0" parTransId="{CAE2B97D-F3CB-4E86-B833-01E86181AED9}" sibTransId="{B4E95669-5130-47EE-9ADC-1553850DB8D9}"/>
     <dgm:cxn modelId="{98507D72-8B57-4A7C-B545-FAD9F57776E0}" type="presParOf" srcId="{59D762EA-2942-4BF1-8CC2-CA2DE2D600A6}" destId="{95A2C5D4-D9DE-4712-B032-2E24A7EF7357}" srcOrd="0" destOrd="0" presId="urn:microsoft.com/office/officeart/2005/8/layout/vList5"/>
     <dgm:cxn modelId="{772194F0-D800-4C26-83DC-FF52E2C9158F}" type="presParOf" srcId="{95A2C5D4-D9DE-4712-B032-2E24A7EF7357}" destId="{2A37E1F1-254C-4AD4-BEC0-D854ACB45241}" srcOrd="0" destOrd="0" presId="urn:microsoft.com/office/officeart/2005/8/layout/vList5"/>
     <dgm:cxn modelId="{F38CAFC8-E2AB-4EE6-9EF0-11B935172067}" type="presParOf" srcId="{95A2C5D4-D9DE-4712-B032-2E24A7EF7357}" destId="{E737CF64-A8CD-49CD-82FF-6D371E9CB6DF}" srcOrd="1" destOrd="0" presId="urn:microsoft.com/office/officeart/2005/8/layout/vList5"/>
@@ -7768,6 +7812,13 @@
     <dgm:pt modelId="{74D295D0-5276-499E-8FB0-A8C07E7B4F33}" type="pres">
       <dgm:prSet presAssocID="{B8738D7E-6AF7-4510-B621-033ED951574C}" presName="wedge1" presStyleLbl="node1" presStyleIdx="0" presStyleCnt="4"/>
       <dgm:spPr/>
+      <dgm:t>
+        <a:bodyPr/>
+        <a:lstStyle/>
+        <a:p>
+          <a:endParaRPr lang="zh-CN" altLang="en-US"/>
+        </a:p>
+      </dgm:t>
     </dgm:pt>
     <dgm:pt modelId="{CFDB478D-2D44-43D2-8DD9-C4589D1326DA}" type="pres">
       <dgm:prSet presAssocID="{B8738D7E-6AF7-4510-B621-033ED951574C}" presName="dummy1a" presStyleCnt="0"/>
@@ -7786,10 +7837,24 @@
         </dgm:presLayoutVars>
       </dgm:prSet>
       <dgm:spPr/>
+      <dgm:t>
+        <a:bodyPr/>
+        <a:lstStyle/>
+        <a:p>
+          <a:endParaRPr lang="zh-CN" altLang="en-US"/>
+        </a:p>
+      </dgm:t>
     </dgm:pt>
     <dgm:pt modelId="{C8E88DF4-FD6F-4615-9B9F-1FF873A52801}" type="pres">
       <dgm:prSet presAssocID="{B8738D7E-6AF7-4510-B621-033ED951574C}" presName="wedge2" presStyleLbl="node1" presStyleIdx="1" presStyleCnt="4"/>
       <dgm:spPr/>
+      <dgm:t>
+        <a:bodyPr/>
+        <a:lstStyle/>
+        <a:p>
+          <a:endParaRPr lang="zh-CN" altLang="en-US"/>
+        </a:p>
+      </dgm:t>
     </dgm:pt>
     <dgm:pt modelId="{51107F34-09CC-4357-B55E-39C0240BBF8F}" type="pres">
       <dgm:prSet presAssocID="{B8738D7E-6AF7-4510-B621-033ED951574C}" presName="dummy2a" presStyleCnt="0"/>
@@ -7808,10 +7873,24 @@
         </dgm:presLayoutVars>
       </dgm:prSet>
       <dgm:spPr/>
+      <dgm:t>
+        <a:bodyPr/>
+        <a:lstStyle/>
+        <a:p>
+          <a:endParaRPr lang="zh-CN" altLang="en-US"/>
+        </a:p>
+      </dgm:t>
     </dgm:pt>
     <dgm:pt modelId="{F5DEE0E9-CEEB-431C-90A8-83BF9D745160}" type="pres">
       <dgm:prSet presAssocID="{B8738D7E-6AF7-4510-B621-033ED951574C}" presName="wedge3" presStyleLbl="node1" presStyleIdx="2" presStyleCnt="4"/>
       <dgm:spPr/>
+      <dgm:t>
+        <a:bodyPr/>
+        <a:lstStyle/>
+        <a:p>
+          <a:endParaRPr lang="zh-CN" altLang="en-US"/>
+        </a:p>
+      </dgm:t>
     </dgm:pt>
     <dgm:pt modelId="{081F27C4-0F6C-428F-ADF4-A6F781972268}" type="pres">
       <dgm:prSet presAssocID="{B8738D7E-6AF7-4510-B621-033ED951574C}" presName="dummy3a" presStyleCnt="0"/>
@@ -7830,10 +7909,24 @@
         </dgm:presLayoutVars>
       </dgm:prSet>
       <dgm:spPr/>
+      <dgm:t>
+        <a:bodyPr/>
+        <a:lstStyle/>
+        <a:p>
+          <a:endParaRPr lang="zh-CN" altLang="en-US"/>
+        </a:p>
+      </dgm:t>
     </dgm:pt>
     <dgm:pt modelId="{168C92B7-97AA-4B12-9FF1-5F98F5E1C39E}" type="pres">
       <dgm:prSet presAssocID="{B8738D7E-6AF7-4510-B621-033ED951574C}" presName="wedge4" presStyleLbl="node1" presStyleIdx="3" presStyleCnt="4"/>
       <dgm:spPr/>
+      <dgm:t>
+        <a:bodyPr/>
+        <a:lstStyle/>
+        <a:p>
+          <a:endParaRPr lang="zh-CN" altLang="en-US"/>
+        </a:p>
+      </dgm:t>
     </dgm:pt>
     <dgm:pt modelId="{0A5BEB15-8BC3-4FDE-8A67-BDAE163B9457}" type="pres">
       <dgm:prSet presAssocID="{B8738D7E-6AF7-4510-B621-033ED951574C}" presName="dummy4a" presStyleCnt="0"/>
@@ -7852,6 +7945,13 @@
         </dgm:presLayoutVars>
       </dgm:prSet>
       <dgm:spPr/>
+      <dgm:t>
+        <a:bodyPr/>
+        <a:lstStyle/>
+        <a:p>
+          <a:endParaRPr lang="zh-CN" altLang="en-US"/>
+        </a:p>
+      </dgm:t>
     </dgm:pt>
     <dgm:pt modelId="{F92B8292-B0E2-4EDB-ACC4-7D2A30A8C0C6}" type="pres">
       <dgm:prSet presAssocID="{9AA11A2C-B2ED-444D-A4C9-1D47D8605C9E}" presName="arrowWedge1" presStyleLbl="fgSibTrans2D1" presStyleIdx="0" presStyleCnt="4"/>
@@ -7877,8 +7977,8 @@
     <dgm:cxn modelId="{129049CB-DD20-4A8E-AFCC-AD89DF46E0C7}" srcId="{B8738D7E-6AF7-4510-B621-033ED951574C}" destId="{724DE811-81CC-4E3A-86B9-7BCCD6410CB1}" srcOrd="1" destOrd="0" parTransId="{A718FFB5-4781-4FF0-B270-E3D151A5F0D6}" sibTransId="{CF91871F-DF58-42A2-8D84-926068CB7634}"/>
     <dgm:cxn modelId="{DAE05D94-F584-43EF-807F-4934399E793F}" srcId="{B8738D7E-6AF7-4510-B621-033ED951574C}" destId="{18DC33DE-3803-4454-A141-BE7CAC8E4BD0}" srcOrd="2" destOrd="0" parTransId="{33CFE7EE-FF31-48E5-87C4-A37A3A3A4307}" sibTransId="{D2F4D4A8-BD16-40F2-B388-3A7DB699A04C}"/>
     <dgm:cxn modelId="{2BE7E646-B985-40C1-8869-DC57E03645ED}" srcId="{B8738D7E-6AF7-4510-B621-033ED951574C}" destId="{282DEB01-FF03-4470-BF8B-5490A53A9876}" srcOrd="3" destOrd="0" parTransId="{B088078F-9D34-465D-AA1A-B4EFA9842D0B}" sibTransId="{F0C0716C-E0E7-4304-B76C-CA9310D01F83}"/>
+    <dgm:cxn modelId="{9BC22681-7B6C-4ACD-8935-D94CA58926E8}" type="presOf" srcId="{18DC33DE-3803-4454-A141-BE7CAC8E4BD0}" destId="{F5DEE0E9-CEEB-431C-90A8-83BF9D745160}" srcOrd="0" destOrd="0" presId="urn:microsoft.com/office/officeart/2005/8/layout/cycle8"/>
     <dgm:cxn modelId="{DB4DA06A-B06C-4AA7-ACB1-7CB04AD23A80}" type="presOf" srcId="{724DE811-81CC-4E3A-86B9-7BCCD6410CB1}" destId="{0B074E37-BFE7-4E37-9C5D-B1D0894E87CC}" srcOrd="1" destOrd="0" presId="urn:microsoft.com/office/officeart/2005/8/layout/cycle8"/>
-    <dgm:cxn modelId="{9BC22681-7B6C-4ACD-8935-D94CA58926E8}" type="presOf" srcId="{18DC33DE-3803-4454-A141-BE7CAC8E4BD0}" destId="{F5DEE0E9-CEEB-431C-90A8-83BF9D745160}" srcOrd="0" destOrd="0" presId="urn:microsoft.com/office/officeart/2005/8/layout/cycle8"/>
     <dgm:cxn modelId="{927609DA-C6D8-4CC6-999C-4AA902CEB5D8}" type="presOf" srcId="{18DC33DE-3803-4454-A141-BE7CAC8E4BD0}" destId="{7E6F771F-D9AF-41A2-9696-69C0F72FC384}" srcOrd="1" destOrd="0" presId="urn:microsoft.com/office/officeart/2005/8/layout/cycle8"/>
     <dgm:cxn modelId="{891A533E-A967-403C-BDB5-3024F2FF2C3A}" srcId="{B8738D7E-6AF7-4510-B621-033ED951574C}" destId="{36EAA10A-30B4-437D-8D02-6FBA39826741}" srcOrd="0" destOrd="0" parTransId="{3C054982-AA42-4E0B-A6B7-BCAF776016C3}" sibTransId="{9AA11A2C-B2ED-444D-A4C9-1D47D8605C9E}"/>
     <dgm:cxn modelId="{DC901E18-B806-4576-BFC6-3E8F8FA8C088}" type="presOf" srcId="{36EAA10A-30B4-437D-8D02-6FBA39826741}" destId="{0CCA9AE8-B52C-471D-8818-F7D46047C13E}" srcOrd="1" destOrd="0" presId="urn:microsoft.com/office/officeart/2005/8/layout/cycle8"/>
@@ -8159,38 +8259,6 @@
         </dgm:presLayoutVars>
       </dgm:prSet>
       <dgm:spPr/>
-    </dgm:pt>
-    <dgm:pt modelId="{7C9BEAAB-6F61-4ABA-8410-651E4C8A800E}" type="pres">
-      <dgm:prSet presAssocID="{E5C8B31E-791A-4C2E-A03A-3430724415C0}" presName="Name1" presStyleCnt="0"/>
-      <dgm:spPr/>
-    </dgm:pt>
-    <dgm:pt modelId="{0F30685F-992C-477B-90AC-5E629143EB45}" type="pres">
-      <dgm:prSet presAssocID="{E5C8B31E-791A-4C2E-A03A-3430724415C0}" presName="cycle" presStyleCnt="0"/>
-      <dgm:spPr/>
-    </dgm:pt>
-    <dgm:pt modelId="{BC8D529A-060D-4A2F-8CAF-376C34D0A21A}" type="pres">
-      <dgm:prSet presAssocID="{E5C8B31E-791A-4C2E-A03A-3430724415C0}" presName="srcNode" presStyleLbl="node1" presStyleIdx="0" presStyleCnt="5"/>
-      <dgm:spPr/>
-    </dgm:pt>
-    <dgm:pt modelId="{D779313D-707E-41BF-B8E6-8B2D1C897073}" type="pres">
-      <dgm:prSet presAssocID="{E5C8B31E-791A-4C2E-A03A-3430724415C0}" presName="conn" presStyleLbl="parChTrans1D2" presStyleIdx="0" presStyleCnt="1"/>
-      <dgm:spPr/>
-    </dgm:pt>
-    <dgm:pt modelId="{3DB93D82-758D-4826-A85D-DD05CE8D2BF3}" type="pres">
-      <dgm:prSet presAssocID="{E5C8B31E-791A-4C2E-A03A-3430724415C0}" presName="extraNode" presStyleLbl="node1" presStyleIdx="0" presStyleCnt="5"/>
-      <dgm:spPr/>
-    </dgm:pt>
-    <dgm:pt modelId="{70BA7A48-49B0-4B23-987C-2FB2808BF993}" type="pres">
-      <dgm:prSet presAssocID="{E5C8B31E-791A-4C2E-A03A-3430724415C0}" presName="dstNode" presStyleLbl="node1" presStyleIdx="0" presStyleCnt="5"/>
-      <dgm:spPr/>
-    </dgm:pt>
-    <dgm:pt modelId="{F4D3F4B1-C46F-4721-9279-3EFE64899D13}" type="pres">
-      <dgm:prSet presAssocID="{907429A9-79E0-44BA-BEF0-3A5DE85DDBF7}" presName="text_1" presStyleLbl="node1" presStyleIdx="0" presStyleCnt="5">
-        <dgm:presLayoutVars>
-          <dgm:bulletEnabled val="1"/>
-        </dgm:presLayoutVars>
-      </dgm:prSet>
-      <dgm:spPr/>
       <dgm:t>
         <a:bodyPr/>
         <a:lstStyle/>
@@ -8199,36 +8267,20 @@
         </a:p>
       </dgm:t>
     </dgm:pt>
-    <dgm:pt modelId="{A2AA4B53-14D8-40F9-94EE-3B64DB95E21B}" type="pres">
-      <dgm:prSet presAssocID="{907429A9-79E0-44BA-BEF0-3A5DE85DDBF7}" presName="accent_1" presStyleCnt="0"/>
-      <dgm:spPr/>
-    </dgm:pt>
-    <dgm:pt modelId="{80B09A78-9371-4D6C-8E97-599A46262442}" type="pres">
-      <dgm:prSet presAssocID="{907429A9-79E0-44BA-BEF0-3A5DE85DDBF7}" presName="accentRepeatNode" presStyleLbl="solidFgAcc1" presStyleIdx="0" presStyleCnt="5"/>
-      <dgm:spPr/>
-    </dgm:pt>
-    <dgm:pt modelId="{3F267390-7FF6-4569-9E25-A0DCA07B6C02}" type="pres">
-      <dgm:prSet presAssocID="{B28975FC-E948-4648-A875-7C357C6AC26F}" presName="text_2" presStyleLbl="node1" presStyleIdx="1" presStyleCnt="5">
-        <dgm:presLayoutVars>
-          <dgm:bulletEnabled val="1"/>
-        </dgm:presLayoutVars>
-      </dgm:prSet>
-      <dgm:spPr/>
-    </dgm:pt>
-    <dgm:pt modelId="{56396D6E-B1CF-4C56-9A0C-2CCA097494F0}" type="pres">
-      <dgm:prSet presAssocID="{B28975FC-E948-4648-A875-7C357C6AC26F}" presName="accent_2" presStyleCnt="0"/>
-      <dgm:spPr/>
-    </dgm:pt>
-    <dgm:pt modelId="{8F44E2D3-E103-4F84-8D3C-D12DA491B67E}" type="pres">
-      <dgm:prSet presAssocID="{B28975FC-E948-4648-A875-7C357C6AC26F}" presName="accentRepeatNode" presStyleLbl="solidFgAcc1" presStyleIdx="1" presStyleCnt="5"/>
-      <dgm:spPr/>
-    </dgm:pt>
-    <dgm:pt modelId="{0874CECC-E343-4A08-8D96-4EFDCDD4B391}" type="pres">
-      <dgm:prSet presAssocID="{B91879AA-243B-4D42-830E-3E66DC48D3B7}" presName="text_3" presStyleLbl="node1" presStyleIdx="2" presStyleCnt="5">
-        <dgm:presLayoutVars>
-          <dgm:bulletEnabled val="1"/>
-        </dgm:presLayoutVars>
-      </dgm:prSet>
+    <dgm:pt modelId="{7C9BEAAB-6F61-4ABA-8410-651E4C8A800E}" type="pres">
+      <dgm:prSet presAssocID="{E5C8B31E-791A-4C2E-A03A-3430724415C0}" presName="Name1" presStyleCnt="0"/>
+      <dgm:spPr/>
+    </dgm:pt>
+    <dgm:pt modelId="{0F30685F-992C-477B-90AC-5E629143EB45}" type="pres">
+      <dgm:prSet presAssocID="{E5C8B31E-791A-4C2E-A03A-3430724415C0}" presName="cycle" presStyleCnt="0"/>
+      <dgm:spPr/>
+    </dgm:pt>
+    <dgm:pt modelId="{BC8D529A-060D-4A2F-8CAF-376C34D0A21A}" type="pres">
+      <dgm:prSet presAssocID="{E5C8B31E-791A-4C2E-A03A-3430724415C0}" presName="srcNode" presStyleLbl="node1" presStyleIdx="0" presStyleCnt="5"/>
+      <dgm:spPr/>
+    </dgm:pt>
+    <dgm:pt modelId="{D779313D-707E-41BF-B8E6-8B2D1C897073}" type="pres">
+      <dgm:prSet presAssocID="{E5C8B31E-791A-4C2E-A03A-3430724415C0}" presName="conn" presStyleLbl="parChTrans1D2" presStyleIdx="0" presStyleCnt="1"/>
       <dgm:spPr/>
       <dgm:t>
         <a:bodyPr/>
@@ -8238,32 +8290,16 @@
         </a:p>
       </dgm:t>
     </dgm:pt>
-    <dgm:pt modelId="{9714E580-CA41-418C-8F68-51797F272536}" type="pres">
-      <dgm:prSet presAssocID="{B91879AA-243B-4D42-830E-3E66DC48D3B7}" presName="accent_3" presStyleCnt="0"/>
-      <dgm:spPr/>
-    </dgm:pt>
-    <dgm:pt modelId="{DF7B3C77-F692-46CA-B323-4B80B9509E50}" type="pres">
-      <dgm:prSet presAssocID="{B91879AA-243B-4D42-830E-3E66DC48D3B7}" presName="accentRepeatNode" presStyleLbl="solidFgAcc1" presStyleIdx="2" presStyleCnt="5"/>
-      <dgm:spPr/>
-    </dgm:pt>
-    <dgm:pt modelId="{19309AF8-AEA3-4104-A4AB-1F258F9270E3}" type="pres">
-      <dgm:prSet presAssocID="{898087D7-4BE7-4706-9896-F2D6BDC861FE}" presName="text_4" presStyleLbl="node1" presStyleIdx="3" presStyleCnt="5">
-        <dgm:presLayoutVars>
-          <dgm:bulletEnabled val="1"/>
-        </dgm:presLayoutVars>
-      </dgm:prSet>
-      <dgm:spPr/>
-    </dgm:pt>
-    <dgm:pt modelId="{3AD1B16E-2A3B-47E7-AA02-41E8D545D0EA}" type="pres">
-      <dgm:prSet presAssocID="{898087D7-4BE7-4706-9896-F2D6BDC861FE}" presName="accent_4" presStyleCnt="0"/>
-      <dgm:spPr/>
-    </dgm:pt>
-    <dgm:pt modelId="{D593EE6E-A677-40AE-9B29-5717F224E215}" type="pres">
-      <dgm:prSet presAssocID="{898087D7-4BE7-4706-9896-F2D6BDC861FE}" presName="accentRepeatNode" presStyleLbl="solidFgAcc1" presStyleIdx="3" presStyleCnt="5"/>
-      <dgm:spPr/>
-    </dgm:pt>
-    <dgm:pt modelId="{8EB94930-FDDB-46C8-9755-2E09CF5310E8}" type="pres">
-      <dgm:prSet presAssocID="{5064E792-07AB-406B-8246-19EC7ABA9FC8}" presName="text_5" presStyleLbl="node1" presStyleIdx="4" presStyleCnt="5">
+    <dgm:pt modelId="{3DB93D82-758D-4826-A85D-DD05CE8D2BF3}" type="pres">
+      <dgm:prSet presAssocID="{E5C8B31E-791A-4C2E-A03A-3430724415C0}" presName="extraNode" presStyleLbl="node1" presStyleIdx="0" presStyleCnt="5"/>
+      <dgm:spPr/>
+    </dgm:pt>
+    <dgm:pt modelId="{70BA7A48-49B0-4B23-987C-2FB2808BF993}" type="pres">
+      <dgm:prSet presAssocID="{E5C8B31E-791A-4C2E-A03A-3430724415C0}" presName="dstNode" presStyleLbl="node1" presStyleIdx="0" presStyleCnt="5"/>
+      <dgm:spPr/>
+    </dgm:pt>
+    <dgm:pt modelId="{F4D3F4B1-C46F-4721-9279-3EFE64899D13}" type="pres">
+      <dgm:prSet presAssocID="{907429A9-79E0-44BA-BEF0-3A5DE85DDBF7}" presName="text_1" presStyleLbl="node1" presStyleIdx="0" presStyleCnt="5">
         <dgm:presLayoutVars>
           <dgm:bulletEnabled val="1"/>
         </dgm:presLayoutVars>
@@ -8277,6 +8313,98 @@
         </a:p>
       </dgm:t>
     </dgm:pt>
+    <dgm:pt modelId="{A2AA4B53-14D8-40F9-94EE-3B64DB95E21B}" type="pres">
+      <dgm:prSet presAssocID="{907429A9-79E0-44BA-BEF0-3A5DE85DDBF7}" presName="accent_1" presStyleCnt="0"/>
+      <dgm:spPr/>
+    </dgm:pt>
+    <dgm:pt modelId="{80B09A78-9371-4D6C-8E97-599A46262442}" type="pres">
+      <dgm:prSet presAssocID="{907429A9-79E0-44BA-BEF0-3A5DE85DDBF7}" presName="accentRepeatNode" presStyleLbl="solidFgAcc1" presStyleIdx="0" presStyleCnt="5"/>
+      <dgm:spPr/>
+    </dgm:pt>
+    <dgm:pt modelId="{3F267390-7FF6-4569-9E25-A0DCA07B6C02}" type="pres">
+      <dgm:prSet presAssocID="{B28975FC-E948-4648-A875-7C357C6AC26F}" presName="text_2" presStyleLbl="node1" presStyleIdx="1" presStyleCnt="5">
+        <dgm:presLayoutVars>
+          <dgm:bulletEnabled val="1"/>
+        </dgm:presLayoutVars>
+      </dgm:prSet>
+      <dgm:spPr/>
+      <dgm:t>
+        <a:bodyPr/>
+        <a:lstStyle/>
+        <a:p>
+          <a:endParaRPr lang="zh-CN" altLang="en-US"/>
+        </a:p>
+      </dgm:t>
+    </dgm:pt>
+    <dgm:pt modelId="{56396D6E-B1CF-4C56-9A0C-2CCA097494F0}" type="pres">
+      <dgm:prSet presAssocID="{B28975FC-E948-4648-A875-7C357C6AC26F}" presName="accent_2" presStyleCnt="0"/>
+      <dgm:spPr/>
+    </dgm:pt>
+    <dgm:pt modelId="{8F44E2D3-E103-4F84-8D3C-D12DA491B67E}" type="pres">
+      <dgm:prSet presAssocID="{B28975FC-E948-4648-A875-7C357C6AC26F}" presName="accentRepeatNode" presStyleLbl="solidFgAcc1" presStyleIdx="1" presStyleCnt="5"/>
+      <dgm:spPr/>
+    </dgm:pt>
+    <dgm:pt modelId="{0874CECC-E343-4A08-8D96-4EFDCDD4B391}" type="pres">
+      <dgm:prSet presAssocID="{B91879AA-243B-4D42-830E-3E66DC48D3B7}" presName="text_3" presStyleLbl="node1" presStyleIdx="2" presStyleCnt="5">
+        <dgm:presLayoutVars>
+          <dgm:bulletEnabled val="1"/>
+        </dgm:presLayoutVars>
+      </dgm:prSet>
+      <dgm:spPr/>
+      <dgm:t>
+        <a:bodyPr/>
+        <a:lstStyle/>
+        <a:p>
+          <a:endParaRPr lang="zh-CN" altLang="en-US"/>
+        </a:p>
+      </dgm:t>
+    </dgm:pt>
+    <dgm:pt modelId="{9714E580-CA41-418C-8F68-51797F272536}" type="pres">
+      <dgm:prSet presAssocID="{B91879AA-243B-4D42-830E-3E66DC48D3B7}" presName="accent_3" presStyleCnt="0"/>
+      <dgm:spPr/>
+    </dgm:pt>
+    <dgm:pt modelId="{DF7B3C77-F692-46CA-B323-4B80B9509E50}" type="pres">
+      <dgm:prSet presAssocID="{B91879AA-243B-4D42-830E-3E66DC48D3B7}" presName="accentRepeatNode" presStyleLbl="solidFgAcc1" presStyleIdx="2" presStyleCnt="5"/>
+      <dgm:spPr/>
+    </dgm:pt>
+    <dgm:pt modelId="{19309AF8-AEA3-4104-A4AB-1F258F9270E3}" type="pres">
+      <dgm:prSet presAssocID="{898087D7-4BE7-4706-9896-F2D6BDC861FE}" presName="text_4" presStyleLbl="node1" presStyleIdx="3" presStyleCnt="5">
+        <dgm:presLayoutVars>
+          <dgm:bulletEnabled val="1"/>
+        </dgm:presLayoutVars>
+      </dgm:prSet>
+      <dgm:spPr/>
+      <dgm:t>
+        <a:bodyPr/>
+        <a:lstStyle/>
+        <a:p>
+          <a:endParaRPr lang="zh-CN" altLang="en-US"/>
+        </a:p>
+      </dgm:t>
+    </dgm:pt>
+    <dgm:pt modelId="{3AD1B16E-2A3B-47E7-AA02-41E8D545D0EA}" type="pres">
+      <dgm:prSet presAssocID="{898087D7-4BE7-4706-9896-F2D6BDC861FE}" presName="accent_4" presStyleCnt="0"/>
+      <dgm:spPr/>
+    </dgm:pt>
+    <dgm:pt modelId="{D593EE6E-A677-40AE-9B29-5717F224E215}" type="pres">
+      <dgm:prSet presAssocID="{898087D7-4BE7-4706-9896-F2D6BDC861FE}" presName="accentRepeatNode" presStyleLbl="solidFgAcc1" presStyleIdx="3" presStyleCnt="5"/>
+      <dgm:spPr/>
+    </dgm:pt>
+    <dgm:pt modelId="{8EB94930-FDDB-46C8-9755-2E09CF5310E8}" type="pres">
+      <dgm:prSet presAssocID="{5064E792-07AB-406B-8246-19EC7ABA9FC8}" presName="text_5" presStyleLbl="node1" presStyleIdx="4" presStyleCnt="5">
+        <dgm:presLayoutVars>
+          <dgm:bulletEnabled val="1"/>
+        </dgm:presLayoutVars>
+      </dgm:prSet>
+      <dgm:spPr/>
+      <dgm:t>
+        <a:bodyPr/>
+        <a:lstStyle/>
+        <a:p>
+          <a:endParaRPr lang="zh-CN" altLang="en-US"/>
+        </a:p>
+      </dgm:t>
+    </dgm:pt>
     <dgm:pt modelId="{6F7E7CAA-0B0C-4208-A5DB-D8FC099DEC2D}" type="pres">
       <dgm:prSet presAssocID="{5064E792-07AB-406B-8246-19EC7ABA9FC8}" presName="accent_5" presStyleCnt="0"/>
       <dgm:spPr/>
@@ -8287,18 +8415,18 @@
     </dgm:pt>
   </dgm:ptLst>
   <dgm:cxnLst>
-    <dgm:cxn modelId="{8EF5CF55-DD62-4D6C-B3F8-2B57E2054621}" srcId="{E5C8B31E-791A-4C2E-A03A-3430724415C0}" destId="{898087D7-4BE7-4706-9896-F2D6BDC861FE}" srcOrd="3" destOrd="0" parTransId="{27FC07A7-35B0-438B-BC6A-0B06211A6297}" sibTransId="{E04A2D32-74EF-4E2A-8A61-FD572D9496F5}"/>
-    <dgm:cxn modelId="{C20639BB-0AAF-46B4-AE73-1BABB86B0E32}" srcId="{E5C8B31E-791A-4C2E-A03A-3430724415C0}" destId="{907429A9-79E0-44BA-BEF0-3A5DE85DDBF7}" srcOrd="0" destOrd="0" parTransId="{5D11A6C7-95D2-4944-B929-F96CD1A15CBD}" sibTransId="{AB528F30-96BE-4653-9F3E-E90A3C4EB2F8}"/>
-    <dgm:cxn modelId="{70208068-2F96-4D11-8E42-E3FC2983DF12}" srcId="{E5C8B31E-791A-4C2E-A03A-3430724415C0}" destId="{B91879AA-243B-4D42-830E-3E66DC48D3B7}" srcOrd="2" destOrd="0" parTransId="{625D6BF5-5121-48D8-8622-E5944492AFE1}" sibTransId="{2B8EB0B0-3858-4D8F-9FFA-268296E40F2A}"/>
-    <dgm:cxn modelId="{3D7A116E-A749-4359-8123-954F889CC940}" type="presOf" srcId="{AB528F30-96BE-4653-9F3E-E90A3C4EB2F8}" destId="{D779313D-707E-41BF-B8E6-8B2D1C897073}" srcOrd="0" destOrd="0" presId="urn:microsoft.com/office/officeart/2008/layout/VerticalCurvedList"/>
-    <dgm:cxn modelId="{CC504909-A9AB-4D9B-B92C-1FEAB525F9F9}" type="presOf" srcId="{907429A9-79E0-44BA-BEF0-3A5DE85DDBF7}" destId="{F4D3F4B1-C46F-4721-9279-3EFE64899D13}" srcOrd="0" destOrd="0" presId="urn:microsoft.com/office/officeart/2008/layout/VerticalCurvedList"/>
-    <dgm:cxn modelId="{948FCD76-D463-4A7F-B95E-5AB2CCD417FE}" srcId="{E5C8B31E-791A-4C2E-A03A-3430724415C0}" destId="{B28975FC-E948-4648-A875-7C357C6AC26F}" srcOrd="1" destOrd="0" parTransId="{2D13C71B-9DB4-4FA7-AE8F-A641A8724C14}" sibTransId="{FD886159-1406-4436-B5C5-B60A303F8A5C}"/>
-    <dgm:cxn modelId="{ED51BFB1-8968-4E90-B6F8-72EE3B2D0480}" type="presOf" srcId="{B91879AA-243B-4D42-830E-3E66DC48D3B7}" destId="{0874CECC-E343-4A08-8D96-4EFDCDD4B391}" srcOrd="0" destOrd="0" presId="urn:microsoft.com/office/officeart/2008/layout/VerticalCurvedList"/>
     <dgm:cxn modelId="{98D4F480-4F92-4D51-B51A-FA231E2902B0}" type="presOf" srcId="{5064E792-07AB-406B-8246-19EC7ABA9FC8}" destId="{8EB94930-FDDB-46C8-9755-2E09CF5310E8}" srcOrd="0" destOrd="0" presId="urn:microsoft.com/office/officeart/2008/layout/VerticalCurvedList"/>
-    <dgm:cxn modelId="{0D0299CC-D0DE-42D8-BB3F-1163C4849114}" type="presOf" srcId="{898087D7-4BE7-4706-9896-F2D6BDC861FE}" destId="{19309AF8-AEA3-4104-A4AB-1F258F9270E3}" srcOrd="0" destOrd="0" presId="urn:microsoft.com/office/officeart/2008/layout/VerticalCurvedList"/>
     <dgm:cxn modelId="{32D8BC58-17C3-427F-ABF3-EEEDD51795D0}" type="presOf" srcId="{E5C8B31E-791A-4C2E-A03A-3430724415C0}" destId="{CDAB3C03-31D2-49DA-AE43-E3BB21A9C338}" srcOrd="0" destOrd="0" presId="urn:microsoft.com/office/officeart/2008/layout/VerticalCurvedList"/>
     <dgm:cxn modelId="{A689FF30-FA93-4A90-814B-0D1512D27DC8}" type="presOf" srcId="{B28975FC-E948-4648-A875-7C357C6AC26F}" destId="{3F267390-7FF6-4569-9E25-A0DCA07B6C02}" srcOrd="0" destOrd="0" presId="urn:microsoft.com/office/officeart/2008/layout/VerticalCurvedList"/>
+    <dgm:cxn modelId="{C20639BB-0AAF-46B4-AE73-1BABB86B0E32}" srcId="{E5C8B31E-791A-4C2E-A03A-3430724415C0}" destId="{907429A9-79E0-44BA-BEF0-3A5DE85DDBF7}" srcOrd="0" destOrd="0" parTransId="{5D11A6C7-95D2-4944-B929-F96CD1A15CBD}" sibTransId="{AB528F30-96BE-4653-9F3E-E90A3C4EB2F8}"/>
+    <dgm:cxn modelId="{CC504909-A9AB-4D9B-B92C-1FEAB525F9F9}" type="presOf" srcId="{907429A9-79E0-44BA-BEF0-3A5DE85DDBF7}" destId="{F4D3F4B1-C46F-4721-9279-3EFE64899D13}" srcOrd="0" destOrd="0" presId="urn:microsoft.com/office/officeart/2008/layout/VerticalCurvedList"/>
+    <dgm:cxn modelId="{0D0299CC-D0DE-42D8-BB3F-1163C4849114}" type="presOf" srcId="{898087D7-4BE7-4706-9896-F2D6BDC861FE}" destId="{19309AF8-AEA3-4104-A4AB-1F258F9270E3}" srcOrd="0" destOrd="0" presId="urn:microsoft.com/office/officeart/2008/layout/VerticalCurvedList"/>
     <dgm:cxn modelId="{095C9A20-62D5-486D-9420-67B862B2E291}" srcId="{E5C8B31E-791A-4C2E-A03A-3430724415C0}" destId="{5064E792-07AB-406B-8246-19EC7ABA9FC8}" srcOrd="4" destOrd="0" parTransId="{ECF52270-2486-4719-9638-17A0B51C2D83}" sibTransId="{5B5F24F7-C51C-4C4F-A239-005991923D10}"/>
+    <dgm:cxn modelId="{70208068-2F96-4D11-8E42-E3FC2983DF12}" srcId="{E5C8B31E-791A-4C2E-A03A-3430724415C0}" destId="{B91879AA-243B-4D42-830E-3E66DC48D3B7}" srcOrd="2" destOrd="0" parTransId="{625D6BF5-5121-48D8-8622-E5944492AFE1}" sibTransId="{2B8EB0B0-3858-4D8F-9FFA-268296E40F2A}"/>
+    <dgm:cxn modelId="{ED51BFB1-8968-4E90-B6F8-72EE3B2D0480}" type="presOf" srcId="{B91879AA-243B-4D42-830E-3E66DC48D3B7}" destId="{0874CECC-E343-4A08-8D96-4EFDCDD4B391}" srcOrd="0" destOrd="0" presId="urn:microsoft.com/office/officeart/2008/layout/VerticalCurvedList"/>
+    <dgm:cxn modelId="{8EF5CF55-DD62-4D6C-B3F8-2B57E2054621}" srcId="{E5C8B31E-791A-4C2E-A03A-3430724415C0}" destId="{898087D7-4BE7-4706-9896-F2D6BDC861FE}" srcOrd="3" destOrd="0" parTransId="{27FC07A7-35B0-438B-BC6A-0B06211A6297}" sibTransId="{E04A2D32-74EF-4E2A-8A61-FD572D9496F5}"/>
+    <dgm:cxn modelId="{3D7A116E-A749-4359-8123-954F889CC940}" type="presOf" srcId="{AB528F30-96BE-4653-9F3E-E90A3C4EB2F8}" destId="{D779313D-707E-41BF-B8E6-8B2D1C897073}" srcOrd="0" destOrd="0" presId="urn:microsoft.com/office/officeart/2008/layout/VerticalCurvedList"/>
+    <dgm:cxn modelId="{948FCD76-D463-4A7F-B95E-5AB2CCD417FE}" srcId="{E5C8B31E-791A-4C2E-A03A-3430724415C0}" destId="{B28975FC-E948-4648-A875-7C357C6AC26F}" srcOrd="1" destOrd="0" parTransId="{2D13C71B-9DB4-4FA7-AE8F-A641A8724C14}" sibTransId="{FD886159-1406-4436-B5C5-B60A303F8A5C}"/>
     <dgm:cxn modelId="{92F35B15-040A-4543-9C91-F47F934EEF8E}" type="presParOf" srcId="{CDAB3C03-31D2-49DA-AE43-E3BB21A9C338}" destId="{7C9BEAAB-6F61-4ABA-8410-651E4C8A800E}" srcOrd="0" destOrd="0" presId="urn:microsoft.com/office/officeart/2008/layout/VerticalCurvedList"/>
     <dgm:cxn modelId="{CB67FF3E-1509-411A-8271-4C22D46F74F1}" type="presParOf" srcId="{7C9BEAAB-6F61-4ABA-8410-651E4C8A800E}" destId="{0F30685F-992C-477B-90AC-5E629143EB45}" srcOrd="0" destOrd="0" presId="urn:microsoft.com/office/officeart/2008/layout/VerticalCurvedList"/>
     <dgm:cxn modelId="{D9A24550-B96A-4FAC-BF57-15C20318959C}" type="presParOf" srcId="{0F30685F-992C-477B-90AC-5E629143EB45}" destId="{BC8D529A-060D-4A2F-8CAF-376C34D0A21A}" srcOrd="0" destOrd="0" presId="urn:microsoft.com/office/officeart/2008/layout/VerticalCurvedList"/>
@@ -8428,7 +8556,15 @@
         <a:p>
           <a:r>
             <a:rPr lang="zh-CN" altLang="en-US" dirty="0" smtClean="0"/>
-            <a:t>识别关键路径：各条工作线是否平衡，有没有哪个人频繁出现在关键路径上</a:t>
+            <a:t>识别关键路径：各条</a:t>
+          </a:r>
+          <a:r>
+            <a:rPr lang="zh-CN" altLang="en-US" dirty="0" smtClean="0"/>
+            <a:t>工作路径是否</a:t>
+          </a:r>
+          <a:r>
+            <a:rPr lang="zh-CN" altLang="en-US" dirty="0" smtClean="0"/>
+            <a:t>平衡，有没有哪个人频繁出现在关键路径上</a:t>
           </a:r>
           <a:endParaRPr lang="zh-CN" altLang="en-US" dirty="0"/>
         </a:p>
@@ -8909,6 +9045,13 @@
         </dgm:presLayoutVars>
       </dgm:prSet>
       <dgm:spPr/>
+      <dgm:t>
+        <a:bodyPr/>
+        <a:lstStyle/>
+        <a:p>
+          <a:endParaRPr lang="zh-CN" altLang="en-US"/>
+        </a:p>
+      </dgm:t>
     </dgm:pt>
     <dgm:pt modelId="{26628DF9-74B0-4254-A0D4-A5F5AF9D3173}" type="pres">
       <dgm:prSet presAssocID="{123171E8-E449-43B9-BE4C-4C7DA2D6090A}" presName="composite" presStyleCnt="0"/>
@@ -8922,14 +9065,6 @@
         </dgm:presLayoutVars>
       </dgm:prSet>
       <dgm:spPr/>
-    </dgm:pt>
-    <dgm:pt modelId="{33DF0D66-E96B-4FDB-9B6A-78B89254DDB9}" type="pres">
-      <dgm:prSet presAssocID="{123171E8-E449-43B9-BE4C-4C7DA2D6090A}" presName="descendantText" presStyleLbl="alignAcc1" presStyleIdx="0" presStyleCnt="3">
-        <dgm:presLayoutVars>
-          <dgm:bulletEnabled val="1"/>
-        </dgm:presLayoutVars>
-      </dgm:prSet>
-      <dgm:spPr/>
       <dgm:t>
         <a:bodyPr/>
         <a:lstStyle/>
@@ -8938,6 +9073,21 @@
         </a:p>
       </dgm:t>
     </dgm:pt>
+    <dgm:pt modelId="{33DF0D66-E96B-4FDB-9B6A-78B89254DDB9}" type="pres">
+      <dgm:prSet presAssocID="{123171E8-E449-43B9-BE4C-4C7DA2D6090A}" presName="descendantText" presStyleLbl="alignAcc1" presStyleIdx="0" presStyleCnt="3">
+        <dgm:presLayoutVars>
+          <dgm:bulletEnabled val="1"/>
+        </dgm:presLayoutVars>
+      </dgm:prSet>
+      <dgm:spPr/>
+      <dgm:t>
+        <a:bodyPr/>
+        <a:lstStyle/>
+        <a:p>
+          <a:endParaRPr lang="zh-CN" altLang="en-US"/>
+        </a:p>
+      </dgm:t>
+    </dgm:pt>
     <dgm:pt modelId="{BE066A11-48B4-4260-8D93-F1ECB82EBF1D}" type="pres">
       <dgm:prSet presAssocID="{58E2A2F8-E6E6-4495-AC5F-E9C4F025311A}" presName="sp" presStyleCnt="0"/>
       <dgm:spPr/>
@@ -8954,14 +9104,6 @@
         </dgm:presLayoutVars>
       </dgm:prSet>
       <dgm:spPr/>
-    </dgm:pt>
-    <dgm:pt modelId="{5D032982-002C-4EB3-8AE3-B37CDA05A4C9}" type="pres">
-      <dgm:prSet presAssocID="{C69904F9-B14F-41B2-806C-A13CCFA37BC1}" presName="descendantText" presStyleLbl="alignAcc1" presStyleIdx="1" presStyleCnt="3">
-        <dgm:presLayoutVars>
-          <dgm:bulletEnabled val="1"/>
-        </dgm:presLayoutVars>
-      </dgm:prSet>
-      <dgm:spPr/>
       <dgm:t>
         <a:bodyPr/>
         <a:lstStyle/>
@@ -8970,6 +9112,21 @@
         </a:p>
       </dgm:t>
     </dgm:pt>
+    <dgm:pt modelId="{5D032982-002C-4EB3-8AE3-B37CDA05A4C9}" type="pres">
+      <dgm:prSet presAssocID="{C69904F9-B14F-41B2-806C-A13CCFA37BC1}" presName="descendantText" presStyleLbl="alignAcc1" presStyleIdx="1" presStyleCnt="3">
+        <dgm:presLayoutVars>
+          <dgm:bulletEnabled val="1"/>
+        </dgm:presLayoutVars>
+      </dgm:prSet>
+      <dgm:spPr/>
+      <dgm:t>
+        <a:bodyPr/>
+        <a:lstStyle/>
+        <a:p>
+          <a:endParaRPr lang="zh-CN" altLang="en-US"/>
+        </a:p>
+      </dgm:t>
+    </dgm:pt>
     <dgm:pt modelId="{7D2ECE19-073C-42B6-858F-D63E1B0EC551}" type="pres">
       <dgm:prSet presAssocID="{BCDD7FBA-33A2-4FA6-B475-3B3801A50749}" presName="sp" presStyleCnt="0"/>
       <dgm:spPr/>
@@ -8986,14 +9143,6 @@
         </dgm:presLayoutVars>
       </dgm:prSet>
       <dgm:spPr/>
-    </dgm:pt>
-    <dgm:pt modelId="{9AA928B1-F3B4-441D-AC8D-05E6E7828C9B}" type="pres">
-      <dgm:prSet presAssocID="{06DB8F52-D3B1-492D-AEA9-85E1BDE8249F}" presName="descendantText" presStyleLbl="alignAcc1" presStyleIdx="2" presStyleCnt="3">
-        <dgm:presLayoutVars>
-          <dgm:bulletEnabled val="1"/>
-        </dgm:presLayoutVars>
-      </dgm:prSet>
-      <dgm:spPr/>
       <dgm:t>
         <a:bodyPr/>
         <a:lstStyle/>
@@ -9002,39 +9151,54 @@
         </a:p>
       </dgm:t>
     </dgm:pt>
+    <dgm:pt modelId="{9AA928B1-F3B4-441D-AC8D-05E6E7828C9B}" type="pres">
+      <dgm:prSet presAssocID="{06DB8F52-D3B1-492D-AEA9-85E1BDE8249F}" presName="descendantText" presStyleLbl="alignAcc1" presStyleIdx="2" presStyleCnt="3">
+        <dgm:presLayoutVars>
+          <dgm:bulletEnabled val="1"/>
+        </dgm:presLayoutVars>
+      </dgm:prSet>
+      <dgm:spPr/>
+      <dgm:t>
+        <a:bodyPr/>
+        <a:lstStyle/>
+        <a:p>
+          <a:endParaRPr lang="zh-CN" altLang="en-US"/>
+        </a:p>
+      </dgm:t>
+    </dgm:pt>
   </dgm:ptLst>
   <dgm:cxnLst>
+    <dgm:cxn modelId="{26D2533D-975B-474D-9DB2-D40E59B15429}" type="presOf" srcId="{AEC0B0C2-0540-489B-96FB-C75E9774E537}" destId="{9AA928B1-F3B4-441D-AC8D-05E6E7828C9B}" srcOrd="0" destOrd="0" presId="urn:microsoft.com/office/officeart/2005/8/layout/chevron2"/>
+    <dgm:cxn modelId="{6E19A92C-D72D-420D-8BC1-699F215D6734}" srcId="{06DB8F52-D3B1-492D-AEA9-85E1BDE8249F}" destId="{AEC0B0C2-0540-489B-96FB-C75E9774E537}" srcOrd="0" destOrd="0" parTransId="{28186415-223C-4FDF-8ECD-3997B4FB6D65}" sibTransId="{7C49ADC1-0AD0-4976-923B-6D7AEB7398C4}"/>
+    <dgm:cxn modelId="{904EB328-D17A-477E-9A19-E5B5BF33C300}" srcId="{C69904F9-B14F-41B2-806C-A13CCFA37BC1}" destId="{1313A8A5-2CA1-4C0B-97DC-ACD3255E6CA3}" srcOrd="0" destOrd="0" parTransId="{455D11BB-F023-4302-87AE-0FD89ACFC46F}" sibTransId="{CD73B9B8-19E1-43B9-B592-F7FCCF5C1E1D}"/>
+    <dgm:cxn modelId="{D8D2E2E2-69C9-4DBD-8345-3C53291B14EC}" type="presOf" srcId="{9973721E-C46D-43EB-A516-D1D3D3F1F6BC}" destId="{9AA928B1-F3B4-441D-AC8D-05E6E7828C9B}" srcOrd="0" destOrd="2" presId="urn:microsoft.com/office/officeart/2005/8/layout/chevron2"/>
+    <dgm:cxn modelId="{8682D148-2EF7-4F34-A8DF-2AB1744AD44B}" srcId="{123171E8-E449-43B9-BE4C-4C7DA2D6090A}" destId="{733729D2-FCDE-4D22-B717-9095C3F8500A}" srcOrd="3" destOrd="0" parTransId="{5E37FEB3-77A8-4984-8261-1A85031ACAF1}" sibTransId="{A392AEEB-FA09-415E-937F-0A58985AA7A9}"/>
+    <dgm:cxn modelId="{E5C8927F-0D74-40CC-B246-0F5685E28AC8}" type="presOf" srcId="{06DB8F52-D3B1-492D-AEA9-85E1BDE8249F}" destId="{85BB5A4F-F6B4-4109-97B8-C43DE8CDA196}" srcOrd="0" destOrd="0" presId="urn:microsoft.com/office/officeart/2005/8/layout/chevron2"/>
+    <dgm:cxn modelId="{68556EF8-A0C4-4567-8646-8670C48E4012}" srcId="{123171E8-E449-43B9-BE4C-4C7DA2D6090A}" destId="{C0CC0B33-D48E-4557-BA11-4DDEAB2C3AAC}" srcOrd="2" destOrd="0" parTransId="{F36A6995-0CDF-4E06-8566-231C940507D7}" sibTransId="{6A553552-EAA1-4CB0-845E-94D54163C94B}"/>
+    <dgm:cxn modelId="{30F2C4CD-913D-4A42-9BAB-D5896D92047D}" srcId="{C69904F9-B14F-41B2-806C-A13CCFA37BC1}" destId="{F5B815D2-F804-4938-B34D-86776C9F9294}" srcOrd="2" destOrd="0" parTransId="{6ADCBC35-D04E-455A-AB29-B5DFA2970471}" sibTransId="{3988B33B-CFF8-4A63-A5FF-42ECDFE53107}"/>
+    <dgm:cxn modelId="{404E715C-5E57-49AA-A3CA-08A792A28A5F}" type="presOf" srcId="{123171E8-E449-43B9-BE4C-4C7DA2D6090A}" destId="{61D2B5E0-4B26-4250-BF33-73906F252051}" srcOrd="0" destOrd="0" presId="urn:microsoft.com/office/officeart/2005/8/layout/chevron2"/>
     <dgm:cxn modelId="{3E0B1272-ADDA-4FA4-A311-406D5E960185}" type="presOf" srcId="{9DD670BF-AAD2-4D91-98B4-F6133A6D96D7}" destId="{33DF0D66-E96B-4FDB-9B6A-78B89254DDB9}" srcOrd="0" destOrd="1" presId="urn:microsoft.com/office/officeart/2005/8/layout/chevron2"/>
-    <dgm:cxn modelId="{E5C8927F-0D74-40CC-B246-0F5685E28AC8}" type="presOf" srcId="{06DB8F52-D3B1-492D-AEA9-85E1BDE8249F}" destId="{85BB5A4F-F6B4-4109-97B8-C43DE8CDA196}" srcOrd="0" destOrd="0" presId="urn:microsoft.com/office/officeart/2005/8/layout/chevron2"/>
+    <dgm:cxn modelId="{C9666DE4-7855-460F-B5B7-6F07927AEF38}" srcId="{B3B363BF-6191-4AD3-A7B3-31EDA8455708}" destId="{06DB8F52-D3B1-492D-AEA9-85E1BDE8249F}" srcOrd="2" destOrd="0" parTransId="{23440E14-7FB3-4D72-ACBC-23FADDF819C3}" sibTransId="{5BCC91BB-C804-437E-B11C-C8E6E6FBD014}"/>
+    <dgm:cxn modelId="{84E227F5-65B5-43FE-A502-37624ADC9A1D}" type="presOf" srcId="{C0CC0B33-D48E-4557-BA11-4DDEAB2C3AAC}" destId="{33DF0D66-E96B-4FDB-9B6A-78B89254DDB9}" srcOrd="0" destOrd="2" presId="urn:microsoft.com/office/officeart/2005/8/layout/chevron2"/>
     <dgm:cxn modelId="{4338D71B-0824-4ED9-93AC-CA2760EF649C}" srcId="{123171E8-E449-43B9-BE4C-4C7DA2D6090A}" destId="{9DD670BF-AAD2-4D91-98B4-F6133A6D96D7}" srcOrd="1" destOrd="0" parTransId="{39746A68-928E-45A5-B78D-74F081F3794E}" sibTransId="{B0D31786-1DD4-49EB-A656-9AABDCEC3094}"/>
-    <dgm:cxn modelId="{30F2C4CD-913D-4A42-9BAB-D5896D92047D}" srcId="{C69904F9-B14F-41B2-806C-A13CCFA37BC1}" destId="{F5B815D2-F804-4938-B34D-86776C9F9294}" srcOrd="2" destOrd="0" parTransId="{6ADCBC35-D04E-455A-AB29-B5DFA2970471}" sibTransId="{3988B33B-CFF8-4A63-A5FF-42ECDFE53107}"/>
+    <dgm:cxn modelId="{754B3549-D1D7-41C7-B8A8-3E11B1C517F8}" type="presOf" srcId="{58C10BF8-C585-433D-81BD-699F5C035850}" destId="{9AA928B1-F3B4-441D-AC8D-05E6E7828C9B}" srcOrd="0" destOrd="3" presId="urn:microsoft.com/office/officeart/2005/8/layout/chevron2"/>
+    <dgm:cxn modelId="{AF2D7C9C-E91C-4326-84B9-9C9EC84CC359}" type="presOf" srcId="{089BA18D-9985-4559-A0AA-B4200A476403}" destId="{33DF0D66-E96B-4FDB-9B6A-78B89254DDB9}" srcOrd="0" destOrd="0" presId="urn:microsoft.com/office/officeart/2005/8/layout/chevron2"/>
+    <dgm:cxn modelId="{80722491-B468-4ECF-88AF-63325FE02A38}" srcId="{C69904F9-B14F-41B2-806C-A13CCFA37BC1}" destId="{B8AD99EA-CB7B-4390-A9F7-351D47653284}" srcOrd="1" destOrd="0" parTransId="{670142C8-19C1-4EBD-B111-A883CE70825F}" sibTransId="{B8EDF8B0-9D02-41CD-AD0A-441F18718C2F}"/>
+    <dgm:cxn modelId="{6439C75A-F34C-4A55-A5F5-00D10D90B0B2}" type="presOf" srcId="{733729D2-FCDE-4D22-B717-9095C3F8500A}" destId="{33DF0D66-E96B-4FDB-9B6A-78B89254DDB9}" srcOrd="0" destOrd="3" presId="urn:microsoft.com/office/officeart/2005/8/layout/chevron2"/>
+    <dgm:cxn modelId="{569DC07B-DE1D-4EC6-A3F8-5B736F9D216B}" srcId="{06DB8F52-D3B1-492D-AEA9-85E1BDE8249F}" destId="{58C10BF8-C585-433D-81BD-699F5C035850}" srcOrd="3" destOrd="0" parTransId="{62CDBD61-1A13-447D-A4A8-C87079593CE8}" sibTransId="{A62B43DD-59EE-4785-9886-EDEB42D44BF6}"/>
+    <dgm:cxn modelId="{D383F9B6-96DB-4FA4-B30B-585DFC816050}" type="presOf" srcId="{C69904F9-B14F-41B2-806C-A13CCFA37BC1}" destId="{D0050C48-5C24-4E81-BB41-F6D948E762B6}" srcOrd="0" destOrd="0" presId="urn:microsoft.com/office/officeart/2005/8/layout/chevron2"/>
+    <dgm:cxn modelId="{E54503AE-3CB3-44DF-B351-F599D9B61C75}" type="presOf" srcId="{B8AD99EA-CB7B-4390-A9F7-351D47653284}" destId="{5D032982-002C-4EB3-8AE3-B37CDA05A4C9}" srcOrd="0" destOrd="1" presId="urn:microsoft.com/office/officeart/2005/8/layout/chevron2"/>
+    <dgm:cxn modelId="{5833C9CB-6369-45C7-A102-0FE09EE40842}" srcId="{C69904F9-B14F-41B2-806C-A13CCFA37BC1}" destId="{2EB9FA82-A499-4BA6-8374-CA0E056868F3}" srcOrd="3" destOrd="0" parTransId="{30D706F1-19F3-4FB0-811B-DACD1AC2B762}" sibTransId="{FBF02A42-DDAF-4356-8CD6-BF6BF6CB239E}"/>
+    <dgm:cxn modelId="{FF8D8FA1-8A1F-4DF5-BA82-AE096F9E04A5}" srcId="{B3B363BF-6191-4AD3-A7B3-31EDA8455708}" destId="{123171E8-E449-43B9-BE4C-4C7DA2D6090A}" srcOrd="0" destOrd="0" parTransId="{738C0249-CAB7-4138-8E35-D549FCDBF200}" sibTransId="{58E2A2F8-E6E6-4495-AC5F-E9C4F025311A}"/>
+    <dgm:cxn modelId="{CD53D937-0A2F-4EEA-BAA0-0D5CD3513E14}" type="presOf" srcId="{1313A8A5-2CA1-4C0B-97DC-ACD3255E6CA3}" destId="{5D032982-002C-4EB3-8AE3-B37CDA05A4C9}" srcOrd="0" destOrd="0" presId="urn:microsoft.com/office/officeart/2005/8/layout/chevron2"/>
+    <dgm:cxn modelId="{E2E95607-9A69-4E4C-ADA8-8D5E0155052B}" srcId="{123171E8-E449-43B9-BE4C-4C7DA2D6090A}" destId="{089BA18D-9985-4559-A0AA-B4200A476403}" srcOrd="0" destOrd="0" parTransId="{10B20C56-9D7F-42C9-8B13-7D1491202FBE}" sibTransId="{65002654-E1EC-4041-8036-FA0F3C7FEE7D}"/>
     <dgm:cxn modelId="{2A7DC0FF-A7CF-4203-B6A0-960AAAC01A2C}" srcId="{06DB8F52-D3B1-492D-AEA9-85E1BDE8249F}" destId="{9973721E-C46D-43EB-A516-D1D3D3F1F6BC}" srcOrd="2" destOrd="0" parTransId="{58D603AB-78E0-4F43-B4BD-C96DA21F6251}" sibTransId="{9635ADD1-A3DD-4ED4-A2B6-1CE4B8C8BDA3}"/>
+    <dgm:cxn modelId="{6769D0A8-9563-4232-BA5F-8C4DE337BED1}" srcId="{06DB8F52-D3B1-492D-AEA9-85E1BDE8249F}" destId="{A176B878-B760-4954-A382-EE8F00CCA784}" srcOrd="1" destOrd="0" parTransId="{3DF79329-1FC4-4223-A605-9AAFACDAD9A3}" sibTransId="{1985177B-6CEB-46D1-907E-F576ADFAF1FF}"/>
     <dgm:cxn modelId="{B155F1B1-4FE6-4D23-83BD-E738BC68620C}" type="presOf" srcId="{B3B363BF-6191-4AD3-A7B3-31EDA8455708}" destId="{982F8F5D-BCD9-4944-AEBE-36DBBEAB823D}" srcOrd="0" destOrd="0" presId="urn:microsoft.com/office/officeart/2005/8/layout/chevron2"/>
     <dgm:cxn modelId="{F524B670-2F89-4B9D-8A46-E55D29BDD7E9}" type="presOf" srcId="{A176B878-B760-4954-A382-EE8F00CCA784}" destId="{9AA928B1-F3B4-441D-AC8D-05E6E7828C9B}" srcOrd="0" destOrd="1" presId="urn:microsoft.com/office/officeart/2005/8/layout/chevron2"/>
-    <dgm:cxn modelId="{5833C9CB-6369-45C7-A102-0FE09EE40842}" srcId="{C69904F9-B14F-41B2-806C-A13CCFA37BC1}" destId="{2EB9FA82-A499-4BA6-8374-CA0E056868F3}" srcOrd="3" destOrd="0" parTransId="{30D706F1-19F3-4FB0-811B-DACD1AC2B762}" sibTransId="{FBF02A42-DDAF-4356-8CD6-BF6BF6CB239E}"/>
-    <dgm:cxn modelId="{D383F9B6-96DB-4FA4-B30B-585DFC816050}" type="presOf" srcId="{C69904F9-B14F-41B2-806C-A13CCFA37BC1}" destId="{D0050C48-5C24-4E81-BB41-F6D948E762B6}" srcOrd="0" destOrd="0" presId="urn:microsoft.com/office/officeart/2005/8/layout/chevron2"/>
-    <dgm:cxn modelId="{AF2D7C9C-E91C-4326-84B9-9C9EC84CC359}" type="presOf" srcId="{089BA18D-9985-4559-A0AA-B4200A476403}" destId="{33DF0D66-E96B-4FDB-9B6A-78B89254DDB9}" srcOrd="0" destOrd="0" presId="urn:microsoft.com/office/officeart/2005/8/layout/chevron2"/>
+    <dgm:cxn modelId="{4002F1A5-0440-41F8-88B7-77FA3B4072E8}" type="presOf" srcId="{F5B815D2-F804-4938-B34D-86776C9F9294}" destId="{5D032982-002C-4EB3-8AE3-B37CDA05A4C9}" srcOrd="0" destOrd="2" presId="urn:microsoft.com/office/officeart/2005/8/layout/chevron2"/>
+    <dgm:cxn modelId="{7D656E7E-512A-4672-A20F-EBD2C48125A8}" srcId="{B3B363BF-6191-4AD3-A7B3-31EDA8455708}" destId="{C69904F9-B14F-41B2-806C-A13CCFA37BC1}" srcOrd="1" destOrd="0" parTransId="{99A6A338-EAE5-43DA-83BE-4F96077C28F0}" sibTransId="{BCDD7FBA-33A2-4FA6-B475-3B3801A50749}"/>
     <dgm:cxn modelId="{C0D1787A-E471-4EEF-955C-D084A5E96639}" type="presOf" srcId="{2EB9FA82-A499-4BA6-8374-CA0E056868F3}" destId="{5D032982-002C-4EB3-8AE3-B37CDA05A4C9}" srcOrd="0" destOrd="3" presId="urn:microsoft.com/office/officeart/2005/8/layout/chevron2"/>
-    <dgm:cxn modelId="{7D656E7E-512A-4672-A20F-EBD2C48125A8}" srcId="{B3B363BF-6191-4AD3-A7B3-31EDA8455708}" destId="{C69904F9-B14F-41B2-806C-A13CCFA37BC1}" srcOrd="1" destOrd="0" parTransId="{99A6A338-EAE5-43DA-83BE-4F96077C28F0}" sibTransId="{BCDD7FBA-33A2-4FA6-B475-3B3801A50749}"/>
-    <dgm:cxn modelId="{404E715C-5E57-49AA-A3CA-08A792A28A5F}" type="presOf" srcId="{123171E8-E449-43B9-BE4C-4C7DA2D6090A}" destId="{61D2B5E0-4B26-4250-BF33-73906F252051}" srcOrd="0" destOrd="0" presId="urn:microsoft.com/office/officeart/2005/8/layout/chevron2"/>
-    <dgm:cxn modelId="{E2E95607-9A69-4E4C-ADA8-8D5E0155052B}" srcId="{123171E8-E449-43B9-BE4C-4C7DA2D6090A}" destId="{089BA18D-9985-4559-A0AA-B4200A476403}" srcOrd="0" destOrd="0" parTransId="{10B20C56-9D7F-42C9-8B13-7D1491202FBE}" sibTransId="{65002654-E1EC-4041-8036-FA0F3C7FEE7D}"/>
-    <dgm:cxn modelId="{904EB328-D17A-477E-9A19-E5B5BF33C300}" srcId="{C69904F9-B14F-41B2-806C-A13CCFA37BC1}" destId="{1313A8A5-2CA1-4C0B-97DC-ACD3255E6CA3}" srcOrd="0" destOrd="0" parTransId="{455D11BB-F023-4302-87AE-0FD89ACFC46F}" sibTransId="{CD73B9B8-19E1-43B9-B592-F7FCCF5C1E1D}"/>
-    <dgm:cxn modelId="{8682D148-2EF7-4F34-A8DF-2AB1744AD44B}" srcId="{123171E8-E449-43B9-BE4C-4C7DA2D6090A}" destId="{733729D2-FCDE-4D22-B717-9095C3F8500A}" srcOrd="3" destOrd="0" parTransId="{5E37FEB3-77A8-4984-8261-1A85031ACAF1}" sibTransId="{A392AEEB-FA09-415E-937F-0A58985AA7A9}"/>
-    <dgm:cxn modelId="{FF8D8FA1-8A1F-4DF5-BA82-AE096F9E04A5}" srcId="{B3B363BF-6191-4AD3-A7B3-31EDA8455708}" destId="{123171E8-E449-43B9-BE4C-4C7DA2D6090A}" srcOrd="0" destOrd="0" parTransId="{738C0249-CAB7-4138-8E35-D549FCDBF200}" sibTransId="{58E2A2F8-E6E6-4495-AC5F-E9C4F025311A}"/>
-    <dgm:cxn modelId="{D8D2E2E2-69C9-4DBD-8345-3C53291B14EC}" type="presOf" srcId="{9973721E-C46D-43EB-A516-D1D3D3F1F6BC}" destId="{9AA928B1-F3B4-441D-AC8D-05E6E7828C9B}" srcOrd="0" destOrd="2" presId="urn:microsoft.com/office/officeart/2005/8/layout/chevron2"/>
-    <dgm:cxn modelId="{68556EF8-A0C4-4567-8646-8670C48E4012}" srcId="{123171E8-E449-43B9-BE4C-4C7DA2D6090A}" destId="{C0CC0B33-D48E-4557-BA11-4DDEAB2C3AAC}" srcOrd="2" destOrd="0" parTransId="{F36A6995-0CDF-4E06-8566-231C940507D7}" sibTransId="{6A553552-EAA1-4CB0-845E-94D54163C94B}"/>
-    <dgm:cxn modelId="{C9666DE4-7855-460F-B5B7-6F07927AEF38}" srcId="{B3B363BF-6191-4AD3-A7B3-31EDA8455708}" destId="{06DB8F52-D3B1-492D-AEA9-85E1BDE8249F}" srcOrd="2" destOrd="0" parTransId="{23440E14-7FB3-4D72-ACBC-23FADDF819C3}" sibTransId="{5BCC91BB-C804-437E-B11C-C8E6E6FBD014}"/>
-    <dgm:cxn modelId="{26D2533D-975B-474D-9DB2-D40E59B15429}" type="presOf" srcId="{AEC0B0C2-0540-489B-96FB-C75E9774E537}" destId="{9AA928B1-F3B4-441D-AC8D-05E6E7828C9B}" srcOrd="0" destOrd="0" presId="urn:microsoft.com/office/officeart/2005/8/layout/chevron2"/>
-    <dgm:cxn modelId="{E54503AE-3CB3-44DF-B351-F599D9B61C75}" type="presOf" srcId="{B8AD99EA-CB7B-4390-A9F7-351D47653284}" destId="{5D032982-002C-4EB3-8AE3-B37CDA05A4C9}" srcOrd="0" destOrd="1" presId="urn:microsoft.com/office/officeart/2005/8/layout/chevron2"/>
-    <dgm:cxn modelId="{754B3549-D1D7-41C7-B8A8-3E11B1C517F8}" type="presOf" srcId="{58C10BF8-C585-433D-81BD-699F5C035850}" destId="{9AA928B1-F3B4-441D-AC8D-05E6E7828C9B}" srcOrd="0" destOrd="3" presId="urn:microsoft.com/office/officeart/2005/8/layout/chevron2"/>
-    <dgm:cxn modelId="{6769D0A8-9563-4232-BA5F-8C4DE337BED1}" srcId="{06DB8F52-D3B1-492D-AEA9-85E1BDE8249F}" destId="{A176B878-B760-4954-A382-EE8F00CCA784}" srcOrd="1" destOrd="0" parTransId="{3DF79329-1FC4-4223-A605-9AAFACDAD9A3}" sibTransId="{1985177B-6CEB-46D1-907E-F576ADFAF1FF}"/>
-    <dgm:cxn modelId="{80722491-B468-4ECF-88AF-63325FE02A38}" srcId="{C69904F9-B14F-41B2-806C-A13CCFA37BC1}" destId="{B8AD99EA-CB7B-4390-A9F7-351D47653284}" srcOrd="1" destOrd="0" parTransId="{670142C8-19C1-4EBD-B111-A883CE70825F}" sibTransId="{B8EDF8B0-9D02-41CD-AD0A-441F18718C2F}"/>
-    <dgm:cxn modelId="{6439C75A-F34C-4A55-A5F5-00D10D90B0B2}" type="presOf" srcId="{733729D2-FCDE-4D22-B717-9095C3F8500A}" destId="{33DF0D66-E96B-4FDB-9B6A-78B89254DDB9}" srcOrd="0" destOrd="3" presId="urn:microsoft.com/office/officeart/2005/8/layout/chevron2"/>
-    <dgm:cxn modelId="{84E227F5-65B5-43FE-A502-37624ADC9A1D}" type="presOf" srcId="{C0CC0B33-D48E-4557-BA11-4DDEAB2C3AAC}" destId="{33DF0D66-E96B-4FDB-9B6A-78B89254DDB9}" srcOrd="0" destOrd="2" presId="urn:microsoft.com/office/officeart/2005/8/layout/chevron2"/>
-    <dgm:cxn modelId="{CD53D937-0A2F-4EEA-BAA0-0D5CD3513E14}" type="presOf" srcId="{1313A8A5-2CA1-4C0B-97DC-ACD3255E6CA3}" destId="{5D032982-002C-4EB3-8AE3-B37CDA05A4C9}" srcOrd="0" destOrd="0" presId="urn:microsoft.com/office/officeart/2005/8/layout/chevron2"/>
-    <dgm:cxn modelId="{4002F1A5-0440-41F8-88B7-77FA3B4072E8}" type="presOf" srcId="{F5B815D2-F804-4938-B34D-86776C9F9294}" destId="{5D032982-002C-4EB3-8AE3-B37CDA05A4C9}" srcOrd="0" destOrd="2" presId="urn:microsoft.com/office/officeart/2005/8/layout/chevron2"/>
-    <dgm:cxn modelId="{569DC07B-DE1D-4EC6-A3F8-5B736F9D216B}" srcId="{06DB8F52-D3B1-492D-AEA9-85E1BDE8249F}" destId="{58C10BF8-C585-433D-81BD-699F5C035850}" srcOrd="3" destOrd="0" parTransId="{62CDBD61-1A13-447D-A4A8-C87079593CE8}" sibTransId="{A62B43DD-59EE-4785-9886-EDEB42D44BF6}"/>
-    <dgm:cxn modelId="{6E19A92C-D72D-420D-8BC1-699F215D6734}" srcId="{06DB8F52-D3B1-492D-AEA9-85E1BDE8249F}" destId="{AEC0B0C2-0540-489B-96FB-C75E9774E537}" srcOrd="0" destOrd="0" parTransId="{28186415-223C-4FDF-8ECD-3997B4FB6D65}" sibTransId="{7C49ADC1-0AD0-4976-923B-6D7AEB7398C4}"/>
     <dgm:cxn modelId="{0DBE6C0F-6E7F-4DA7-BEAC-DDA6DFF6DEF8}" type="presParOf" srcId="{982F8F5D-BCD9-4944-AEBE-36DBBEAB823D}" destId="{26628DF9-74B0-4254-A0D4-A5F5AF9D3173}" srcOrd="0" destOrd="0" presId="urn:microsoft.com/office/officeart/2005/8/layout/chevron2"/>
     <dgm:cxn modelId="{AF2AD2AB-F820-4703-938B-B2171E7CBFD7}" type="presParOf" srcId="{26628DF9-74B0-4254-A0D4-A5F5AF9D3173}" destId="{61D2B5E0-4B26-4250-BF33-73906F252051}" srcOrd="0" destOrd="0" presId="urn:microsoft.com/office/officeart/2005/8/layout/chevron2"/>
     <dgm:cxn modelId="{9B4ADFC8-C696-47BA-9360-2C38A0E90FD2}" type="presParOf" srcId="{26628DF9-74B0-4254-A0D4-A5F5AF9D3173}" destId="{33DF0D66-E96B-4FDB-9B6A-78B89254DDB9}" srcOrd="1" destOrd="0" presId="urn:microsoft.com/office/officeart/2005/8/layout/chevron2"/>
@@ -9524,6 +9688,13 @@
         </dgm:presLayoutVars>
       </dgm:prSet>
       <dgm:spPr/>
+      <dgm:t>
+        <a:bodyPr/>
+        <a:lstStyle/>
+        <a:p>
+          <a:endParaRPr lang="zh-CN" altLang="en-US"/>
+        </a:p>
+      </dgm:t>
     </dgm:pt>
     <dgm:pt modelId="{0EE0E350-89DD-4B1A-9076-A5059F0AF05A}" type="pres">
       <dgm:prSet presAssocID="{3FE47BA0-3AB1-4937-BE14-521FA20DF5E0}" presName="composite" presStyleCnt="0"/>
@@ -9537,14 +9708,6 @@
         </dgm:presLayoutVars>
       </dgm:prSet>
       <dgm:spPr/>
-    </dgm:pt>
-    <dgm:pt modelId="{0E132B7B-F058-4548-9393-0C13B65EDF74}" type="pres">
-      <dgm:prSet presAssocID="{3FE47BA0-3AB1-4937-BE14-521FA20DF5E0}" presName="descendantText" presStyleLbl="alignAcc1" presStyleIdx="0" presStyleCnt="3">
-        <dgm:presLayoutVars>
-          <dgm:bulletEnabled val="1"/>
-        </dgm:presLayoutVars>
-      </dgm:prSet>
-      <dgm:spPr/>
       <dgm:t>
         <a:bodyPr/>
         <a:lstStyle/>
@@ -9553,6 +9716,21 @@
         </a:p>
       </dgm:t>
     </dgm:pt>
+    <dgm:pt modelId="{0E132B7B-F058-4548-9393-0C13B65EDF74}" type="pres">
+      <dgm:prSet presAssocID="{3FE47BA0-3AB1-4937-BE14-521FA20DF5E0}" presName="descendantText" presStyleLbl="alignAcc1" presStyleIdx="0" presStyleCnt="3">
+        <dgm:presLayoutVars>
+          <dgm:bulletEnabled val="1"/>
+        </dgm:presLayoutVars>
+      </dgm:prSet>
+      <dgm:spPr/>
+      <dgm:t>
+        <a:bodyPr/>
+        <a:lstStyle/>
+        <a:p>
+          <a:endParaRPr lang="zh-CN" altLang="en-US"/>
+        </a:p>
+      </dgm:t>
+    </dgm:pt>
     <dgm:pt modelId="{B99209CD-C08B-40E3-9BEB-DA00DB2DE3E1}" type="pres">
       <dgm:prSet presAssocID="{C0D46B82-C89B-447F-816A-F036401A9B96}" presName="sp" presStyleCnt="0"/>
       <dgm:spPr/>
@@ -9569,14 +9747,6 @@
         </dgm:presLayoutVars>
       </dgm:prSet>
       <dgm:spPr/>
-    </dgm:pt>
-    <dgm:pt modelId="{1D33BC28-ADD8-4131-9D72-151497F48CFC}" type="pres">
-      <dgm:prSet presAssocID="{F5422877-8D90-4937-98A4-5C190220A671}" presName="descendantText" presStyleLbl="alignAcc1" presStyleIdx="1" presStyleCnt="3">
-        <dgm:presLayoutVars>
-          <dgm:bulletEnabled val="1"/>
-        </dgm:presLayoutVars>
-      </dgm:prSet>
-      <dgm:spPr/>
       <dgm:t>
         <a:bodyPr/>
         <a:lstStyle/>
@@ -9585,6 +9755,21 @@
         </a:p>
       </dgm:t>
     </dgm:pt>
+    <dgm:pt modelId="{1D33BC28-ADD8-4131-9D72-151497F48CFC}" type="pres">
+      <dgm:prSet presAssocID="{F5422877-8D90-4937-98A4-5C190220A671}" presName="descendantText" presStyleLbl="alignAcc1" presStyleIdx="1" presStyleCnt="3">
+        <dgm:presLayoutVars>
+          <dgm:bulletEnabled val="1"/>
+        </dgm:presLayoutVars>
+      </dgm:prSet>
+      <dgm:spPr/>
+      <dgm:t>
+        <a:bodyPr/>
+        <a:lstStyle/>
+        <a:p>
+          <a:endParaRPr lang="zh-CN" altLang="en-US"/>
+        </a:p>
+      </dgm:t>
+    </dgm:pt>
     <dgm:pt modelId="{E79CC3A2-D383-4DFC-8BD7-93A3849F6366}" type="pres">
       <dgm:prSet presAssocID="{11FEB960-42A3-4704-962F-82454F2D194A}" presName="sp" presStyleCnt="0"/>
       <dgm:spPr/>
@@ -9626,31 +9811,31 @@
     </dgm:pt>
   </dgm:ptLst>
   <dgm:cxnLst>
+    <dgm:cxn modelId="{150DE96E-C20D-43A2-A4F1-65E339DFFD15}" srcId="{898355AF-1AD6-4BB9-9A9F-2B0E5F8FF4A0}" destId="{18D9CE8F-5D72-4DA1-AB74-E4AAB62E1581}" srcOrd="2" destOrd="0" parTransId="{1B062031-8471-483C-9C0B-8A1D4FB074D9}" sibTransId="{972372D9-7977-485D-A849-2557B44337DE}"/>
+    <dgm:cxn modelId="{C2416F62-202F-4E09-9808-3352BDA56DB7}" type="presOf" srcId="{F5422877-8D90-4937-98A4-5C190220A671}" destId="{5554D880-0E80-4D46-A356-167F903C71D6}" srcOrd="0" destOrd="0" presId="urn:microsoft.com/office/officeart/2005/8/layout/chevron2"/>
+    <dgm:cxn modelId="{A69DE42A-9F96-41A8-9D4E-DD56D4905650}" type="presOf" srcId="{18D9CE8F-5D72-4DA1-AB74-E4AAB62E1581}" destId="{61AC0FA0-E94B-4061-AA05-7361F40B30C2}" srcOrd="0" destOrd="2" presId="urn:microsoft.com/office/officeart/2005/8/layout/chevron2"/>
+    <dgm:cxn modelId="{2E344E40-8ABD-47F6-B9B5-5B107E0C22A6}" type="presOf" srcId="{3FE47BA0-3AB1-4937-BE14-521FA20DF5E0}" destId="{6FBCA8E5-9D6B-43F9-96A8-CEC0E454DCB5}" srcOrd="0" destOrd="0" presId="urn:microsoft.com/office/officeart/2005/8/layout/chevron2"/>
+    <dgm:cxn modelId="{12C85DE1-3F1F-449A-A9A8-371F3B256659}" type="presOf" srcId="{211AE8E0-85AA-449D-BFC3-2D0B6F501E4E}" destId="{0E132B7B-F058-4548-9393-0C13B65EDF74}" srcOrd="0" destOrd="1" presId="urn:microsoft.com/office/officeart/2005/8/layout/chevron2"/>
     <dgm:cxn modelId="{8256CC7C-574E-4EB4-9B26-DFB061563B0A}" type="presOf" srcId="{029269C2-F4BE-4C3C-86CB-719B8FF10B17}" destId="{1D33BC28-ADD8-4131-9D72-151497F48CFC}" srcOrd="0" destOrd="0" presId="urn:microsoft.com/office/officeart/2005/8/layout/chevron2"/>
+    <dgm:cxn modelId="{773C98A6-2DF3-4F9D-8F64-08C0051272BD}" type="presOf" srcId="{3592A3C5-1E00-4714-AA06-E7F6AF576826}" destId="{0E132B7B-F058-4548-9393-0C13B65EDF74}" srcOrd="0" destOrd="2" presId="urn:microsoft.com/office/officeart/2005/8/layout/chevron2"/>
+    <dgm:cxn modelId="{AE834E03-F37C-4899-8DAD-9097CA782A63}" srcId="{F5422877-8D90-4937-98A4-5C190220A671}" destId="{029269C2-F4BE-4C3C-86CB-719B8FF10B17}" srcOrd="0" destOrd="0" parTransId="{FD213BD4-EFF7-4D53-A55E-6F2281090794}" sibTransId="{87A79B81-497B-4ECF-BF71-D36E4303964A}"/>
+    <dgm:cxn modelId="{DAE4E8BE-D849-464F-AD02-49724AAC0873}" srcId="{B50D8863-0C38-432D-8595-6EF0ABC4DD5A}" destId="{3FE47BA0-3AB1-4937-BE14-521FA20DF5E0}" srcOrd="0" destOrd="0" parTransId="{1FFB37E4-D080-4ADF-B00F-B427B2F04E99}" sibTransId="{C0D46B82-C89B-447F-816A-F036401A9B96}"/>
+    <dgm:cxn modelId="{58F24CF6-F892-40B1-BC07-E68FC6EDDFF1}" srcId="{B50D8863-0C38-432D-8595-6EF0ABC4DD5A}" destId="{F5422877-8D90-4937-98A4-5C190220A671}" srcOrd="1" destOrd="0" parTransId="{5BFA72F7-7BBB-4C8C-88F5-6D8C4202ACDD}" sibTransId="{11FEB960-42A3-4704-962F-82454F2D194A}"/>
+    <dgm:cxn modelId="{F9F07FB9-F136-4385-B757-E8339C310819}" srcId="{898355AF-1AD6-4BB9-9A9F-2B0E5F8FF4A0}" destId="{0AE40ADA-E727-4FE7-AD01-39607A7E815E}" srcOrd="1" destOrd="0" parTransId="{9711B961-1B85-4D77-B052-4D6017CE4F06}" sibTransId="{C530E59A-FD1D-41F7-8623-B59A13339E30}"/>
+    <dgm:cxn modelId="{9EEE1445-DD06-4870-AEDF-0E10AAF7D120}" srcId="{F5422877-8D90-4937-98A4-5C190220A671}" destId="{EAC87EF1-9DBD-4C8A-B8FD-FC22BE17699C}" srcOrd="1" destOrd="0" parTransId="{B81619EE-7D2C-4B18-80F3-36F8502B88C2}" sibTransId="{E45856E5-15F8-490B-AD3A-00C0C564E324}"/>
     <dgm:cxn modelId="{36F2E3F0-08BC-47C5-A485-2216C781B76F}" srcId="{F5422877-8D90-4937-98A4-5C190220A671}" destId="{8EBAFE5F-CD8C-402A-A192-8FA28501E367}" srcOrd="2" destOrd="0" parTransId="{B11C18C8-C411-4FAE-B869-9242029923B9}" sibTransId="{8D6164F5-BA8D-48D9-A5B0-1D697A62388B}"/>
+    <dgm:cxn modelId="{DAF5810D-3550-43F6-AE9C-7E21EF205864}" srcId="{3FE47BA0-3AB1-4937-BE14-521FA20DF5E0}" destId="{5DC569B5-957C-4013-9855-810AEC8F6B0B}" srcOrd="0" destOrd="0" parTransId="{F0C5F213-39DE-460A-8001-7C824D090E38}" sibTransId="{7EB18B52-2980-47E3-81DC-35924D3E67B3}"/>
+    <dgm:cxn modelId="{5B2B5CA2-F2F2-4416-991F-E67755658E8B}" type="presOf" srcId="{EAC87EF1-9DBD-4C8A-B8FD-FC22BE17699C}" destId="{1D33BC28-ADD8-4131-9D72-151497F48CFC}" srcOrd="0" destOrd="1" presId="urn:microsoft.com/office/officeart/2005/8/layout/chevron2"/>
+    <dgm:cxn modelId="{208D4546-27D1-4F68-8C34-A12E43E16CD3}" srcId="{3FE47BA0-3AB1-4937-BE14-521FA20DF5E0}" destId="{3592A3C5-1E00-4714-AA06-E7F6AF576826}" srcOrd="2" destOrd="0" parTransId="{054D97C4-D4B6-4140-9057-40DEDD00609A}" sibTransId="{81FA8BF7-7DFA-49FF-9CFD-2497BCEEB251}"/>
     <dgm:cxn modelId="{451FBF41-E7EB-47FE-A12D-E3A373C74FF5}" srcId="{B50D8863-0C38-432D-8595-6EF0ABC4DD5A}" destId="{898355AF-1AD6-4BB9-9A9F-2B0E5F8FF4A0}" srcOrd="2" destOrd="0" parTransId="{CD6464AF-9FC0-49D6-A811-F22E26B90237}" sibTransId="{A51C0B98-FF47-4EFA-8262-E57C3F612EC5}"/>
+    <dgm:cxn modelId="{CCD949A5-760F-4EFB-9B5B-5FF93FBE63DF}" type="presOf" srcId="{8EBAFE5F-CD8C-402A-A192-8FA28501E367}" destId="{1D33BC28-ADD8-4131-9D72-151497F48CFC}" srcOrd="0" destOrd="2" presId="urn:microsoft.com/office/officeart/2005/8/layout/chevron2"/>
+    <dgm:cxn modelId="{A0ECD38F-9E6D-45B7-815C-F3DC83389348}" type="presOf" srcId="{5DC569B5-957C-4013-9855-810AEC8F6B0B}" destId="{0E132B7B-F058-4548-9393-0C13B65EDF74}" srcOrd="0" destOrd="0" presId="urn:microsoft.com/office/officeart/2005/8/layout/chevron2"/>
+    <dgm:cxn modelId="{05295450-76AF-457C-A2DF-78FDAE913775}" type="presOf" srcId="{898355AF-1AD6-4BB9-9A9F-2B0E5F8FF4A0}" destId="{57C7C1F7-3E5A-4A96-9FE3-D7F592627095}" srcOrd="0" destOrd="0" presId="urn:microsoft.com/office/officeart/2005/8/layout/chevron2"/>
     <dgm:cxn modelId="{962B404D-0452-42E4-84D4-C5EB24F3E246}" type="presOf" srcId="{B50D8863-0C38-432D-8595-6EF0ABC4DD5A}" destId="{7AD1605A-6F2D-423C-BFF7-EA6EAEB42BF5}" srcOrd="0" destOrd="0" presId="urn:microsoft.com/office/officeart/2005/8/layout/chevron2"/>
-    <dgm:cxn modelId="{DAE4E8BE-D849-464F-AD02-49724AAC0873}" srcId="{B50D8863-0C38-432D-8595-6EF0ABC4DD5A}" destId="{3FE47BA0-3AB1-4937-BE14-521FA20DF5E0}" srcOrd="0" destOrd="0" parTransId="{1FFB37E4-D080-4ADF-B00F-B427B2F04E99}" sibTransId="{C0D46B82-C89B-447F-816A-F036401A9B96}"/>
-    <dgm:cxn modelId="{05295450-76AF-457C-A2DF-78FDAE913775}" type="presOf" srcId="{898355AF-1AD6-4BB9-9A9F-2B0E5F8FF4A0}" destId="{57C7C1F7-3E5A-4A96-9FE3-D7F592627095}" srcOrd="0" destOrd="0" presId="urn:microsoft.com/office/officeart/2005/8/layout/chevron2"/>
-    <dgm:cxn modelId="{58F24CF6-F892-40B1-BC07-E68FC6EDDFF1}" srcId="{B50D8863-0C38-432D-8595-6EF0ABC4DD5A}" destId="{F5422877-8D90-4937-98A4-5C190220A671}" srcOrd="1" destOrd="0" parTransId="{5BFA72F7-7BBB-4C8C-88F5-6D8C4202ACDD}" sibTransId="{11FEB960-42A3-4704-962F-82454F2D194A}"/>
-    <dgm:cxn modelId="{773C98A6-2DF3-4F9D-8F64-08C0051272BD}" type="presOf" srcId="{3592A3C5-1E00-4714-AA06-E7F6AF576826}" destId="{0E132B7B-F058-4548-9393-0C13B65EDF74}" srcOrd="0" destOrd="2" presId="urn:microsoft.com/office/officeart/2005/8/layout/chevron2"/>
-    <dgm:cxn modelId="{DAF5810D-3550-43F6-AE9C-7E21EF205864}" srcId="{3FE47BA0-3AB1-4937-BE14-521FA20DF5E0}" destId="{5DC569B5-957C-4013-9855-810AEC8F6B0B}" srcOrd="0" destOrd="0" parTransId="{F0C5F213-39DE-460A-8001-7C824D090E38}" sibTransId="{7EB18B52-2980-47E3-81DC-35924D3E67B3}"/>
-    <dgm:cxn modelId="{D0FE802A-44A7-472D-B824-EFC269DD6BD4}" srcId="{898355AF-1AD6-4BB9-9A9F-2B0E5F8FF4A0}" destId="{204C4A16-F787-4DC7-A9E6-16D342E8A7BD}" srcOrd="0" destOrd="0" parTransId="{E8751E63-6D7E-431D-B93E-295CD668EE74}" sibTransId="{2EFADCC4-7062-475A-BD68-B35EC1C4F9CA}"/>
-    <dgm:cxn modelId="{9EEE1445-DD06-4870-AEDF-0E10AAF7D120}" srcId="{F5422877-8D90-4937-98A4-5C190220A671}" destId="{EAC87EF1-9DBD-4C8A-B8FD-FC22BE17699C}" srcOrd="1" destOrd="0" parTransId="{B81619EE-7D2C-4B18-80F3-36F8502B88C2}" sibTransId="{E45856E5-15F8-490B-AD3A-00C0C564E324}"/>
-    <dgm:cxn modelId="{CCD949A5-760F-4EFB-9B5B-5FF93FBE63DF}" type="presOf" srcId="{8EBAFE5F-CD8C-402A-A192-8FA28501E367}" destId="{1D33BC28-ADD8-4131-9D72-151497F48CFC}" srcOrd="0" destOrd="2" presId="urn:microsoft.com/office/officeart/2005/8/layout/chevron2"/>
-    <dgm:cxn modelId="{5B2B5CA2-F2F2-4416-991F-E67755658E8B}" type="presOf" srcId="{EAC87EF1-9DBD-4C8A-B8FD-FC22BE17699C}" destId="{1D33BC28-ADD8-4131-9D72-151497F48CFC}" srcOrd="0" destOrd="1" presId="urn:microsoft.com/office/officeart/2005/8/layout/chevron2"/>
-    <dgm:cxn modelId="{150DE96E-C20D-43A2-A4F1-65E339DFFD15}" srcId="{898355AF-1AD6-4BB9-9A9F-2B0E5F8FF4A0}" destId="{18D9CE8F-5D72-4DA1-AB74-E4AAB62E1581}" srcOrd="2" destOrd="0" parTransId="{1B062031-8471-483C-9C0B-8A1D4FB074D9}" sibTransId="{972372D9-7977-485D-A849-2557B44337DE}"/>
-    <dgm:cxn modelId="{12C85DE1-3F1F-449A-A9A8-371F3B256659}" type="presOf" srcId="{211AE8E0-85AA-449D-BFC3-2D0B6F501E4E}" destId="{0E132B7B-F058-4548-9393-0C13B65EDF74}" srcOrd="0" destOrd="1" presId="urn:microsoft.com/office/officeart/2005/8/layout/chevron2"/>
-    <dgm:cxn modelId="{64F32777-AA54-43EA-B845-0D3E02A0EE2D}" type="presOf" srcId="{0AE40ADA-E727-4FE7-AD01-39607A7E815E}" destId="{61AC0FA0-E94B-4061-AA05-7361F40B30C2}" srcOrd="0" destOrd="1" presId="urn:microsoft.com/office/officeart/2005/8/layout/chevron2"/>
-    <dgm:cxn modelId="{AE834E03-F37C-4899-8DAD-9097CA782A63}" srcId="{F5422877-8D90-4937-98A4-5C190220A671}" destId="{029269C2-F4BE-4C3C-86CB-719B8FF10B17}" srcOrd="0" destOrd="0" parTransId="{FD213BD4-EFF7-4D53-A55E-6F2281090794}" sibTransId="{87A79B81-497B-4ECF-BF71-D36E4303964A}"/>
-    <dgm:cxn modelId="{2E344E40-8ABD-47F6-B9B5-5B107E0C22A6}" type="presOf" srcId="{3FE47BA0-3AB1-4937-BE14-521FA20DF5E0}" destId="{6FBCA8E5-9D6B-43F9-96A8-CEC0E454DCB5}" srcOrd="0" destOrd="0" presId="urn:microsoft.com/office/officeart/2005/8/layout/chevron2"/>
-    <dgm:cxn modelId="{A69DE42A-9F96-41A8-9D4E-DD56D4905650}" type="presOf" srcId="{18D9CE8F-5D72-4DA1-AB74-E4AAB62E1581}" destId="{61AC0FA0-E94B-4061-AA05-7361F40B30C2}" srcOrd="0" destOrd="2" presId="urn:microsoft.com/office/officeart/2005/8/layout/chevron2"/>
-    <dgm:cxn modelId="{F9F07FB9-F136-4385-B757-E8339C310819}" srcId="{898355AF-1AD6-4BB9-9A9F-2B0E5F8FF4A0}" destId="{0AE40ADA-E727-4FE7-AD01-39607A7E815E}" srcOrd="1" destOrd="0" parTransId="{9711B961-1B85-4D77-B052-4D6017CE4F06}" sibTransId="{C530E59A-FD1D-41F7-8623-B59A13339E30}"/>
-    <dgm:cxn modelId="{A0ECD38F-9E6D-45B7-815C-F3DC83389348}" type="presOf" srcId="{5DC569B5-957C-4013-9855-810AEC8F6B0B}" destId="{0E132B7B-F058-4548-9393-0C13B65EDF74}" srcOrd="0" destOrd="0" presId="urn:microsoft.com/office/officeart/2005/8/layout/chevron2"/>
     <dgm:cxn modelId="{610BD728-7733-4FA7-AC27-B00C67C51210}" srcId="{3FE47BA0-3AB1-4937-BE14-521FA20DF5E0}" destId="{211AE8E0-85AA-449D-BFC3-2D0B6F501E4E}" srcOrd="1" destOrd="0" parTransId="{92A61AAE-E5C4-473B-9081-FE1EF9AFC5BF}" sibTransId="{11D5B2ED-ED72-4784-9AA4-B97DD50B84DD}"/>
     <dgm:cxn modelId="{8C8C23F0-30A9-4799-A185-3902DC701828}" type="presOf" srcId="{204C4A16-F787-4DC7-A9E6-16D342E8A7BD}" destId="{61AC0FA0-E94B-4061-AA05-7361F40B30C2}" srcOrd="0" destOrd="0" presId="urn:microsoft.com/office/officeart/2005/8/layout/chevron2"/>
-    <dgm:cxn modelId="{C2416F62-202F-4E09-9808-3352BDA56DB7}" type="presOf" srcId="{F5422877-8D90-4937-98A4-5C190220A671}" destId="{5554D880-0E80-4D46-A356-167F903C71D6}" srcOrd="0" destOrd="0" presId="urn:microsoft.com/office/officeart/2005/8/layout/chevron2"/>
-    <dgm:cxn modelId="{208D4546-27D1-4F68-8C34-A12E43E16CD3}" srcId="{3FE47BA0-3AB1-4937-BE14-521FA20DF5E0}" destId="{3592A3C5-1E00-4714-AA06-E7F6AF576826}" srcOrd="2" destOrd="0" parTransId="{054D97C4-D4B6-4140-9057-40DEDD00609A}" sibTransId="{81FA8BF7-7DFA-49FF-9CFD-2497BCEEB251}"/>
+    <dgm:cxn modelId="{D0FE802A-44A7-472D-B824-EFC269DD6BD4}" srcId="{898355AF-1AD6-4BB9-9A9F-2B0E5F8FF4A0}" destId="{204C4A16-F787-4DC7-A9E6-16D342E8A7BD}" srcOrd="0" destOrd="0" parTransId="{E8751E63-6D7E-431D-B93E-295CD668EE74}" sibTransId="{2EFADCC4-7062-475A-BD68-B35EC1C4F9CA}"/>
+    <dgm:cxn modelId="{64F32777-AA54-43EA-B845-0D3E02A0EE2D}" type="presOf" srcId="{0AE40ADA-E727-4FE7-AD01-39607A7E815E}" destId="{61AC0FA0-E94B-4061-AA05-7361F40B30C2}" srcOrd="0" destOrd="1" presId="urn:microsoft.com/office/officeart/2005/8/layout/chevron2"/>
     <dgm:cxn modelId="{8ADF658F-7A98-4964-89C0-C2EED55E6E62}" type="presParOf" srcId="{7AD1605A-6F2D-423C-BFF7-EA6EAEB42BF5}" destId="{0EE0E350-89DD-4B1A-9076-A5059F0AF05A}" srcOrd="0" destOrd="0" presId="urn:microsoft.com/office/officeart/2005/8/layout/chevron2"/>
     <dgm:cxn modelId="{7D731EF6-B599-404F-9D5B-5AA26015EE71}" type="presParOf" srcId="{0EE0E350-89DD-4B1A-9076-A5059F0AF05A}" destId="{6FBCA8E5-9D6B-43F9-96A8-CEC0E454DCB5}" srcOrd="0" destOrd="0" presId="urn:microsoft.com/office/officeart/2005/8/layout/chevron2"/>
     <dgm:cxn modelId="{5DFBD80F-0189-43A0-8089-D998D629A459}" type="presParOf" srcId="{0EE0E350-89DD-4B1A-9076-A5059F0AF05A}" destId="{0E132B7B-F058-4548-9393-0C13B65EDF74}" srcOrd="1" destOrd="0" presId="urn:microsoft.com/office/officeart/2005/8/layout/chevron2"/>
@@ -9907,6 +10092,13 @@
         </dgm:presLayoutVars>
       </dgm:prSet>
       <dgm:spPr/>
+      <dgm:t>
+        <a:bodyPr/>
+        <a:lstStyle/>
+        <a:p>
+          <a:endParaRPr lang="zh-CN" altLang="en-US"/>
+        </a:p>
+      </dgm:t>
     </dgm:pt>
     <dgm:pt modelId="{B074258B-7502-4494-889A-BE179DBC260D}" type="pres">
       <dgm:prSet presAssocID="{C007AC82-7C5C-4365-B2C6-52C87EB868E6}" presName="composite" presStyleCnt="0"/>
@@ -9925,6 +10117,13 @@
         </dgm:presLayoutVars>
       </dgm:prSet>
       <dgm:spPr/>
+      <dgm:t>
+        <a:bodyPr/>
+        <a:lstStyle/>
+        <a:p>
+          <a:endParaRPr lang="zh-CN" altLang="en-US"/>
+        </a:p>
+      </dgm:t>
     </dgm:pt>
     <dgm:pt modelId="{5B29A02D-C1F2-43AB-8098-16BB617E1D76}" type="pres">
       <dgm:prSet presAssocID="{C007AC82-7C5C-4365-B2C6-52C87EB868E6}" presName="Triangle" presStyleLbl="alignNode1" presStyleIdx="1" presStyleCnt="9"/>
@@ -9955,6 +10154,13 @@
         </dgm:presLayoutVars>
       </dgm:prSet>
       <dgm:spPr/>
+      <dgm:t>
+        <a:bodyPr/>
+        <a:lstStyle/>
+        <a:p>
+          <a:endParaRPr lang="zh-CN" altLang="en-US"/>
+        </a:p>
+      </dgm:t>
     </dgm:pt>
     <dgm:pt modelId="{82A877C1-783E-4BE7-A865-2511669658F7}" type="pres">
       <dgm:prSet presAssocID="{4017AFC1-7174-413B-837B-0D9C1D4F62E1}" presName="Triangle" presStyleLbl="alignNode1" presStyleIdx="3" presStyleCnt="9"/>
@@ -9985,6 +10191,13 @@
         </dgm:presLayoutVars>
       </dgm:prSet>
       <dgm:spPr/>
+      <dgm:t>
+        <a:bodyPr/>
+        <a:lstStyle/>
+        <a:p>
+          <a:endParaRPr lang="zh-CN" altLang="en-US"/>
+        </a:p>
+      </dgm:t>
     </dgm:pt>
     <dgm:pt modelId="{3E34ABBE-2E21-4E62-B69A-AC77084DE770}" type="pres">
       <dgm:prSet presAssocID="{BE73CC2A-40AA-47E0-BACE-36F5C992B278}" presName="Triangle" presStyleLbl="alignNode1" presStyleIdx="5" presStyleCnt="9"/>
@@ -10015,6 +10228,13 @@
         </dgm:presLayoutVars>
       </dgm:prSet>
       <dgm:spPr/>
+      <dgm:t>
+        <a:bodyPr/>
+        <a:lstStyle/>
+        <a:p>
+          <a:endParaRPr lang="zh-CN" altLang="en-US"/>
+        </a:p>
+      </dgm:t>
     </dgm:pt>
     <dgm:pt modelId="{DDC253BF-B2AC-4EF6-AF7F-6207EC627588}" type="pres">
       <dgm:prSet presAssocID="{55399142-2515-4FED-833C-254337AC8708}" presName="Triangle" presStyleLbl="alignNode1" presStyleIdx="7" presStyleCnt="9"/>
@@ -10689,10 +10909,24 @@
     <dgm:pt modelId="{020D6B27-623E-46BC-B9AB-1166AB63E6F4}" type="pres">
       <dgm:prSet presAssocID="{33F372B5-9E9E-465F-9638-B8EBF84DF5D1}" presName="sibTrans" presStyleLbl="sibTrans2D1" presStyleIdx="0" presStyleCnt="3"/>
       <dgm:spPr/>
+      <dgm:t>
+        <a:bodyPr/>
+        <a:lstStyle/>
+        <a:p>
+          <a:endParaRPr lang="zh-CN" altLang="en-US"/>
+        </a:p>
+      </dgm:t>
     </dgm:pt>
     <dgm:pt modelId="{58D5B558-948B-4B87-800F-1724DFD7C263}" type="pres">
       <dgm:prSet presAssocID="{33F372B5-9E9E-465F-9638-B8EBF84DF5D1}" presName="connTx" presStyleLbl="sibTrans2D1" presStyleIdx="0" presStyleCnt="3"/>
       <dgm:spPr/>
+      <dgm:t>
+        <a:bodyPr/>
+        <a:lstStyle/>
+        <a:p>
+          <a:endParaRPr lang="zh-CN" altLang="en-US"/>
+        </a:p>
+      </dgm:t>
     </dgm:pt>
     <dgm:pt modelId="{8377FB41-C3A6-49F5-9CCE-85DB61B3A704}" type="pres">
       <dgm:prSet presAssocID="{BD1430E2-9521-4D86-8283-004AABAEF48F}" presName="composite" presStyleCnt="0"/>
@@ -10707,18 +10941,6 @@
         </dgm:presLayoutVars>
       </dgm:prSet>
       <dgm:spPr/>
-    </dgm:pt>
-    <dgm:pt modelId="{00E9D99D-16BC-4441-895E-E099CE8F3AF0}" type="pres">
-      <dgm:prSet presAssocID="{BD1430E2-9521-4D86-8283-004AABAEF48F}" presName="parSh" presStyleLbl="node1" presStyleIdx="1" presStyleCnt="4"/>
-      <dgm:spPr/>
-    </dgm:pt>
-    <dgm:pt modelId="{9CE81D6D-F5ED-4AA7-8374-7441CE8182C3}" type="pres">
-      <dgm:prSet presAssocID="{BD1430E2-9521-4D86-8283-004AABAEF48F}" presName="desTx" presStyleLbl="fgAcc1" presStyleIdx="1" presStyleCnt="4">
-        <dgm:presLayoutVars>
-          <dgm:bulletEnabled val="1"/>
-        </dgm:presLayoutVars>
-      </dgm:prSet>
-      <dgm:spPr/>
       <dgm:t>
         <a:bodyPr/>
         <a:lstStyle/>
@@ -10727,13 +10949,53 @@
         </a:p>
       </dgm:t>
     </dgm:pt>
+    <dgm:pt modelId="{00E9D99D-16BC-4441-895E-E099CE8F3AF0}" type="pres">
+      <dgm:prSet presAssocID="{BD1430E2-9521-4D86-8283-004AABAEF48F}" presName="parSh" presStyleLbl="node1" presStyleIdx="1" presStyleCnt="4"/>
+      <dgm:spPr/>
+      <dgm:t>
+        <a:bodyPr/>
+        <a:lstStyle/>
+        <a:p>
+          <a:endParaRPr lang="zh-CN" altLang="en-US"/>
+        </a:p>
+      </dgm:t>
+    </dgm:pt>
+    <dgm:pt modelId="{9CE81D6D-F5ED-4AA7-8374-7441CE8182C3}" type="pres">
+      <dgm:prSet presAssocID="{BD1430E2-9521-4D86-8283-004AABAEF48F}" presName="desTx" presStyleLbl="fgAcc1" presStyleIdx="1" presStyleCnt="4">
+        <dgm:presLayoutVars>
+          <dgm:bulletEnabled val="1"/>
+        </dgm:presLayoutVars>
+      </dgm:prSet>
+      <dgm:spPr/>
+      <dgm:t>
+        <a:bodyPr/>
+        <a:lstStyle/>
+        <a:p>
+          <a:endParaRPr lang="zh-CN" altLang="en-US"/>
+        </a:p>
+      </dgm:t>
+    </dgm:pt>
     <dgm:pt modelId="{F296B124-3C3F-45DA-8D38-24A3AE700578}" type="pres">
       <dgm:prSet presAssocID="{2A1C02C8-DEAA-4A3E-9D18-21D477ECBBEC}" presName="sibTrans" presStyleLbl="sibTrans2D1" presStyleIdx="1" presStyleCnt="3"/>
       <dgm:spPr/>
+      <dgm:t>
+        <a:bodyPr/>
+        <a:lstStyle/>
+        <a:p>
+          <a:endParaRPr lang="zh-CN" altLang="en-US"/>
+        </a:p>
+      </dgm:t>
     </dgm:pt>
     <dgm:pt modelId="{D97F49C8-4915-42AE-ADF4-CB58D48F69A7}" type="pres">
       <dgm:prSet presAssocID="{2A1C02C8-DEAA-4A3E-9D18-21D477ECBBEC}" presName="connTx" presStyleLbl="sibTrans2D1" presStyleIdx="1" presStyleCnt="3"/>
       <dgm:spPr/>
+      <dgm:t>
+        <a:bodyPr/>
+        <a:lstStyle/>
+        <a:p>
+          <a:endParaRPr lang="zh-CN" altLang="en-US"/>
+        </a:p>
+      </dgm:t>
     </dgm:pt>
     <dgm:pt modelId="{6986B2F7-A075-4EAC-9C1C-E73568DEC895}" type="pres">
       <dgm:prSet presAssocID="{45BF4A68-4C46-44BF-A2D2-6B1847648964}" presName="composite" presStyleCnt="0"/>
@@ -10748,18 +11010,6 @@
         </dgm:presLayoutVars>
       </dgm:prSet>
       <dgm:spPr/>
-    </dgm:pt>
-    <dgm:pt modelId="{4CFCC795-147F-4876-9B04-E6051DC95757}" type="pres">
-      <dgm:prSet presAssocID="{45BF4A68-4C46-44BF-A2D2-6B1847648964}" presName="parSh" presStyleLbl="node1" presStyleIdx="2" presStyleCnt="4"/>
-      <dgm:spPr/>
-    </dgm:pt>
-    <dgm:pt modelId="{64E924F5-1503-4204-81AA-299DF5F1D507}" type="pres">
-      <dgm:prSet presAssocID="{45BF4A68-4C46-44BF-A2D2-6B1847648964}" presName="desTx" presStyleLbl="fgAcc1" presStyleIdx="2" presStyleCnt="4">
-        <dgm:presLayoutVars>
-          <dgm:bulletEnabled val="1"/>
-        </dgm:presLayoutVars>
-      </dgm:prSet>
-      <dgm:spPr/>
       <dgm:t>
         <a:bodyPr/>
         <a:lstStyle/>
@@ -10768,13 +11018,53 @@
         </a:p>
       </dgm:t>
     </dgm:pt>
+    <dgm:pt modelId="{4CFCC795-147F-4876-9B04-E6051DC95757}" type="pres">
+      <dgm:prSet presAssocID="{45BF4A68-4C46-44BF-A2D2-6B1847648964}" presName="parSh" presStyleLbl="node1" presStyleIdx="2" presStyleCnt="4"/>
+      <dgm:spPr/>
+      <dgm:t>
+        <a:bodyPr/>
+        <a:lstStyle/>
+        <a:p>
+          <a:endParaRPr lang="zh-CN" altLang="en-US"/>
+        </a:p>
+      </dgm:t>
+    </dgm:pt>
+    <dgm:pt modelId="{64E924F5-1503-4204-81AA-299DF5F1D507}" type="pres">
+      <dgm:prSet presAssocID="{45BF4A68-4C46-44BF-A2D2-6B1847648964}" presName="desTx" presStyleLbl="fgAcc1" presStyleIdx="2" presStyleCnt="4">
+        <dgm:presLayoutVars>
+          <dgm:bulletEnabled val="1"/>
+        </dgm:presLayoutVars>
+      </dgm:prSet>
+      <dgm:spPr/>
+      <dgm:t>
+        <a:bodyPr/>
+        <a:lstStyle/>
+        <a:p>
+          <a:endParaRPr lang="zh-CN" altLang="en-US"/>
+        </a:p>
+      </dgm:t>
+    </dgm:pt>
     <dgm:pt modelId="{9BDAD8F2-1749-4647-90B3-B6FF1013AA95}" type="pres">
       <dgm:prSet presAssocID="{8FE2033A-4358-4B38-925F-75ADD3BAB114}" presName="sibTrans" presStyleLbl="sibTrans2D1" presStyleIdx="2" presStyleCnt="3"/>
       <dgm:spPr/>
+      <dgm:t>
+        <a:bodyPr/>
+        <a:lstStyle/>
+        <a:p>
+          <a:endParaRPr lang="zh-CN" altLang="en-US"/>
+        </a:p>
+      </dgm:t>
     </dgm:pt>
     <dgm:pt modelId="{6DF82BC1-0C3E-4EB6-AD6C-AA9456E3D223}" type="pres">
       <dgm:prSet presAssocID="{8FE2033A-4358-4B38-925F-75ADD3BAB114}" presName="connTx" presStyleLbl="sibTrans2D1" presStyleIdx="2" presStyleCnt="3"/>
       <dgm:spPr/>
+      <dgm:t>
+        <a:bodyPr/>
+        <a:lstStyle/>
+        <a:p>
+          <a:endParaRPr lang="zh-CN" altLang="en-US"/>
+        </a:p>
+      </dgm:t>
     </dgm:pt>
     <dgm:pt modelId="{1F591183-D535-42B9-8178-0DC6F0C4FFB1}" type="pres">
       <dgm:prSet presAssocID="{E05AB257-E668-4473-A892-73F5541394B5}" presName="composite" presStyleCnt="0"/>
@@ -10825,45 +11115,45 @@
     </dgm:pt>
   </dgm:ptLst>
   <dgm:cxnLst>
-    <dgm:cxn modelId="{D9A44CFB-7F30-4516-BEB2-89DB383B55E5}" type="presOf" srcId="{2A1C02C8-DEAA-4A3E-9D18-21D477ECBBEC}" destId="{F296B124-3C3F-45DA-8D38-24A3AE700578}" srcOrd="0" destOrd="0" presId="urn:microsoft.com/office/officeart/2005/8/layout/process3"/>
+    <dgm:cxn modelId="{CC8E8A57-684A-488F-BE85-CC344848389E}" type="presOf" srcId="{8FE2033A-4358-4B38-925F-75ADD3BAB114}" destId="{9BDAD8F2-1749-4647-90B3-B6FF1013AA95}" srcOrd="0" destOrd="0" presId="urn:microsoft.com/office/officeart/2005/8/layout/process3"/>
+    <dgm:cxn modelId="{5120E9F7-4D9D-4BEA-88B1-CDEC0FD697F5}" type="presOf" srcId="{B146D47A-15CD-4AB9-810A-591A8EE5B209}" destId="{9052C0AF-AB9D-435B-B898-1B9CD5BE397E}" srcOrd="0" destOrd="0" presId="urn:microsoft.com/office/officeart/2005/8/layout/process3"/>
+    <dgm:cxn modelId="{A174629D-DFC6-4D36-8A07-DD563155CF93}" type="presOf" srcId="{2C2CD39C-B507-49D6-A37C-7C851E670CF2}" destId="{64E924F5-1503-4204-81AA-299DF5F1D507}" srcOrd="0" destOrd="1" presId="urn:microsoft.com/office/officeart/2005/8/layout/process3"/>
+    <dgm:cxn modelId="{C2C51E54-1065-48DD-9255-4930C43870AF}" srcId="{45BF4A68-4C46-44BF-A2D2-6B1847648964}" destId="{A0800F02-AA82-47F4-849E-2BC0C6F3A1CD}" srcOrd="0" destOrd="0" parTransId="{48307E32-1F33-471D-9629-AA9DC1495095}" sibTransId="{A8C9DE0C-1142-49A7-AA1C-3DBD63959259}"/>
+    <dgm:cxn modelId="{1790BA75-AFD5-4CCB-8A63-2936C2DB56B7}" srcId="{3618D12E-D116-45CB-927B-6E5F72A15F4A}" destId="{E05AB257-E668-4473-A892-73F5541394B5}" srcOrd="3" destOrd="0" parTransId="{2E8D4571-AD15-4E4A-8433-A6B17249EC88}" sibTransId="{29316E87-56C8-42D9-9FC3-0424D8B885FE}"/>
+    <dgm:cxn modelId="{828B2108-8D45-4466-9688-9CC48B475959}" type="presOf" srcId="{E05AB257-E668-4473-A892-73F5541394B5}" destId="{B21A2E4D-43CE-4235-A260-65ABD2783129}" srcOrd="0" destOrd="0" presId="urn:microsoft.com/office/officeart/2005/8/layout/process3"/>
+    <dgm:cxn modelId="{39B404DF-6951-4FE3-BB80-FB8CA8A678D2}" type="presOf" srcId="{BD1430E2-9521-4D86-8283-004AABAEF48F}" destId="{00E9D99D-16BC-4441-895E-E099CE8F3AF0}" srcOrd="1" destOrd="0" presId="urn:microsoft.com/office/officeart/2005/8/layout/process3"/>
+    <dgm:cxn modelId="{03F6C829-9DEF-464F-A989-DA6220A7DC3A}" type="presOf" srcId="{45BF4A68-4C46-44BF-A2D2-6B1847648964}" destId="{6D7554DE-7785-4D9C-9828-78976B37B711}" srcOrd="0" destOrd="0" presId="urn:microsoft.com/office/officeart/2005/8/layout/process3"/>
+    <dgm:cxn modelId="{C685270E-EBEC-45FA-A20E-6D40E7340393}" type="presOf" srcId="{8FE2033A-4358-4B38-925F-75ADD3BAB114}" destId="{6DF82BC1-0C3E-4EB6-AD6C-AA9456E3D223}" srcOrd="1" destOrd="0" presId="urn:microsoft.com/office/officeart/2005/8/layout/process3"/>
+    <dgm:cxn modelId="{85EBA162-8AD8-4200-BA0F-AE7E7626BB09}" type="presOf" srcId="{8B075C8F-D7C9-498D-9618-423AEAD47818}" destId="{84231E55-BDD9-43F1-B0AF-696D737E81BA}" srcOrd="0" destOrd="1" presId="urn:microsoft.com/office/officeart/2005/8/layout/process3"/>
+    <dgm:cxn modelId="{2E1FAF35-B8A6-439E-A8A6-AACBDDDFFFFF}" srcId="{E05AB257-E668-4473-A892-73F5541394B5}" destId="{2D3A95AF-DBA8-43EC-A94A-66FA133210F1}" srcOrd="2" destOrd="0" parTransId="{A3C96A49-34D9-45C7-B9FF-523962E757BE}" sibTransId="{809F5197-089F-4EDD-94D4-68063525B5ED}"/>
+    <dgm:cxn modelId="{26557035-7508-4393-9191-37F7403A962A}" type="presOf" srcId="{BD1430E2-9521-4D86-8283-004AABAEF48F}" destId="{4253F5C8-80CA-4A7C-8EBB-FDA4713DE848}" srcOrd="0" destOrd="0" presId="urn:microsoft.com/office/officeart/2005/8/layout/process3"/>
     <dgm:cxn modelId="{641F724B-58C2-42B5-89C9-49888E25A8AE}" srcId="{3618D12E-D116-45CB-927B-6E5F72A15F4A}" destId="{BD1430E2-9521-4D86-8283-004AABAEF48F}" srcOrd="1" destOrd="0" parTransId="{CDA056D8-ABAD-4491-8482-E38125AB2E1E}" sibTransId="{2A1C02C8-DEAA-4A3E-9D18-21D477ECBBEC}"/>
     <dgm:cxn modelId="{45034478-231F-452A-B33B-23C596C49EA9}" srcId="{807D9058-4A36-49D9-B9DB-F97D29905D11}" destId="{205C3B25-0CE3-4108-BD00-4AB4AFD8B5DA}" srcOrd="2" destOrd="0" parTransId="{6A064248-3AF3-43A9-844B-CAB41F03D079}" sibTransId="{3C96640A-ABA0-474F-8CFF-BF48307E930B}"/>
-    <dgm:cxn modelId="{DC8D05BE-A942-465F-9971-F2179CAE6E39}" type="presOf" srcId="{205C3B25-0CE3-4108-BD00-4AB4AFD8B5DA}" destId="{84231E55-BDD9-43F1-B0AF-696D737E81BA}" srcOrd="0" destOrd="2" presId="urn:microsoft.com/office/officeart/2005/8/layout/process3"/>
-    <dgm:cxn modelId="{85EBA162-8AD8-4200-BA0F-AE7E7626BB09}" type="presOf" srcId="{8B075C8F-D7C9-498D-9618-423AEAD47818}" destId="{84231E55-BDD9-43F1-B0AF-696D737E81BA}" srcOrd="0" destOrd="1" presId="urn:microsoft.com/office/officeart/2005/8/layout/process3"/>
-    <dgm:cxn modelId="{A47AF9C5-432D-476F-8E64-547C2C55F07B}" srcId="{3618D12E-D116-45CB-927B-6E5F72A15F4A}" destId="{807D9058-4A36-49D9-B9DB-F97D29905D11}" srcOrd="0" destOrd="0" parTransId="{B1FF6103-087A-4549-AA69-7083D944BB41}" sibTransId="{33F372B5-9E9E-465F-9638-B8EBF84DF5D1}"/>
-    <dgm:cxn modelId="{1790BA75-AFD5-4CCB-8A63-2936C2DB56B7}" srcId="{3618D12E-D116-45CB-927B-6E5F72A15F4A}" destId="{E05AB257-E668-4473-A892-73F5541394B5}" srcOrd="3" destOrd="0" parTransId="{2E8D4571-AD15-4E4A-8433-A6B17249EC88}" sibTransId="{29316E87-56C8-42D9-9FC3-0424D8B885FE}"/>
-    <dgm:cxn modelId="{828B2108-8D45-4466-9688-9CC48B475959}" type="presOf" srcId="{E05AB257-E668-4473-A892-73F5541394B5}" destId="{B21A2E4D-43CE-4235-A260-65ABD2783129}" srcOrd="0" destOrd="0" presId="urn:microsoft.com/office/officeart/2005/8/layout/process3"/>
-    <dgm:cxn modelId="{BC89776F-53B8-4095-8ED1-0238CF81020A}" srcId="{45BF4A68-4C46-44BF-A2D2-6B1847648964}" destId="{2C2CD39C-B507-49D6-A37C-7C851E670CF2}" srcOrd="1" destOrd="0" parTransId="{B7E807E2-FF98-4048-8487-8DF80FD6278C}" sibTransId="{0AE2FE2E-B3E1-4B6C-9FAA-5132F8B46DE8}"/>
-    <dgm:cxn modelId="{C685270E-EBEC-45FA-A20E-6D40E7340393}" type="presOf" srcId="{8FE2033A-4358-4B38-925F-75ADD3BAB114}" destId="{6DF82BC1-0C3E-4EB6-AD6C-AA9456E3D223}" srcOrd="1" destOrd="0" presId="urn:microsoft.com/office/officeart/2005/8/layout/process3"/>
-    <dgm:cxn modelId="{28F325C3-0BEE-4D50-8B74-68B983106E99}" type="presOf" srcId="{33F372B5-9E9E-465F-9638-B8EBF84DF5D1}" destId="{58D5B558-948B-4B87-800F-1724DFD7C263}" srcOrd="1" destOrd="0" presId="urn:microsoft.com/office/officeart/2005/8/layout/process3"/>
-    <dgm:cxn modelId="{5120E9F7-4D9D-4BEA-88B1-CDEC0FD697F5}" type="presOf" srcId="{B146D47A-15CD-4AB9-810A-591A8EE5B209}" destId="{9052C0AF-AB9D-435B-B898-1B9CD5BE397E}" srcOrd="0" destOrd="0" presId="urn:microsoft.com/office/officeart/2005/8/layout/process3"/>
-    <dgm:cxn modelId="{26557035-7508-4393-9191-37F7403A962A}" type="presOf" srcId="{BD1430E2-9521-4D86-8283-004AABAEF48F}" destId="{4253F5C8-80CA-4A7C-8EBB-FDA4713DE848}" srcOrd="0" destOrd="0" presId="urn:microsoft.com/office/officeart/2005/8/layout/process3"/>
-    <dgm:cxn modelId="{7602A5D6-6ED6-4102-8BC0-8A808D5BAB4D}" type="presOf" srcId="{807D9058-4A36-49D9-B9DB-F97D29905D11}" destId="{2FBC8142-E4EC-4CCF-AEA8-7DAB9949945C}" srcOrd="0" destOrd="0" presId="urn:microsoft.com/office/officeart/2005/8/layout/process3"/>
-    <dgm:cxn modelId="{99361908-13BC-4267-BEA3-F5F12BE7DC50}" srcId="{E05AB257-E668-4473-A892-73F5541394B5}" destId="{B146D47A-15CD-4AB9-810A-591A8EE5B209}" srcOrd="0" destOrd="0" parTransId="{262FDF05-E21F-4C10-BA79-CA2DA7B61F9E}" sibTransId="{6D23FF8F-FB2C-48BF-9A5A-C5241C2DF546}"/>
+    <dgm:cxn modelId="{8402555C-1B0B-4AE0-9C57-EBA56C3E202A}" srcId="{3618D12E-D116-45CB-927B-6E5F72A15F4A}" destId="{45BF4A68-4C46-44BF-A2D2-6B1847648964}" srcOrd="2" destOrd="0" parTransId="{02B7598F-038F-4E88-9EA3-23809B95901B}" sibTransId="{8FE2033A-4358-4B38-925F-75ADD3BAB114}"/>
+    <dgm:cxn modelId="{256CEFE8-8B2C-4723-90E0-41308DF816CD}" type="presOf" srcId="{4CBDD08D-701E-47C1-8832-C760ED88EAEE}" destId="{9052C0AF-AB9D-435B-B898-1B9CD5BE397E}" srcOrd="0" destOrd="1" presId="urn:microsoft.com/office/officeart/2005/8/layout/process3"/>
+    <dgm:cxn modelId="{D9A44CFB-7F30-4516-BEB2-89DB383B55E5}" type="presOf" srcId="{2A1C02C8-DEAA-4A3E-9D18-21D477ECBBEC}" destId="{F296B124-3C3F-45DA-8D38-24A3AE700578}" srcOrd="0" destOrd="0" presId="urn:microsoft.com/office/officeart/2005/8/layout/process3"/>
+    <dgm:cxn modelId="{FF06FFE6-8871-4567-B0DA-8AEF9A6BCEAF}" srcId="{807D9058-4A36-49D9-B9DB-F97D29905D11}" destId="{9734BC60-107D-4D1A-8E1C-5690F7C7A95F}" srcOrd="0" destOrd="0" parTransId="{F9FDE4ED-DBD7-4760-8275-A498B2DF86CB}" sibTransId="{D033A01B-D91C-4566-9971-CD176851BCE9}"/>
+    <dgm:cxn modelId="{75508587-DB3E-4E5D-9219-85357A2B7AC9}" srcId="{BD1430E2-9521-4D86-8283-004AABAEF48F}" destId="{A2262116-DF0E-421C-A3A8-271F601461B8}" srcOrd="0" destOrd="0" parTransId="{1438BCDC-A1E9-448D-B514-D51D91F648D5}" sibTransId="{C9F9CCDC-F42A-4F50-9BB1-4876598DD113}"/>
     <dgm:cxn modelId="{8CDA79F5-BC42-4440-B377-DCF95AAD96D5}" type="presOf" srcId="{A2262116-DF0E-421C-A3A8-271F601461B8}" destId="{9CE81D6D-F5ED-4AA7-8374-7441CE8182C3}" srcOrd="0" destOrd="0" presId="urn:microsoft.com/office/officeart/2005/8/layout/process3"/>
     <dgm:cxn modelId="{9E8DF341-1EBB-41A1-92AD-19A105444FE4}" srcId="{BD1430E2-9521-4D86-8283-004AABAEF48F}" destId="{DAF0BAE6-EEC5-4B18-9489-B39DC03A9FC1}" srcOrd="1" destOrd="0" parTransId="{C1E4FDD2-91CC-455B-A511-B46DC80F37CD}" sibTransId="{97B18CE7-2A46-4B47-96C9-F220C31B3818}"/>
+    <dgm:cxn modelId="{7602A5D6-6ED6-4102-8BC0-8A808D5BAB4D}" type="presOf" srcId="{807D9058-4A36-49D9-B9DB-F97D29905D11}" destId="{2FBC8142-E4EC-4CCF-AEA8-7DAB9949945C}" srcOrd="0" destOrd="0" presId="urn:microsoft.com/office/officeart/2005/8/layout/process3"/>
+    <dgm:cxn modelId="{76A317AA-D35B-4954-A12D-AE602D1E3D27}" type="presOf" srcId="{807D9058-4A36-49D9-B9DB-F97D29905D11}" destId="{3FEC96B3-7B34-46BF-938C-2C70EA688E31}" srcOrd="1" destOrd="0" presId="urn:microsoft.com/office/officeart/2005/8/layout/process3"/>
+    <dgm:cxn modelId="{F52EB2A2-5690-49B7-B328-958C5A6E9596}" type="presOf" srcId="{2A1C02C8-DEAA-4A3E-9D18-21D477ECBBEC}" destId="{D97F49C8-4915-42AE-ADF4-CB58D48F69A7}" srcOrd="1" destOrd="0" presId="urn:microsoft.com/office/officeart/2005/8/layout/process3"/>
+    <dgm:cxn modelId="{9B893F4B-C4CE-48CB-8A1A-A87864D6D387}" type="presOf" srcId="{2D3A95AF-DBA8-43EC-A94A-66FA133210F1}" destId="{9052C0AF-AB9D-435B-B898-1B9CD5BE397E}" srcOrd="0" destOrd="2" presId="urn:microsoft.com/office/officeart/2005/8/layout/process3"/>
+    <dgm:cxn modelId="{28F325C3-0BEE-4D50-8B74-68B983106E99}" type="presOf" srcId="{33F372B5-9E9E-465F-9638-B8EBF84DF5D1}" destId="{58D5B558-948B-4B87-800F-1724DFD7C263}" srcOrd="1" destOrd="0" presId="urn:microsoft.com/office/officeart/2005/8/layout/process3"/>
+    <dgm:cxn modelId="{5C71DF50-A4B9-474F-A48A-34796BD51650}" type="presOf" srcId="{9734BC60-107D-4D1A-8E1C-5690F7C7A95F}" destId="{84231E55-BDD9-43F1-B0AF-696D737E81BA}" srcOrd="0" destOrd="0" presId="urn:microsoft.com/office/officeart/2005/8/layout/process3"/>
+    <dgm:cxn modelId="{ABDE6A06-E1D8-4B87-833F-C55D2CD43F9B}" type="presOf" srcId="{E05AB257-E668-4473-A892-73F5541394B5}" destId="{982B4DAA-373D-45E6-ABF2-DD27D045F975}" srcOrd="1" destOrd="0" presId="urn:microsoft.com/office/officeart/2005/8/layout/process3"/>
+    <dgm:cxn modelId="{BC89776F-53B8-4095-8ED1-0238CF81020A}" srcId="{45BF4A68-4C46-44BF-A2D2-6B1847648964}" destId="{2C2CD39C-B507-49D6-A37C-7C851E670CF2}" srcOrd="1" destOrd="0" parTransId="{B7E807E2-FF98-4048-8487-8DF80FD6278C}" sibTransId="{0AE2FE2E-B3E1-4B6C-9FAA-5132F8B46DE8}"/>
+    <dgm:cxn modelId="{99361908-13BC-4267-BEA3-F5F12BE7DC50}" srcId="{E05AB257-E668-4473-A892-73F5541394B5}" destId="{B146D47A-15CD-4AB9-810A-591A8EE5B209}" srcOrd="0" destOrd="0" parTransId="{262FDF05-E21F-4C10-BA79-CA2DA7B61F9E}" sibTransId="{6D23FF8F-FB2C-48BF-9A5A-C5241C2DF546}"/>
+    <dgm:cxn modelId="{A47AF9C5-432D-476F-8E64-547C2C55F07B}" srcId="{3618D12E-D116-45CB-927B-6E5F72A15F4A}" destId="{807D9058-4A36-49D9-B9DB-F97D29905D11}" srcOrd="0" destOrd="0" parTransId="{B1FF6103-087A-4549-AA69-7083D944BB41}" sibTransId="{33F372B5-9E9E-465F-9638-B8EBF84DF5D1}"/>
+    <dgm:cxn modelId="{7E920CF4-D5E0-49D4-9A6E-F85F59A31D4D}" srcId="{E05AB257-E668-4473-A892-73F5541394B5}" destId="{4CBDD08D-701E-47C1-8832-C760ED88EAEE}" srcOrd="1" destOrd="0" parTransId="{3E6D14C7-648C-4421-AFA1-2FE2190C896B}" sibTransId="{FB651AF9-D680-4C18-8793-A36A13483C55}"/>
+    <dgm:cxn modelId="{B8F8676E-2A65-4AD0-8BD2-73BCCF4F4BAD}" type="presOf" srcId="{45BF4A68-4C46-44BF-A2D2-6B1847648964}" destId="{4CFCC795-147F-4876-9B04-E6051DC95757}" srcOrd="1" destOrd="0" presId="urn:microsoft.com/office/officeart/2005/8/layout/process3"/>
+    <dgm:cxn modelId="{B991754A-4A27-4EA0-9EA3-C99754BC384E}" srcId="{807D9058-4A36-49D9-B9DB-F97D29905D11}" destId="{8B075C8F-D7C9-498D-9618-423AEAD47818}" srcOrd="1" destOrd="0" parTransId="{7F119ECD-3E0D-4EFF-8737-33E51477D1CD}" sibTransId="{7186EC97-DFD5-45CA-87F4-4C0947D2D198}"/>
     <dgm:cxn modelId="{1143E0E5-EB44-41DC-8D7E-C52FAE74220E}" type="presOf" srcId="{DAF0BAE6-EEC5-4B18-9489-B39DC03A9FC1}" destId="{9CE81D6D-F5ED-4AA7-8374-7441CE8182C3}" srcOrd="0" destOrd="1" presId="urn:microsoft.com/office/officeart/2005/8/layout/process3"/>
-    <dgm:cxn modelId="{C2C51E54-1065-48DD-9255-4930C43870AF}" srcId="{45BF4A68-4C46-44BF-A2D2-6B1847648964}" destId="{A0800F02-AA82-47F4-849E-2BC0C6F3A1CD}" srcOrd="0" destOrd="0" parTransId="{48307E32-1F33-471D-9629-AA9DC1495095}" sibTransId="{A8C9DE0C-1142-49A7-AA1C-3DBD63959259}"/>
-    <dgm:cxn modelId="{CC8E8A57-684A-488F-BE85-CC344848389E}" type="presOf" srcId="{8FE2033A-4358-4B38-925F-75ADD3BAB114}" destId="{9BDAD8F2-1749-4647-90B3-B6FF1013AA95}" srcOrd="0" destOrd="0" presId="urn:microsoft.com/office/officeart/2005/8/layout/process3"/>
-    <dgm:cxn modelId="{75508587-DB3E-4E5D-9219-85357A2B7AC9}" srcId="{BD1430E2-9521-4D86-8283-004AABAEF48F}" destId="{A2262116-DF0E-421C-A3A8-271F601461B8}" srcOrd="0" destOrd="0" parTransId="{1438BCDC-A1E9-448D-B514-D51D91F648D5}" sibTransId="{C9F9CCDC-F42A-4F50-9BB1-4876598DD113}"/>
-    <dgm:cxn modelId="{F52EB2A2-5690-49B7-B328-958C5A6E9596}" type="presOf" srcId="{2A1C02C8-DEAA-4A3E-9D18-21D477ECBBEC}" destId="{D97F49C8-4915-42AE-ADF4-CB58D48F69A7}" srcOrd="1" destOrd="0" presId="urn:microsoft.com/office/officeart/2005/8/layout/process3"/>
+    <dgm:cxn modelId="{DC8D05BE-A942-465F-9971-F2179CAE6E39}" type="presOf" srcId="{205C3B25-0CE3-4108-BD00-4AB4AFD8B5DA}" destId="{84231E55-BDD9-43F1-B0AF-696D737E81BA}" srcOrd="0" destOrd="2" presId="urn:microsoft.com/office/officeart/2005/8/layout/process3"/>
     <dgm:cxn modelId="{63D9C34D-CDB9-4CE7-A68F-4F02CD8A0FF9}" type="presOf" srcId="{33F372B5-9E9E-465F-9638-B8EBF84DF5D1}" destId="{020D6B27-623E-46BC-B9AB-1166AB63E6F4}" srcOrd="0" destOrd="0" presId="urn:microsoft.com/office/officeart/2005/8/layout/process3"/>
-    <dgm:cxn modelId="{FF06FFE6-8871-4567-B0DA-8AEF9A6BCEAF}" srcId="{807D9058-4A36-49D9-B9DB-F97D29905D11}" destId="{9734BC60-107D-4D1A-8E1C-5690F7C7A95F}" srcOrd="0" destOrd="0" parTransId="{F9FDE4ED-DBD7-4760-8275-A498B2DF86CB}" sibTransId="{D033A01B-D91C-4566-9971-CD176851BCE9}"/>
-    <dgm:cxn modelId="{256CEFE8-8B2C-4723-90E0-41308DF816CD}" type="presOf" srcId="{4CBDD08D-701E-47C1-8832-C760ED88EAEE}" destId="{9052C0AF-AB9D-435B-B898-1B9CD5BE397E}" srcOrd="0" destOrd="1" presId="urn:microsoft.com/office/officeart/2005/8/layout/process3"/>
-    <dgm:cxn modelId="{9B893F4B-C4CE-48CB-8A1A-A87864D6D387}" type="presOf" srcId="{2D3A95AF-DBA8-43EC-A94A-66FA133210F1}" destId="{9052C0AF-AB9D-435B-B898-1B9CD5BE397E}" srcOrd="0" destOrd="2" presId="urn:microsoft.com/office/officeart/2005/8/layout/process3"/>
     <dgm:cxn modelId="{7E06D61F-4152-4EC1-B1E3-AFDDAB337F37}" type="presOf" srcId="{3618D12E-D116-45CB-927B-6E5F72A15F4A}" destId="{CA870058-4650-428C-AA14-11E650D63E7C}" srcOrd="0" destOrd="0" presId="urn:microsoft.com/office/officeart/2005/8/layout/process3"/>
-    <dgm:cxn modelId="{5C71DF50-A4B9-474F-A48A-34796BD51650}" type="presOf" srcId="{9734BC60-107D-4D1A-8E1C-5690F7C7A95F}" destId="{84231E55-BDD9-43F1-B0AF-696D737E81BA}" srcOrd="0" destOrd="0" presId="urn:microsoft.com/office/officeart/2005/8/layout/process3"/>
     <dgm:cxn modelId="{21DFDA6D-6591-401B-AC65-8EF4C438C5BC}" type="presOf" srcId="{A0800F02-AA82-47F4-849E-2BC0C6F3A1CD}" destId="{64E924F5-1503-4204-81AA-299DF5F1D507}" srcOrd="0" destOrd="0" presId="urn:microsoft.com/office/officeart/2005/8/layout/process3"/>
-    <dgm:cxn modelId="{ABDE6A06-E1D8-4B87-833F-C55D2CD43F9B}" type="presOf" srcId="{E05AB257-E668-4473-A892-73F5541394B5}" destId="{982B4DAA-373D-45E6-ABF2-DD27D045F975}" srcOrd="1" destOrd="0" presId="urn:microsoft.com/office/officeart/2005/8/layout/process3"/>
-    <dgm:cxn modelId="{2E1FAF35-B8A6-439E-A8A6-AACBDDDFFFFF}" srcId="{E05AB257-E668-4473-A892-73F5541394B5}" destId="{2D3A95AF-DBA8-43EC-A94A-66FA133210F1}" srcOrd="2" destOrd="0" parTransId="{A3C96A49-34D9-45C7-B9FF-523962E757BE}" sibTransId="{809F5197-089F-4EDD-94D4-68063525B5ED}"/>
-    <dgm:cxn modelId="{B8F8676E-2A65-4AD0-8BD2-73BCCF4F4BAD}" type="presOf" srcId="{45BF4A68-4C46-44BF-A2D2-6B1847648964}" destId="{4CFCC795-147F-4876-9B04-E6051DC95757}" srcOrd="1" destOrd="0" presId="urn:microsoft.com/office/officeart/2005/8/layout/process3"/>
-    <dgm:cxn modelId="{39B404DF-6951-4FE3-BB80-FB8CA8A678D2}" type="presOf" srcId="{BD1430E2-9521-4D86-8283-004AABAEF48F}" destId="{00E9D99D-16BC-4441-895E-E099CE8F3AF0}" srcOrd="1" destOrd="0" presId="urn:microsoft.com/office/officeart/2005/8/layout/process3"/>
-    <dgm:cxn modelId="{7E920CF4-D5E0-49D4-9A6E-F85F59A31D4D}" srcId="{E05AB257-E668-4473-A892-73F5541394B5}" destId="{4CBDD08D-701E-47C1-8832-C760ED88EAEE}" srcOrd="1" destOrd="0" parTransId="{3E6D14C7-648C-4421-AFA1-2FE2190C896B}" sibTransId="{FB651AF9-D680-4C18-8793-A36A13483C55}"/>
-    <dgm:cxn modelId="{76A317AA-D35B-4954-A12D-AE602D1E3D27}" type="presOf" srcId="{807D9058-4A36-49D9-B9DB-F97D29905D11}" destId="{3FEC96B3-7B34-46BF-938C-2C70EA688E31}" srcOrd="1" destOrd="0" presId="urn:microsoft.com/office/officeart/2005/8/layout/process3"/>
-    <dgm:cxn modelId="{B991754A-4A27-4EA0-9EA3-C99754BC384E}" srcId="{807D9058-4A36-49D9-B9DB-F97D29905D11}" destId="{8B075C8F-D7C9-498D-9618-423AEAD47818}" srcOrd="1" destOrd="0" parTransId="{7F119ECD-3E0D-4EFF-8737-33E51477D1CD}" sibTransId="{7186EC97-DFD5-45CA-87F4-4C0947D2D198}"/>
-    <dgm:cxn modelId="{8402555C-1B0B-4AE0-9C57-EBA56C3E202A}" srcId="{3618D12E-D116-45CB-927B-6E5F72A15F4A}" destId="{45BF4A68-4C46-44BF-A2D2-6B1847648964}" srcOrd="2" destOrd="0" parTransId="{02B7598F-038F-4E88-9EA3-23809B95901B}" sibTransId="{8FE2033A-4358-4B38-925F-75ADD3BAB114}"/>
-    <dgm:cxn modelId="{A174629D-DFC6-4D36-8A07-DD563155CF93}" type="presOf" srcId="{2C2CD39C-B507-49D6-A37C-7C851E670CF2}" destId="{64E924F5-1503-4204-81AA-299DF5F1D507}" srcOrd="0" destOrd="1" presId="urn:microsoft.com/office/officeart/2005/8/layout/process3"/>
-    <dgm:cxn modelId="{03F6C829-9DEF-464F-A989-DA6220A7DC3A}" type="presOf" srcId="{45BF4A68-4C46-44BF-A2D2-6B1847648964}" destId="{6D7554DE-7785-4D9C-9828-78976B37B711}" srcOrd="0" destOrd="0" presId="urn:microsoft.com/office/officeart/2005/8/layout/process3"/>
     <dgm:cxn modelId="{69D10AE7-565E-46AA-B18B-B7DFC75521EF}" type="presParOf" srcId="{CA870058-4650-428C-AA14-11E650D63E7C}" destId="{17EF8BA6-112C-46F2-BADC-7ACC72C55DE6}" srcOrd="0" destOrd="0" presId="urn:microsoft.com/office/officeart/2005/8/layout/process3"/>
     <dgm:cxn modelId="{9B0602D0-A6B6-45EF-8E45-B26754B1B6AE}" type="presParOf" srcId="{17EF8BA6-112C-46F2-BADC-7ACC72C55DE6}" destId="{2FBC8142-E4EC-4CCF-AEA8-7DAB9949945C}" srcOrd="0" destOrd="0" presId="urn:microsoft.com/office/officeart/2005/8/layout/process3"/>
     <dgm:cxn modelId="{1488B566-3EB6-43C7-8F16-DEF91A760881}" type="presParOf" srcId="{17EF8BA6-112C-46F2-BADC-7ACC72C55DE6}" destId="{3FEC96B3-7B34-46BF-938C-2C70EA688E31}" srcOrd="1" destOrd="0" presId="urn:microsoft.com/office/officeart/2005/8/layout/process3"/>
@@ -11475,6 +11765,13 @@
         </dgm:presLayoutVars>
       </dgm:prSet>
       <dgm:spPr/>
+      <dgm:t>
+        <a:bodyPr/>
+        <a:lstStyle/>
+        <a:p>
+          <a:endParaRPr lang="zh-CN" altLang="en-US"/>
+        </a:p>
+      </dgm:t>
     </dgm:pt>
     <dgm:pt modelId="{FFB81B4B-9410-427D-96DB-18DEB9250609}" type="pres">
       <dgm:prSet presAssocID="{BD1AA756-8223-4D43-B0FE-69596A4AEE76}" presName="composite" presStyleCnt="0"/>
@@ -11489,10 +11786,24 @@
         </dgm:presLayoutVars>
       </dgm:prSet>
       <dgm:spPr/>
+      <dgm:t>
+        <a:bodyPr/>
+        <a:lstStyle/>
+        <a:p>
+          <a:endParaRPr lang="zh-CN" altLang="en-US"/>
+        </a:p>
+      </dgm:t>
     </dgm:pt>
     <dgm:pt modelId="{0BBF4BE7-9F99-49A7-8302-CB01A9D22051}" type="pres">
       <dgm:prSet presAssocID="{BD1AA756-8223-4D43-B0FE-69596A4AEE76}" presName="parSh" presStyleLbl="node1" presStyleIdx="0" presStyleCnt="4"/>
       <dgm:spPr/>
+      <dgm:t>
+        <a:bodyPr/>
+        <a:lstStyle/>
+        <a:p>
+          <a:endParaRPr lang="zh-CN" altLang="en-US"/>
+        </a:p>
+      </dgm:t>
     </dgm:pt>
     <dgm:pt modelId="{5D6314EC-C71A-4050-8CE7-BE6AD26CDD3E}" type="pres">
       <dgm:prSet presAssocID="{BD1AA756-8223-4D43-B0FE-69596A4AEE76}" presName="desTx" presStyleLbl="fgAcc1" presStyleIdx="0" presStyleCnt="4">
@@ -11501,14 +11812,35 @@
         </dgm:presLayoutVars>
       </dgm:prSet>
       <dgm:spPr/>
+      <dgm:t>
+        <a:bodyPr/>
+        <a:lstStyle/>
+        <a:p>
+          <a:endParaRPr lang="zh-CN" altLang="en-US"/>
+        </a:p>
+      </dgm:t>
     </dgm:pt>
     <dgm:pt modelId="{20B09A80-A1FE-4BEB-9476-D1E7D9C05F0D}" type="pres">
       <dgm:prSet presAssocID="{260A9CD2-B4DD-46CC-9349-A561C114A32C}" presName="sibTrans" presStyleLbl="sibTrans2D1" presStyleIdx="0" presStyleCnt="3"/>
       <dgm:spPr/>
+      <dgm:t>
+        <a:bodyPr/>
+        <a:lstStyle/>
+        <a:p>
+          <a:endParaRPr lang="zh-CN" altLang="en-US"/>
+        </a:p>
+      </dgm:t>
     </dgm:pt>
     <dgm:pt modelId="{825CE54A-E3A1-4F15-8F7A-772A009A8AD3}" type="pres">
       <dgm:prSet presAssocID="{260A9CD2-B4DD-46CC-9349-A561C114A32C}" presName="connTx" presStyleLbl="sibTrans2D1" presStyleIdx="0" presStyleCnt="3"/>
       <dgm:spPr/>
+      <dgm:t>
+        <a:bodyPr/>
+        <a:lstStyle/>
+        <a:p>
+          <a:endParaRPr lang="zh-CN" altLang="en-US"/>
+        </a:p>
+      </dgm:t>
     </dgm:pt>
     <dgm:pt modelId="{343ABCBC-79CE-4A98-AC62-BFCE9520F210}" type="pres">
       <dgm:prSet presAssocID="{153083B7-B22C-46DF-B066-EC61C42835B0}" presName="composite" presStyleCnt="0"/>
@@ -11523,10 +11855,24 @@
         </dgm:presLayoutVars>
       </dgm:prSet>
       <dgm:spPr/>
+      <dgm:t>
+        <a:bodyPr/>
+        <a:lstStyle/>
+        <a:p>
+          <a:endParaRPr lang="zh-CN" altLang="en-US"/>
+        </a:p>
+      </dgm:t>
     </dgm:pt>
     <dgm:pt modelId="{84F0D6DC-8959-4AB3-A6A0-334461D95EA4}" type="pres">
       <dgm:prSet presAssocID="{153083B7-B22C-46DF-B066-EC61C42835B0}" presName="parSh" presStyleLbl="node1" presStyleIdx="1" presStyleCnt="4"/>
       <dgm:spPr/>
+      <dgm:t>
+        <a:bodyPr/>
+        <a:lstStyle/>
+        <a:p>
+          <a:endParaRPr lang="zh-CN" altLang="en-US"/>
+        </a:p>
+      </dgm:t>
     </dgm:pt>
     <dgm:pt modelId="{530F9EE9-B03B-4844-A358-8E6744DE2635}" type="pres">
       <dgm:prSet presAssocID="{153083B7-B22C-46DF-B066-EC61C42835B0}" presName="desTx" presStyleLbl="fgAcc1" presStyleIdx="1" presStyleCnt="4">
@@ -11535,14 +11881,35 @@
         </dgm:presLayoutVars>
       </dgm:prSet>
       <dgm:spPr/>
+      <dgm:t>
+        <a:bodyPr/>
+        <a:lstStyle/>
+        <a:p>
+          <a:endParaRPr lang="zh-CN" altLang="en-US"/>
+        </a:p>
+      </dgm:t>
     </dgm:pt>
     <dgm:pt modelId="{150AB090-5366-4DE6-947C-3DFF9C41F95B}" type="pres">
       <dgm:prSet presAssocID="{2A554CA2-A10F-4B32-8948-057F7E062092}" presName="sibTrans" presStyleLbl="sibTrans2D1" presStyleIdx="1" presStyleCnt="3"/>
       <dgm:spPr/>
+      <dgm:t>
+        <a:bodyPr/>
+        <a:lstStyle/>
+        <a:p>
+          <a:endParaRPr lang="zh-CN" altLang="en-US"/>
+        </a:p>
+      </dgm:t>
     </dgm:pt>
     <dgm:pt modelId="{3607D1B7-ECE4-4B65-AC90-9B487E3E5263}" type="pres">
       <dgm:prSet presAssocID="{2A554CA2-A10F-4B32-8948-057F7E062092}" presName="connTx" presStyleLbl="sibTrans2D1" presStyleIdx="1" presStyleCnt="3"/>
       <dgm:spPr/>
+      <dgm:t>
+        <a:bodyPr/>
+        <a:lstStyle/>
+        <a:p>
+          <a:endParaRPr lang="zh-CN" altLang="en-US"/>
+        </a:p>
+      </dgm:t>
     </dgm:pt>
     <dgm:pt modelId="{7904D5CD-342B-4456-99DF-000B497525E9}" type="pres">
       <dgm:prSet presAssocID="{1B332D44-94C3-4C65-856D-5EBCFD252445}" presName="composite" presStyleCnt="0"/>
@@ -11557,18 +11924,6 @@
         </dgm:presLayoutVars>
       </dgm:prSet>
       <dgm:spPr/>
-    </dgm:pt>
-    <dgm:pt modelId="{FA0CCA64-3EA8-4638-8002-91BA878C4EAC}" type="pres">
-      <dgm:prSet presAssocID="{1B332D44-94C3-4C65-856D-5EBCFD252445}" presName="parSh" presStyleLbl="node1" presStyleIdx="2" presStyleCnt="4"/>
-      <dgm:spPr/>
-    </dgm:pt>
-    <dgm:pt modelId="{878A9BD7-E207-46AB-A64B-F47B9EB3EFAD}" type="pres">
-      <dgm:prSet presAssocID="{1B332D44-94C3-4C65-856D-5EBCFD252445}" presName="desTx" presStyleLbl="fgAcc1" presStyleIdx="2" presStyleCnt="4">
-        <dgm:presLayoutVars>
-          <dgm:bulletEnabled val="1"/>
-        </dgm:presLayoutVars>
-      </dgm:prSet>
-      <dgm:spPr/>
       <dgm:t>
         <a:bodyPr/>
         <a:lstStyle/>
@@ -11577,13 +11932,53 @@
         </a:p>
       </dgm:t>
     </dgm:pt>
+    <dgm:pt modelId="{FA0CCA64-3EA8-4638-8002-91BA878C4EAC}" type="pres">
+      <dgm:prSet presAssocID="{1B332D44-94C3-4C65-856D-5EBCFD252445}" presName="parSh" presStyleLbl="node1" presStyleIdx="2" presStyleCnt="4"/>
+      <dgm:spPr/>
+      <dgm:t>
+        <a:bodyPr/>
+        <a:lstStyle/>
+        <a:p>
+          <a:endParaRPr lang="zh-CN" altLang="en-US"/>
+        </a:p>
+      </dgm:t>
+    </dgm:pt>
+    <dgm:pt modelId="{878A9BD7-E207-46AB-A64B-F47B9EB3EFAD}" type="pres">
+      <dgm:prSet presAssocID="{1B332D44-94C3-4C65-856D-5EBCFD252445}" presName="desTx" presStyleLbl="fgAcc1" presStyleIdx="2" presStyleCnt="4">
+        <dgm:presLayoutVars>
+          <dgm:bulletEnabled val="1"/>
+        </dgm:presLayoutVars>
+      </dgm:prSet>
+      <dgm:spPr/>
+      <dgm:t>
+        <a:bodyPr/>
+        <a:lstStyle/>
+        <a:p>
+          <a:endParaRPr lang="zh-CN" altLang="en-US"/>
+        </a:p>
+      </dgm:t>
+    </dgm:pt>
     <dgm:pt modelId="{CE21F0E2-97AB-466B-BAAD-A78B7E7555FC}" type="pres">
       <dgm:prSet presAssocID="{8F4B949F-D488-4252-BDC6-0363C3B5CD4D}" presName="sibTrans" presStyleLbl="sibTrans2D1" presStyleIdx="2" presStyleCnt="3"/>
       <dgm:spPr/>
+      <dgm:t>
+        <a:bodyPr/>
+        <a:lstStyle/>
+        <a:p>
+          <a:endParaRPr lang="zh-CN" altLang="en-US"/>
+        </a:p>
+      </dgm:t>
     </dgm:pt>
     <dgm:pt modelId="{E3763812-17EE-4F1C-98F1-06241078A54A}" type="pres">
       <dgm:prSet presAssocID="{8F4B949F-D488-4252-BDC6-0363C3B5CD4D}" presName="connTx" presStyleLbl="sibTrans2D1" presStyleIdx="2" presStyleCnt="3"/>
       <dgm:spPr/>
+      <dgm:t>
+        <a:bodyPr/>
+        <a:lstStyle/>
+        <a:p>
+          <a:endParaRPr lang="zh-CN" altLang="en-US"/>
+        </a:p>
+      </dgm:t>
     </dgm:pt>
     <dgm:pt modelId="{9326B6F1-99CC-4C36-9186-E8892D1FCCB2}" type="pres">
       <dgm:prSet presAssocID="{605C9A24-8CEC-4511-928C-5795404CA196}" presName="composite" presStyleCnt="0"/>
@@ -11634,47 +12029,47 @@
     </dgm:pt>
   </dgm:ptLst>
   <dgm:cxnLst>
+    <dgm:cxn modelId="{738108EB-B419-41C1-9B3E-90406290DE50}" type="presOf" srcId="{1B332D44-94C3-4C65-856D-5EBCFD252445}" destId="{19791E07-DC33-4761-AABB-BDC9527C4848}" srcOrd="0" destOrd="0" presId="urn:microsoft.com/office/officeart/2005/8/layout/process3"/>
+    <dgm:cxn modelId="{19C4B2EB-243D-4850-8F4C-C840AFCA091E}" type="presOf" srcId="{167E3D2E-CE12-4677-8C8D-62BE05A803FF}" destId="{530F9EE9-B03B-4844-A358-8E6744DE2635}" srcOrd="0" destOrd="0" presId="urn:microsoft.com/office/officeart/2005/8/layout/process3"/>
+    <dgm:cxn modelId="{072460D2-1C36-4175-BC39-715D9BCB618A}" srcId="{A506A753-C325-400C-BFBE-726E56D0024F}" destId="{1B332D44-94C3-4C65-856D-5EBCFD252445}" srcOrd="2" destOrd="0" parTransId="{4C20DF1A-4AEC-4FDC-8B40-4C54610082AF}" sibTransId="{8F4B949F-D488-4252-BDC6-0363C3B5CD4D}"/>
     <dgm:cxn modelId="{62BA6F3D-32B5-4BC3-92ED-902782983094}" type="presOf" srcId="{230ECABA-26C7-4384-8CA3-4B47876816EC}" destId="{5D6314EC-C71A-4050-8CE7-BE6AD26CDD3E}" srcOrd="0" destOrd="1" presId="urn:microsoft.com/office/officeart/2005/8/layout/process3"/>
+    <dgm:cxn modelId="{AC183A98-09C4-4711-84A7-3B0236179C93}" type="presOf" srcId="{260A9CD2-B4DD-46CC-9349-A561C114A32C}" destId="{20B09A80-A1FE-4BEB-9476-D1E7D9C05F0D}" srcOrd="0" destOrd="0" presId="urn:microsoft.com/office/officeart/2005/8/layout/process3"/>
+    <dgm:cxn modelId="{80C2CF79-C15B-4025-B085-FC98D13E7D2F}" type="presOf" srcId="{153083B7-B22C-46DF-B066-EC61C42835B0}" destId="{C36EA13A-C4F1-492B-B7F4-FFB939F3E9AE}" srcOrd="0" destOrd="0" presId="urn:microsoft.com/office/officeart/2005/8/layout/process3"/>
+    <dgm:cxn modelId="{6BF4D8FA-6EBA-4D22-8F57-80BF239E7980}" srcId="{605C9A24-8CEC-4511-928C-5795404CA196}" destId="{C82B3D01-0050-4F21-A527-60080F61F995}" srcOrd="2" destOrd="0" parTransId="{83EEE140-AC5D-4A78-9CCC-CF83D36335A3}" sibTransId="{63E2BE12-5467-4E58-880F-FB3EA849AA8C}"/>
+    <dgm:cxn modelId="{E4340715-F910-4F7F-AD60-7033EE235F95}" type="presOf" srcId="{605C9A24-8CEC-4511-928C-5795404CA196}" destId="{1DBE5B33-9896-4C32-A7BC-474754C0D7E5}" srcOrd="0" destOrd="0" presId="urn:microsoft.com/office/officeart/2005/8/layout/process3"/>
+    <dgm:cxn modelId="{2CE81FBE-3585-44DA-BF6E-FC77BF2C99A3}" srcId="{BD1AA756-8223-4D43-B0FE-69596A4AEE76}" destId="{230ECABA-26C7-4384-8CA3-4B47876816EC}" srcOrd="1" destOrd="0" parTransId="{007CC045-268A-4356-9DA5-8E89D26EB677}" sibTransId="{BC0241B4-AEB1-4D9F-8AFC-F846A7547D6A}"/>
+    <dgm:cxn modelId="{3B401A4D-1DA9-4556-A087-9279D20231A3}" type="presOf" srcId="{B193FB64-0E1A-4C54-836D-BE957842347A}" destId="{5D6314EC-C71A-4050-8CE7-BE6AD26CDD3E}" srcOrd="0" destOrd="0" presId="urn:microsoft.com/office/officeart/2005/8/layout/process3"/>
+    <dgm:cxn modelId="{A60966F1-C4E8-4D26-A807-65E45EE49114}" srcId="{153083B7-B22C-46DF-B066-EC61C42835B0}" destId="{167E3D2E-CE12-4677-8C8D-62BE05A803FF}" srcOrd="0" destOrd="0" parTransId="{77AC64E3-A542-401C-B372-AFB3620BFD2F}" sibTransId="{4EAD32BB-4434-4CF1-B50A-B4B3EBC4961D}"/>
+    <dgm:cxn modelId="{11B79CC9-D6FC-483A-923A-17D4905E2BE9}" type="presOf" srcId="{8F4B949F-D488-4252-BDC6-0363C3B5CD4D}" destId="{CE21F0E2-97AB-466B-BAAD-A78B7E7555FC}" srcOrd="0" destOrd="0" presId="urn:microsoft.com/office/officeart/2005/8/layout/process3"/>
+    <dgm:cxn modelId="{7C9CB281-9252-4885-98B0-E10B2AE7E484}" type="presOf" srcId="{15A1E95D-ACC8-49D3-A9C9-253ECF677483}" destId="{8448CD5F-62FE-4AFA-8285-12EC40EE2BF2}" srcOrd="0" destOrd="0" presId="urn:microsoft.com/office/officeart/2005/8/layout/process3"/>
+    <dgm:cxn modelId="{908E4923-6D99-41EB-9771-C1E03724A672}" type="presOf" srcId="{2A554CA2-A10F-4B32-8948-057F7E062092}" destId="{150AB090-5366-4DE6-947C-3DFF9C41F95B}" srcOrd="0" destOrd="0" presId="urn:microsoft.com/office/officeart/2005/8/layout/process3"/>
     <dgm:cxn modelId="{89554D87-5ABC-4F4C-BF30-245EDD3A2DEE}" type="presOf" srcId="{C82B3D01-0050-4F21-A527-60080F61F995}" destId="{8448CD5F-62FE-4AFA-8285-12EC40EE2BF2}" srcOrd="0" destOrd="2" presId="urn:microsoft.com/office/officeart/2005/8/layout/process3"/>
-    <dgm:cxn modelId="{6BF4D8FA-6EBA-4D22-8F57-80BF239E7980}" srcId="{605C9A24-8CEC-4511-928C-5795404CA196}" destId="{C82B3D01-0050-4F21-A527-60080F61F995}" srcOrd="2" destOrd="0" parTransId="{83EEE140-AC5D-4A78-9CCC-CF83D36335A3}" sibTransId="{63E2BE12-5467-4E58-880F-FB3EA849AA8C}"/>
+    <dgm:cxn modelId="{FF4BADB1-4F1E-4142-ADE3-E2A57FA5F369}" type="presOf" srcId="{953B1B5D-A947-4B7C-97C6-EE5D47E3CC40}" destId="{5D6314EC-C71A-4050-8CE7-BE6AD26CDD3E}" srcOrd="0" destOrd="2" presId="urn:microsoft.com/office/officeart/2005/8/layout/process3"/>
+    <dgm:cxn modelId="{36A259B5-72C0-481D-8CF4-8867440B6A8A}" srcId="{605C9A24-8CEC-4511-928C-5795404CA196}" destId="{E2EB4539-EDD1-4607-9430-DDBB78CE4E3F}" srcOrd="3" destOrd="0" parTransId="{39A7778A-1816-4F2D-AD20-7C70A0D8B381}" sibTransId="{34E7EB82-873D-45EF-BBAC-7A7FB0D14527}"/>
+    <dgm:cxn modelId="{4ED739F1-53AB-45EB-B9FD-B0E73599E2EE}" type="presOf" srcId="{8F4B949F-D488-4252-BDC6-0363C3B5CD4D}" destId="{E3763812-17EE-4F1C-98F1-06241078A54A}" srcOrd="1" destOrd="0" presId="urn:microsoft.com/office/officeart/2005/8/layout/process3"/>
+    <dgm:cxn modelId="{23DA8A62-6768-4B43-9155-803A03174463}" type="presOf" srcId="{1B332D44-94C3-4C65-856D-5EBCFD252445}" destId="{FA0CCA64-3EA8-4638-8002-91BA878C4EAC}" srcOrd="1" destOrd="0" presId="urn:microsoft.com/office/officeart/2005/8/layout/process3"/>
+    <dgm:cxn modelId="{9F75B6AC-D832-456E-9B74-E530B60D4905}" type="presOf" srcId="{153083B7-B22C-46DF-B066-EC61C42835B0}" destId="{84F0D6DC-8959-4AB3-A6A0-334461D95EA4}" srcOrd="1" destOrd="0" presId="urn:microsoft.com/office/officeart/2005/8/layout/process3"/>
+    <dgm:cxn modelId="{207E3F5C-CBCC-4955-AAE0-EDC46F4A20BC}" srcId="{605C9A24-8CEC-4511-928C-5795404CA196}" destId="{15A1E95D-ACC8-49D3-A9C9-253ECF677483}" srcOrd="0" destOrd="0" parTransId="{C4F218E0-1613-46D7-9E04-4544F6D03157}" sibTransId="{07621B7F-98E8-4D46-85C2-BFFAF15C096A}"/>
+    <dgm:cxn modelId="{F169F1BB-BEC8-47EE-97F0-C5A4F4D8E814}" srcId="{BD1AA756-8223-4D43-B0FE-69596A4AEE76}" destId="{953B1B5D-A947-4B7C-97C6-EE5D47E3CC40}" srcOrd="2" destOrd="0" parTransId="{76999187-9B29-4D91-9243-CB3DC074A260}" sibTransId="{AA6B7759-C46C-4581-960E-D44DBDADB56B}"/>
+    <dgm:cxn modelId="{F2387608-3E73-4A7E-97E8-A18D66BF1944}" type="presOf" srcId="{60AE55DD-38F5-442E-879C-A265CBE721A7}" destId="{8448CD5F-62FE-4AFA-8285-12EC40EE2BF2}" srcOrd="0" destOrd="1" presId="urn:microsoft.com/office/officeart/2005/8/layout/process3"/>
+    <dgm:cxn modelId="{3592C609-F5E1-4A1D-BFC8-1235F97F28A0}" type="presOf" srcId="{8D6D3897-DAE2-4C54-ADA8-C5CD259F803C}" destId="{878A9BD7-E207-46AB-A64B-F47B9EB3EFAD}" srcOrd="0" destOrd="0" presId="urn:microsoft.com/office/officeart/2005/8/layout/process3"/>
+    <dgm:cxn modelId="{21EE3065-EC87-4DD6-A6C3-AE3777CFEAC5}" type="presOf" srcId="{A506A753-C325-400C-BFBE-726E56D0024F}" destId="{61E5E36C-4CC6-435B-8000-C66FC614C8EB}" srcOrd="0" destOrd="0" presId="urn:microsoft.com/office/officeart/2005/8/layout/process3"/>
+    <dgm:cxn modelId="{EFE484B9-141A-4958-AAA0-C55682B770B8}" type="presOf" srcId="{260A9CD2-B4DD-46CC-9349-A561C114A32C}" destId="{825CE54A-E3A1-4F15-8F7A-772A009A8AD3}" srcOrd="1" destOrd="0" presId="urn:microsoft.com/office/officeart/2005/8/layout/process3"/>
+    <dgm:cxn modelId="{A314F825-D752-446B-81D9-EFB5D8124CAA}" srcId="{1B332D44-94C3-4C65-856D-5EBCFD252445}" destId="{2F994C28-9B8B-4B75-8755-F90448EA4AE5}" srcOrd="1" destOrd="0" parTransId="{DC7D0FFD-984E-412F-9A66-4B0B414B30ED}" sibTransId="{13B00670-086B-4949-B54D-B60B0BA44938}"/>
+    <dgm:cxn modelId="{F47BA8BF-DCE8-4D40-9E5A-5944E99E1B8A}" type="presOf" srcId="{BD1AA756-8223-4D43-B0FE-69596A4AEE76}" destId="{0BBF4BE7-9F99-49A7-8302-CB01A9D22051}" srcOrd="1" destOrd="0" presId="urn:microsoft.com/office/officeart/2005/8/layout/process3"/>
+    <dgm:cxn modelId="{96D26CD1-E677-4E0E-9043-1B9BF618380F}" srcId="{153083B7-B22C-46DF-B066-EC61C42835B0}" destId="{2242AAB3-7D8A-4911-B067-2A129A7DB04A}" srcOrd="1" destOrd="0" parTransId="{B280657E-807A-45D1-BA56-AABD19B79F77}" sibTransId="{7759663B-73B1-45EC-8D30-E1F54E62EE00}"/>
+    <dgm:cxn modelId="{CFB54711-57F7-4DA9-8552-0EBDD343CF50}" type="presOf" srcId="{2242AAB3-7D8A-4911-B067-2A129A7DB04A}" destId="{530F9EE9-B03B-4844-A358-8E6744DE2635}" srcOrd="0" destOrd="1" presId="urn:microsoft.com/office/officeart/2005/8/layout/process3"/>
+    <dgm:cxn modelId="{B33DD576-6FD5-49F0-ABAE-D6F87708F567}" srcId="{BD1AA756-8223-4D43-B0FE-69596A4AEE76}" destId="{B193FB64-0E1A-4C54-836D-BE957842347A}" srcOrd="0" destOrd="0" parTransId="{3FECD2D4-0F7A-49AC-B658-4B44038326EB}" sibTransId="{FB4FA042-EDFD-4C84-A485-1598B64C49E5}"/>
+    <dgm:cxn modelId="{D7940257-1E9E-4D9F-80C8-CE8AD6C67E4F}" type="presOf" srcId="{BD1AA756-8223-4D43-B0FE-69596A4AEE76}" destId="{11C043E8-8987-4270-B0AE-09F265118110}" srcOrd="0" destOrd="0" presId="urn:microsoft.com/office/officeart/2005/8/layout/process3"/>
+    <dgm:cxn modelId="{71D45445-0BE4-4745-BB5C-B457489C7D8F}" type="presOf" srcId="{605C9A24-8CEC-4511-928C-5795404CA196}" destId="{D13E26DB-4C39-4779-B719-56954FA77CAE}" srcOrd="1" destOrd="0" presId="urn:microsoft.com/office/officeart/2005/8/layout/process3"/>
+    <dgm:cxn modelId="{3CF8320F-A32C-4B99-BC31-12E616A970B4}" srcId="{A506A753-C325-400C-BFBE-726E56D0024F}" destId="{153083B7-B22C-46DF-B066-EC61C42835B0}" srcOrd="1" destOrd="0" parTransId="{0B06269E-50E4-4B8F-AEB0-B99F5280CC13}" sibTransId="{2A554CA2-A10F-4B32-8948-057F7E062092}"/>
+    <dgm:cxn modelId="{6107D859-D7AC-4151-9A55-E4B90AF00B09}" srcId="{A506A753-C325-400C-BFBE-726E56D0024F}" destId="{BD1AA756-8223-4D43-B0FE-69596A4AEE76}" srcOrd="0" destOrd="0" parTransId="{3C74AE86-F140-437B-8134-B11D529BCF35}" sibTransId="{260A9CD2-B4DD-46CC-9349-A561C114A32C}"/>
     <dgm:cxn modelId="{75C68191-DDB5-4753-A5EA-9D388F4BDFAE}" type="presOf" srcId="{2A554CA2-A10F-4B32-8948-057F7E062092}" destId="{3607D1B7-ECE4-4B65-AC90-9B487E3E5263}" srcOrd="1" destOrd="0" presId="urn:microsoft.com/office/officeart/2005/8/layout/process3"/>
-    <dgm:cxn modelId="{71D45445-0BE4-4745-BB5C-B457489C7D8F}" type="presOf" srcId="{605C9A24-8CEC-4511-928C-5795404CA196}" destId="{D13E26DB-4C39-4779-B719-56954FA77CAE}" srcOrd="1" destOrd="0" presId="urn:microsoft.com/office/officeart/2005/8/layout/process3"/>
-    <dgm:cxn modelId="{A60966F1-C4E8-4D26-A807-65E45EE49114}" srcId="{153083B7-B22C-46DF-B066-EC61C42835B0}" destId="{167E3D2E-CE12-4677-8C8D-62BE05A803FF}" srcOrd="0" destOrd="0" parTransId="{77AC64E3-A542-401C-B372-AFB3620BFD2F}" sibTransId="{4EAD32BB-4434-4CF1-B50A-B4B3EBC4961D}"/>
-    <dgm:cxn modelId="{2CE81FBE-3585-44DA-BF6E-FC77BF2C99A3}" srcId="{BD1AA756-8223-4D43-B0FE-69596A4AEE76}" destId="{230ECABA-26C7-4384-8CA3-4B47876816EC}" srcOrd="1" destOrd="0" parTransId="{007CC045-268A-4356-9DA5-8E89D26EB677}" sibTransId="{BC0241B4-AEB1-4D9F-8AFC-F846A7547D6A}"/>
-    <dgm:cxn modelId="{D7940257-1E9E-4D9F-80C8-CE8AD6C67E4F}" type="presOf" srcId="{BD1AA756-8223-4D43-B0FE-69596A4AEE76}" destId="{11C043E8-8987-4270-B0AE-09F265118110}" srcOrd="0" destOrd="0" presId="urn:microsoft.com/office/officeart/2005/8/layout/process3"/>
-    <dgm:cxn modelId="{072460D2-1C36-4175-BC39-715D9BCB618A}" srcId="{A506A753-C325-400C-BFBE-726E56D0024F}" destId="{1B332D44-94C3-4C65-856D-5EBCFD252445}" srcOrd="2" destOrd="0" parTransId="{4C20DF1A-4AEC-4FDC-8B40-4C54610082AF}" sibTransId="{8F4B949F-D488-4252-BDC6-0363C3B5CD4D}"/>
-    <dgm:cxn modelId="{908E4923-6D99-41EB-9771-C1E03724A672}" type="presOf" srcId="{2A554CA2-A10F-4B32-8948-057F7E062092}" destId="{150AB090-5366-4DE6-947C-3DFF9C41F95B}" srcOrd="0" destOrd="0" presId="urn:microsoft.com/office/officeart/2005/8/layout/process3"/>
+    <dgm:cxn modelId="{18FE9359-8057-45CB-B9B3-80E5DC74E0E0}" srcId="{605C9A24-8CEC-4511-928C-5795404CA196}" destId="{60AE55DD-38F5-442E-879C-A265CBE721A7}" srcOrd="1" destOrd="0" parTransId="{C1B80746-1F76-48BD-B659-62ECF96CB73F}" sibTransId="{A0038269-1DD3-441E-AB71-9D13DF1403DC}"/>
+    <dgm:cxn modelId="{E5BBBC8D-C321-4B06-B711-EA9AD280ECD0}" type="presOf" srcId="{E2EB4539-EDD1-4607-9430-DDBB78CE4E3F}" destId="{8448CD5F-62FE-4AFA-8285-12EC40EE2BF2}" srcOrd="0" destOrd="3" presId="urn:microsoft.com/office/officeart/2005/8/layout/process3"/>
+    <dgm:cxn modelId="{A14669BC-E630-4965-BEA7-617BDC726DD9}" srcId="{1B332D44-94C3-4C65-856D-5EBCFD252445}" destId="{8D6D3897-DAE2-4C54-ADA8-C5CD259F803C}" srcOrd="0" destOrd="0" parTransId="{19499F05-9124-465D-8F24-3644B53654D1}" sibTransId="{B81E6D09-15E3-46D2-B939-0F336C003D7F}"/>
+    <dgm:cxn modelId="{B8E60DC2-4483-4713-A05E-653F170A3F25}" srcId="{A506A753-C325-400C-BFBE-726E56D0024F}" destId="{605C9A24-8CEC-4511-928C-5795404CA196}" srcOrd="3" destOrd="0" parTransId="{31316D14-096B-430A-AAB8-B2D331080288}" sibTransId="{0D715D6F-BDEC-44AD-887B-FA61445D2A88}"/>
     <dgm:cxn modelId="{50D513B3-E4C5-471B-AC67-12F3E9D1A269}" type="presOf" srcId="{2F994C28-9B8B-4B75-8755-F90448EA4AE5}" destId="{878A9BD7-E207-46AB-A64B-F47B9EB3EFAD}" srcOrd="0" destOrd="1" presId="urn:microsoft.com/office/officeart/2005/8/layout/process3"/>
-    <dgm:cxn modelId="{36A259B5-72C0-481D-8CF4-8867440B6A8A}" srcId="{605C9A24-8CEC-4511-928C-5795404CA196}" destId="{E2EB4539-EDD1-4607-9430-DDBB78CE4E3F}" srcOrd="3" destOrd="0" parTransId="{39A7778A-1816-4F2D-AD20-7C70A0D8B381}" sibTransId="{34E7EB82-873D-45EF-BBAC-7A7FB0D14527}"/>
-    <dgm:cxn modelId="{EFE484B9-141A-4958-AAA0-C55682B770B8}" type="presOf" srcId="{260A9CD2-B4DD-46CC-9349-A561C114A32C}" destId="{825CE54A-E3A1-4F15-8F7A-772A009A8AD3}" srcOrd="1" destOrd="0" presId="urn:microsoft.com/office/officeart/2005/8/layout/process3"/>
-    <dgm:cxn modelId="{B33DD576-6FD5-49F0-ABAE-D6F87708F567}" srcId="{BD1AA756-8223-4D43-B0FE-69596A4AEE76}" destId="{B193FB64-0E1A-4C54-836D-BE957842347A}" srcOrd="0" destOrd="0" parTransId="{3FECD2D4-0F7A-49AC-B658-4B44038326EB}" sibTransId="{FB4FA042-EDFD-4C84-A485-1598B64C49E5}"/>
-    <dgm:cxn modelId="{9F75B6AC-D832-456E-9B74-E530B60D4905}" type="presOf" srcId="{153083B7-B22C-46DF-B066-EC61C42835B0}" destId="{84F0D6DC-8959-4AB3-A6A0-334461D95EA4}" srcOrd="1" destOrd="0" presId="urn:microsoft.com/office/officeart/2005/8/layout/process3"/>
-    <dgm:cxn modelId="{21EE3065-EC87-4DD6-A6C3-AE3777CFEAC5}" type="presOf" srcId="{A506A753-C325-400C-BFBE-726E56D0024F}" destId="{61E5E36C-4CC6-435B-8000-C66FC614C8EB}" srcOrd="0" destOrd="0" presId="urn:microsoft.com/office/officeart/2005/8/layout/process3"/>
-    <dgm:cxn modelId="{7C9CB281-9252-4885-98B0-E10B2AE7E484}" type="presOf" srcId="{15A1E95D-ACC8-49D3-A9C9-253ECF677483}" destId="{8448CD5F-62FE-4AFA-8285-12EC40EE2BF2}" srcOrd="0" destOrd="0" presId="urn:microsoft.com/office/officeart/2005/8/layout/process3"/>
-    <dgm:cxn modelId="{3592C609-F5E1-4A1D-BFC8-1235F97F28A0}" type="presOf" srcId="{8D6D3897-DAE2-4C54-ADA8-C5CD259F803C}" destId="{878A9BD7-E207-46AB-A64B-F47B9EB3EFAD}" srcOrd="0" destOrd="0" presId="urn:microsoft.com/office/officeart/2005/8/layout/process3"/>
-    <dgm:cxn modelId="{738108EB-B419-41C1-9B3E-90406290DE50}" type="presOf" srcId="{1B332D44-94C3-4C65-856D-5EBCFD252445}" destId="{19791E07-DC33-4761-AABB-BDC9527C4848}" srcOrd="0" destOrd="0" presId="urn:microsoft.com/office/officeart/2005/8/layout/process3"/>
-    <dgm:cxn modelId="{6107D859-D7AC-4151-9A55-E4B90AF00B09}" srcId="{A506A753-C325-400C-BFBE-726E56D0024F}" destId="{BD1AA756-8223-4D43-B0FE-69596A4AEE76}" srcOrd="0" destOrd="0" parTransId="{3C74AE86-F140-437B-8134-B11D529BCF35}" sibTransId="{260A9CD2-B4DD-46CC-9349-A561C114A32C}"/>
-    <dgm:cxn modelId="{18FE9359-8057-45CB-B9B3-80E5DC74E0E0}" srcId="{605C9A24-8CEC-4511-928C-5795404CA196}" destId="{60AE55DD-38F5-442E-879C-A265CBE721A7}" srcOrd="1" destOrd="0" parTransId="{C1B80746-1F76-48BD-B659-62ECF96CB73F}" sibTransId="{A0038269-1DD3-441E-AB71-9D13DF1403DC}"/>
-    <dgm:cxn modelId="{B8E60DC2-4483-4713-A05E-653F170A3F25}" srcId="{A506A753-C325-400C-BFBE-726E56D0024F}" destId="{605C9A24-8CEC-4511-928C-5795404CA196}" srcOrd="3" destOrd="0" parTransId="{31316D14-096B-430A-AAB8-B2D331080288}" sibTransId="{0D715D6F-BDEC-44AD-887B-FA61445D2A88}"/>
-    <dgm:cxn modelId="{F2387608-3E73-4A7E-97E8-A18D66BF1944}" type="presOf" srcId="{60AE55DD-38F5-442E-879C-A265CBE721A7}" destId="{8448CD5F-62FE-4AFA-8285-12EC40EE2BF2}" srcOrd="0" destOrd="1" presId="urn:microsoft.com/office/officeart/2005/8/layout/process3"/>
-    <dgm:cxn modelId="{A14669BC-E630-4965-BEA7-617BDC726DD9}" srcId="{1B332D44-94C3-4C65-856D-5EBCFD252445}" destId="{8D6D3897-DAE2-4C54-ADA8-C5CD259F803C}" srcOrd="0" destOrd="0" parTransId="{19499F05-9124-465D-8F24-3644B53654D1}" sibTransId="{B81E6D09-15E3-46D2-B939-0F336C003D7F}"/>
-    <dgm:cxn modelId="{A314F825-D752-446B-81D9-EFB5D8124CAA}" srcId="{1B332D44-94C3-4C65-856D-5EBCFD252445}" destId="{2F994C28-9B8B-4B75-8755-F90448EA4AE5}" srcOrd="1" destOrd="0" parTransId="{DC7D0FFD-984E-412F-9A66-4B0B414B30ED}" sibTransId="{13B00670-086B-4949-B54D-B60B0BA44938}"/>
-    <dgm:cxn modelId="{4ED739F1-53AB-45EB-B9FD-B0E73599E2EE}" type="presOf" srcId="{8F4B949F-D488-4252-BDC6-0363C3B5CD4D}" destId="{E3763812-17EE-4F1C-98F1-06241078A54A}" srcOrd="1" destOrd="0" presId="urn:microsoft.com/office/officeart/2005/8/layout/process3"/>
-    <dgm:cxn modelId="{3B401A4D-1DA9-4556-A087-9279D20231A3}" type="presOf" srcId="{B193FB64-0E1A-4C54-836D-BE957842347A}" destId="{5D6314EC-C71A-4050-8CE7-BE6AD26CDD3E}" srcOrd="0" destOrd="0" presId="urn:microsoft.com/office/officeart/2005/8/layout/process3"/>
-    <dgm:cxn modelId="{FF4BADB1-4F1E-4142-ADE3-E2A57FA5F369}" type="presOf" srcId="{953B1B5D-A947-4B7C-97C6-EE5D47E3CC40}" destId="{5D6314EC-C71A-4050-8CE7-BE6AD26CDD3E}" srcOrd="0" destOrd="2" presId="urn:microsoft.com/office/officeart/2005/8/layout/process3"/>
-    <dgm:cxn modelId="{96D26CD1-E677-4E0E-9043-1B9BF618380F}" srcId="{153083B7-B22C-46DF-B066-EC61C42835B0}" destId="{2242AAB3-7D8A-4911-B067-2A129A7DB04A}" srcOrd="1" destOrd="0" parTransId="{B280657E-807A-45D1-BA56-AABD19B79F77}" sibTransId="{7759663B-73B1-45EC-8D30-E1F54E62EE00}"/>
-    <dgm:cxn modelId="{23DA8A62-6768-4B43-9155-803A03174463}" type="presOf" srcId="{1B332D44-94C3-4C65-856D-5EBCFD252445}" destId="{FA0CCA64-3EA8-4638-8002-91BA878C4EAC}" srcOrd="1" destOrd="0" presId="urn:microsoft.com/office/officeart/2005/8/layout/process3"/>
-    <dgm:cxn modelId="{AC183A98-09C4-4711-84A7-3B0236179C93}" type="presOf" srcId="{260A9CD2-B4DD-46CC-9349-A561C114A32C}" destId="{20B09A80-A1FE-4BEB-9476-D1E7D9C05F0D}" srcOrd="0" destOrd="0" presId="urn:microsoft.com/office/officeart/2005/8/layout/process3"/>
-    <dgm:cxn modelId="{19C4B2EB-243D-4850-8F4C-C840AFCA091E}" type="presOf" srcId="{167E3D2E-CE12-4677-8C8D-62BE05A803FF}" destId="{530F9EE9-B03B-4844-A358-8E6744DE2635}" srcOrd="0" destOrd="0" presId="urn:microsoft.com/office/officeart/2005/8/layout/process3"/>
-    <dgm:cxn modelId="{E5BBBC8D-C321-4B06-B711-EA9AD280ECD0}" type="presOf" srcId="{E2EB4539-EDD1-4607-9430-DDBB78CE4E3F}" destId="{8448CD5F-62FE-4AFA-8285-12EC40EE2BF2}" srcOrd="0" destOrd="3" presId="urn:microsoft.com/office/officeart/2005/8/layout/process3"/>
-    <dgm:cxn modelId="{80C2CF79-C15B-4025-B085-FC98D13E7D2F}" type="presOf" srcId="{153083B7-B22C-46DF-B066-EC61C42835B0}" destId="{C36EA13A-C4F1-492B-B7F4-FFB939F3E9AE}" srcOrd="0" destOrd="0" presId="urn:microsoft.com/office/officeart/2005/8/layout/process3"/>
-    <dgm:cxn modelId="{F169F1BB-BEC8-47EE-97F0-C5A4F4D8E814}" srcId="{BD1AA756-8223-4D43-B0FE-69596A4AEE76}" destId="{953B1B5D-A947-4B7C-97C6-EE5D47E3CC40}" srcOrd="2" destOrd="0" parTransId="{76999187-9B29-4D91-9243-CB3DC074A260}" sibTransId="{AA6B7759-C46C-4581-960E-D44DBDADB56B}"/>
-    <dgm:cxn modelId="{207E3F5C-CBCC-4955-AAE0-EDC46F4A20BC}" srcId="{605C9A24-8CEC-4511-928C-5795404CA196}" destId="{15A1E95D-ACC8-49D3-A9C9-253ECF677483}" srcOrd="0" destOrd="0" parTransId="{C4F218E0-1613-46D7-9E04-4544F6D03157}" sibTransId="{07621B7F-98E8-4D46-85C2-BFFAF15C096A}"/>
-    <dgm:cxn modelId="{11B79CC9-D6FC-483A-923A-17D4905E2BE9}" type="presOf" srcId="{8F4B949F-D488-4252-BDC6-0363C3B5CD4D}" destId="{CE21F0E2-97AB-466B-BAAD-A78B7E7555FC}" srcOrd="0" destOrd="0" presId="urn:microsoft.com/office/officeart/2005/8/layout/process3"/>
-    <dgm:cxn modelId="{F47BA8BF-DCE8-4D40-9E5A-5944E99E1B8A}" type="presOf" srcId="{BD1AA756-8223-4D43-B0FE-69596A4AEE76}" destId="{0BBF4BE7-9F99-49A7-8302-CB01A9D22051}" srcOrd="1" destOrd="0" presId="urn:microsoft.com/office/officeart/2005/8/layout/process3"/>
-    <dgm:cxn modelId="{E4340715-F910-4F7F-AD60-7033EE235F95}" type="presOf" srcId="{605C9A24-8CEC-4511-928C-5795404CA196}" destId="{1DBE5B33-9896-4C32-A7BC-474754C0D7E5}" srcOrd="0" destOrd="0" presId="urn:microsoft.com/office/officeart/2005/8/layout/process3"/>
-    <dgm:cxn modelId="{CFB54711-57F7-4DA9-8552-0EBDD343CF50}" type="presOf" srcId="{2242AAB3-7D8A-4911-B067-2A129A7DB04A}" destId="{530F9EE9-B03B-4844-A358-8E6744DE2635}" srcOrd="0" destOrd="1" presId="urn:microsoft.com/office/officeart/2005/8/layout/process3"/>
-    <dgm:cxn modelId="{3CF8320F-A32C-4B99-BC31-12E616A970B4}" srcId="{A506A753-C325-400C-BFBE-726E56D0024F}" destId="{153083B7-B22C-46DF-B066-EC61C42835B0}" srcOrd="1" destOrd="0" parTransId="{0B06269E-50E4-4B8F-AEB0-B99F5280CC13}" sibTransId="{2A554CA2-A10F-4B32-8948-057F7E062092}"/>
     <dgm:cxn modelId="{DEA28751-790B-4D51-9299-6720C10A5A85}" type="presParOf" srcId="{61E5E36C-4CC6-435B-8000-C66FC614C8EB}" destId="{FFB81B4B-9410-427D-96DB-18DEB9250609}" srcOrd="0" destOrd="0" presId="urn:microsoft.com/office/officeart/2005/8/layout/process3"/>
     <dgm:cxn modelId="{196185A8-A22E-474D-B243-1CA825A77FF9}" type="presParOf" srcId="{FFB81B4B-9410-427D-96DB-18DEB9250609}" destId="{11C043E8-8987-4270-B0AE-09F265118110}" srcOrd="0" destOrd="0" presId="urn:microsoft.com/office/officeart/2005/8/layout/process3"/>
     <dgm:cxn modelId="{4F64060A-1F86-42AC-BA9F-CE551B9FDA43}" type="presParOf" srcId="{FFB81B4B-9410-427D-96DB-18DEB9250609}" destId="{0BBF4BE7-9F99-49A7-8302-CB01A9D22051}" srcOrd="1" destOrd="0" presId="urn:microsoft.com/office/officeart/2005/8/layout/process3"/>
@@ -12323,18 +12718,6 @@
         </dgm:presLayoutVars>
       </dgm:prSet>
       <dgm:spPr/>
-    </dgm:pt>
-    <dgm:pt modelId="{9008691C-D05F-447E-A5E5-3743887E4C8E}" type="pres">
-      <dgm:prSet presAssocID="{A9D3B986-48B1-449A-A1F1-315B9C9295AD}" presName="thickLine" presStyleLbl="alignNode1" presStyleIdx="0" presStyleCnt="4"/>
-      <dgm:spPr/>
-    </dgm:pt>
-    <dgm:pt modelId="{81683BA3-E297-4CB0-AD8D-46C7E49874F8}" type="pres">
-      <dgm:prSet presAssocID="{A9D3B986-48B1-449A-A1F1-315B9C9295AD}" presName="horz1" presStyleCnt="0"/>
-      <dgm:spPr/>
-    </dgm:pt>
-    <dgm:pt modelId="{44ADB401-C08A-4FF5-AD7B-E0A0D9E1373A}" type="pres">
-      <dgm:prSet presAssocID="{A9D3B986-48B1-449A-A1F1-315B9C9295AD}" presName="tx1" presStyleLbl="revTx" presStyleIdx="0" presStyleCnt="16"/>
-      <dgm:spPr/>
       <dgm:t>
         <a:bodyPr/>
         <a:lstStyle/>
@@ -12343,48 +12726,16 @@
         </a:p>
       </dgm:t>
     </dgm:pt>
-    <dgm:pt modelId="{728FB9BE-58C2-4983-AC36-47042A6F5A83}" type="pres">
-      <dgm:prSet presAssocID="{A9D3B986-48B1-449A-A1F1-315B9C9295AD}" presName="vert1" presStyleCnt="0"/>
-      <dgm:spPr/>
-    </dgm:pt>
-    <dgm:pt modelId="{D02C6C82-294B-4920-8551-54D8FD064A6D}" type="pres">
-      <dgm:prSet presAssocID="{8F04EA47-B159-4CD5-815F-17742BF360F2}" presName="vertSpace2a" presStyleCnt="0"/>
-      <dgm:spPr/>
-    </dgm:pt>
-    <dgm:pt modelId="{C6FADA43-CDD1-4D5C-BAF2-8B2522F4F922}" type="pres">
-      <dgm:prSet presAssocID="{8F04EA47-B159-4CD5-815F-17742BF360F2}" presName="horz2" presStyleCnt="0"/>
-      <dgm:spPr/>
-    </dgm:pt>
-    <dgm:pt modelId="{318DB4BD-AAF7-489B-A4DC-CCA4E3FBB8CC}" type="pres">
-      <dgm:prSet presAssocID="{8F04EA47-B159-4CD5-815F-17742BF360F2}" presName="horzSpace2" presStyleCnt="0"/>
-      <dgm:spPr/>
-    </dgm:pt>
-    <dgm:pt modelId="{847A83A6-0F92-487A-B8CD-B6D7A4F9688E}" type="pres">
-      <dgm:prSet presAssocID="{8F04EA47-B159-4CD5-815F-17742BF360F2}" presName="tx2" presStyleLbl="revTx" presStyleIdx="1" presStyleCnt="16"/>
-      <dgm:spPr/>
-    </dgm:pt>
-    <dgm:pt modelId="{B6419872-8518-4C95-B416-437B1DF1FFFE}" type="pres">
-      <dgm:prSet presAssocID="{8F04EA47-B159-4CD5-815F-17742BF360F2}" presName="vert2" presStyleCnt="0"/>
-      <dgm:spPr/>
-    </dgm:pt>
-    <dgm:pt modelId="{016D1736-D883-4473-AF4A-5A45EC25C9DA}" type="pres">
-      <dgm:prSet presAssocID="{8F04EA47-B159-4CD5-815F-17742BF360F2}" presName="thinLine2b" presStyleLbl="callout" presStyleIdx="0" presStyleCnt="12"/>
-      <dgm:spPr/>
-    </dgm:pt>
-    <dgm:pt modelId="{6FDA4E5E-CC66-4C68-A963-78B5E1E1CD98}" type="pres">
-      <dgm:prSet presAssocID="{8F04EA47-B159-4CD5-815F-17742BF360F2}" presName="vertSpace2b" presStyleCnt="0"/>
-      <dgm:spPr/>
-    </dgm:pt>
-    <dgm:pt modelId="{72815C51-C77A-45D4-AE9E-3AD509939FCF}" type="pres">
-      <dgm:prSet presAssocID="{B741B47B-99F8-4453-9225-639352B95134}" presName="horz2" presStyleCnt="0"/>
-      <dgm:spPr/>
-    </dgm:pt>
-    <dgm:pt modelId="{AB80AF59-A2A5-429A-BB26-50D8BD076A79}" type="pres">
-      <dgm:prSet presAssocID="{B741B47B-99F8-4453-9225-639352B95134}" presName="horzSpace2" presStyleCnt="0"/>
-      <dgm:spPr/>
-    </dgm:pt>
-    <dgm:pt modelId="{0DD931AF-AE9B-4EA8-AF29-6B73E4E2FCCD}" type="pres">
-      <dgm:prSet presAssocID="{B741B47B-99F8-4453-9225-639352B95134}" presName="tx2" presStyleLbl="revTx" presStyleIdx="2" presStyleCnt="16"/>
+    <dgm:pt modelId="{9008691C-D05F-447E-A5E5-3743887E4C8E}" type="pres">
+      <dgm:prSet presAssocID="{A9D3B986-48B1-449A-A1F1-315B9C9295AD}" presName="thickLine" presStyleLbl="alignNode1" presStyleIdx="0" presStyleCnt="4"/>
+      <dgm:spPr/>
+    </dgm:pt>
+    <dgm:pt modelId="{81683BA3-E297-4CB0-AD8D-46C7E49874F8}" type="pres">
+      <dgm:prSet presAssocID="{A9D3B986-48B1-449A-A1F1-315B9C9295AD}" presName="horz1" presStyleCnt="0"/>
+      <dgm:spPr/>
+    </dgm:pt>
+    <dgm:pt modelId="{44ADB401-C08A-4FF5-AD7B-E0A0D9E1373A}" type="pres">
+      <dgm:prSet presAssocID="{A9D3B986-48B1-449A-A1F1-315B9C9295AD}" presName="tx1" presStyleLbl="revTx" presStyleIdx="0" presStyleCnt="16"/>
       <dgm:spPr/>
       <dgm:t>
         <a:bodyPr/>
@@ -12394,72 +12745,24 @@
         </a:p>
       </dgm:t>
     </dgm:pt>
-    <dgm:pt modelId="{D18C1D01-2A85-475B-94FE-790D416AFE6B}" type="pres">
-      <dgm:prSet presAssocID="{B741B47B-99F8-4453-9225-639352B95134}" presName="vert2" presStyleCnt="0"/>
-      <dgm:spPr/>
-    </dgm:pt>
-    <dgm:pt modelId="{4C0162E7-0240-45CE-BCB5-4608271560AE}" type="pres">
-      <dgm:prSet presAssocID="{B741B47B-99F8-4453-9225-639352B95134}" presName="thinLine2b" presStyleLbl="callout" presStyleIdx="1" presStyleCnt="12"/>
-      <dgm:spPr/>
-    </dgm:pt>
-    <dgm:pt modelId="{15FCE5AE-FD6B-4840-AFEC-CD56F542BB54}" type="pres">
-      <dgm:prSet presAssocID="{B741B47B-99F8-4453-9225-639352B95134}" presName="vertSpace2b" presStyleCnt="0"/>
-      <dgm:spPr/>
-    </dgm:pt>
-    <dgm:pt modelId="{BB268ED4-7E03-4E36-81D1-E3DCDD720A74}" type="pres">
-      <dgm:prSet presAssocID="{1C05BB3E-5F07-4DB5-8AB8-954227A074CA}" presName="horz2" presStyleCnt="0"/>
-      <dgm:spPr/>
-    </dgm:pt>
-    <dgm:pt modelId="{AAD3764D-0A2E-4DB6-91AD-C05368F374AF}" type="pres">
-      <dgm:prSet presAssocID="{1C05BB3E-5F07-4DB5-8AB8-954227A074CA}" presName="horzSpace2" presStyleCnt="0"/>
-      <dgm:spPr/>
-    </dgm:pt>
-    <dgm:pt modelId="{46C63548-A160-4011-8FDB-6F14240C4A6B}" type="pres">
-      <dgm:prSet presAssocID="{1C05BB3E-5F07-4DB5-8AB8-954227A074CA}" presName="tx2" presStyleLbl="revTx" presStyleIdx="3" presStyleCnt="16"/>
-      <dgm:spPr/>
-    </dgm:pt>
-    <dgm:pt modelId="{BC8A8D42-1433-443E-8E94-6DA7A8EF5E67}" type="pres">
-      <dgm:prSet presAssocID="{1C05BB3E-5F07-4DB5-8AB8-954227A074CA}" presName="vert2" presStyleCnt="0"/>
-      <dgm:spPr/>
-    </dgm:pt>
-    <dgm:pt modelId="{6AA233B8-BC69-4A71-AAF6-B663FED037CB}" type="pres">
-      <dgm:prSet presAssocID="{1C05BB3E-5F07-4DB5-8AB8-954227A074CA}" presName="thinLine2b" presStyleLbl="callout" presStyleIdx="2" presStyleCnt="12"/>
-      <dgm:spPr/>
-    </dgm:pt>
-    <dgm:pt modelId="{F0A57EFA-C477-4D4D-AF46-28DB06C2FD19}" type="pres">
-      <dgm:prSet presAssocID="{1C05BB3E-5F07-4DB5-8AB8-954227A074CA}" presName="vertSpace2b" presStyleCnt="0"/>
-      <dgm:spPr/>
-    </dgm:pt>
-    <dgm:pt modelId="{34359B5B-1569-4DC6-832E-13848C5F00CE}" type="pres">
-      <dgm:prSet presAssocID="{6675FAE9-DC22-4420-8393-C221BE10AC0E}" presName="thickLine" presStyleLbl="alignNode1" presStyleIdx="1" presStyleCnt="4"/>
-      <dgm:spPr/>
-    </dgm:pt>
-    <dgm:pt modelId="{83ED1B6C-3601-4ECD-AB74-92F549ED983F}" type="pres">
-      <dgm:prSet presAssocID="{6675FAE9-DC22-4420-8393-C221BE10AC0E}" presName="horz1" presStyleCnt="0"/>
-      <dgm:spPr/>
-    </dgm:pt>
-    <dgm:pt modelId="{7AD3A02A-4D38-44B5-8B45-E055E85F7EE4}" type="pres">
-      <dgm:prSet presAssocID="{6675FAE9-DC22-4420-8393-C221BE10AC0E}" presName="tx1" presStyleLbl="revTx" presStyleIdx="4" presStyleCnt="16"/>
-      <dgm:spPr/>
-    </dgm:pt>
-    <dgm:pt modelId="{92ED46A3-22CD-4A2C-B1D8-A688DA26E70C}" type="pres">
-      <dgm:prSet presAssocID="{6675FAE9-DC22-4420-8393-C221BE10AC0E}" presName="vert1" presStyleCnt="0"/>
-      <dgm:spPr/>
-    </dgm:pt>
-    <dgm:pt modelId="{8B4F5C84-17CB-467E-B1E1-89DFB13038B0}" type="pres">
-      <dgm:prSet presAssocID="{A014B477-4B9C-43FF-986F-CB1AA1743F28}" presName="vertSpace2a" presStyleCnt="0"/>
-      <dgm:spPr/>
-    </dgm:pt>
-    <dgm:pt modelId="{32D2AD42-A55F-42A0-948B-83396EFF95CA}" type="pres">
-      <dgm:prSet presAssocID="{A014B477-4B9C-43FF-986F-CB1AA1743F28}" presName="horz2" presStyleCnt="0"/>
-      <dgm:spPr/>
-    </dgm:pt>
-    <dgm:pt modelId="{8A2F2C64-D0F6-4DCE-BD66-2CD1CFFB2016}" type="pres">
-      <dgm:prSet presAssocID="{A014B477-4B9C-43FF-986F-CB1AA1743F28}" presName="horzSpace2" presStyleCnt="0"/>
-      <dgm:spPr/>
-    </dgm:pt>
-    <dgm:pt modelId="{90AB0565-04A8-4701-9308-1E96389552CA}" type="pres">
-      <dgm:prSet presAssocID="{A014B477-4B9C-43FF-986F-CB1AA1743F28}" presName="tx2" presStyleLbl="revTx" presStyleIdx="5" presStyleCnt="16"/>
+    <dgm:pt modelId="{728FB9BE-58C2-4983-AC36-47042A6F5A83}" type="pres">
+      <dgm:prSet presAssocID="{A9D3B986-48B1-449A-A1F1-315B9C9295AD}" presName="vert1" presStyleCnt="0"/>
+      <dgm:spPr/>
+    </dgm:pt>
+    <dgm:pt modelId="{D02C6C82-294B-4920-8551-54D8FD064A6D}" type="pres">
+      <dgm:prSet presAssocID="{8F04EA47-B159-4CD5-815F-17742BF360F2}" presName="vertSpace2a" presStyleCnt="0"/>
+      <dgm:spPr/>
+    </dgm:pt>
+    <dgm:pt modelId="{C6FADA43-CDD1-4D5C-BAF2-8B2522F4F922}" type="pres">
+      <dgm:prSet presAssocID="{8F04EA47-B159-4CD5-815F-17742BF360F2}" presName="horz2" presStyleCnt="0"/>
+      <dgm:spPr/>
+    </dgm:pt>
+    <dgm:pt modelId="{318DB4BD-AAF7-489B-A4DC-CCA4E3FBB8CC}" type="pres">
+      <dgm:prSet presAssocID="{8F04EA47-B159-4CD5-815F-17742BF360F2}" presName="horzSpace2" presStyleCnt="0"/>
+      <dgm:spPr/>
+    </dgm:pt>
+    <dgm:pt modelId="{847A83A6-0F92-487A-B8CD-B6D7A4F9688E}" type="pres">
+      <dgm:prSet presAssocID="{8F04EA47-B159-4CD5-815F-17742BF360F2}" presName="tx2" presStyleLbl="revTx" presStyleIdx="1" presStyleCnt="16"/>
       <dgm:spPr/>
       <dgm:t>
         <a:bodyPr/>
@@ -12469,144 +12772,28 @@
         </a:p>
       </dgm:t>
     </dgm:pt>
-    <dgm:pt modelId="{943865FF-E6B7-4E0B-B598-CFEE8469B941}" type="pres">
-      <dgm:prSet presAssocID="{A014B477-4B9C-43FF-986F-CB1AA1743F28}" presName="vert2" presStyleCnt="0"/>
-      <dgm:spPr/>
-    </dgm:pt>
-    <dgm:pt modelId="{D6FC07C6-286D-4A20-8985-95A4818F612B}" type="pres">
-      <dgm:prSet presAssocID="{A014B477-4B9C-43FF-986F-CB1AA1743F28}" presName="thinLine2b" presStyleLbl="callout" presStyleIdx="3" presStyleCnt="12"/>
-      <dgm:spPr/>
-    </dgm:pt>
-    <dgm:pt modelId="{B6BAFDA4-9F4A-4DB8-B832-FB5FBF6DF370}" type="pres">
-      <dgm:prSet presAssocID="{A014B477-4B9C-43FF-986F-CB1AA1743F28}" presName="vertSpace2b" presStyleCnt="0"/>
-      <dgm:spPr/>
-    </dgm:pt>
-    <dgm:pt modelId="{17FE069B-B5AF-4F08-82CF-9A47962E6E09}" type="pres">
-      <dgm:prSet presAssocID="{C6572FEB-3636-43D3-B35D-A5E2731012E8}" presName="horz2" presStyleCnt="0"/>
-      <dgm:spPr/>
-    </dgm:pt>
-    <dgm:pt modelId="{07E0A109-C08C-4B99-9F4F-B59960EE0D73}" type="pres">
-      <dgm:prSet presAssocID="{C6572FEB-3636-43D3-B35D-A5E2731012E8}" presName="horzSpace2" presStyleCnt="0"/>
-      <dgm:spPr/>
-    </dgm:pt>
-    <dgm:pt modelId="{2D6E6906-B409-4C94-A6C9-89AFE4C3630D}" type="pres">
-      <dgm:prSet presAssocID="{C6572FEB-3636-43D3-B35D-A5E2731012E8}" presName="tx2" presStyleLbl="revTx" presStyleIdx="6" presStyleCnt="16"/>
-      <dgm:spPr/>
-    </dgm:pt>
-    <dgm:pt modelId="{ACE3C4DE-FF09-4EF7-98E5-BA18AD28B63F}" type="pres">
-      <dgm:prSet presAssocID="{C6572FEB-3636-43D3-B35D-A5E2731012E8}" presName="vert2" presStyleCnt="0"/>
-      <dgm:spPr/>
-    </dgm:pt>
-    <dgm:pt modelId="{D4F07E50-856D-414B-B421-5CFAA490377A}" type="pres">
-      <dgm:prSet presAssocID="{C6572FEB-3636-43D3-B35D-A5E2731012E8}" presName="thinLine2b" presStyleLbl="callout" presStyleIdx="4" presStyleCnt="12"/>
-      <dgm:spPr/>
-    </dgm:pt>
-    <dgm:pt modelId="{7FA8836F-3D37-4580-8841-AB29F9B0A011}" type="pres">
-      <dgm:prSet presAssocID="{C6572FEB-3636-43D3-B35D-A5E2731012E8}" presName="vertSpace2b" presStyleCnt="0"/>
-      <dgm:spPr/>
-    </dgm:pt>
-    <dgm:pt modelId="{EC3677A0-AC31-435C-B7B4-88C9DBE9F837}" type="pres">
-      <dgm:prSet presAssocID="{932C5475-0EAF-4062-AA76-9F736D461C4E}" presName="horz2" presStyleCnt="0"/>
-      <dgm:spPr/>
-    </dgm:pt>
-    <dgm:pt modelId="{899470DB-0C68-4568-BBAD-847184A93542}" type="pres">
-      <dgm:prSet presAssocID="{932C5475-0EAF-4062-AA76-9F736D461C4E}" presName="horzSpace2" presStyleCnt="0"/>
-      <dgm:spPr/>
-    </dgm:pt>
-    <dgm:pt modelId="{0AA8A7D7-DF43-457D-B6A3-48DD5EA17083}" type="pres">
-      <dgm:prSet presAssocID="{932C5475-0EAF-4062-AA76-9F736D461C4E}" presName="tx2" presStyleLbl="revTx" presStyleIdx="7" presStyleCnt="16"/>
-      <dgm:spPr/>
-    </dgm:pt>
-    <dgm:pt modelId="{B0AC16AE-1F3B-4714-B5E8-2AEB756F72FE}" type="pres">
-      <dgm:prSet presAssocID="{932C5475-0EAF-4062-AA76-9F736D461C4E}" presName="vert2" presStyleCnt="0"/>
-      <dgm:spPr/>
-    </dgm:pt>
-    <dgm:pt modelId="{9ADA802D-8886-4020-BAAB-EF03E5EB6D45}" type="pres">
-      <dgm:prSet presAssocID="{932C5475-0EAF-4062-AA76-9F736D461C4E}" presName="thinLine2b" presStyleLbl="callout" presStyleIdx="5" presStyleCnt="12"/>
-      <dgm:spPr/>
-    </dgm:pt>
-    <dgm:pt modelId="{7F0A4030-DA07-466E-9BDF-9A363AAFA589}" type="pres">
-      <dgm:prSet presAssocID="{932C5475-0EAF-4062-AA76-9F736D461C4E}" presName="vertSpace2b" presStyleCnt="0"/>
-      <dgm:spPr/>
-    </dgm:pt>
-    <dgm:pt modelId="{3DA25D1C-FC93-4F01-B44D-E59B0D5DB574}" type="pres">
-      <dgm:prSet presAssocID="{FCF8A797-2AD9-4984-A43E-D67CBFE0A9C0}" presName="thickLine" presStyleLbl="alignNode1" presStyleIdx="2" presStyleCnt="4"/>
-      <dgm:spPr/>
-    </dgm:pt>
-    <dgm:pt modelId="{9C0FF8E8-ECF6-4175-A2B5-2F02135DB77E}" type="pres">
-      <dgm:prSet presAssocID="{FCF8A797-2AD9-4984-A43E-D67CBFE0A9C0}" presName="horz1" presStyleCnt="0"/>
-      <dgm:spPr/>
-    </dgm:pt>
-    <dgm:pt modelId="{F2DE4018-76C6-4899-9809-1AA470D641C4}" type="pres">
-      <dgm:prSet presAssocID="{FCF8A797-2AD9-4984-A43E-D67CBFE0A9C0}" presName="tx1" presStyleLbl="revTx" presStyleIdx="8" presStyleCnt="16"/>
-      <dgm:spPr/>
-    </dgm:pt>
-    <dgm:pt modelId="{828DA6F6-192A-4FB2-A34A-2110CD272D43}" type="pres">
-      <dgm:prSet presAssocID="{FCF8A797-2AD9-4984-A43E-D67CBFE0A9C0}" presName="vert1" presStyleCnt="0"/>
-      <dgm:spPr/>
-    </dgm:pt>
-    <dgm:pt modelId="{197714AC-ED4A-41D5-8875-AEFC40551717}" type="pres">
-      <dgm:prSet presAssocID="{77D09B10-3BDE-44EE-8F2B-61F2F50AED18}" presName="vertSpace2a" presStyleCnt="0"/>
-      <dgm:spPr/>
-    </dgm:pt>
-    <dgm:pt modelId="{799D2D42-67C0-4E75-991D-4C6A9192A366}" type="pres">
-      <dgm:prSet presAssocID="{77D09B10-3BDE-44EE-8F2B-61F2F50AED18}" presName="horz2" presStyleCnt="0"/>
-      <dgm:spPr/>
-    </dgm:pt>
-    <dgm:pt modelId="{EEDACA95-B409-49F2-916A-43E093F42E34}" type="pres">
-      <dgm:prSet presAssocID="{77D09B10-3BDE-44EE-8F2B-61F2F50AED18}" presName="horzSpace2" presStyleCnt="0"/>
-      <dgm:spPr/>
-    </dgm:pt>
-    <dgm:pt modelId="{6A4C232D-9CBB-4EB1-ABA4-A25222179937}" type="pres">
-      <dgm:prSet presAssocID="{77D09B10-3BDE-44EE-8F2B-61F2F50AED18}" presName="tx2" presStyleLbl="revTx" presStyleIdx="9" presStyleCnt="16"/>
-      <dgm:spPr/>
-    </dgm:pt>
-    <dgm:pt modelId="{D9D16BF5-6EF3-4FCF-89C4-21523C825499}" type="pres">
-      <dgm:prSet presAssocID="{77D09B10-3BDE-44EE-8F2B-61F2F50AED18}" presName="vert2" presStyleCnt="0"/>
-      <dgm:spPr/>
-    </dgm:pt>
-    <dgm:pt modelId="{A42D993D-58D3-4115-90E6-54544E5B059A}" type="pres">
-      <dgm:prSet presAssocID="{77D09B10-3BDE-44EE-8F2B-61F2F50AED18}" presName="thinLine2b" presStyleLbl="callout" presStyleIdx="6" presStyleCnt="12"/>
-      <dgm:spPr/>
-    </dgm:pt>
-    <dgm:pt modelId="{0156511F-BBAD-412C-A3AC-4797C9A3BF41}" type="pres">
-      <dgm:prSet presAssocID="{77D09B10-3BDE-44EE-8F2B-61F2F50AED18}" presName="vertSpace2b" presStyleCnt="0"/>
-      <dgm:spPr/>
-    </dgm:pt>
-    <dgm:pt modelId="{2275AD72-25B6-4A21-A1B6-DFC3C4712825}" type="pres">
-      <dgm:prSet presAssocID="{CE39C78D-EBD2-48A2-8DF3-17101DB52B11}" presName="horz2" presStyleCnt="0"/>
-      <dgm:spPr/>
-    </dgm:pt>
-    <dgm:pt modelId="{5FB2B14C-FF0D-476F-8D8B-863E8FEBA9E8}" type="pres">
-      <dgm:prSet presAssocID="{CE39C78D-EBD2-48A2-8DF3-17101DB52B11}" presName="horzSpace2" presStyleCnt="0"/>
-      <dgm:spPr/>
-    </dgm:pt>
-    <dgm:pt modelId="{46C7F5CA-5205-4532-8910-3C6A2379259F}" type="pres">
-      <dgm:prSet presAssocID="{CE39C78D-EBD2-48A2-8DF3-17101DB52B11}" presName="tx2" presStyleLbl="revTx" presStyleIdx="10" presStyleCnt="16"/>
-      <dgm:spPr/>
-    </dgm:pt>
-    <dgm:pt modelId="{D696DA3F-0066-4B74-A10E-29F9EB4D3D49}" type="pres">
-      <dgm:prSet presAssocID="{CE39C78D-EBD2-48A2-8DF3-17101DB52B11}" presName="vert2" presStyleCnt="0"/>
-      <dgm:spPr/>
-    </dgm:pt>
-    <dgm:pt modelId="{EACB080C-2FC2-4048-A484-10645CCBD7CC}" type="pres">
-      <dgm:prSet presAssocID="{CE39C78D-EBD2-48A2-8DF3-17101DB52B11}" presName="thinLine2b" presStyleLbl="callout" presStyleIdx="7" presStyleCnt="12"/>
-      <dgm:spPr/>
-    </dgm:pt>
-    <dgm:pt modelId="{408360EB-E650-41D0-A146-2CA927B1E562}" type="pres">
-      <dgm:prSet presAssocID="{CE39C78D-EBD2-48A2-8DF3-17101DB52B11}" presName="vertSpace2b" presStyleCnt="0"/>
-      <dgm:spPr/>
-    </dgm:pt>
-    <dgm:pt modelId="{9976760E-8489-41B8-8B8C-5D6C91FF4618}" type="pres">
-      <dgm:prSet presAssocID="{72B18887-67A0-4781-A34B-3A97814EB2BC}" presName="horz2" presStyleCnt="0"/>
-      <dgm:spPr/>
-    </dgm:pt>
-    <dgm:pt modelId="{1D798669-A296-4C93-AA60-9C3FC36F91C3}" type="pres">
-      <dgm:prSet presAssocID="{72B18887-67A0-4781-A34B-3A97814EB2BC}" presName="horzSpace2" presStyleCnt="0"/>
-      <dgm:spPr/>
-    </dgm:pt>
-    <dgm:pt modelId="{66ED39B6-2C50-454F-9ADF-DAE95746893B}" type="pres">
-      <dgm:prSet presAssocID="{72B18887-67A0-4781-A34B-3A97814EB2BC}" presName="tx2" presStyleLbl="revTx" presStyleIdx="11" presStyleCnt="16"/>
+    <dgm:pt modelId="{B6419872-8518-4C95-B416-437B1DF1FFFE}" type="pres">
+      <dgm:prSet presAssocID="{8F04EA47-B159-4CD5-815F-17742BF360F2}" presName="vert2" presStyleCnt="0"/>
+      <dgm:spPr/>
+    </dgm:pt>
+    <dgm:pt modelId="{016D1736-D883-4473-AF4A-5A45EC25C9DA}" type="pres">
+      <dgm:prSet presAssocID="{8F04EA47-B159-4CD5-815F-17742BF360F2}" presName="thinLine2b" presStyleLbl="callout" presStyleIdx="0" presStyleCnt="12"/>
+      <dgm:spPr/>
+    </dgm:pt>
+    <dgm:pt modelId="{6FDA4E5E-CC66-4C68-A963-78B5E1E1CD98}" type="pres">
+      <dgm:prSet presAssocID="{8F04EA47-B159-4CD5-815F-17742BF360F2}" presName="vertSpace2b" presStyleCnt="0"/>
+      <dgm:spPr/>
+    </dgm:pt>
+    <dgm:pt modelId="{72815C51-C77A-45D4-AE9E-3AD509939FCF}" type="pres">
+      <dgm:prSet presAssocID="{B741B47B-99F8-4453-9225-639352B95134}" presName="horz2" presStyleCnt="0"/>
+      <dgm:spPr/>
+    </dgm:pt>
+    <dgm:pt modelId="{AB80AF59-A2A5-429A-BB26-50D8BD076A79}" type="pres">
+      <dgm:prSet presAssocID="{B741B47B-99F8-4453-9225-639352B95134}" presName="horzSpace2" presStyleCnt="0"/>
+      <dgm:spPr/>
+    </dgm:pt>
+    <dgm:pt modelId="{0DD931AF-AE9B-4EA8-AF29-6B73E4E2FCCD}" type="pres">
+      <dgm:prSet presAssocID="{B741B47B-99F8-4453-9225-639352B95134}" presName="tx2" presStyleLbl="revTx" presStyleIdx="2" presStyleCnt="16"/>
       <dgm:spPr/>
       <dgm:t>
         <a:bodyPr/>
@@ -12616,6 +12803,277 @@
         </a:p>
       </dgm:t>
     </dgm:pt>
+    <dgm:pt modelId="{D18C1D01-2A85-475B-94FE-790D416AFE6B}" type="pres">
+      <dgm:prSet presAssocID="{B741B47B-99F8-4453-9225-639352B95134}" presName="vert2" presStyleCnt="0"/>
+      <dgm:spPr/>
+    </dgm:pt>
+    <dgm:pt modelId="{4C0162E7-0240-45CE-BCB5-4608271560AE}" type="pres">
+      <dgm:prSet presAssocID="{B741B47B-99F8-4453-9225-639352B95134}" presName="thinLine2b" presStyleLbl="callout" presStyleIdx="1" presStyleCnt="12"/>
+      <dgm:spPr/>
+    </dgm:pt>
+    <dgm:pt modelId="{15FCE5AE-FD6B-4840-AFEC-CD56F542BB54}" type="pres">
+      <dgm:prSet presAssocID="{B741B47B-99F8-4453-9225-639352B95134}" presName="vertSpace2b" presStyleCnt="0"/>
+      <dgm:spPr/>
+    </dgm:pt>
+    <dgm:pt modelId="{BB268ED4-7E03-4E36-81D1-E3DCDD720A74}" type="pres">
+      <dgm:prSet presAssocID="{1C05BB3E-5F07-4DB5-8AB8-954227A074CA}" presName="horz2" presStyleCnt="0"/>
+      <dgm:spPr/>
+    </dgm:pt>
+    <dgm:pt modelId="{AAD3764D-0A2E-4DB6-91AD-C05368F374AF}" type="pres">
+      <dgm:prSet presAssocID="{1C05BB3E-5F07-4DB5-8AB8-954227A074CA}" presName="horzSpace2" presStyleCnt="0"/>
+      <dgm:spPr/>
+    </dgm:pt>
+    <dgm:pt modelId="{46C63548-A160-4011-8FDB-6F14240C4A6B}" type="pres">
+      <dgm:prSet presAssocID="{1C05BB3E-5F07-4DB5-8AB8-954227A074CA}" presName="tx2" presStyleLbl="revTx" presStyleIdx="3" presStyleCnt="16"/>
+      <dgm:spPr/>
+      <dgm:t>
+        <a:bodyPr/>
+        <a:lstStyle/>
+        <a:p>
+          <a:endParaRPr lang="zh-CN" altLang="en-US"/>
+        </a:p>
+      </dgm:t>
+    </dgm:pt>
+    <dgm:pt modelId="{BC8A8D42-1433-443E-8E94-6DA7A8EF5E67}" type="pres">
+      <dgm:prSet presAssocID="{1C05BB3E-5F07-4DB5-8AB8-954227A074CA}" presName="vert2" presStyleCnt="0"/>
+      <dgm:spPr/>
+    </dgm:pt>
+    <dgm:pt modelId="{6AA233B8-BC69-4A71-AAF6-B663FED037CB}" type="pres">
+      <dgm:prSet presAssocID="{1C05BB3E-5F07-4DB5-8AB8-954227A074CA}" presName="thinLine2b" presStyleLbl="callout" presStyleIdx="2" presStyleCnt="12"/>
+      <dgm:spPr/>
+    </dgm:pt>
+    <dgm:pt modelId="{F0A57EFA-C477-4D4D-AF46-28DB06C2FD19}" type="pres">
+      <dgm:prSet presAssocID="{1C05BB3E-5F07-4DB5-8AB8-954227A074CA}" presName="vertSpace2b" presStyleCnt="0"/>
+      <dgm:spPr/>
+    </dgm:pt>
+    <dgm:pt modelId="{34359B5B-1569-4DC6-832E-13848C5F00CE}" type="pres">
+      <dgm:prSet presAssocID="{6675FAE9-DC22-4420-8393-C221BE10AC0E}" presName="thickLine" presStyleLbl="alignNode1" presStyleIdx="1" presStyleCnt="4"/>
+      <dgm:spPr/>
+    </dgm:pt>
+    <dgm:pt modelId="{83ED1B6C-3601-4ECD-AB74-92F549ED983F}" type="pres">
+      <dgm:prSet presAssocID="{6675FAE9-DC22-4420-8393-C221BE10AC0E}" presName="horz1" presStyleCnt="0"/>
+      <dgm:spPr/>
+    </dgm:pt>
+    <dgm:pt modelId="{7AD3A02A-4D38-44B5-8B45-E055E85F7EE4}" type="pres">
+      <dgm:prSet presAssocID="{6675FAE9-DC22-4420-8393-C221BE10AC0E}" presName="tx1" presStyleLbl="revTx" presStyleIdx="4" presStyleCnt="16"/>
+      <dgm:spPr/>
+      <dgm:t>
+        <a:bodyPr/>
+        <a:lstStyle/>
+        <a:p>
+          <a:endParaRPr lang="zh-CN" altLang="en-US"/>
+        </a:p>
+      </dgm:t>
+    </dgm:pt>
+    <dgm:pt modelId="{92ED46A3-22CD-4A2C-B1D8-A688DA26E70C}" type="pres">
+      <dgm:prSet presAssocID="{6675FAE9-DC22-4420-8393-C221BE10AC0E}" presName="vert1" presStyleCnt="0"/>
+      <dgm:spPr/>
+    </dgm:pt>
+    <dgm:pt modelId="{8B4F5C84-17CB-467E-B1E1-89DFB13038B0}" type="pres">
+      <dgm:prSet presAssocID="{A014B477-4B9C-43FF-986F-CB1AA1743F28}" presName="vertSpace2a" presStyleCnt="0"/>
+      <dgm:spPr/>
+    </dgm:pt>
+    <dgm:pt modelId="{32D2AD42-A55F-42A0-948B-83396EFF95CA}" type="pres">
+      <dgm:prSet presAssocID="{A014B477-4B9C-43FF-986F-CB1AA1743F28}" presName="horz2" presStyleCnt="0"/>
+      <dgm:spPr/>
+    </dgm:pt>
+    <dgm:pt modelId="{8A2F2C64-D0F6-4DCE-BD66-2CD1CFFB2016}" type="pres">
+      <dgm:prSet presAssocID="{A014B477-4B9C-43FF-986F-CB1AA1743F28}" presName="horzSpace2" presStyleCnt="0"/>
+      <dgm:spPr/>
+    </dgm:pt>
+    <dgm:pt modelId="{90AB0565-04A8-4701-9308-1E96389552CA}" type="pres">
+      <dgm:prSet presAssocID="{A014B477-4B9C-43FF-986F-CB1AA1743F28}" presName="tx2" presStyleLbl="revTx" presStyleIdx="5" presStyleCnt="16"/>
+      <dgm:spPr/>
+      <dgm:t>
+        <a:bodyPr/>
+        <a:lstStyle/>
+        <a:p>
+          <a:endParaRPr lang="zh-CN" altLang="en-US"/>
+        </a:p>
+      </dgm:t>
+    </dgm:pt>
+    <dgm:pt modelId="{943865FF-E6B7-4E0B-B598-CFEE8469B941}" type="pres">
+      <dgm:prSet presAssocID="{A014B477-4B9C-43FF-986F-CB1AA1743F28}" presName="vert2" presStyleCnt="0"/>
+      <dgm:spPr/>
+    </dgm:pt>
+    <dgm:pt modelId="{D6FC07C6-286D-4A20-8985-95A4818F612B}" type="pres">
+      <dgm:prSet presAssocID="{A014B477-4B9C-43FF-986F-CB1AA1743F28}" presName="thinLine2b" presStyleLbl="callout" presStyleIdx="3" presStyleCnt="12"/>
+      <dgm:spPr/>
+    </dgm:pt>
+    <dgm:pt modelId="{B6BAFDA4-9F4A-4DB8-B832-FB5FBF6DF370}" type="pres">
+      <dgm:prSet presAssocID="{A014B477-4B9C-43FF-986F-CB1AA1743F28}" presName="vertSpace2b" presStyleCnt="0"/>
+      <dgm:spPr/>
+    </dgm:pt>
+    <dgm:pt modelId="{17FE069B-B5AF-4F08-82CF-9A47962E6E09}" type="pres">
+      <dgm:prSet presAssocID="{C6572FEB-3636-43D3-B35D-A5E2731012E8}" presName="horz2" presStyleCnt="0"/>
+      <dgm:spPr/>
+    </dgm:pt>
+    <dgm:pt modelId="{07E0A109-C08C-4B99-9F4F-B59960EE0D73}" type="pres">
+      <dgm:prSet presAssocID="{C6572FEB-3636-43D3-B35D-A5E2731012E8}" presName="horzSpace2" presStyleCnt="0"/>
+      <dgm:spPr/>
+    </dgm:pt>
+    <dgm:pt modelId="{2D6E6906-B409-4C94-A6C9-89AFE4C3630D}" type="pres">
+      <dgm:prSet presAssocID="{C6572FEB-3636-43D3-B35D-A5E2731012E8}" presName="tx2" presStyleLbl="revTx" presStyleIdx="6" presStyleCnt="16"/>
+      <dgm:spPr/>
+      <dgm:t>
+        <a:bodyPr/>
+        <a:lstStyle/>
+        <a:p>
+          <a:endParaRPr lang="zh-CN" altLang="en-US"/>
+        </a:p>
+      </dgm:t>
+    </dgm:pt>
+    <dgm:pt modelId="{ACE3C4DE-FF09-4EF7-98E5-BA18AD28B63F}" type="pres">
+      <dgm:prSet presAssocID="{C6572FEB-3636-43D3-B35D-A5E2731012E8}" presName="vert2" presStyleCnt="0"/>
+      <dgm:spPr/>
+    </dgm:pt>
+    <dgm:pt modelId="{D4F07E50-856D-414B-B421-5CFAA490377A}" type="pres">
+      <dgm:prSet presAssocID="{C6572FEB-3636-43D3-B35D-A5E2731012E8}" presName="thinLine2b" presStyleLbl="callout" presStyleIdx="4" presStyleCnt="12"/>
+      <dgm:spPr/>
+    </dgm:pt>
+    <dgm:pt modelId="{7FA8836F-3D37-4580-8841-AB29F9B0A011}" type="pres">
+      <dgm:prSet presAssocID="{C6572FEB-3636-43D3-B35D-A5E2731012E8}" presName="vertSpace2b" presStyleCnt="0"/>
+      <dgm:spPr/>
+    </dgm:pt>
+    <dgm:pt modelId="{EC3677A0-AC31-435C-B7B4-88C9DBE9F837}" type="pres">
+      <dgm:prSet presAssocID="{932C5475-0EAF-4062-AA76-9F736D461C4E}" presName="horz2" presStyleCnt="0"/>
+      <dgm:spPr/>
+    </dgm:pt>
+    <dgm:pt modelId="{899470DB-0C68-4568-BBAD-847184A93542}" type="pres">
+      <dgm:prSet presAssocID="{932C5475-0EAF-4062-AA76-9F736D461C4E}" presName="horzSpace2" presStyleCnt="0"/>
+      <dgm:spPr/>
+    </dgm:pt>
+    <dgm:pt modelId="{0AA8A7D7-DF43-457D-B6A3-48DD5EA17083}" type="pres">
+      <dgm:prSet presAssocID="{932C5475-0EAF-4062-AA76-9F736D461C4E}" presName="tx2" presStyleLbl="revTx" presStyleIdx="7" presStyleCnt="16"/>
+      <dgm:spPr/>
+      <dgm:t>
+        <a:bodyPr/>
+        <a:lstStyle/>
+        <a:p>
+          <a:endParaRPr lang="zh-CN" altLang="en-US"/>
+        </a:p>
+      </dgm:t>
+    </dgm:pt>
+    <dgm:pt modelId="{B0AC16AE-1F3B-4714-B5E8-2AEB756F72FE}" type="pres">
+      <dgm:prSet presAssocID="{932C5475-0EAF-4062-AA76-9F736D461C4E}" presName="vert2" presStyleCnt="0"/>
+      <dgm:spPr/>
+    </dgm:pt>
+    <dgm:pt modelId="{9ADA802D-8886-4020-BAAB-EF03E5EB6D45}" type="pres">
+      <dgm:prSet presAssocID="{932C5475-0EAF-4062-AA76-9F736D461C4E}" presName="thinLine2b" presStyleLbl="callout" presStyleIdx="5" presStyleCnt="12"/>
+      <dgm:spPr/>
+    </dgm:pt>
+    <dgm:pt modelId="{7F0A4030-DA07-466E-9BDF-9A363AAFA589}" type="pres">
+      <dgm:prSet presAssocID="{932C5475-0EAF-4062-AA76-9F736D461C4E}" presName="vertSpace2b" presStyleCnt="0"/>
+      <dgm:spPr/>
+    </dgm:pt>
+    <dgm:pt modelId="{3DA25D1C-FC93-4F01-B44D-E59B0D5DB574}" type="pres">
+      <dgm:prSet presAssocID="{FCF8A797-2AD9-4984-A43E-D67CBFE0A9C0}" presName="thickLine" presStyleLbl="alignNode1" presStyleIdx="2" presStyleCnt="4"/>
+      <dgm:spPr/>
+    </dgm:pt>
+    <dgm:pt modelId="{9C0FF8E8-ECF6-4175-A2B5-2F02135DB77E}" type="pres">
+      <dgm:prSet presAssocID="{FCF8A797-2AD9-4984-A43E-D67CBFE0A9C0}" presName="horz1" presStyleCnt="0"/>
+      <dgm:spPr/>
+    </dgm:pt>
+    <dgm:pt modelId="{F2DE4018-76C6-4899-9809-1AA470D641C4}" type="pres">
+      <dgm:prSet presAssocID="{FCF8A797-2AD9-4984-A43E-D67CBFE0A9C0}" presName="tx1" presStyleLbl="revTx" presStyleIdx="8" presStyleCnt="16"/>
+      <dgm:spPr/>
+      <dgm:t>
+        <a:bodyPr/>
+        <a:lstStyle/>
+        <a:p>
+          <a:endParaRPr lang="zh-CN" altLang="en-US"/>
+        </a:p>
+      </dgm:t>
+    </dgm:pt>
+    <dgm:pt modelId="{828DA6F6-192A-4FB2-A34A-2110CD272D43}" type="pres">
+      <dgm:prSet presAssocID="{FCF8A797-2AD9-4984-A43E-D67CBFE0A9C0}" presName="vert1" presStyleCnt="0"/>
+      <dgm:spPr/>
+    </dgm:pt>
+    <dgm:pt modelId="{197714AC-ED4A-41D5-8875-AEFC40551717}" type="pres">
+      <dgm:prSet presAssocID="{77D09B10-3BDE-44EE-8F2B-61F2F50AED18}" presName="vertSpace2a" presStyleCnt="0"/>
+      <dgm:spPr/>
+    </dgm:pt>
+    <dgm:pt modelId="{799D2D42-67C0-4E75-991D-4C6A9192A366}" type="pres">
+      <dgm:prSet presAssocID="{77D09B10-3BDE-44EE-8F2B-61F2F50AED18}" presName="horz2" presStyleCnt="0"/>
+      <dgm:spPr/>
+    </dgm:pt>
+    <dgm:pt modelId="{EEDACA95-B409-49F2-916A-43E093F42E34}" type="pres">
+      <dgm:prSet presAssocID="{77D09B10-3BDE-44EE-8F2B-61F2F50AED18}" presName="horzSpace2" presStyleCnt="0"/>
+      <dgm:spPr/>
+    </dgm:pt>
+    <dgm:pt modelId="{6A4C232D-9CBB-4EB1-ABA4-A25222179937}" type="pres">
+      <dgm:prSet presAssocID="{77D09B10-3BDE-44EE-8F2B-61F2F50AED18}" presName="tx2" presStyleLbl="revTx" presStyleIdx="9" presStyleCnt="16"/>
+      <dgm:spPr/>
+      <dgm:t>
+        <a:bodyPr/>
+        <a:lstStyle/>
+        <a:p>
+          <a:endParaRPr lang="zh-CN" altLang="en-US"/>
+        </a:p>
+      </dgm:t>
+    </dgm:pt>
+    <dgm:pt modelId="{D9D16BF5-6EF3-4FCF-89C4-21523C825499}" type="pres">
+      <dgm:prSet presAssocID="{77D09B10-3BDE-44EE-8F2B-61F2F50AED18}" presName="vert2" presStyleCnt="0"/>
+      <dgm:spPr/>
+    </dgm:pt>
+    <dgm:pt modelId="{A42D993D-58D3-4115-90E6-54544E5B059A}" type="pres">
+      <dgm:prSet presAssocID="{77D09B10-3BDE-44EE-8F2B-61F2F50AED18}" presName="thinLine2b" presStyleLbl="callout" presStyleIdx="6" presStyleCnt="12"/>
+      <dgm:spPr/>
+    </dgm:pt>
+    <dgm:pt modelId="{0156511F-BBAD-412C-A3AC-4797C9A3BF41}" type="pres">
+      <dgm:prSet presAssocID="{77D09B10-3BDE-44EE-8F2B-61F2F50AED18}" presName="vertSpace2b" presStyleCnt="0"/>
+      <dgm:spPr/>
+    </dgm:pt>
+    <dgm:pt modelId="{2275AD72-25B6-4A21-A1B6-DFC3C4712825}" type="pres">
+      <dgm:prSet presAssocID="{CE39C78D-EBD2-48A2-8DF3-17101DB52B11}" presName="horz2" presStyleCnt="0"/>
+      <dgm:spPr/>
+    </dgm:pt>
+    <dgm:pt modelId="{5FB2B14C-FF0D-476F-8D8B-863E8FEBA9E8}" type="pres">
+      <dgm:prSet presAssocID="{CE39C78D-EBD2-48A2-8DF3-17101DB52B11}" presName="horzSpace2" presStyleCnt="0"/>
+      <dgm:spPr/>
+    </dgm:pt>
+    <dgm:pt modelId="{46C7F5CA-5205-4532-8910-3C6A2379259F}" type="pres">
+      <dgm:prSet presAssocID="{CE39C78D-EBD2-48A2-8DF3-17101DB52B11}" presName="tx2" presStyleLbl="revTx" presStyleIdx="10" presStyleCnt="16"/>
+      <dgm:spPr/>
+      <dgm:t>
+        <a:bodyPr/>
+        <a:lstStyle/>
+        <a:p>
+          <a:endParaRPr lang="zh-CN" altLang="en-US"/>
+        </a:p>
+      </dgm:t>
+    </dgm:pt>
+    <dgm:pt modelId="{D696DA3F-0066-4B74-A10E-29F9EB4D3D49}" type="pres">
+      <dgm:prSet presAssocID="{CE39C78D-EBD2-48A2-8DF3-17101DB52B11}" presName="vert2" presStyleCnt="0"/>
+      <dgm:spPr/>
+    </dgm:pt>
+    <dgm:pt modelId="{EACB080C-2FC2-4048-A484-10645CCBD7CC}" type="pres">
+      <dgm:prSet presAssocID="{CE39C78D-EBD2-48A2-8DF3-17101DB52B11}" presName="thinLine2b" presStyleLbl="callout" presStyleIdx="7" presStyleCnt="12"/>
+      <dgm:spPr/>
+    </dgm:pt>
+    <dgm:pt modelId="{408360EB-E650-41D0-A146-2CA927B1E562}" type="pres">
+      <dgm:prSet presAssocID="{CE39C78D-EBD2-48A2-8DF3-17101DB52B11}" presName="vertSpace2b" presStyleCnt="0"/>
+      <dgm:spPr/>
+    </dgm:pt>
+    <dgm:pt modelId="{9976760E-8489-41B8-8B8C-5D6C91FF4618}" type="pres">
+      <dgm:prSet presAssocID="{72B18887-67A0-4781-A34B-3A97814EB2BC}" presName="horz2" presStyleCnt="0"/>
+      <dgm:spPr/>
+    </dgm:pt>
+    <dgm:pt modelId="{1D798669-A296-4C93-AA60-9C3FC36F91C3}" type="pres">
+      <dgm:prSet presAssocID="{72B18887-67A0-4781-A34B-3A97814EB2BC}" presName="horzSpace2" presStyleCnt="0"/>
+      <dgm:spPr/>
+    </dgm:pt>
+    <dgm:pt modelId="{66ED39B6-2C50-454F-9ADF-DAE95746893B}" type="pres">
+      <dgm:prSet presAssocID="{72B18887-67A0-4781-A34B-3A97814EB2BC}" presName="tx2" presStyleLbl="revTx" presStyleIdx="11" presStyleCnt="16"/>
+      <dgm:spPr/>
+      <dgm:t>
+        <a:bodyPr/>
+        <a:lstStyle/>
+        <a:p>
+          <a:endParaRPr lang="zh-CN" altLang="en-US"/>
+        </a:p>
+      </dgm:t>
+    </dgm:pt>
     <dgm:pt modelId="{E52815F0-54C8-4DF0-BFB9-7FDCC6548849}" type="pres">
       <dgm:prSet presAssocID="{72B18887-67A0-4781-A34B-3A97814EB2BC}" presName="vert2" presStyleCnt="0"/>
       <dgm:spPr/>
@@ -12639,6 +13097,13 @@
     <dgm:pt modelId="{962A53CE-2976-4C23-9E5A-1C81C0F9D5FA}" type="pres">
       <dgm:prSet presAssocID="{27F86567-C3E3-4CC9-9F5C-2EA6DBAB4ACC}" presName="tx1" presStyleLbl="revTx" presStyleIdx="12" presStyleCnt="16"/>
       <dgm:spPr/>
+      <dgm:t>
+        <a:bodyPr/>
+        <a:lstStyle/>
+        <a:p>
+          <a:endParaRPr lang="zh-CN" altLang="en-US"/>
+        </a:p>
+      </dgm:t>
     </dgm:pt>
     <dgm:pt modelId="{1192048E-C5F1-42AF-A9BD-55FDF9B203B3}" type="pres">
       <dgm:prSet presAssocID="{27F86567-C3E3-4CC9-9F5C-2EA6DBAB4ACC}" presName="vert1" presStyleCnt="0"/>
@@ -12659,6 +13124,13 @@
     <dgm:pt modelId="{5BBAADCF-8F1E-480D-8945-543E04EFC14E}" type="pres">
       <dgm:prSet presAssocID="{88BC0E27-D9E9-4FF1-87CB-74F097F02A54}" presName="tx2" presStyleLbl="revTx" presStyleIdx="13" presStyleCnt="16"/>
       <dgm:spPr/>
+      <dgm:t>
+        <a:bodyPr/>
+        <a:lstStyle/>
+        <a:p>
+          <a:endParaRPr lang="zh-CN" altLang="en-US"/>
+        </a:p>
+      </dgm:t>
     </dgm:pt>
     <dgm:pt modelId="{2578F827-4AE4-4879-BAC9-0FA417EEAEF4}" type="pres">
       <dgm:prSet presAssocID="{88BC0E27-D9E9-4FF1-87CB-74F097F02A54}" presName="vert2" presStyleCnt="0"/>
@@ -12683,6 +13155,13 @@
     <dgm:pt modelId="{914A9A41-5575-4F49-8296-157EB17A798A}" type="pres">
       <dgm:prSet presAssocID="{0D051BD2-0071-4702-A93A-2C23D97D88C5}" presName="tx2" presStyleLbl="revTx" presStyleIdx="14" presStyleCnt="16"/>
       <dgm:spPr/>
+      <dgm:t>
+        <a:bodyPr/>
+        <a:lstStyle/>
+        <a:p>
+          <a:endParaRPr lang="zh-CN" altLang="en-US"/>
+        </a:p>
+      </dgm:t>
     </dgm:pt>
     <dgm:pt modelId="{7BA72385-B47B-4BD7-BABB-FFDC83AFE12A}" type="pres">
       <dgm:prSet presAssocID="{0D051BD2-0071-4702-A93A-2C23D97D88C5}" presName="vert2" presStyleCnt="0"/>
@@ -12707,6 +13186,13 @@
     <dgm:pt modelId="{C3ED95DB-39B8-4C71-862F-4963A447A275}" type="pres">
       <dgm:prSet presAssocID="{6320DAF9-6E63-4D86-8A81-1B9CEF133BB4}" presName="tx2" presStyleLbl="revTx" presStyleIdx="15" presStyleCnt="16"/>
       <dgm:spPr/>
+      <dgm:t>
+        <a:bodyPr/>
+        <a:lstStyle/>
+        <a:p>
+          <a:endParaRPr lang="zh-CN" altLang="en-US"/>
+        </a:p>
+      </dgm:t>
     </dgm:pt>
     <dgm:pt modelId="{D5D8ACB5-C7DF-48E0-A929-86D632F99C6E}" type="pres">
       <dgm:prSet presAssocID="{6320DAF9-6E63-4D86-8A81-1B9CEF133BB4}" presName="vert2" presStyleCnt="0"/>
@@ -12722,39 +13208,39 @@
     </dgm:pt>
   </dgm:ptLst>
   <dgm:cxnLst>
+    <dgm:cxn modelId="{F7C99942-3F43-4161-BBEF-D11D1775DD69}" type="presOf" srcId="{FCF8A797-2AD9-4984-A43E-D67CBFE0A9C0}" destId="{F2DE4018-76C6-4899-9809-1AA470D641C4}" srcOrd="0" destOrd="0" presId="urn:microsoft.com/office/officeart/2008/layout/LinedList"/>
+    <dgm:cxn modelId="{12F8D1CE-3982-4F2F-82CD-658C9ED3E3CC}" type="presOf" srcId="{77D09B10-3BDE-44EE-8F2B-61F2F50AED18}" destId="{6A4C232D-9CBB-4EB1-ABA4-A25222179937}" srcOrd="0" destOrd="0" presId="urn:microsoft.com/office/officeart/2008/layout/LinedList"/>
+    <dgm:cxn modelId="{3B574908-D23F-4923-9B26-72E81AB9BAA3}" srcId="{6675FAE9-DC22-4420-8393-C221BE10AC0E}" destId="{932C5475-0EAF-4062-AA76-9F736D461C4E}" srcOrd="2" destOrd="0" parTransId="{C5A6C68A-5B62-4DB6-A19D-3487D1426EBC}" sibTransId="{82DB5CB9-F438-490D-9D4B-E0FF5443973F}"/>
+    <dgm:cxn modelId="{20B842BA-51DE-45C5-A175-80F9CD49D0E2}" type="presOf" srcId="{C23B3172-7E43-4E4C-BF88-77D5B4DBEA7A}" destId="{A9C50542-C38D-41E8-BE24-72F8F7FEB3BB}" srcOrd="0" destOrd="0" presId="urn:microsoft.com/office/officeart/2008/layout/LinedList"/>
+    <dgm:cxn modelId="{65F0DFD4-2A68-456F-B719-249E2606E500}" type="presOf" srcId="{8F04EA47-B159-4CD5-815F-17742BF360F2}" destId="{847A83A6-0F92-487A-B8CD-B6D7A4F9688E}" srcOrd="0" destOrd="0" presId="urn:microsoft.com/office/officeart/2008/layout/LinedList"/>
+    <dgm:cxn modelId="{63F3197E-149D-484B-B295-7F5684AF760C}" srcId="{A9D3B986-48B1-449A-A1F1-315B9C9295AD}" destId="{8F04EA47-B159-4CD5-815F-17742BF360F2}" srcOrd="0" destOrd="0" parTransId="{E8B9610C-6B1E-40CD-B7CC-D6C41F62DF8B}" sibTransId="{FBADC88A-FE39-441C-AA8A-98271D394204}"/>
+    <dgm:cxn modelId="{13127481-C78B-4939-A970-546830AE065B}" type="presOf" srcId="{1C05BB3E-5F07-4DB5-8AB8-954227A074CA}" destId="{46C63548-A160-4011-8FDB-6F14240C4A6B}" srcOrd="0" destOrd="0" presId="urn:microsoft.com/office/officeart/2008/layout/LinedList"/>
+    <dgm:cxn modelId="{335671EA-A98A-4335-9E00-673793D7913C}" type="presOf" srcId="{6320DAF9-6E63-4D86-8A81-1B9CEF133BB4}" destId="{C3ED95DB-39B8-4C71-862F-4963A447A275}" srcOrd="0" destOrd="0" presId="urn:microsoft.com/office/officeart/2008/layout/LinedList"/>
+    <dgm:cxn modelId="{141F67D0-0F64-410C-A503-30353542FF9A}" type="presOf" srcId="{27F86567-C3E3-4CC9-9F5C-2EA6DBAB4ACC}" destId="{962A53CE-2976-4C23-9E5A-1C81C0F9D5FA}" srcOrd="0" destOrd="0" presId="urn:microsoft.com/office/officeart/2008/layout/LinedList"/>
+    <dgm:cxn modelId="{0DFD36BE-3BBC-4022-B63C-206FEDB6007A}" type="presOf" srcId="{CE39C78D-EBD2-48A2-8DF3-17101DB52B11}" destId="{46C7F5CA-5205-4532-8910-3C6A2379259F}" srcOrd="0" destOrd="0" presId="urn:microsoft.com/office/officeart/2008/layout/LinedList"/>
+    <dgm:cxn modelId="{AE70A341-82F8-4CAF-88A3-D5764869191B}" srcId="{27F86567-C3E3-4CC9-9F5C-2EA6DBAB4ACC}" destId="{0D051BD2-0071-4702-A93A-2C23D97D88C5}" srcOrd="1" destOrd="0" parTransId="{4DD10563-B86D-421B-B288-E871A23369BF}" sibTransId="{C610FE34-0235-44FE-A5C6-FDD4060E8C97}"/>
+    <dgm:cxn modelId="{B76A412B-B1BD-4E17-A7F2-9822D3494610}" srcId="{6675FAE9-DC22-4420-8393-C221BE10AC0E}" destId="{C6572FEB-3636-43D3-B35D-A5E2731012E8}" srcOrd="1" destOrd="0" parTransId="{491212EC-87ED-4212-85C0-2511626FAB17}" sibTransId="{832615BF-759A-4AD7-AA78-F544700BE0E4}"/>
+    <dgm:cxn modelId="{BC4DC204-CCAA-4B58-9C7B-A48A495EFDE8}" srcId="{6675FAE9-DC22-4420-8393-C221BE10AC0E}" destId="{A014B477-4B9C-43FF-986F-CB1AA1743F28}" srcOrd="0" destOrd="0" parTransId="{0F96920B-0767-43A0-AC1A-4B1B6FF50076}" sibTransId="{C25090E9-0B7C-4687-9C61-FA6C2C3AFCAB}"/>
+    <dgm:cxn modelId="{8233907B-C65C-4F0F-920C-39C36630A7BA}" type="presOf" srcId="{932C5475-0EAF-4062-AA76-9F736D461C4E}" destId="{0AA8A7D7-DF43-457D-B6A3-48DD5EA17083}" srcOrd="0" destOrd="0" presId="urn:microsoft.com/office/officeart/2008/layout/LinedList"/>
+    <dgm:cxn modelId="{541A324B-A74A-4564-8117-7ABDDFF96DFC}" srcId="{FCF8A797-2AD9-4984-A43E-D67CBFE0A9C0}" destId="{72B18887-67A0-4781-A34B-3A97814EB2BC}" srcOrd="2" destOrd="0" parTransId="{9891D5A4-6529-457C-B47B-4718A376F596}" sibTransId="{02F3E247-7508-4DA6-8105-454C54BC9900}"/>
+    <dgm:cxn modelId="{96CC5E7A-EC4A-4240-A25A-62306D188980}" type="presOf" srcId="{88BC0E27-D9E9-4FF1-87CB-74F097F02A54}" destId="{5BBAADCF-8F1E-480D-8945-543E04EFC14E}" srcOrd="0" destOrd="0" presId="urn:microsoft.com/office/officeart/2008/layout/LinedList"/>
+    <dgm:cxn modelId="{7F15DD02-866E-4884-A0C1-18E98AEB9FAF}" type="presOf" srcId="{A9D3B986-48B1-449A-A1F1-315B9C9295AD}" destId="{44ADB401-C08A-4FF5-AD7B-E0A0D9E1373A}" srcOrd="0" destOrd="0" presId="urn:microsoft.com/office/officeart/2008/layout/LinedList"/>
+    <dgm:cxn modelId="{716CE029-C15F-4416-9454-43A6BA7F0F9D}" srcId="{FCF8A797-2AD9-4984-A43E-D67CBFE0A9C0}" destId="{77D09B10-3BDE-44EE-8F2B-61F2F50AED18}" srcOrd="0" destOrd="0" parTransId="{7BC8A928-4107-4F12-82EC-CF5E8B0402D8}" sibTransId="{309DA29F-1856-48F7-9D98-9CB2F094FA21}"/>
+    <dgm:cxn modelId="{7CE64B95-11C8-4E1B-B382-D466A4A1022C}" srcId="{A9D3B986-48B1-449A-A1F1-315B9C9295AD}" destId="{B741B47B-99F8-4453-9225-639352B95134}" srcOrd="1" destOrd="0" parTransId="{531ADC29-28A4-4B65-982E-3A520FAF7176}" sibTransId="{14C12E66-2F5C-43D5-BAD3-AB650CEB12AB}"/>
+    <dgm:cxn modelId="{0F9DAC14-8F22-4146-A022-D1AD02CD5706}" srcId="{FCF8A797-2AD9-4984-A43E-D67CBFE0A9C0}" destId="{CE39C78D-EBD2-48A2-8DF3-17101DB52B11}" srcOrd="1" destOrd="0" parTransId="{B98AA968-7EEB-4A0E-917D-C191121B294C}" sibTransId="{F23A3E69-415D-4E32-8B30-5A6CB927C764}"/>
+    <dgm:cxn modelId="{7000E987-30BF-49D1-8334-A901FEA679C3}" type="presOf" srcId="{72B18887-67A0-4781-A34B-3A97814EB2BC}" destId="{66ED39B6-2C50-454F-9ADF-DAE95746893B}" srcOrd="0" destOrd="0" presId="urn:microsoft.com/office/officeart/2008/layout/LinedList"/>
+    <dgm:cxn modelId="{99174E41-56C1-44F1-808A-57664210751C}" srcId="{A9D3B986-48B1-449A-A1F1-315B9C9295AD}" destId="{1C05BB3E-5F07-4DB5-8AB8-954227A074CA}" srcOrd="2" destOrd="0" parTransId="{711168CA-1F4F-405A-B623-9FB7535C70A2}" sibTransId="{CBD904F4-B234-439B-BF3F-4BEBB9D69A73}"/>
+    <dgm:cxn modelId="{526A25F0-0A42-4577-BD41-874E13281C59}" srcId="{C23B3172-7E43-4E4C-BF88-77D5B4DBEA7A}" destId="{6675FAE9-DC22-4420-8393-C221BE10AC0E}" srcOrd="1" destOrd="0" parTransId="{27C73429-3AAF-4C6D-A01B-0A5AFE690C5B}" sibTransId="{A2B18025-9DA8-4924-9417-8725CB06A5A9}"/>
+    <dgm:cxn modelId="{A6498BC3-111C-43AA-9046-406104C85EBA}" type="presOf" srcId="{B741B47B-99F8-4453-9225-639352B95134}" destId="{0DD931AF-AE9B-4EA8-AF29-6B73E4E2FCCD}" srcOrd="0" destOrd="0" presId="urn:microsoft.com/office/officeart/2008/layout/LinedList"/>
+    <dgm:cxn modelId="{7EB43B14-E3F1-41C5-80CA-00273A337A93}" srcId="{27F86567-C3E3-4CC9-9F5C-2EA6DBAB4ACC}" destId="{88BC0E27-D9E9-4FF1-87CB-74F097F02A54}" srcOrd="0" destOrd="0" parTransId="{1B2713E0-4993-4BEC-9346-5B96D0DF5118}" sibTransId="{59EBCB81-4641-41C1-B4DF-6CD9ABCC72BC}"/>
+    <dgm:cxn modelId="{4F2CB385-BA74-48A7-91F5-B5E5CBE19926}" type="presOf" srcId="{0D051BD2-0071-4702-A93A-2C23D97D88C5}" destId="{914A9A41-5575-4F49-8296-157EB17A798A}" srcOrd="0" destOrd="0" presId="urn:microsoft.com/office/officeart/2008/layout/LinedList"/>
+    <dgm:cxn modelId="{0D5BBF6D-0B1D-4911-8C49-9F474888039B}" srcId="{27F86567-C3E3-4CC9-9F5C-2EA6DBAB4ACC}" destId="{6320DAF9-6E63-4D86-8A81-1B9CEF133BB4}" srcOrd="2" destOrd="0" parTransId="{D6250C57-57DA-4EFC-A9D2-F25D237C92DE}" sibTransId="{9DD0759C-2CAE-437E-A1D1-7BDFDBF1DB06}"/>
+    <dgm:cxn modelId="{4DE430CE-CA7A-445F-A48E-97C93D9E0697}" srcId="{C23B3172-7E43-4E4C-BF88-77D5B4DBEA7A}" destId="{FCF8A797-2AD9-4984-A43E-D67CBFE0A9C0}" srcOrd="2" destOrd="0" parTransId="{8912D6B2-2D69-4B35-8D97-0063E1B990D9}" sibTransId="{0285CB4A-B030-4757-9B5E-544C86224604}"/>
+    <dgm:cxn modelId="{EA0B2C68-7F4B-45A7-9E06-7660A54E2D2C}" type="presOf" srcId="{C6572FEB-3636-43D3-B35D-A5E2731012E8}" destId="{2D6E6906-B409-4C94-A6C9-89AFE4C3630D}" srcOrd="0" destOrd="0" presId="urn:microsoft.com/office/officeart/2008/layout/LinedList"/>
     <dgm:cxn modelId="{EAC929C4-1860-48E3-92ED-1FB53911D636}" srcId="{C23B3172-7E43-4E4C-BF88-77D5B4DBEA7A}" destId="{27F86567-C3E3-4CC9-9F5C-2EA6DBAB4ACC}" srcOrd="3" destOrd="0" parTransId="{6C0EDBA2-9E58-463C-A9F9-FC1D3BFCC572}" sibTransId="{34A8FFD1-6190-450B-8A88-C2E10161EA42}"/>
-    <dgm:cxn modelId="{AE70A341-82F8-4CAF-88A3-D5764869191B}" srcId="{27F86567-C3E3-4CC9-9F5C-2EA6DBAB4ACC}" destId="{0D051BD2-0071-4702-A93A-2C23D97D88C5}" srcOrd="1" destOrd="0" parTransId="{4DD10563-B86D-421B-B288-E871A23369BF}" sibTransId="{C610FE34-0235-44FE-A5C6-FDD4060E8C97}"/>
-    <dgm:cxn modelId="{141F67D0-0F64-410C-A503-30353542FF9A}" type="presOf" srcId="{27F86567-C3E3-4CC9-9F5C-2EA6DBAB4ACC}" destId="{962A53CE-2976-4C23-9E5A-1C81C0F9D5FA}" srcOrd="0" destOrd="0" presId="urn:microsoft.com/office/officeart/2008/layout/LinedList"/>
-    <dgm:cxn modelId="{BC4DC204-CCAA-4B58-9C7B-A48A495EFDE8}" srcId="{6675FAE9-DC22-4420-8393-C221BE10AC0E}" destId="{A014B477-4B9C-43FF-986F-CB1AA1743F28}" srcOrd="0" destOrd="0" parTransId="{0F96920B-0767-43A0-AC1A-4B1B6FF50076}" sibTransId="{C25090E9-0B7C-4687-9C61-FA6C2C3AFCAB}"/>
-    <dgm:cxn modelId="{A6498BC3-111C-43AA-9046-406104C85EBA}" type="presOf" srcId="{B741B47B-99F8-4453-9225-639352B95134}" destId="{0DD931AF-AE9B-4EA8-AF29-6B73E4E2FCCD}" srcOrd="0" destOrd="0" presId="urn:microsoft.com/office/officeart/2008/layout/LinedList"/>
-    <dgm:cxn modelId="{335671EA-A98A-4335-9E00-673793D7913C}" type="presOf" srcId="{6320DAF9-6E63-4D86-8A81-1B9CEF133BB4}" destId="{C3ED95DB-39B8-4C71-862F-4963A447A275}" srcOrd="0" destOrd="0" presId="urn:microsoft.com/office/officeart/2008/layout/LinedList"/>
     <dgm:cxn modelId="{20D68931-D017-4AC2-A7A5-07D0BF9F6B94}" type="presOf" srcId="{6675FAE9-DC22-4420-8393-C221BE10AC0E}" destId="{7AD3A02A-4D38-44B5-8B45-E055E85F7EE4}" srcOrd="0" destOrd="0" presId="urn:microsoft.com/office/officeart/2008/layout/LinedList"/>
     <dgm:cxn modelId="{FD8F4A71-6A28-4F3D-A482-592A3B56B7A8}" srcId="{C23B3172-7E43-4E4C-BF88-77D5B4DBEA7A}" destId="{A9D3B986-48B1-449A-A1F1-315B9C9295AD}" srcOrd="0" destOrd="0" parTransId="{99741E97-1336-413D-A915-5849D3655503}" sibTransId="{F8594840-48BF-4232-BDAA-3D89884E6A71}"/>
-    <dgm:cxn modelId="{99174E41-56C1-44F1-808A-57664210751C}" srcId="{A9D3B986-48B1-449A-A1F1-315B9C9295AD}" destId="{1C05BB3E-5F07-4DB5-8AB8-954227A074CA}" srcOrd="2" destOrd="0" parTransId="{711168CA-1F4F-405A-B623-9FB7535C70A2}" sibTransId="{CBD904F4-B234-439B-BF3F-4BEBB9D69A73}"/>
-    <dgm:cxn modelId="{F7C99942-3F43-4161-BBEF-D11D1775DD69}" type="presOf" srcId="{FCF8A797-2AD9-4984-A43E-D67CBFE0A9C0}" destId="{F2DE4018-76C6-4899-9809-1AA470D641C4}" srcOrd="0" destOrd="0" presId="urn:microsoft.com/office/officeart/2008/layout/LinedList"/>
-    <dgm:cxn modelId="{7CE64B95-11C8-4E1B-B382-D466A4A1022C}" srcId="{A9D3B986-48B1-449A-A1F1-315B9C9295AD}" destId="{B741B47B-99F8-4453-9225-639352B95134}" srcOrd="1" destOrd="0" parTransId="{531ADC29-28A4-4B65-982E-3A520FAF7176}" sibTransId="{14C12E66-2F5C-43D5-BAD3-AB650CEB12AB}"/>
-    <dgm:cxn modelId="{4F2CB385-BA74-48A7-91F5-B5E5CBE19926}" type="presOf" srcId="{0D051BD2-0071-4702-A93A-2C23D97D88C5}" destId="{914A9A41-5575-4F49-8296-157EB17A798A}" srcOrd="0" destOrd="0" presId="urn:microsoft.com/office/officeart/2008/layout/LinedList"/>
-    <dgm:cxn modelId="{0D5BBF6D-0B1D-4911-8C49-9F474888039B}" srcId="{27F86567-C3E3-4CC9-9F5C-2EA6DBAB4ACC}" destId="{6320DAF9-6E63-4D86-8A81-1B9CEF133BB4}" srcOrd="2" destOrd="0" parTransId="{D6250C57-57DA-4EFC-A9D2-F25D237C92DE}" sibTransId="{9DD0759C-2CAE-437E-A1D1-7BDFDBF1DB06}"/>
-    <dgm:cxn modelId="{716CE029-C15F-4416-9454-43A6BA7F0F9D}" srcId="{FCF8A797-2AD9-4984-A43E-D67CBFE0A9C0}" destId="{77D09B10-3BDE-44EE-8F2B-61F2F50AED18}" srcOrd="0" destOrd="0" parTransId="{7BC8A928-4107-4F12-82EC-CF5E8B0402D8}" sibTransId="{309DA29F-1856-48F7-9D98-9CB2F094FA21}"/>
-    <dgm:cxn modelId="{12F8D1CE-3982-4F2F-82CD-658C9ED3E3CC}" type="presOf" srcId="{77D09B10-3BDE-44EE-8F2B-61F2F50AED18}" destId="{6A4C232D-9CBB-4EB1-ABA4-A25222179937}" srcOrd="0" destOrd="0" presId="urn:microsoft.com/office/officeart/2008/layout/LinedList"/>
-    <dgm:cxn modelId="{0F9DAC14-8F22-4146-A022-D1AD02CD5706}" srcId="{FCF8A797-2AD9-4984-A43E-D67CBFE0A9C0}" destId="{CE39C78D-EBD2-48A2-8DF3-17101DB52B11}" srcOrd="1" destOrd="0" parTransId="{B98AA968-7EEB-4A0E-917D-C191121B294C}" sibTransId="{F23A3E69-415D-4E32-8B30-5A6CB927C764}"/>
-    <dgm:cxn modelId="{13127481-C78B-4939-A970-546830AE065B}" type="presOf" srcId="{1C05BB3E-5F07-4DB5-8AB8-954227A074CA}" destId="{46C63548-A160-4011-8FDB-6F14240C4A6B}" srcOrd="0" destOrd="0" presId="urn:microsoft.com/office/officeart/2008/layout/LinedList"/>
-    <dgm:cxn modelId="{EA0B2C68-7F4B-45A7-9E06-7660A54E2D2C}" type="presOf" srcId="{C6572FEB-3636-43D3-B35D-A5E2731012E8}" destId="{2D6E6906-B409-4C94-A6C9-89AFE4C3630D}" srcOrd="0" destOrd="0" presId="urn:microsoft.com/office/officeart/2008/layout/LinedList"/>
-    <dgm:cxn modelId="{65F0DFD4-2A68-456F-B719-249E2606E500}" type="presOf" srcId="{8F04EA47-B159-4CD5-815F-17742BF360F2}" destId="{847A83A6-0F92-487A-B8CD-B6D7A4F9688E}" srcOrd="0" destOrd="0" presId="urn:microsoft.com/office/officeart/2008/layout/LinedList"/>
     <dgm:cxn modelId="{68FC1A8B-5145-4053-BFDB-78D4B1B86ADC}" type="presOf" srcId="{A014B477-4B9C-43FF-986F-CB1AA1743F28}" destId="{90AB0565-04A8-4701-9308-1E96389552CA}" srcOrd="0" destOrd="0" presId="urn:microsoft.com/office/officeart/2008/layout/LinedList"/>
-    <dgm:cxn modelId="{3B574908-D23F-4923-9B26-72E81AB9BAA3}" srcId="{6675FAE9-DC22-4420-8393-C221BE10AC0E}" destId="{932C5475-0EAF-4062-AA76-9F736D461C4E}" srcOrd="2" destOrd="0" parTransId="{C5A6C68A-5B62-4DB6-A19D-3487D1426EBC}" sibTransId="{82DB5CB9-F438-490D-9D4B-E0FF5443973F}"/>
-    <dgm:cxn modelId="{20B842BA-51DE-45C5-A175-80F9CD49D0E2}" type="presOf" srcId="{C23B3172-7E43-4E4C-BF88-77D5B4DBEA7A}" destId="{A9C50542-C38D-41E8-BE24-72F8F7FEB3BB}" srcOrd="0" destOrd="0" presId="urn:microsoft.com/office/officeart/2008/layout/LinedList"/>
-    <dgm:cxn modelId="{0DFD36BE-3BBC-4022-B63C-206FEDB6007A}" type="presOf" srcId="{CE39C78D-EBD2-48A2-8DF3-17101DB52B11}" destId="{46C7F5CA-5205-4532-8910-3C6A2379259F}" srcOrd="0" destOrd="0" presId="urn:microsoft.com/office/officeart/2008/layout/LinedList"/>
-    <dgm:cxn modelId="{96CC5E7A-EC4A-4240-A25A-62306D188980}" type="presOf" srcId="{88BC0E27-D9E9-4FF1-87CB-74F097F02A54}" destId="{5BBAADCF-8F1E-480D-8945-543E04EFC14E}" srcOrd="0" destOrd="0" presId="urn:microsoft.com/office/officeart/2008/layout/LinedList"/>
-    <dgm:cxn modelId="{7EB43B14-E3F1-41C5-80CA-00273A337A93}" srcId="{27F86567-C3E3-4CC9-9F5C-2EA6DBAB4ACC}" destId="{88BC0E27-D9E9-4FF1-87CB-74F097F02A54}" srcOrd="0" destOrd="0" parTransId="{1B2713E0-4993-4BEC-9346-5B96D0DF5118}" sibTransId="{59EBCB81-4641-41C1-B4DF-6CD9ABCC72BC}"/>
-    <dgm:cxn modelId="{8233907B-C65C-4F0F-920C-39C36630A7BA}" type="presOf" srcId="{932C5475-0EAF-4062-AA76-9F736D461C4E}" destId="{0AA8A7D7-DF43-457D-B6A3-48DD5EA17083}" srcOrd="0" destOrd="0" presId="urn:microsoft.com/office/officeart/2008/layout/LinedList"/>
-    <dgm:cxn modelId="{7000E987-30BF-49D1-8334-A901FEA679C3}" type="presOf" srcId="{72B18887-67A0-4781-A34B-3A97814EB2BC}" destId="{66ED39B6-2C50-454F-9ADF-DAE95746893B}" srcOrd="0" destOrd="0" presId="urn:microsoft.com/office/officeart/2008/layout/LinedList"/>
-    <dgm:cxn modelId="{63F3197E-149D-484B-B295-7F5684AF760C}" srcId="{A9D3B986-48B1-449A-A1F1-315B9C9295AD}" destId="{8F04EA47-B159-4CD5-815F-17742BF360F2}" srcOrd="0" destOrd="0" parTransId="{E8B9610C-6B1E-40CD-B7CC-D6C41F62DF8B}" sibTransId="{FBADC88A-FE39-441C-AA8A-98271D394204}"/>
-    <dgm:cxn modelId="{541A324B-A74A-4564-8117-7ABDDFF96DFC}" srcId="{FCF8A797-2AD9-4984-A43E-D67CBFE0A9C0}" destId="{72B18887-67A0-4781-A34B-3A97814EB2BC}" srcOrd="2" destOrd="0" parTransId="{9891D5A4-6529-457C-B47B-4718A376F596}" sibTransId="{02F3E247-7508-4DA6-8105-454C54BC9900}"/>
-    <dgm:cxn modelId="{526A25F0-0A42-4577-BD41-874E13281C59}" srcId="{C23B3172-7E43-4E4C-BF88-77D5B4DBEA7A}" destId="{6675FAE9-DC22-4420-8393-C221BE10AC0E}" srcOrd="1" destOrd="0" parTransId="{27C73429-3AAF-4C6D-A01B-0A5AFE690C5B}" sibTransId="{A2B18025-9DA8-4924-9417-8725CB06A5A9}"/>
-    <dgm:cxn modelId="{4DE430CE-CA7A-445F-A48E-97C93D9E0697}" srcId="{C23B3172-7E43-4E4C-BF88-77D5B4DBEA7A}" destId="{FCF8A797-2AD9-4984-A43E-D67CBFE0A9C0}" srcOrd="2" destOrd="0" parTransId="{8912D6B2-2D69-4B35-8D97-0063E1B990D9}" sibTransId="{0285CB4A-B030-4757-9B5E-544C86224604}"/>
-    <dgm:cxn modelId="{B76A412B-B1BD-4E17-A7F2-9822D3494610}" srcId="{6675FAE9-DC22-4420-8393-C221BE10AC0E}" destId="{C6572FEB-3636-43D3-B35D-A5E2731012E8}" srcOrd="1" destOrd="0" parTransId="{491212EC-87ED-4212-85C0-2511626FAB17}" sibTransId="{832615BF-759A-4AD7-AA78-F544700BE0E4}"/>
-    <dgm:cxn modelId="{7F15DD02-866E-4884-A0C1-18E98AEB9FAF}" type="presOf" srcId="{A9D3B986-48B1-449A-A1F1-315B9C9295AD}" destId="{44ADB401-C08A-4FF5-AD7B-E0A0D9E1373A}" srcOrd="0" destOrd="0" presId="urn:microsoft.com/office/officeart/2008/layout/LinedList"/>
     <dgm:cxn modelId="{315C0DA7-CB74-4CBA-AC8D-CD18DAA01898}" type="presParOf" srcId="{A9C50542-C38D-41E8-BE24-72F8F7FEB3BB}" destId="{9008691C-D05F-447E-A5E5-3743887E4C8E}" srcOrd="0" destOrd="0" presId="urn:microsoft.com/office/officeart/2008/layout/LinedList"/>
     <dgm:cxn modelId="{AB04ECDF-1D81-4471-8D1D-847F4FACD302}" type="presParOf" srcId="{A9C50542-C38D-41E8-BE24-72F8F7FEB3BB}" destId="{81683BA3-E297-4CB0-AD8D-46C7E49874F8}" srcOrd="1" destOrd="0" presId="urn:microsoft.com/office/officeart/2008/layout/LinedList"/>
     <dgm:cxn modelId="{2632B491-6E53-4082-A7F0-1C59A46E3A1E}" type="presParOf" srcId="{81683BA3-E297-4CB0-AD8D-46C7E49874F8}" destId="{44ADB401-C08A-4FF5-AD7B-E0A0D9E1373A}" srcOrd="0" destOrd="0" presId="urn:microsoft.com/office/officeart/2008/layout/LinedList"/>
@@ -15232,7 +15718,15 @@
           </a:pPr>
           <a:r>
             <a:rPr lang="zh-CN" altLang="en-US" sz="1100" kern="1200" dirty="0" smtClean="0"/>
-            <a:t>识别关键路径：各条工作线是否平衡，有没有哪个人频繁出现在关键路径上</a:t>
+            <a:t>识别关键路径：各条</a:t>
+          </a:r>
+          <a:r>
+            <a:rPr lang="zh-CN" altLang="en-US" sz="1100" kern="1200" dirty="0" smtClean="0"/>
+            <a:t>工作路径是否</a:t>
+          </a:r>
+          <a:r>
+            <a:rPr lang="zh-CN" altLang="en-US" sz="1100" kern="1200" dirty="0" smtClean="0"/>
+            <a:t>平衡，有没有哪个人频繁出现在关键路径上</a:t>
           </a:r>
           <a:endParaRPr lang="zh-CN" altLang="en-US" sz="1100" kern="1200" dirty="0"/>
         </a:p>
@@ -35068,7 +35562,7 @@
           <a:p>
             <a:fld id="{0AC3A69F-1809-4268-B3DF-A084A67A6110}" type="datetimeFigureOut">
               <a:rPr lang="zh-CN" altLang="en-US" smtClean="0"/>
-              <a:t>2014/1/5</a:t>
+              <a:t>2014/1/6</a:t>
             </a:fld>
             <a:endParaRPr lang="zh-CN" altLang="en-US"/>
           </a:p>
@@ -35401,7 +35895,7 @@
           <a:p>
             <a:fld id="{DDB8A103-82A3-4922-8F36-E552AA6DD986}" type="slidenum">
               <a:rPr lang="zh-CN" altLang="en-US" smtClean="0"/>
-              <a:t>25</a:t>
+              <a:t>26</a:t>
             </a:fld>
             <a:endParaRPr lang="zh-CN" altLang="en-US"/>
           </a:p>
@@ -41581,14 +42075,24 @@
               <a:t>        本文档遵循 </a:t>
             </a:r>
             <a:r>
-              <a:rPr lang="en-US" altLang="zh-CN" sz="1200" dirty="0">
+              <a:rPr lang="en-US" altLang="zh-CN" sz="1200" dirty="0" smtClean="0">
                 <a:solidFill>
                   <a:prstClr val="black">
                     <a:tint val="75000"/>
                   </a:prstClr>
                 </a:solidFill>
               </a:rPr>
-              <a:t>CCL</a:t>
+              <a:t>CC</a:t>
+            </a:r>
+            <a:r>
+              <a:rPr lang="zh-CN" altLang="en-US" sz="1200" dirty="0" smtClean="0">
+                <a:solidFill>
+                  <a:prstClr val="black">
+                    <a:tint val="75000"/>
+                  </a:prstClr>
+                </a:solidFill>
+              </a:rPr>
+              <a:t>协议</a:t>
             </a:r>
             <a:r>
               <a:rPr lang="zh-CN" altLang="en-US" sz="1200" dirty="0">
@@ -41598,7 +42102,7 @@
                   </a:prstClr>
                 </a:solidFill>
               </a:rPr>
-              <a:t>协议（署名</a:t>
+              <a:t>（署名</a:t>
             </a:r>
             <a:r>
               <a:rPr lang="en-US" altLang="zh-CN" sz="1200" dirty="0">
@@ -41740,7 +42244,7 @@
             </a:r>
             <a:r>
               <a:rPr lang="zh-CN" altLang="en-US" dirty="0" smtClean="0"/>
-              <a:t>项目计划</a:t>
+              <a:t>用户故事</a:t>
             </a:r>
             <a:endParaRPr lang="zh-CN" altLang="en-US" dirty="0"/>
           </a:p>
@@ -41748,7 +42252,91 @@
       </p:sp>
       <p:sp>
         <p:nvSpPr>
-          <p:cNvPr id="6" name="日期占位符 5"/>
+          <p:cNvPr id="3" name="内容占位符 2"/>
+          <p:cNvSpPr>
+            <a:spLocks noGrp="1"/>
+          </p:cNvSpPr>
+          <p:nvPr>
+            <p:ph idx="1"/>
+          </p:nvPr>
+        </p:nvSpPr>
+        <p:spPr/>
+        <p:txBody>
+          <a:bodyPr/>
+          <a:lstStyle/>
+          <a:p>
+            <a:r>
+              <a:rPr lang="zh-CN" altLang="en-US" dirty="0" smtClean="0"/>
+              <a:t>李女士是一位中年下岗职工，住在五公里外的红星小区</a:t>
+            </a:r>
+            <a:endParaRPr lang="en-US" altLang="zh-CN" dirty="0" smtClean="0"/>
+          </a:p>
+          <a:p>
+            <a:r>
+              <a:rPr lang="zh-CN" altLang="en-US" dirty="0" smtClean="0"/>
+              <a:t>她初中文化，经简单培训，输入字母和拼音没问题，但是打字速度比较慢</a:t>
+            </a:r>
+            <a:endParaRPr lang="en-US" altLang="zh-CN" dirty="0" smtClean="0"/>
+          </a:p>
+          <a:p>
+            <a:r>
+              <a:rPr lang="zh-CN" altLang="en-US" dirty="0" smtClean="0"/>
+              <a:t>她在沃尔牛超市担任库管，负责出货进货</a:t>
+            </a:r>
+            <a:endParaRPr lang="en-US" altLang="zh-CN" dirty="0" smtClean="0"/>
+          </a:p>
+          <a:p>
+            <a:r>
+              <a:rPr lang="zh-CN" altLang="en-US" dirty="0" smtClean="0"/>
+              <a:t>她认真负责，手脚麻利，从未出错，是超市优秀职工</a:t>
+            </a:r>
+            <a:endParaRPr lang="en-US" altLang="zh-CN" dirty="0" smtClean="0"/>
+          </a:p>
+          <a:p>
+            <a:r>
+              <a:rPr lang="zh-CN" altLang="en-US" dirty="0" smtClean="0"/>
+              <a:t>超市实行电子化管理之后，她每天来到库房就先打开电脑</a:t>
+            </a:r>
+            <a:endParaRPr lang="en-US" altLang="zh-CN" dirty="0" smtClean="0"/>
+          </a:p>
+          <a:p>
+            <a:r>
+              <a:rPr lang="zh-CN" altLang="en-US" dirty="0" smtClean="0"/>
+              <a:t>这台电脑与系统中的其他电脑连成一个局域网</a:t>
+            </a:r>
+            <a:endParaRPr lang="en-US" altLang="zh-CN" dirty="0" smtClean="0"/>
+          </a:p>
+          <a:p>
+            <a:r>
+              <a:rPr lang="zh-CN" altLang="en-US" dirty="0" smtClean="0"/>
+              <a:t>有人送货来，她逐件执行“条码扫描，输入一个数量（默认为</a:t>
+            </a:r>
+            <a:r>
+              <a:rPr lang="en-US" altLang="zh-CN" dirty="0" smtClean="0"/>
+              <a:t>1</a:t>
+            </a:r>
+            <a:r>
+              <a:rPr lang="zh-CN" altLang="en-US" dirty="0" smtClean="0"/>
+              <a:t>件），按回车”，再刷一下送货人的身份磁卡。就完成了一个入库。</a:t>
+            </a:r>
+            <a:endParaRPr lang="en-US" altLang="zh-CN" dirty="0" smtClean="0"/>
+          </a:p>
+          <a:p>
+            <a:r>
+              <a:rPr lang="zh-CN" altLang="en-US" dirty="0"/>
+              <a:t>有人</a:t>
+            </a:r>
+            <a:r>
+              <a:rPr lang="zh-CN" altLang="en-US" dirty="0" smtClean="0"/>
+              <a:t>来提货，她先把提货单号输入电脑，然后比对显示出的提货人身份，按照规定的数量取出货物，逐件扫描登记后，回车。就完成了一次出库。</a:t>
+            </a:r>
+            <a:endParaRPr lang="zh-CN" altLang="en-US" dirty="0"/>
+          </a:p>
+        </p:txBody>
+      </p:sp>
+      <p:sp>
+        <p:nvSpPr>
+          <p:cNvPr id="4" name="日期占位符 3"/>
           <p:cNvSpPr>
             <a:spLocks noGrp="1"/>
           </p:cNvSpPr>
@@ -41791,7 +42379,7 @@
       </p:sp>
       <p:sp>
         <p:nvSpPr>
-          <p:cNvPr id="8" name="灯片编号占位符 7"/>
+          <p:cNvPr id="6" name="灯片编号占位符 5"/>
           <p:cNvSpPr>
             <a:spLocks noGrp="1"/>
           </p:cNvSpPr>
@@ -41814,123 +42402,27 @@
       </p:sp>
       <p:sp>
         <p:nvSpPr>
-          <p:cNvPr id="10" name="页脚占位符 4"/>
-          <p:cNvSpPr txBox="1">
-            <a:spLocks/>
+          <p:cNvPr id="7" name="页脚占位符 4"/>
+          <p:cNvSpPr>
+            <a:spLocks noGrp="1"/>
           </p:cNvSpPr>
-          <p:nvPr/>
+          <p:nvPr>
+            <p:ph type="ftr" sz="quarter" idx="11"/>
+          </p:nvPr>
         </p:nvSpPr>
         <p:spPr>
           <a:xfrm>
-            <a:off x="829734" y="6193762"/>
+            <a:off x="677334" y="6041362"/>
             <a:ext cx="6297612" cy="365125"/>
           </a:xfrm>
-          <a:prstGeom prst="rect">
-            <a:avLst/>
-          </a:prstGeom>
         </p:spPr>
         <p:txBody>
-          <a:bodyPr vert="horz" lIns="91440" tIns="45720" rIns="91440" bIns="45720" rtlCol="0" anchor="ctr"/>
-          <a:lstStyle>
-            <a:defPPr>
-              <a:defRPr lang="en-US"/>
-            </a:defPPr>
-            <a:lvl1pPr marL="0" algn="l" defTabSz="457200" rtl="0" eaLnBrk="1" latinLnBrk="0" hangingPunct="1">
-              <a:defRPr sz="900" kern="1200">
-                <a:solidFill>
-                  <a:schemeClr val="tx1">
-                    <a:tint val="75000"/>
-                  </a:schemeClr>
-                </a:solidFill>
-                <a:latin typeface="+mn-lt"/>
-                <a:ea typeface="+mn-ea"/>
-                <a:cs typeface="+mn-cs"/>
-              </a:defRPr>
-            </a:lvl1pPr>
-            <a:lvl2pPr marL="457200" algn="l" defTabSz="457200" rtl="0" eaLnBrk="1" latinLnBrk="0" hangingPunct="1">
-              <a:defRPr sz="1800" kern="1200">
-                <a:solidFill>
-                  <a:schemeClr val="tx1"/>
-                </a:solidFill>
-                <a:latin typeface="+mn-lt"/>
-                <a:ea typeface="+mn-ea"/>
-                <a:cs typeface="+mn-cs"/>
-              </a:defRPr>
-            </a:lvl2pPr>
-            <a:lvl3pPr marL="914400" algn="l" defTabSz="457200" rtl="0" eaLnBrk="1" latinLnBrk="0" hangingPunct="1">
-              <a:defRPr sz="1800" kern="1200">
-                <a:solidFill>
-                  <a:schemeClr val="tx1"/>
-                </a:solidFill>
-                <a:latin typeface="+mn-lt"/>
-                <a:ea typeface="+mn-ea"/>
-                <a:cs typeface="+mn-cs"/>
-              </a:defRPr>
-            </a:lvl3pPr>
-            <a:lvl4pPr marL="1371600" algn="l" defTabSz="457200" rtl="0" eaLnBrk="1" latinLnBrk="0" hangingPunct="1">
-              <a:defRPr sz="1800" kern="1200">
-                <a:solidFill>
-                  <a:schemeClr val="tx1"/>
-                </a:solidFill>
-                <a:latin typeface="+mn-lt"/>
-                <a:ea typeface="+mn-ea"/>
-                <a:cs typeface="+mn-cs"/>
-              </a:defRPr>
-            </a:lvl4pPr>
-            <a:lvl5pPr marL="1828800" algn="l" defTabSz="457200" rtl="0" eaLnBrk="1" latinLnBrk="0" hangingPunct="1">
-              <a:defRPr sz="1800" kern="1200">
-                <a:solidFill>
-                  <a:schemeClr val="tx1"/>
-                </a:solidFill>
-                <a:latin typeface="+mn-lt"/>
-                <a:ea typeface="+mn-ea"/>
-                <a:cs typeface="+mn-cs"/>
-              </a:defRPr>
-            </a:lvl5pPr>
-            <a:lvl6pPr marL="2286000" algn="l" defTabSz="457200" rtl="0" eaLnBrk="1" latinLnBrk="0" hangingPunct="1">
-              <a:defRPr sz="1800" kern="1200">
-                <a:solidFill>
-                  <a:schemeClr val="tx1"/>
-                </a:solidFill>
-                <a:latin typeface="+mn-lt"/>
-                <a:ea typeface="+mn-ea"/>
-                <a:cs typeface="+mn-cs"/>
-              </a:defRPr>
-            </a:lvl6pPr>
-            <a:lvl7pPr marL="2743200" algn="l" defTabSz="457200" rtl="0" eaLnBrk="1" latinLnBrk="0" hangingPunct="1">
-              <a:defRPr sz="1800" kern="1200">
-                <a:solidFill>
-                  <a:schemeClr val="tx1"/>
-                </a:solidFill>
-                <a:latin typeface="+mn-lt"/>
-                <a:ea typeface="+mn-ea"/>
-                <a:cs typeface="+mn-cs"/>
-              </a:defRPr>
-            </a:lvl7pPr>
-            <a:lvl8pPr marL="3200400" algn="l" defTabSz="457200" rtl="0" eaLnBrk="1" latinLnBrk="0" hangingPunct="1">
-              <a:defRPr sz="1800" kern="1200">
-                <a:solidFill>
-                  <a:schemeClr val="tx1"/>
-                </a:solidFill>
-                <a:latin typeface="+mn-lt"/>
-                <a:ea typeface="+mn-ea"/>
-                <a:cs typeface="+mn-cs"/>
-              </a:defRPr>
-            </a:lvl8pPr>
-            <a:lvl9pPr marL="3657600" algn="l" defTabSz="457200" rtl="0" eaLnBrk="1" latinLnBrk="0" hangingPunct="1">
-              <a:defRPr sz="1800" kern="1200">
-                <a:solidFill>
-                  <a:schemeClr val="tx1"/>
-                </a:solidFill>
-                <a:latin typeface="+mn-lt"/>
-                <a:ea typeface="+mn-ea"/>
-                <a:cs typeface="+mn-cs"/>
-              </a:defRPr>
-            </a:lvl9pPr>
-          </a:lstStyle>
+          <a:bodyPr/>
+          <a:lstStyle/>
           <a:p>
-            <a:r>
-              <a:rPr lang="zh-CN" altLang="en-US" sz="1200" smtClean="0">
+            <a:pPr lvl="0"/>
+            <a:r>
+              <a:rPr lang="zh-CN" altLang="en-US" sz="1200" dirty="0">
                 <a:solidFill>
                   <a:prstClr val="black">
                     <a:tint val="75000"/>
@@ -41940,7 +42432,7 @@
               <a:t>汪志成 </a:t>
             </a:r>
             <a:r>
-              <a:rPr lang="en-US" altLang="zh-CN" sz="1200" smtClean="0">
+              <a:rPr lang="en-US" altLang="zh-CN" sz="1200" dirty="0">
                 <a:solidFill>
                   <a:prstClr val="black">
                     <a:tint val="75000"/>
@@ -41950,7 +42442,7 @@
               <a:t>(</a:t>
             </a:r>
             <a:r>
-              <a:rPr lang="en-US" altLang="zh-CN" sz="1200" smtClean="0">
+              <a:rPr lang="en-US" altLang="zh-CN" sz="1200" dirty="0">
                 <a:solidFill>
                   <a:prstClr val="black">
                     <a:tint val="75000"/>
@@ -41961,7 +42453,7 @@
               <a:t>wangzhicheng@admaster.com.cn</a:t>
             </a:r>
             <a:r>
-              <a:rPr lang="en-US" altLang="zh-CN" sz="1200" smtClean="0">
+              <a:rPr lang="en-US" altLang="zh-CN" sz="1200" dirty="0">
                 <a:solidFill>
                   <a:prstClr val="black">
                     <a:tint val="75000"/>
@@ -41971,7 +42463,7 @@
               <a:t>) </a:t>
             </a:r>
             <a:r>
-              <a:rPr lang="zh-CN" altLang="en-US" sz="1200" smtClean="0">
+              <a:rPr lang="zh-CN" altLang="en-US" sz="1200" dirty="0">
                 <a:solidFill>
                   <a:prstClr val="black">
                     <a:tint val="75000"/>
@@ -41981,27 +42473,37 @@
               <a:t>        本文档遵循 </a:t>
             </a:r>
             <a:r>
-              <a:rPr lang="en-US" altLang="zh-CN" sz="1200" smtClean="0">
+              <a:rPr lang="en-US" altLang="zh-CN" sz="1200" dirty="0" smtClean="0">
                 <a:solidFill>
                   <a:prstClr val="black">
                     <a:tint val="75000"/>
                   </a:prstClr>
                 </a:solidFill>
               </a:rPr>
-              <a:t>CCL</a:t>
-            </a:r>
-            <a:r>
-              <a:rPr lang="zh-CN" altLang="en-US" sz="1200" smtClean="0">
+              <a:t>CC</a:t>
+            </a:r>
+            <a:r>
+              <a:rPr lang="zh-CN" altLang="en-US" sz="1200" dirty="0" smtClean="0">
                 <a:solidFill>
                   <a:prstClr val="black">
                     <a:tint val="75000"/>
                   </a:prstClr>
                 </a:solidFill>
               </a:rPr>
-              <a:t>协议（署名</a:t>
-            </a:r>
-            <a:r>
-              <a:rPr lang="en-US" altLang="zh-CN" sz="1200" smtClean="0">
+              <a:t>协议</a:t>
+            </a:r>
+            <a:r>
+              <a:rPr lang="zh-CN" altLang="en-US" sz="1200" dirty="0">
+                <a:solidFill>
+                  <a:prstClr val="black">
+                    <a:tint val="75000"/>
+                  </a:prstClr>
+                </a:solidFill>
+              </a:rPr>
+              <a:t>（署名</a:t>
+            </a:r>
+            <a:r>
+              <a:rPr lang="en-US" altLang="zh-CN" sz="1200" dirty="0">
                 <a:solidFill>
                   <a:prstClr val="black">
                     <a:tint val="75000"/>
@@ -42011,7 +42513,7 @@
               <a:t>-</a:t>
             </a:r>
             <a:r>
-              <a:rPr lang="zh-CN" altLang="en-US" sz="1200" smtClean="0">
+              <a:rPr lang="zh-CN" altLang="en-US" sz="1200" dirty="0">
                 <a:solidFill>
                   <a:prstClr val="black">
                     <a:tint val="75000"/>
@@ -42021,7 +42523,7 @@
               <a:t>非商业</a:t>
             </a:r>
             <a:r>
-              <a:rPr lang="en-US" altLang="zh-CN" sz="1200" smtClean="0">
+              <a:rPr lang="en-US" altLang="zh-CN" sz="1200" dirty="0">
                 <a:solidFill>
                   <a:prstClr val="black">
                     <a:tint val="75000"/>
@@ -42031,128 +42533,33 @@
               <a:t>-</a:t>
             </a:r>
             <a:r>
-              <a:rPr lang="zh-CN" altLang="en-US" sz="1200" smtClean="0">
+              <a:rPr lang="zh-CN" altLang="en-US" sz="1200" dirty="0">
                 <a:solidFill>
                   <a:prstClr val="black">
                     <a:tint val="75000"/>
                   </a:prstClr>
                 </a:solidFill>
               </a:rPr>
-              <a:t>共享）</a:t>
-            </a:r>
-            <a:endParaRPr lang="en-US" dirty="0"/>
-          </a:p>
-        </p:txBody>
-      </p:sp>
-      <p:pic>
-        <p:nvPicPr>
-          <p:cNvPr id="14" name="图片 13"/>
-          <p:cNvPicPr>
-            <a:picLocks noChangeAspect="1"/>
-          </p:cNvPicPr>
-          <p:nvPr/>
-        </p:nvPicPr>
-        <p:blipFill>
-          <a:blip r:embed="rId3"/>
-          <a:stretch>
-            <a:fillRect/>
-          </a:stretch>
-        </p:blipFill>
-        <p:spPr>
-          <a:xfrm>
-            <a:off x="829734" y="1810327"/>
-            <a:ext cx="6153150" cy="3276600"/>
-          </a:xfrm>
-          <a:prstGeom prst="rect">
-            <a:avLst/>
-          </a:prstGeom>
-        </p:spPr>
-      </p:pic>
-      <p:sp>
-        <p:nvSpPr>
-          <p:cNvPr id="15" name="文本框 14"/>
-          <p:cNvSpPr txBox="1"/>
-          <p:nvPr/>
-        </p:nvSpPr>
-        <p:spPr>
-          <a:xfrm>
-            <a:off x="829734" y="5178679"/>
-            <a:ext cx="8444268" cy="923330"/>
-          </a:xfrm>
-          <a:prstGeom prst="rect">
-            <a:avLst/>
-          </a:prstGeom>
-          <a:noFill/>
-        </p:spPr>
-        <p:txBody>
-          <a:bodyPr wrap="square" rtlCol="0">
-            <a:spAutoFit/>
-          </a:bodyPr>
-          <a:lstStyle/>
-          <a:p>
-            <a:r>
-              <a:rPr lang="en-US" altLang="zh-CN" dirty="0" smtClean="0">
+              <a:t>共享</a:t>
+            </a:r>
+            <a:r>
+              <a:rPr lang="zh-CN" altLang="en-US" sz="1200" dirty="0" smtClean="0">
                 <a:solidFill>
-                  <a:schemeClr val="accent3">
-                    <a:lumMod val="75000"/>
-                  </a:schemeClr>
+                  <a:prstClr val="black">
+                    <a:tint val="75000"/>
+                  </a:prstClr>
                 </a:solidFill>
               </a:rPr>
-              <a:t>Fake</a:t>
-            </a:r>
-            <a:r>
-              <a:rPr lang="zh-CN" altLang="en-US" dirty="0" smtClean="0">
-                <a:solidFill>
-                  <a:schemeClr val="accent3">
-                    <a:lumMod val="75000"/>
-                  </a:schemeClr>
-                </a:solidFill>
-              </a:rPr>
-              <a:t>模块</a:t>
-            </a:r>
-            <a:r>
-              <a:rPr lang="zh-CN" altLang="en-US" dirty="0" smtClean="0"/>
-              <a:t>是指具有指定</a:t>
-            </a:r>
-            <a:r>
-              <a:rPr lang="en-US" altLang="zh-CN" dirty="0" smtClean="0"/>
-              <a:t>API</a:t>
-            </a:r>
-            <a:r>
-              <a:rPr lang="zh-CN" altLang="en-US" dirty="0" smtClean="0"/>
-              <a:t>接口的伪实现。</a:t>
-            </a:r>
-            <a:endParaRPr lang="en-US" altLang="zh-CN" dirty="0" smtClean="0"/>
-          </a:p>
-          <a:p>
-            <a:r>
-              <a:rPr lang="zh-CN" altLang="en-US" dirty="0" smtClean="0"/>
-              <a:t>它不关心背后的处理逻辑，只负责接受预先定义的参数，并给出预先定义好的结果。定义良好的</a:t>
-            </a:r>
-            <a:r>
-              <a:rPr lang="en-US" altLang="zh-CN" dirty="0" smtClean="0"/>
-              <a:t>API</a:t>
-            </a:r>
-            <a:r>
-              <a:rPr lang="zh-CN" altLang="en-US" dirty="0" smtClean="0"/>
-              <a:t>及其</a:t>
-            </a:r>
-            <a:r>
-              <a:rPr lang="en-US" altLang="zh-CN" dirty="0" smtClean="0"/>
-              <a:t>Fake</a:t>
-            </a:r>
-            <a:r>
-              <a:rPr lang="zh-CN" altLang="en-US" dirty="0" smtClean="0"/>
-              <a:t>模块可以有效提高开发的并行程度，缩短工期</a:t>
-            </a:r>
-            <a:endParaRPr lang="zh-CN" altLang="en-US" dirty="0"/>
+              <a:t>）</a:t>
+            </a:r>
+            <a:endParaRPr lang="en-US" dirty="0"/>
           </a:p>
         </p:txBody>
       </p:sp>
     </p:spTree>
     <p:extLst>
       <p:ext uri="{BB962C8B-B14F-4D97-AF65-F5344CB8AC3E}">
-        <p14:creationId xmlns:p14="http://schemas.microsoft.com/office/powerpoint/2010/main" val="1106270986"/>
+        <p14:creationId xmlns:p14="http://schemas.microsoft.com/office/powerpoint/2010/main" val="3631675079"/>
       </p:ext>
     </p:extLst>
   </p:cSld>
@@ -42211,370 +42618,6 @@
             </a:r>
             <a:r>
               <a:rPr lang="zh-CN" altLang="en-US" dirty="0" smtClean="0"/>
-              <a:t>用户故事</a:t>
-            </a:r>
-            <a:endParaRPr lang="zh-CN" altLang="en-US" dirty="0"/>
-          </a:p>
-        </p:txBody>
-      </p:sp>
-      <p:sp>
-        <p:nvSpPr>
-          <p:cNvPr id="3" name="内容占位符 2"/>
-          <p:cNvSpPr>
-            <a:spLocks noGrp="1"/>
-          </p:cNvSpPr>
-          <p:nvPr>
-            <p:ph idx="1"/>
-          </p:nvPr>
-        </p:nvSpPr>
-        <p:spPr/>
-        <p:txBody>
-          <a:bodyPr/>
-          <a:lstStyle/>
-          <a:p>
-            <a:r>
-              <a:rPr lang="zh-CN" altLang="en-US" dirty="0" smtClean="0"/>
-              <a:t>李女士是一位中年下岗职工，住在五公里外的红星小区</a:t>
-            </a:r>
-            <a:endParaRPr lang="en-US" altLang="zh-CN" dirty="0" smtClean="0"/>
-          </a:p>
-          <a:p>
-            <a:r>
-              <a:rPr lang="zh-CN" altLang="en-US" dirty="0" smtClean="0"/>
-              <a:t>她初中文化，经简单培训，输入字母和拼音没问题，但是打字速度比较慢</a:t>
-            </a:r>
-            <a:endParaRPr lang="en-US" altLang="zh-CN" dirty="0" smtClean="0"/>
-          </a:p>
-          <a:p>
-            <a:r>
-              <a:rPr lang="zh-CN" altLang="en-US" dirty="0" smtClean="0"/>
-              <a:t>她在沃尔牛超市担任库管，负责出货进货</a:t>
-            </a:r>
-            <a:endParaRPr lang="en-US" altLang="zh-CN" dirty="0" smtClean="0"/>
-          </a:p>
-          <a:p>
-            <a:r>
-              <a:rPr lang="zh-CN" altLang="en-US" dirty="0" smtClean="0"/>
-              <a:t>她认真负责，手脚麻利，从未出错，是超市优秀职工</a:t>
-            </a:r>
-            <a:endParaRPr lang="en-US" altLang="zh-CN" dirty="0" smtClean="0"/>
-          </a:p>
-          <a:p>
-            <a:r>
-              <a:rPr lang="zh-CN" altLang="en-US" dirty="0" smtClean="0"/>
-              <a:t>超市实行电子化管理之后，她每天来到库房就先打开电脑</a:t>
-            </a:r>
-            <a:endParaRPr lang="en-US" altLang="zh-CN" dirty="0" smtClean="0"/>
-          </a:p>
-          <a:p>
-            <a:r>
-              <a:rPr lang="zh-CN" altLang="en-US" dirty="0" smtClean="0"/>
-              <a:t>这台电脑与系统中的其他电脑连成一个局域网</a:t>
-            </a:r>
-            <a:endParaRPr lang="en-US" altLang="zh-CN" dirty="0" smtClean="0"/>
-          </a:p>
-          <a:p>
-            <a:r>
-              <a:rPr lang="zh-CN" altLang="en-US" dirty="0" smtClean="0"/>
-              <a:t>有人送货来，她逐件执行“条码扫描，输入一个数量（默认为</a:t>
-            </a:r>
-            <a:r>
-              <a:rPr lang="en-US" altLang="zh-CN" dirty="0" smtClean="0"/>
-              <a:t>1</a:t>
-            </a:r>
-            <a:r>
-              <a:rPr lang="zh-CN" altLang="en-US" dirty="0" smtClean="0"/>
-              <a:t>件），按回车”，再刷一下送货人的身份磁卡。就完成了一个入库。</a:t>
-            </a:r>
-            <a:endParaRPr lang="en-US" altLang="zh-CN" dirty="0" smtClean="0"/>
-          </a:p>
-          <a:p>
-            <a:r>
-              <a:rPr lang="zh-CN" altLang="en-US" dirty="0"/>
-              <a:t>有人</a:t>
-            </a:r>
-            <a:r>
-              <a:rPr lang="zh-CN" altLang="en-US" dirty="0" smtClean="0"/>
-              <a:t>来提货，她先把提货单号输入电脑，然后比对显示出的提货人身份，按照规定的数量取出货物，逐件扫描登记后，回车。就完成了一次出库。</a:t>
-            </a:r>
-            <a:endParaRPr lang="zh-CN" altLang="en-US" dirty="0"/>
-          </a:p>
-        </p:txBody>
-      </p:sp>
-      <p:sp>
-        <p:nvSpPr>
-          <p:cNvPr id="4" name="日期占位符 3"/>
-          <p:cNvSpPr>
-            <a:spLocks noGrp="1"/>
-          </p:cNvSpPr>
-          <p:nvPr>
-            <p:ph type="dt" sz="half" idx="10"/>
-          </p:nvPr>
-        </p:nvSpPr>
-        <p:spPr/>
-        <p:txBody>
-          <a:bodyPr/>
-          <a:lstStyle/>
-          <a:p>
-            <a:r>
-              <a:rPr lang="en-US" altLang="zh-CN" smtClean="0"/>
-              <a:t>2014</a:t>
-            </a:r>
-            <a:r>
-              <a:rPr lang="zh-CN" altLang="en-US" smtClean="0"/>
-              <a:t>年</a:t>
-            </a:r>
-            <a:r>
-              <a:rPr lang="en-US" altLang="zh-CN" smtClean="0"/>
-              <a:t>1</a:t>
-            </a:r>
-            <a:r>
-              <a:rPr lang="zh-CN" altLang="en-US" smtClean="0"/>
-              <a:t>月</a:t>
-            </a:r>
-            <a:r>
-              <a:rPr lang="en-US" altLang="zh-CN" smtClean="0"/>
-              <a:t>5</a:t>
-            </a:r>
-            <a:r>
-              <a:rPr lang="zh-CN" altLang="en-US" smtClean="0"/>
-              <a:t>日</a:t>
-            </a:r>
-            <a:endParaRPr lang="en-US" dirty="0"/>
-          </a:p>
-        </p:txBody>
-      </p:sp>
-      <p:sp>
-        <p:nvSpPr>
-          <p:cNvPr id="6" name="灯片编号占位符 5"/>
-          <p:cNvSpPr>
-            <a:spLocks noGrp="1"/>
-          </p:cNvSpPr>
-          <p:nvPr>
-            <p:ph type="sldNum" sz="quarter" idx="12"/>
-          </p:nvPr>
-        </p:nvSpPr>
-        <p:spPr/>
-        <p:txBody>
-          <a:bodyPr/>
-          <a:lstStyle/>
-          <a:p>
-            <a:fld id="{519954A3-9DFD-4C44-94BA-B95130A3BA1C}" type="slidenum">
-              <a:rPr lang="en-US" smtClean="0"/>
-              <a:t>11</a:t>
-            </a:fld>
-            <a:endParaRPr lang="en-US" dirty="0"/>
-          </a:p>
-        </p:txBody>
-      </p:sp>
-      <p:sp>
-        <p:nvSpPr>
-          <p:cNvPr id="7" name="页脚占位符 4"/>
-          <p:cNvSpPr>
-            <a:spLocks noGrp="1"/>
-          </p:cNvSpPr>
-          <p:nvPr>
-            <p:ph type="ftr" sz="quarter" idx="11"/>
-          </p:nvPr>
-        </p:nvSpPr>
-        <p:spPr>
-          <a:xfrm>
-            <a:off x="677334" y="6041362"/>
-            <a:ext cx="6297612" cy="365125"/>
-          </a:xfrm>
-        </p:spPr>
-        <p:txBody>
-          <a:bodyPr/>
-          <a:lstStyle/>
-          <a:p>
-            <a:pPr lvl="0"/>
-            <a:r>
-              <a:rPr lang="zh-CN" altLang="en-US" sz="1200" dirty="0">
-                <a:solidFill>
-                  <a:prstClr val="black">
-                    <a:tint val="75000"/>
-                  </a:prstClr>
-                </a:solidFill>
-              </a:rPr>
-              <a:t>汪志成 </a:t>
-            </a:r>
-            <a:r>
-              <a:rPr lang="en-US" altLang="zh-CN" sz="1200" dirty="0">
-                <a:solidFill>
-                  <a:prstClr val="black">
-                    <a:tint val="75000"/>
-                  </a:prstClr>
-                </a:solidFill>
-              </a:rPr>
-              <a:t>(</a:t>
-            </a:r>
-            <a:r>
-              <a:rPr lang="en-US" altLang="zh-CN" sz="1200" dirty="0">
-                <a:solidFill>
-                  <a:prstClr val="black">
-                    <a:tint val="75000"/>
-                  </a:prstClr>
-                </a:solidFill>
-                <a:hlinkClick r:id="rId2"/>
-              </a:rPr>
-              <a:t>wangzhicheng@admaster.com.cn</a:t>
-            </a:r>
-            <a:r>
-              <a:rPr lang="en-US" altLang="zh-CN" sz="1200" dirty="0">
-                <a:solidFill>
-                  <a:prstClr val="black">
-                    <a:tint val="75000"/>
-                  </a:prstClr>
-                </a:solidFill>
-              </a:rPr>
-              <a:t>) </a:t>
-            </a:r>
-            <a:r>
-              <a:rPr lang="zh-CN" altLang="en-US" sz="1200" dirty="0">
-                <a:solidFill>
-                  <a:prstClr val="black">
-                    <a:tint val="75000"/>
-                  </a:prstClr>
-                </a:solidFill>
-              </a:rPr>
-              <a:t>        本文档遵循 </a:t>
-            </a:r>
-            <a:r>
-              <a:rPr lang="en-US" altLang="zh-CN" sz="1200" dirty="0">
-                <a:solidFill>
-                  <a:prstClr val="black">
-                    <a:tint val="75000"/>
-                  </a:prstClr>
-                </a:solidFill>
-              </a:rPr>
-              <a:t>CCL</a:t>
-            </a:r>
-            <a:r>
-              <a:rPr lang="zh-CN" altLang="en-US" sz="1200" dirty="0">
-                <a:solidFill>
-                  <a:prstClr val="black">
-                    <a:tint val="75000"/>
-                  </a:prstClr>
-                </a:solidFill>
-              </a:rPr>
-              <a:t>协议（署名</a:t>
-            </a:r>
-            <a:r>
-              <a:rPr lang="en-US" altLang="zh-CN" sz="1200" dirty="0">
-                <a:solidFill>
-                  <a:prstClr val="black">
-                    <a:tint val="75000"/>
-                  </a:prstClr>
-                </a:solidFill>
-              </a:rPr>
-              <a:t>-</a:t>
-            </a:r>
-            <a:r>
-              <a:rPr lang="zh-CN" altLang="en-US" sz="1200" dirty="0">
-                <a:solidFill>
-                  <a:prstClr val="black">
-                    <a:tint val="75000"/>
-                  </a:prstClr>
-                </a:solidFill>
-              </a:rPr>
-              <a:t>非商业</a:t>
-            </a:r>
-            <a:r>
-              <a:rPr lang="en-US" altLang="zh-CN" sz="1200" dirty="0">
-                <a:solidFill>
-                  <a:prstClr val="black">
-                    <a:tint val="75000"/>
-                  </a:prstClr>
-                </a:solidFill>
-              </a:rPr>
-              <a:t>-</a:t>
-            </a:r>
-            <a:r>
-              <a:rPr lang="zh-CN" altLang="en-US" sz="1200" dirty="0">
-                <a:solidFill>
-                  <a:prstClr val="black">
-                    <a:tint val="75000"/>
-                  </a:prstClr>
-                </a:solidFill>
-              </a:rPr>
-              <a:t>共享</a:t>
-            </a:r>
-            <a:r>
-              <a:rPr lang="zh-CN" altLang="en-US" sz="1200" dirty="0" smtClean="0">
-                <a:solidFill>
-                  <a:prstClr val="black">
-                    <a:tint val="75000"/>
-                  </a:prstClr>
-                </a:solidFill>
-              </a:rPr>
-              <a:t>）</a:t>
-            </a:r>
-            <a:endParaRPr lang="en-US" dirty="0"/>
-          </a:p>
-        </p:txBody>
-      </p:sp>
-    </p:spTree>
-    <p:extLst>
-      <p:ext uri="{BB962C8B-B14F-4D97-AF65-F5344CB8AC3E}">
-        <p14:creationId xmlns:p14="http://schemas.microsoft.com/office/powerpoint/2010/main" val="3631675079"/>
-      </p:ext>
-    </p:extLst>
-  </p:cSld>
-  <p:clrMapOvr>
-    <a:masterClrMapping/>
-  </p:clrMapOvr>
-  <p:timing>
-    <p:tnLst>
-      <p:par>
-        <p:cTn id="1" dur="indefinite" restart="never" nodeType="tmRoot"/>
-      </p:par>
-    </p:tnLst>
-  </p:timing>
-</p:sld>
-</file>
-
-<file path=ppt/slides/slide12.xml><?xml version="1.0" encoding="utf-8"?>
-<p:sld xmlns:a="http://schemas.openxmlformats.org/drawingml/2006/main" xmlns:r="http://schemas.openxmlformats.org/officeDocument/2006/relationships" xmlns:p="http://schemas.openxmlformats.org/presentationml/2006/main">
-  <p:cSld>
-    <p:spTree>
-      <p:nvGrpSpPr>
-        <p:cNvPr id="1" name=""/>
-        <p:cNvGrpSpPr/>
-        <p:nvPr/>
-      </p:nvGrpSpPr>
-      <p:grpSpPr>
-        <a:xfrm>
-          <a:off x="0" y="0"/>
-          <a:ext cx="0" cy="0"/>
-          <a:chOff x="0" y="0"/>
-          <a:chExt cx="0" cy="0"/>
-        </a:xfrm>
-      </p:grpSpPr>
-      <p:sp>
-        <p:nvSpPr>
-          <p:cNvPr id="2" name="标题 1"/>
-          <p:cNvSpPr>
-            <a:spLocks noGrp="1"/>
-          </p:cNvSpPr>
-          <p:nvPr>
-            <p:ph type="title"/>
-          </p:nvPr>
-        </p:nvSpPr>
-        <p:spPr/>
-        <p:txBody>
-          <a:bodyPr/>
-          <a:lstStyle/>
-          <a:p>
-            <a:r>
-              <a:rPr lang="zh-CN" altLang="en-US" dirty="0" smtClean="0"/>
-              <a:t>工件 </a:t>
-            </a:r>
-            <a:r>
-              <a:rPr lang="en-US" altLang="zh-CN" dirty="0" smtClean="0"/>
-              <a:t>– </a:t>
-            </a:r>
-            <a:r>
-              <a:rPr lang="zh-CN" altLang="en-US" dirty="0" smtClean="0"/>
               <a:t>需求基线</a:t>
             </a:r>
             <a:endParaRPr lang="zh-CN" altLang="en-US" dirty="0"/>
@@ -42591,7 +42634,7 @@
             <p:ph idx="1"/>
             <p:extLst>
               <p:ext uri="{D42A27DB-BD31-4B8C-83A1-F6EECF244321}">
-                <p14:modId xmlns:p14="http://schemas.microsoft.com/office/powerpoint/2010/main" val="3134138902"/>
+                <p14:modId xmlns:p14="http://schemas.microsoft.com/office/powerpoint/2010/main" val="3284100506"/>
               </p:ext>
             </p:extLst>
           </p:nvPr>
@@ -42740,6 +42783,7 @@
                     <a:bodyPr/>
                     <a:lstStyle/>
                     <a:p>
+                      <a:pPr algn="ctr"/>
                       <a:r>
                         <a:rPr lang="en-US" altLang="zh-CN" dirty="0" smtClean="0"/>
                         <a:t>5</a:t>
@@ -42754,6 +42798,7 @@
                     <a:bodyPr/>
                     <a:lstStyle/>
                     <a:p>
+                      <a:pPr algn="ctr"/>
                       <a:r>
                         <a:rPr lang="en-US" altLang="zh-CN" dirty="0" smtClean="0"/>
                         <a:t>4</a:t>
@@ -42768,6 +42813,7 @@
                     <a:bodyPr/>
                     <a:lstStyle/>
                     <a:p>
+                      <a:pPr algn="ctr"/>
                       <a:r>
                         <a:rPr lang="en-US" altLang="zh-CN" dirty="0" smtClean="0"/>
                         <a:t>3</a:t>
@@ -42782,6 +42828,7 @@
                     <a:bodyPr/>
                     <a:lstStyle/>
                     <a:p>
+                      <a:pPr algn="ctr"/>
                       <a:r>
                         <a:rPr lang="en-US" altLang="zh-CN" dirty="0" smtClean="0"/>
                         <a:t>5</a:t>
@@ -42826,6 +42873,7 @@
                     <a:bodyPr/>
                     <a:lstStyle/>
                     <a:p>
+                      <a:pPr algn="ctr"/>
                       <a:r>
                         <a:rPr lang="en-US" altLang="zh-CN" dirty="0" smtClean="0"/>
                         <a:t>5</a:t>
@@ -42840,6 +42888,7 @@
                     <a:bodyPr/>
                     <a:lstStyle/>
                     <a:p>
+                      <a:pPr algn="ctr"/>
                       <a:r>
                         <a:rPr lang="en-US" altLang="zh-CN" dirty="0" smtClean="0"/>
                         <a:t>4</a:t>
@@ -42854,6 +42903,7 @@
                     <a:bodyPr/>
                     <a:lstStyle/>
                     <a:p>
+                      <a:pPr algn="ctr"/>
                       <a:r>
                         <a:rPr lang="en-US" altLang="zh-CN" dirty="0" smtClean="0"/>
                         <a:t>2</a:t>
@@ -42868,6 +42918,7 @@
                     <a:bodyPr/>
                     <a:lstStyle/>
                     <a:p>
+                      <a:pPr algn="ctr"/>
                       <a:r>
                         <a:rPr lang="en-US" altLang="zh-CN" dirty="0" smtClean="0"/>
                         <a:t>5</a:t>
@@ -42912,6 +42963,7 @@
                     <a:bodyPr/>
                     <a:lstStyle/>
                     <a:p>
+                      <a:pPr algn="ctr"/>
                       <a:r>
                         <a:rPr lang="en-US" altLang="zh-CN" dirty="0" smtClean="0"/>
                         <a:t>5</a:t>
@@ -42926,6 +42978,7 @@
                     <a:bodyPr/>
                     <a:lstStyle/>
                     <a:p>
+                      <a:pPr algn="ctr"/>
                       <a:r>
                         <a:rPr lang="en-US" altLang="zh-CN" dirty="0" smtClean="0"/>
                         <a:t>5</a:t>
@@ -42940,6 +42993,7 @@
                     <a:bodyPr/>
                     <a:lstStyle/>
                     <a:p>
+                      <a:pPr algn="ctr"/>
                       <a:r>
                         <a:rPr lang="en-US" altLang="zh-CN" dirty="0" smtClean="0"/>
                         <a:t>4</a:t>
@@ -42954,6 +43008,7 @@
                     <a:bodyPr/>
                     <a:lstStyle/>
                     <a:p>
+                      <a:pPr algn="ctr"/>
                       <a:r>
                         <a:rPr lang="en-US" altLang="zh-CN" dirty="0" smtClean="0"/>
                         <a:t>5</a:t>
@@ -43022,6 +43077,7 @@
                     <a:bodyPr/>
                     <a:lstStyle/>
                     <a:p>
+                      <a:pPr algn="ctr"/>
                       <a:r>
                         <a:rPr lang="en-US" altLang="zh-CN" dirty="0" smtClean="0">
                           <a:solidFill>
@@ -43048,6 +43104,7 @@
                     <a:bodyPr/>
                     <a:lstStyle/>
                     <a:p>
+                      <a:pPr algn="ctr"/>
                       <a:r>
                         <a:rPr lang="en-US" altLang="zh-CN" dirty="0" smtClean="0">
                           <a:solidFill>
@@ -43074,6 +43131,7 @@
                     <a:bodyPr/>
                     <a:lstStyle/>
                     <a:p>
+                      <a:pPr algn="ctr"/>
                       <a:r>
                         <a:rPr lang="en-US" altLang="zh-CN" dirty="0" smtClean="0">
                           <a:solidFill>
@@ -43100,6 +43158,7 @@
                     <a:bodyPr/>
                     <a:lstStyle/>
                     <a:p>
+                      <a:pPr algn="ctr"/>
                       <a:r>
                         <a:rPr lang="en-US" altLang="zh-CN" dirty="0" smtClean="0">
                           <a:solidFill>
@@ -43180,6 +43239,7 @@
                     <a:bodyPr/>
                     <a:lstStyle/>
                     <a:p>
+                      <a:pPr algn="ctr"/>
                       <a:r>
                         <a:rPr lang="en-US" altLang="zh-CN" dirty="0" smtClean="0">
                           <a:solidFill>
@@ -43206,6 +43266,7 @@
                     <a:bodyPr/>
                     <a:lstStyle/>
                     <a:p>
+                      <a:pPr algn="ctr"/>
                       <a:r>
                         <a:rPr lang="en-US" altLang="zh-CN" dirty="0" smtClean="0">
                           <a:solidFill>
@@ -43232,6 +43293,7 @@
                     <a:bodyPr/>
                     <a:lstStyle/>
                     <a:p>
+                      <a:pPr algn="ctr"/>
                       <a:r>
                         <a:rPr lang="en-US" altLang="zh-CN" dirty="0" smtClean="0">
                           <a:solidFill>
@@ -43258,6 +43320,7 @@
                     <a:bodyPr/>
                     <a:lstStyle/>
                     <a:p>
+                      <a:pPr algn="ctr"/>
                       <a:r>
                         <a:rPr lang="en-US" altLang="zh-CN" dirty="0" smtClean="0">
                           <a:solidFill>
@@ -43338,6 +43401,7 @@
                     <a:bodyPr/>
                     <a:lstStyle/>
                     <a:p>
+                      <a:pPr algn="ctr"/>
                       <a:r>
                         <a:rPr lang="en-US" altLang="zh-CN" dirty="0" smtClean="0">
                           <a:solidFill>
@@ -43364,6 +43428,7 @@
                     <a:bodyPr/>
                     <a:lstStyle/>
                     <a:p>
+                      <a:pPr algn="ctr"/>
                       <a:r>
                         <a:rPr lang="en-US" altLang="zh-CN" dirty="0" smtClean="0">
                           <a:solidFill>
@@ -43390,6 +43455,7 @@
                     <a:bodyPr/>
                     <a:lstStyle/>
                     <a:p>
+                      <a:pPr algn="ctr"/>
                       <a:r>
                         <a:rPr lang="en-US" altLang="zh-CN" dirty="0" smtClean="0">
                           <a:solidFill>
@@ -43416,6 +43482,7 @@
                     <a:bodyPr/>
                     <a:lstStyle/>
                     <a:p>
+                      <a:pPr algn="ctr"/>
                       <a:r>
                         <a:rPr lang="en-US" altLang="zh-CN" dirty="0" smtClean="0">
                           <a:solidFill>
@@ -43496,6 +43563,7 @@
                     <a:bodyPr/>
                     <a:lstStyle/>
                     <a:p>
+                      <a:pPr algn="ctr"/>
                       <a:r>
                         <a:rPr lang="en-US" altLang="zh-CN" dirty="0" smtClean="0">
                           <a:solidFill>
@@ -43522,6 +43590,7 @@
                     <a:bodyPr/>
                     <a:lstStyle/>
                     <a:p>
+                      <a:pPr algn="ctr"/>
                       <a:r>
                         <a:rPr lang="en-US" altLang="zh-CN" dirty="0" smtClean="0">
                           <a:solidFill>
@@ -43548,6 +43617,7 @@
                     <a:bodyPr/>
                     <a:lstStyle/>
                     <a:p>
+                      <a:pPr algn="ctr"/>
                       <a:r>
                         <a:rPr lang="en-US" altLang="zh-CN" dirty="0" smtClean="0">
                           <a:solidFill>
@@ -43574,6 +43644,7 @@
                     <a:bodyPr/>
                     <a:lstStyle/>
                     <a:p>
+                      <a:pPr algn="ctr"/>
                       <a:r>
                         <a:rPr lang="en-US" altLang="zh-CN" dirty="0" smtClean="0">
                           <a:solidFill>
@@ -43769,7 +43840,7 @@
           <a:p>
             <a:fld id="{519954A3-9DFD-4C44-94BA-B95130A3BA1C}" type="slidenum">
               <a:rPr lang="en-US" smtClean="0"/>
-              <a:t>12</a:t>
+              <a:t>11</a:t>
             </a:fld>
             <a:endParaRPr lang="en-US" dirty="0"/>
           </a:p>
@@ -43848,14 +43919,24 @@
               <a:t>        本文档遵循 </a:t>
             </a:r>
             <a:r>
-              <a:rPr lang="en-US" altLang="zh-CN" sz="1200" dirty="0">
+              <a:rPr lang="en-US" altLang="zh-CN" sz="1200" dirty="0" smtClean="0">
                 <a:solidFill>
                   <a:prstClr val="black">
                     <a:tint val="75000"/>
                   </a:prstClr>
                 </a:solidFill>
               </a:rPr>
-              <a:t>CCL</a:t>
+              <a:t>CC</a:t>
+            </a:r>
+            <a:r>
+              <a:rPr lang="zh-CN" altLang="en-US" sz="1200" dirty="0" smtClean="0">
+                <a:solidFill>
+                  <a:prstClr val="black">
+                    <a:tint val="75000"/>
+                  </a:prstClr>
+                </a:solidFill>
+              </a:rPr>
+              <a:t>协议</a:t>
             </a:r>
             <a:r>
               <a:rPr lang="zh-CN" altLang="en-US" sz="1200" dirty="0">
@@ -43865,7 +43946,7 @@
                   </a:prstClr>
                 </a:solidFill>
               </a:rPr>
-              <a:t>协议（署名</a:t>
+              <a:t>（署名</a:t>
             </a:r>
             <a:r>
               <a:rPr lang="en-US" altLang="zh-CN" sz="1200" dirty="0">
@@ -43941,7 +44022,1260 @@
 </p:sld>
 </file>
 
+<file path=ppt/slides/slide12.xml><?xml version="1.0" encoding="utf-8"?>
+<p:sld xmlns:a="http://schemas.openxmlformats.org/drawingml/2006/main" xmlns:r="http://schemas.openxmlformats.org/officeDocument/2006/relationships" xmlns:p="http://schemas.openxmlformats.org/presentationml/2006/main">
+  <p:cSld>
+    <p:spTree>
+      <p:nvGrpSpPr>
+        <p:cNvPr id="1" name=""/>
+        <p:cNvGrpSpPr/>
+        <p:nvPr/>
+      </p:nvGrpSpPr>
+      <p:grpSpPr>
+        <a:xfrm>
+          <a:off x="0" y="0"/>
+          <a:ext cx="0" cy="0"/>
+          <a:chOff x="0" y="0"/>
+          <a:chExt cx="0" cy="0"/>
+        </a:xfrm>
+      </p:grpSpPr>
+      <p:sp>
+        <p:nvSpPr>
+          <p:cNvPr id="2" name="标题 1"/>
+          <p:cNvSpPr>
+            <a:spLocks noGrp="1"/>
+          </p:cNvSpPr>
+          <p:nvPr>
+            <p:ph type="title"/>
+          </p:nvPr>
+        </p:nvSpPr>
+        <p:spPr/>
+        <p:txBody>
+          <a:bodyPr/>
+          <a:lstStyle/>
+          <a:p>
+            <a:r>
+              <a:rPr lang="zh-CN" altLang="en-US" dirty="0" smtClean="0"/>
+              <a:t>工件 </a:t>
+            </a:r>
+            <a:r>
+              <a:rPr lang="en-US" altLang="zh-CN" dirty="0" smtClean="0"/>
+              <a:t>– </a:t>
+            </a:r>
+            <a:r>
+              <a:rPr lang="zh-CN" altLang="en-US" dirty="0" smtClean="0"/>
+              <a:t>风险清单</a:t>
+            </a:r>
+            <a:endParaRPr lang="zh-CN" altLang="en-US" dirty="0"/>
+          </a:p>
+        </p:txBody>
+      </p:sp>
+      <p:graphicFrame>
+        <p:nvGraphicFramePr>
+          <p:cNvPr id="7" name="内容占位符 6"/>
+          <p:cNvGraphicFramePr>
+            <a:graphicFrameLocks noGrp="1"/>
+          </p:cNvGraphicFramePr>
+          <p:nvPr>
+            <p:ph idx="1"/>
+            <p:extLst>
+              <p:ext uri="{D42A27DB-BD31-4B8C-83A1-F6EECF244321}">
+                <p14:modId xmlns:p14="http://schemas.microsoft.com/office/powerpoint/2010/main" val="3377479807"/>
+              </p:ext>
+            </p:extLst>
+          </p:nvPr>
+        </p:nvGraphicFramePr>
+        <p:xfrm>
+          <a:off x="677863" y="2160588"/>
+          <a:ext cx="8596312" cy="2763520"/>
+        </p:xfrm>
+        <a:graphic>
+          <a:graphicData uri="http://schemas.openxmlformats.org/drawingml/2006/table">
+            <a:tbl>
+              <a:tblPr firstRow="1" bandRow="1">
+                <a:tableStyleId>{5C22544A-7EE6-4342-B048-85BDC9FD1C3A}</a:tableStyleId>
+              </a:tblPr>
+              <a:tblGrid>
+                <a:gridCol w="661410"/>
+                <a:gridCol w="3842327"/>
+                <a:gridCol w="877455"/>
+                <a:gridCol w="3215120"/>
+              </a:tblGrid>
+              <a:tr h="370840">
+                <a:tc>
+                  <a:txBody>
+                    <a:bodyPr/>
+                    <a:lstStyle/>
+                    <a:p>
+                      <a:pPr algn="ctr"/>
+                      <a:r>
+                        <a:rPr lang="zh-CN" altLang="en-US" dirty="0" smtClean="0"/>
+                        <a:t>编号</a:t>
+                      </a:r>
+                      <a:endParaRPr lang="zh-CN" altLang="en-US" dirty="0"/>
+                    </a:p>
+                  </a:txBody>
+                  <a:tcPr/>
+                </a:tc>
+                <a:tc>
+                  <a:txBody>
+                    <a:bodyPr/>
+                    <a:lstStyle/>
+                    <a:p>
+                      <a:pPr algn="ctr"/>
+                      <a:r>
+                        <a:rPr lang="zh-CN" altLang="en-US" dirty="0" smtClean="0"/>
+                        <a:t>描述</a:t>
+                      </a:r>
+                      <a:endParaRPr lang="zh-CN" altLang="en-US" dirty="0"/>
+                    </a:p>
+                  </a:txBody>
+                  <a:tcPr/>
+                </a:tc>
+                <a:tc>
+                  <a:txBody>
+                    <a:bodyPr/>
+                    <a:lstStyle/>
+                    <a:p>
+                      <a:pPr algn="ctr"/>
+                      <a:r>
+                        <a:rPr lang="zh-CN" altLang="en-US" dirty="0" smtClean="0"/>
+                        <a:t>评估</a:t>
+                      </a:r>
+                      <a:endParaRPr lang="zh-CN" altLang="en-US" dirty="0"/>
+                    </a:p>
+                  </a:txBody>
+                  <a:tcPr/>
+                </a:tc>
+                <a:tc>
+                  <a:txBody>
+                    <a:bodyPr/>
+                    <a:lstStyle/>
+                    <a:p>
+                      <a:pPr algn="ctr"/>
+                      <a:r>
+                        <a:rPr lang="zh-CN" altLang="en-US" dirty="0" smtClean="0"/>
+                        <a:t>预案</a:t>
+                      </a:r>
+                      <a:endParaRPr lang="zh-CN" altLang="en-US" dirty="0"/>
+                    </a:p>
+                  </a:txBody>
+                  <a:tcPr/>
+                </a:tc>
+              </a:tr>
+              <a:tr h="370840">
+                <a:tc>
+                  <a:txBody>
+                    <a:bodyPr/>
+                    <a:lstStyle/>
+                    <a:p>
+                      <a:pPr algn="r"/>
+                      <a:r>
+                        <a:rPr lang="en-US" altLang="zh-CN" dirty="0" smtClean="0"/>
+                        <a:t>1</a:t>
+                      </a:r>
+                      <a:endParaRPr lang="zh-CN" altLang="en-US" dirty="0"/>
+                    </a:p>
+                  </a:txBody>
+                  <a:tcPr/>
+                </a:tc>
+                <a:tc>
+                  <a:txBody>
+                    <a:bodyPr/>
+                    <a:lstStyle/>
+                    <a:p>
+                      <a:r>
+                        <a:rPr lang="zh-CN" altLang="en-US" dirty="0" smtClean="0"/>
+                        <a:t>账款算法的舍入误差超出正常范围</a:t>
+                      </a:r>
+                      <a:endParaRPr lang="zh-CN" altLang="en-US" dirty="0"/>
+                    </a:p>
+                  </a:txBody>
+                  <a:tcPr/>
+                </a:tc>
+                <a:tc>
+                  <a:txBody>
+                    <a:bodyPr/>
+                    <a:lstStyle/>
+                    <a:p>
+                      <a:pPr algn="ctr"/>
+                      <a:r>
+                        <a:rPr lang="zh-CN" altLang="en-US" dirty="0" smtClean="0"/>
+                        <a:t>低</a:t>
+                      </a:r>
+                      <a:endParaRPr lang="zh-CN" altLang="en-US" dirty="0"/>
+                    </a:p>
+                  </a:txBody>
+                  <a:tcPr/>
+                </a:tc>
+                <a:tc>
+                  <a:txBody>
+                    <a:bodyPr/>
+                    <a:lstStyle/>
+                    <a:p>
+                      <a:r>
+                        <a:rPr lang="zh-CN" altLang="en-US" dirty="0" smtClean="0"/>
+                        <a:t>聘请会计专家做兼职顾问</a:t>
+                      </a:r>
+                      <a:endParaRPr lang="zh-CN" altLang="en-US" dirty="0"/>
+                    </a:p>
+                  </a:txBody>
+                  <a:tcPr/>
+                </a:tc>
+              </a:tr>
+              <a:tr h="370840">
+                <a:tc>
+                  <a:txBody>
+                    <a:bodyPr/>
+                    <a:lstStyle/>
+                    <a:p>
+                      <a:pPr algn="r"/>
+                      <a:r>
+                        <a:rPr lang="en-US" altLang="zh-CN" dirty="0" smtClean="0"/>
+                        <a:t>2</a:t>
+                      </a:r>
+                      <a:endParaRPr lang="zh-CN" altLang="en-US" dirty="0"/>
+                    </a:p>
+                  </a:txBody>
+                  <a:tcPr/>
+                </a:tc>
+                <a:tc>
+                  <a:txBody>
+                    <a:bodyPr/>
+                    <a:lstStyle/>
+                    <a:p>
+                      <a:r>
+                        <a:rPr lang="zh-CN" altLang="en-US" dirty="0" smtClean="0"/>
+                        <a:t>分类、分区库存管理难以设计</a:t>
+                      </a:r>
+                      <a:endParaRPr lang="zh-CN" altLang="en-US" dirty="0"/>
+                    </a:p>
+                  </a:txBody>
+                  <a:tcPr/>
+                </a:tc>
+                <a:tc>
+                  <a:txBody>
+                    <a:bodyPr/>
+                    <a:lstStyle/>
+                    <a:p>
+                      <a:pPr algn="ctr"/>
+                      <a:r>
+                        <a:rPr lang="zh-CN" altLang="en-US" dirty="0" smtClean="0"/>
+                        <a:t>中</a:t>
+                      </a:r>
+                      <a:endParaRPr lang="zh-CN" altLang="en-US" dirty="0"/>
+                    </a:p>
+                  </a:txBody>
+                  <a:tcPr/>
+                </a:tc>
+                <a:tc>
+                  <a:txBody>
+                    <a:bodyPr/>
+                    <a:lstStyle/>
+                    <a:p>
+                      <a:r>
+                        <a:rPr lang="zh-CN" altLang="en-US" dirty="0" smtClean="0"/>
+                        <a:t>说服客户只先实现分类管理</a:t>
+                      </a:r>
+                      <a:endParaRPr lang="zh-CN" altLang="en-US" dirty="0"/>
+                    </a:p>
+                  </a:txBody>
+                  <a:tcPr/>
+                </a:tc>
+              </a:tr>
+              <a:tr h="370840">
+                <a:tc>
+                  <a:txBody>
+                    <a:bodyPr/>
+                    <a:lstStyle/>
+                    <a:p>
+                      <a:pPr algn="r"/>
+                      <a:r>
+                        <a:rPr lang="en-US" altLang="zh-CN" dirty="0" smtClean="0"/>
+                        <a:t>3</a:t>
+                      </a:r>
+                      <a:endParaRPr lang="zh-CN" altLang="en-US" dirty="0"/>
+                    </a:p>
+                  </a:txBody>
+                  <a:tcPr/>
+                </a:tc>
+                <a:tc>
+                  <a:txBody>
+                    <a:bodyPr/>
+                    <a:lstStyle/>
+                    <a:p>
+                      <a:r>
+                        <a:rPr lang="zh-CN" altLang="en-US" dirty="0" smtClean="0"/>
+                        <a:t>写刷卡机的</a:t>
+                      </a:r>
+                      <a:r>
+                        <a:rPr lang="en-US" altLang="zh-CN" dirty="0" smtClean="0"/>
+                        <a:t>Linux</a:t>
+                      </a:r>
+                      <a:r>
+                        <a:rPr lang="zh-CN" altLang="en-US" dirty="0" smtClean="0"/>
+                        <a:t>系统驱动失败</a:t>
+                      </a:r>
+                      <a:endParaRPr lang="zh-CN" altLang="en-US" dirty="0"/>
+                    </a:p>
+                  </a:txBody>
+                  <a:tcPr/>
+                </a:tc>
+                <a:tc>
+                  <a:txBody>
+                    <a:bodyPr/>
+                    <a:lstStyle/>
+                    <a:p>
+                      <a:pPr algn="ctr"/>
+                      <a:r>
+                        <a:rPr lang="zh-CN" altLang="en-US" dirty="0" smtClean="0"/>
+                        <a:t>高</a:t>
+                      </a:r>
+                      <a:endParaRPr lang="zh-CN" altLang="en-US" dirty="0"/>
+                    </a:p>
+                  </a:txBody>
+                  <a:tcPr/>
+                </a:tc>
+                <a:tc>
+                  <a:txBody>
+                    <a:bodyPr/>
+                    <a:lstStyle/>
+                    <a:p>
+                      <a:r>
+                        <a:rPr lang="zh-CN" altLang="en-US" dirty="0" smtClean="0"/>
+                        <a:t>说服客户临时用</a:t>
+                      </a:r>
+                      <a:r>
+                        <a:rPr lang="en-US" altLang="zh-CN" dirty="0" smtClean="0"/>
+                        <a:t>X901</a:t>
+                      </a:r>
+                      <a:r>
+                        <a:rPr lang="zh-CN" altLang="en-US" dirty="0" smtClean="0"/>
+                        <a:t>型刷卡机</a:t>
+                      </a:r>
+                      <a:endParaRPr lang="zh-CN" altLang="en-US" dirty="0"/>
+                    </a:p>
+                  </a:txBody>
+                  <a:tcPr/>
+                </a:tc>
+              </a:tr>
+              <a:tr h="370840">
+                <a:tc>
+                  <a:txBody>
+                    <a:bodyPr/>
+                    <a:lstStyle/>
+                    <a:p>
+                      <a:pPr algn="r"/>
+                      <a:r>
+                        <a:rPr lang="en-US" altLang="zh-CN" dirty="0" smtClean="0"/>
+                        <a:t>4</a:t>
+                      </a:r>
+                      <a:endParaRPr lang="zh-CN" altLang="en-US" dirty="0"/>
+                    </a:p>
+                  </a:txBody>
+                  <a:tcPr/>
+                </a:tc>
+                <a:tc>
+                  <a:txBody>
+                    <a:bodyPr/>
+                    <a:lstStyle/>
+                    <a:p>
+                      <a:r>
+                        <a:rPr lang="zh-CN" altLang="en-US" dirty="0" smtClean="0"/>
+                        <a:t>与财务系统对接失败</a:t>
+                      </a:r>
+                      <a:endParaRPr lang="zh-CN" altLang="en-US" dirty="0"/>
+                    </a:p>
+                  </a:txBody>
+                  <a:tcPr/>
+                </a:tc>
+                <a:tc>
+                  <a:txBody>
+                    <a:bodyPr/>
+                    <a:lstStyle/>
+                    <a:p>
+                      <a:pPr algn="ctr"/>
+                      <a:r>
+                        <a:rPr lang="zh-CN" altLang="en-US" dirty="0" smtClean="0"/>
+                        <a:t>中</a:t>
+                      </a:r>
+                      <a:endParaRPr lang="zh-CN" altLang="en-US" dirty="0"/>
+                    </a:p>
+                  </a:txBody>
+                  <a:tcPr/>
+                </a:tc>
+                <a:tc>
+                  <a:txBody>
+                    <a:bodyPr/>
+                    <a:lstStyle/>
+                    <a:p>
+                      <a:r>
+                        <a:rPr lang="zh-CN" altLang="en-US" dirty="0" smtClean="0"/>
+                        <a:t>如果下月底未完成相关</a:t>
+                      </a:r>
+                      <a:r>
+                        <a:rPr lang="en-US" altLang="zh-CN" dirty="0" smtClean="0"/>
+                        <a:t>API</a:t>
+                      </a:r>
+                      <a:r>
+                        <a:rPr lang="zh-CN" altLang="en-US" dirty="0" smtClean="0"/>
+                        <a:t>的</a:t>
+                      </a:r>
+                      <a:r>
+                        <a:rPr lang="en-US" altLang="zh-CN" dirty="0" smtClean="0"/>
+                        <a:t>Spike</a:t>
+                      </a:r>
+                      <a:r>
+                        <a:rPr lang="zh-CN" altLang="en-US" dirty="0" smtClean="0"/>
+                        <a:t>，则延后到</a:t>
+                      </a:r>
+                      <a:r>
+                        <a:rPr lang="en-US" altLang="zh-CN" dirty="0" smtClean="0"/>
+                        <a:t>1.2</a:t>
+                      </a:r>
+                      <a:r>
+                        <a:rPr lang="zh-CN" altLang="en-US" dirty="0" smtClean="0"/>
+                        <a:t>版交付</a:t>
+                      </a:r>
+                      <a:endParaRPr lang="zh-CN" altLang="en-US" dirty="0"/>
+                    </a:p>
+                  </a:txBody>
+                  <a:tcPr/>
+                </a:tc>
+              </a:tr>
+              <a:tr h="370840">
+                <a:tc>
+                  <a:txBody>
+                    <a:bodyPr/>
+                    <a:lstStyle/>
+                    <a:p>
+                      <a:pPr algn="r"/>
+                      <a:r>
+                        <a:rPr lang="en-US" altLang="zh-CN" dirty="0" smtClean="0"/>
+                        <a:t>5</a:t>
+                      </a:r>
+                      <a:endParaRPr lang="zh-CN" altLang="en-US" dirty="0"/>
+                    </a:p>
+                  </a:txBody>
+                  <a:tcPr/>
+                </a:tc>
+                <a:tc>
+                  <a:txBody>
+                    <a:bodyPr/>
+                    <a:lstStyle/>
+                    <a:p>
+                      <a:r>
+                        <a:rPr lang="zh-CN" altLang="en-US" dirty="0" smtClean="0"/>
+                        <a:t>对客服系统需求不熟</a:t>
+                      </a:r>
+                      <a:endParaRPr lang="zh-CN" altLang="en-US" dirty="0"/>
+                    </a:p>
+                  </a:txBody>
+                  <a:tcPr/>
+                </a:tc>
+                <a:tc>
+                  <a:txBody>
+                    <a:bodyPr/>
+                    <a:lstStyle/>
+                    <a:p>
+                      <a:pPr algn="ctr"/>
+                      <a:r>
+                        <a:rPr lang="zh-CN" altLang="en-US" dirty="0" smtClean="0"/>
+                        <a:t>高</a:t>
+                      </a:r>
+                      <a:endParaRPr lang="zh-CN" altLang="en-US" dirty="0"/>
+                    </a:p>
+                  </a:txBody>
+                  <a:tcPr/>
+                </a:tc>
+                <a:tc>
+                  <a:txBody>
+                    <a:bodyPr/>
+                    <a:lstStyle/>
+                    <a:p>
+                      <a:r>
+                        <a:rPr lang="zh-CN" altLang="en-US" dirty="0" smtClean="0"/>
+                        <a:t>安排人专项学习，若达不到质量要求，则延后到</a:t>
+                      </a:r>
+                      <a:r>
+                        <a:rPr lang="en-US" altLang="zh-CN" dirty="0" smtClean="0"/>
+                        <a:t>1.5</a:t>
+                      </a:r>
+                      <a:r>
+                        <a:rPr lang="zh-CN" altLang="en-US" dirty="0" smtClean="0"/>
+                        <a:t>版交付</a:t>
+                      </a:r>
+                      <a:endParaRPr lang="zh-CN" altLang="en-US" dirty="0"/>
+                    </a:p>
+                  </a:txBody>
+                  <a:tcPr/>
+                </a:tc>
+              </a:tr>
+            </a:tbl>
+          </a:graphicData>
+        </a:graphic>
+      </p:graphicFrame>
+      <p:sp>
+        <p:nvSpPr>
+          <p:cNvPr id="4" name="日期占位符 3"/>
+          <p:cNvSpPr>
+            <a:spLocks noGrp="1"/>
+          </p:cNvSpPr>
+          <p:nvPr>
+            <p:ph type="dt" sz="half" idx="10"/>
+          </p:nvPr>
+        </p:nvSpPr>
+        <p:spPr/>
+        <p:txBody>
+          <a:bodyPr/>
+          <a:lstStyle/>
+          <a:p>
+            <a:r>
+              <a:rPr lang="en-US" altLang="zh-CN" smtClean="0"/>
+              <a:t>2014</a:t>
+            </a:r>
+            <a:r>
+              <a:rPr lang="zh-CN" altLang="en-US" smtClean="0"/>
+              <a:t>年</a:t>
+            </a:r>
+            <a:r>
+              <a:rPr lang="en-US" altLang="zh-CN" smtClean="0"/>
+              <a:t>1</a:t>
+            </a:r>
+            <a:r>
+              <a:rPr lang="zh-CN" altLang="en-US" smtClean="0"/>
+              <a:t>月</a:t>
+            </a:r>
+            <a:r>
+              <a:rPr lang="en-US" altLang="zh-CN" smtClean="0"/>
+              <a:t>5</a:t>
+            </a:r>
+            <a:r>
+              <a:rPr lang="zh-CN" altLang="en-US" smtClean="0"/>
+              <a:t>日</a:t>
+            </a:r>
+            <a:endParaRPr lang="en-US" dirty="0"/>
+          </a:p>
+        </p:txBody>
+      </p:sp>
+      <p:sp>
+        <p:nvSpPr>
+          <p:cNvPr id="6" name="灯片编号占位符 5"/>
+          <p:cNvSpPr>
+            <a:spLocks noGrp="1"/>
+          </p:cNvSpPr>
+          <p:nvPr>
+            <p:ph type="sldNum" sz="quarter" idx="12"/>
+          </p:nvPr>
+        </p:nvSpPr>
+        <p:spPr/>
+        <p:txBody>
+          <a:bodyPr/>
+          <a:lstStyle/>
+          <a:p>
+            <a:fld id="{519954A3-9DFD-4C44-94BA-B95130A3BA1C}" type="slidenum">
+              <a:rPr lang="en-US" smtClean="0"/>
+              <a:t>12</a:t>
+            </a:fld>
+            <a:endParaRPr lang="en-US" dirty="0"/>
+          </a:p>
+        </p:txBody>
+      </p:sp>
+      <p:sp>
+        <p:nvSpPr>
+          <p:cNvPr id="8" name="页脚占位符 4"/>
+          <p:cNvSpPr>
+            <a:spLocks noGrp="1"/>
+          </p:cNvSpPr>
+          <p:nvPr>
+            <p:ph type="ftr" sz="quarter" idx="11"/>
+          </p:nvPr>
+        </p:nvSpPr>
+        <p:spPr>
+          <a:xfrm>
+            <a:off x="677334" y="6041362"/>
+            <a:ext cx="6297612" cy="365125"/>
+          </a:xfrm>
+        </p:spPr>
+        <p:txBody>
+          <a:bodyPr/>
+          <a:lstStyle/>
+          <a:p>
+            <a:pPr lvl="0"/>
+            <a:r>
+              <a:rPr lang="zh-CN" altLang="en-US" sz="1200" dirty="0">
+                <a:solidFill>
+                  <a:prstClr val="black">
+                    <a:tint val="75000"/>
+                  </a:prstClr>
+                </a:solidFill>
+              </a:rPr>
+              <a:t>汪志成 </a:t>
+            </a:r>
+            <a:r>
+              <a:rPr lang="en-US" altLang="zh-CN" sz="1200" dirty="0">
+                <a:solidFill>
+                  <a:prstClr val="black">
+                    <a:tint val="75000"/>
+                  </a:prstClr>
+                </a:solidFill>
+              </a:rPr>
+              <a:t>(</a:t>
+            </a:r>
+            <a:r>
+              <a:rPr lang="en-US" altLang="zh-CN" sz="1200" dirty="0">
+                <a:solidFill>
+                  <a:prstClr val="black">
+                    <a:tint val="75000"/>
+                  </a:prstClr>
+                </a:solidFill>
+                <a:hlinkClick r:id="rId2"/>
+              </a:rPr>
+              <a:t>wangzhicheng@admaster.com.cn</a:t>
+            </a:r>
+            <a:r>
+              <a:rPr lang="en-US" altLang="zh-CN" sz="1200" dirty="0">
+                <a:solidFill>
+                  <a:prstClr val="black">
+                    <a:tint val="75000"/>
+                  </a:prstClr>
+                </a:solidFill>
+              </a:rPr>
+              <a:t>) </a:t>
+            </a:r>
+            <a:r>
+              <a:rPr lang="zh-CN" altLang="en-US" sz="1200" dirty="0">
+                <a:solidFill>
+                  <a:prstClr val="black">
+                    <a:tint val="75000"/>
+                  </a:prstClr>
+                </a:solidFill>
+              </a:rPr>
+              <a:t>        本文档遵循 </a:t>
+            </a:r>
+            <a:r>
+              <a:rPr lang="en-US" altLang="zh-CN" sz="1200" dirty="0" smtClean="0">
+                <a:solidFill>
+                  <a:prstClr val="black">
+                    <a:tint val="75000"/>
+                  </a:prstClr>
+                </a:solidFill>
+              </a:rPr>
+              <a:t>CC</a:t>
+            </a:r>
+            <a:r>
+              <a:rPr lang="zh-CN" altLang="en-US" sz="1200" dirty="0" smtClean="0">
+                <a:solidFill>
+                  <a:prstClr val="black">
+                    <a:tint val="75000"/>
+                  </a:prstClr>
+                </a:solidFill>
+              </a:rPr>
+              <a:t>协议</a:t>
+            </a:r>
+            <a:r>
+              <a:rPr lang="zh-CN" altLang="en-US" sz="1200" dirty="0">
+                <a:solidFill>
+                  <a:prstClr val="black">
+                    <a:tint val="75000"/>
+                  </a:prstClr>
+                </a:solidFill>
+              </a:rPr>
+              <a:t>（署名</a:t>
+            </a:r>
+            <a:r>
+              <a:rPr lang="en-US" altLang="zh-CN" sz="1200" dirty="0">
+                <a:solidFill>
+                  <a:prstClr val="black">
+                    <a:tint val="75000"/>
+                  </a:prstClr>
+                </a:solidFill>
+              </a:rPr>
+              <a:t>-</a:t>
+            </a:r>
+            <a:r>
+              <a:rPr lang="zh-CN" altLang="en-US" sz="1200" dirty="0">
+                <a:solidFill>
+                  <a:prstClr val="black">
+                    <a:tint val="75000"/>
+                  </a:prstClr>
+                </a:solidFill>
+              </a:rPr>
+              <a:t>非商业</a:t>
+            </a:r>
+            <a:r>
+              <a:rPr lang="en-US" altLang="zh-CN" sz="1200" dirty="0">
+                <a:solidFill>
+                  <a:prstClr val="black">
+                    <a:tint val="75000"/>
+                  </a:prstClr>
+                </a:solidFill>
+              </a:rPr>
+              <a:t>-</a:t>
+            </a:r>
+            <a:r>
+              <a:rPr lang="zh-CN" altLang="en-US" sz="1200" dirty="0">
+                <a:solidFill>
+                  <a:prstClr val="black">
+                    <a:tint val="75000"/>
+                  </a:prstClr>
+                </a:solidFill>
+              </a:rPr>
+              <a:t>共享</a:t>
+            </a:r>
+            <a:r>
+              <a:rPr lang="zh-CN" altLang="en-US" sz="1200" dirty="0" smtClean="0">
+                <a:solidFill>
+                  <a:prstClr val="black">
+                    <a:tint val="75000"/>
+                  </a:prstClr>
+                </a:solidFill>
+              </a:rPr>
+              <a:t>）</a:t>
+            </a:r>
+            <a:endParaRPr lang="en-US" dirty="0"/>
+          </a:p>
+        </p:txBody>
+      </p:sp>
+      <p:sp>
+        <p:nvSpPr>
+          <p:cNvPr id="9" name="文本框 8"/>
+          <p:cNvSpPr txBox="1"/>
+          <p:nvPr/>
+        </p:nvSpPr>
+        <p:spPr>
+          <a:xfrm>
+            <a:off x="677334" y="5052291"/>
+            <a:ext cx="8596668" cy="923330"/>
+          </a:xfrm>
+          <a:prstGeom prst="rect">
+            <a:avLst/>
+          </a:prstGeom>
+          <a:noFill/>
+        </p:spPr>
+        <p:txBody>
+          <a:bodyPr wrap="square" rtlCol="0">
+            <a:spAutoFit/>
+          </a:bodyPr>
+          <a:lstStyle/>
+          <a:p>
+            <a:r>
+              <a:rPr lang="zh-CN" altLang="en-US" dirty="0" smtClean="0"/>
+              <a:t>风险清单要尽可能全面和详细，这里只是目录的一小部分</a:t>
+            </a:r>
+            <a:endParaRPr lang="en-US" altLang="zh-CN" dirty="0" smtClean="0"/>
+          </a:p>
+          <a:p>
+            <a:r>
+              <a:rPr lang="zh-CN" altLang="en-US" dirty="0" smtClean="0"/>
+              <a:t>要把来自人、资源、技术、管理等方面的风险都考虑进来</a:t>
+            </a:r>
+            <a:endParaRPr lang="en-US" altLang="zh-CN" dirty="0" smtClean="0"/>
+          </a:p>
+          <a:p>
+            <a:r>
+              <a:rPr lang="zh-CN" altLang="en-US" dirty="0" smtClean="0"/>
+              <a:t>尽早制定预案，预留资源，取得相关人员的承诺和部署</a:t>
+            </a:r>
+            <a:endParaRPr lang="zh-CN" altLang="en-US" dirty="0"/>
+          </a:p>
+        </p:txBody>
+      </p:sp>
+    </p:spTree>
+    <p:extLst>
+      <p:ext uri="{BB962C8B-B14F-4D97-AF65-F5344CB8AC3E}">
+        <p14:creationId xmlns:p14="http://schemas.microsoft.com/office/powerpoint/2010/main" val="81297664"/>
+      </p:ext>
+    </p:extLst>
+  </p:cSld>
+  <p:clrMapOvr>
+    <a:masterClrMapping/>
+  </p:clrMapOvr>
+</p:sld>
+</file>
+
 <file path=ppt/slides/slide13.xml><?xml version="1.0" encoding="utf-8"?>
+<p:sld xmlns:a="http://schemas.openxmlformats.org/drawingml/2006/main" xmlns:r="http://schemas.openxmlformats.org/officeDocument/2006/relationships" xmlns:p="http://schemas.openxmlformats.org/presentationml/2006/main">
+  <p:cSld>
+    <p:spTree>
+      <p:nvGrpSpPr>
+        <p:cNvPr id="1" name=""/>
+        <p:cNvGrpSpPr/>
+        <p:nvPr/>
+      </p:nvGrpSpPr>
+      <p:grpSpPr>
+        <a:xfrm>
+          <a:off x="0" y="0"/>
+          <a:ext cx="0" cy="0"/>
+          <a:chOff x="0" y="0"/>
+          <a:chExt cx="0" cy="0"/>
+        </a:xfrm>
+      </p:grpSpPr>
+      <p:sp>
+        <p:nvSpPr>
+          <p:cNvPr id="2" name="标题 1"/>
+          <p:cNvSpPr>
+            <a:spLocks noGrp="1"/>
+          </p:cNvSpPr>
+          <p:nvPr>
+            <p:ph type="title"/>
+          </p:nvPr>
+        </p:nvSpPr>
+        <p:spPr/>
+        <p:txBody>
+          <a:bodyPr/>
+          <a:lstStyle/>
+          <a:p>
+            <a:r>
+              <a:rPr lang="zh-CN" altLang="en-US" dirty="0" smtClean="0"/>
+              <a:t>工件 </a:t>
+            </a:r>
+            <a:r>
+              <a:rPr lang="en-US" altLang="zh-CN" dirty="0" smtClean="0"/>
+              <a:t>– </a:t>
+            </a:r>
+            <a:r>
+              <a:rPr lang="zh-CN" altLang="en-US" dirty="0" smtClean="0"/>
+              <a:t>项目计划</a:t>
+            </a:r>
+            <a:endParaRPr lang="zh-CN" altLang="en-US" dirty="0"/>
+          </a:p>
+        </p:txBody>
+      </p:sp>
+      <p:sp>
+        <p:nvSpPr>
+          <p:cNvPr id="6" name="日期占位符 5"/>
+          <p:cNvSpPr>
+            <a:spLocks noGrp="1"/>
+          </p:cNvSpPr>
+          <p:nvPr>
+            <p:ph type="dt" sz="half" idx="10"/>
+          </p:nvPr>
+        </p:nvSpPr>
+        <p:spPr/>
+        <p:txBody>
+          <a:bodyPr/>
+          <a:lstStyle/>
+          <a:p>
+            <a:r>
+              <a:rPr lang="en-US" altLang="zh-CN" smtClean="0"/>
+              <a:t>2014</a:t>
+            </a:r>
+            <a:r>
+              <a:rPr lang="zh-CN" altLang="en-US" smtClean="0"/>
+              <a:t>年</a:t>
+            </a:r>
+            <a:r>
+              <a:rPr lang="en-US" altLang="zh-CN" smtClean="0"/>
+              <a:t>1</a:t>
+            </a:r>
+            <a:r>
+              <a:rPr lang="zh-CN" altLang="en-US" smtClean="0"/>
+              <a:t>月</a:t>
+            </a:r>
+            <a:r>
+              <a:rPr lang="en-US" altLang="zh-CN" smtClean="0"/>
+              <a:t>5</a:t>
+            </a:r>
+            <a:r>
+              <a:rPr lang="zh-CN" altLang="en-US" smtClean="0"/>
+              <a:t>日</a:t>
+            </a:r>
+            <a:endParaRPr lang="en-US" dirty="0"/>
+          </a:p>
+        </p:txBody>
+      </p:sp>
+      <p:sp>
+        <p:nvSpPr>
+          <p:cNvPr id="8" name="灯片编号占位符 7"/>
+          <p:cNvSpPr>
+            <a:spLocks noGrp="1"/>
+          </p:cNvSpPr>
+          <p:nvPr>
+            <p:ph type="sldNum" sz="quarter" idx="12"/>
+          </p:nvPr>
+        </p:nvSpPr>
+        <p:spPr/>
+        <p:txBody>
+          <a:bodyPr/>
+          <a:lstStyle/>
+          <a:p>
+            <a:fld id="{519954A3-9DFD-4C44-94BA-B95130A3BA1C}" type="slidenum">
+              <a:rPr lang="en-US" smtClean="0"/>
+              <a:t>13</a:t>
+            </a:fld>
+            <a:endParaRPr lang="en-US" dirty="0"/>
+          </a:p>
+        </p:txBody>
+      </p:sp>
+      <p:sp>
+        <p:nvSpPr>
+          <p:cNvPr id="10" name="页脚占位符 4"/>
+          <p:cNvSpPr txBox="1">
+            <a:spLocks/>
+          </p:cNvSpPr>
+          <p:nvPr/>
+        </p:nvSpPr>
+        <p:spPr>
+          <a:xfrm>
+            <a:off x="829734" y="6193762"/>
+            <a:ext cx="6297612" cy="365125"/>
+          </a:xfrm>
+          <a:prstGeom prst="rect">
+            <a:avLst/>
+          </a:prstGeom>
+        </p:spPr>
+        <p:txBody>
+          <a:bodyPr vert="horz" lIns="91440" tIns="45720" rIns="91440" bIns="45720" rtlCol="0" anchor="ctr"/>
+          <a:lstStyle>
+            <a:defPPr>
+              <a:defRPr lang="en-US"/>
+            </a:defPPr>
+            <a:lvl1pPr marL="0" algn="l" defTabSz="457200" rtl="0" eaLnBrk="1" latinLnBrk="0" hangingPunct="1">
+              <a:defRPr sz="900" kern="1200">
+                <a:solidFill>
+                  <a:schemeClr val="tx1">
+                    <a:tint val="75000"/>
+                  </a:schemeClr>
+                </a:solidFill>
+                <a:latin typeface="+mn-lt"/>
+                <a:ea typeface="+mn-ea"/>
+                <a:cs typeface="+mn-cs"/>
+              </a:defRPr>
+            </a:lvl1pPr>
+            <a:lvl2pPr marL="457200" algn="l" defTabSz="457200" rtl="0" eaLnBrk="1" latinLnBrk="0" hangingPunct="1">
+              <a:defRPr sz="1800" kern="1200">
+                <a:solidFill>
+                  <a:schemeClr val="tx1"/>
+                </a:solidFill>
+                <a:latin typeface="+mn-lt"/>
+                <a:ea typeface="+mn-ea"/>
+                <a:cs typeface="+mn-cs"/>
+              </a:defRPr>
+            </a:lvl2pPr>
+            <a:lvl3pPr marL="914400" algn="l" defTabSz="457200" rtl="0" eaLnBrk="1" latinLnBrk="0" hangingPunct="1">
+              <a:defRPr sz="1800" kern="1200">
+                <a:solidFill>
+                  <a:schemeClr val="tx1"/>
+                </a:solidFill>
+                <a:latin typeface="+mn-lt"/>
+                <a:ea typeface="+mn-ea"/>
+                <a:cs typeface="+mn-cs"/>
+              </a:defRPr>
+            </a:lvl3pPr>
+            <a:lvl4pPr marL="1371600" algn="l" defTabSz="457200" rtl="0" eaLnBrk="1" latinLnBrk="0" hangingPunct="1">
+              <a:defRPr sz="1800" kern="1200">
+                <a:solidFill>
+                  <a:schemeClr val="tx1"/>
+                </a:solidFill>
+                <a:latin typeface="+mn-lt"/>
+                <a:ea typeface="+mn-ea"/>
+                <a:cs typeface="+mn-cs"/>
+              </a:defRPr>
+            </a:lvl4pPr>
+            <a:lvl5pPr marL="1828800" algn="l" defTabSz="457200" rtl="0" eaLnBrk="1" latinLnBrk="0" hangingPunct="1">
+              <a:defRPr sz="1800" kern="1200">
+                <a:solidFill>
+                  <a:schemeClr val="tx1"/>
+                </a:solidFill>
+                <a:latin typeface="+mn-lt"/>
+                <a:ea typeface="+mn-ea"/>
+                <a:cs typeface="+mn-cs"/>
+              </a:defRPr>
+            </a:lvl5pPr>
+            <a:lvl6pPr marL="2286000" algn="l" defTabSz="457200" rtl="0" eaLnBrk="1" latinLnBrk="0" hangingPunct="1">
+              <a:defRPr sz="1800" kern="1200">
+                <a:solidFill>
+                  <a:schemeClr val="tx1"/>
+                </a:solidFill>
+                <a:latin typeface="+mn-lt"/>
+                <a:ea typeface="+mn-ea"/>
+                <a:cs typeface="+mn-cs"/>
+              </a:defRPr>
+            </a:lvl6pPr>
+            <a:lvl7pPr marL="2743200" algn="l" defTabSz="457200" rtl="0" eaLnBrk="1" latinLnBrk="0" hangingPunct="1">
+              <a:defRPr sz="1800" kern="1200">
+                <a:solidFill>
+                  <a:schemeClr val="tx1"/>
+                </a:solidFill>
+                <a:latin typeface="+mn-lt"/>
+                <a:ea typeface="+mn-ea"/>
+                <a:cs typeface="+mn-cs"/>
+              </a:defRPr>
+            </a:lvl7pPr>
+            <a:lvl8pPr marL="3200400" algn="l" defTabSz="457200" rtl="0" eaLnBrk="1" latinLnBrk="0" hangingPunct="1">
+              <a:defRPr sz="1800" kern="1200">
+                <a:solidFill>
+                  <a:schemeClr val="tx1"/>
+                </a:solidFill>
+                <a:latin typeface="+mn-lt"/>
+                <a:ea typeface="+mn-ea"/>
+                <a:cs typeface="+mn-cs"/>
+              </a:defRPr>
+            </a:lvl8pPr>
+            <a:lvl9pPr marL="3657600" algn="l" defTabSz="457200" rtl="0" eaLnBrk="1" latinLnBrk="0" hangingPunct="1">
+              <a:defRPr sz="1800" kern="1200">
+                <a:solidFill>
+                  <a:schemeClr val="tx1"/>
+                </a:solidFill>
+                <a:latin typeface="+mn-lt"/>
+                <a:ea typeface="+mn-ea"/>
+                <a:cs typeface="+mn-cs"/>
+              </a:defRPr>
+            </a:lvl9pPr>
+          </a:lstStyle>
+          <a:p>
+            <a:r>
+              <a:rPr lang="zh-CN" altLang="en-US" sz="1200" dirty="0" smtClean="0">
+                <a:solidFill>
+                  <a:prstClr val="black">
+                    <a:tint val="75000"/>
+                  </a:prstClr>
+                </a:solidFill>
+              </a:rPr>
+              <a:t>汪志成 </a:t>
+            </a:r>
+            <a:r>
+              <a:rPr lang="en-US" altLang="zh-CN" sz="1200" dirty="0" smtClean="0">
+                <a:solidFill>
+                  <a:prstClr val="black">
+                    <a:tint val="75000"/>
+                  </a:prstClr>
+                </a:solidFill>
+              </a:rPr>
+              <a:t>(</a:t>
+            </a:r>
+            <a:r>
+              <a:rPr lang="en-US" altLang="zh-CN" sz="1200" dirty="0" smtClean="0">
+                <a:solidFill>
+                  <a:prstClr val="black">
+                    <a:tint val="75000"/>
+                  </a:prstClr>
+                </a:solidFill>
+                <a:hlinkClick r:id="rId2"/>
+              </a:rPr>
+              <a:t>wangzhicheng@admaster.com.cn</a:t>
+            </a:r>
+            <a:r>
+              <a:rPr lang="en-US" altLang="zh-CN" sz="1200" dirty="0" smtClean="0">
+                <a:solidFill>
+                  <a:prstClr val="black">
+                    <a:tint val="75000"/>
+                  </a:prstClr>
+                </a:solidFill>
+              </a:rPr>
+              <a:t>) </a:t>
+            </a:r>
+            <a:r>
+              <a:rPr lang="zh-CN" altLang="en-US" sz="1200" dirty="0" smtClean="0">
+                <a:solidFill>
+                  <a:prstClr val="black">
+                    <a:tint val="75000"/>
+                  </a:prstClr>
+                </a:solidFill>
+              </a:rPr>
+              <a:t>        本文档遵循 </a:t>
+            </a:r>
+            <a:r>
+              <a:rPr lang="en-US" altLang="zh-CN" sz="1200" dirty="0" smtClean="0">
+                <a:solidFill>
+                  <a:prstClr val="black">
+                    <a:tint val="75000"/>
+                  </a:prstClr>
+                </a:solidFill>
+              </a:rPr>
+              <a:t>CC</a:t>
+            </a:r>
+            <a:r>
+              <a:rPr lang="zh-CN" altLang="en-US" sz="1200" dirty="0" smtClean="0">
+                <a:solidFill>
+                  <a:prstClr val="black">
+                    <a:tint val="75000"/>
+                  </a:prstClr>
+                </a:solidFill>
+              </a:rPr>
+              <a:t>协议</a:t>
+            </a:r>
+            <a:r>
+              <a:rPr lang="zh-CN" altLang="en-US" sz="1200" dirty="0" smtClean="0">
+                <a:solidFill>
+                  <a:prstClr val="black">
+                    <a:tint val="75000"/>
+                  </a:prstClr>
+                </a:solidFill>
+              </a:rPr>
+              <a:t>（署名</a:t>
+            </a:r>
+            <a:r>
+              <a:rPr lang="en-US" altLang="zh-CN" sz="1200" dirty="0" smtClean="0">
+                <a:solidFill>
+                  <a:prstClr val="black">
+                    <a:tint val="75000"/>
+                  </a:prstClr>
+                </a:solidFill>
+              </a:rPr>
+              <a:t>-</a:t>
+            </a:r>
+            <a:r>
+              <a:rPr lang="zh-CN" altLang="en-US" sz="1200" dirty="0" smtClean="0">
+                <a:solidFill>
+                  <a:prstClr val="black">
+                    <a:tint val="75000"/>
+                  </a:prstClr>
+                </a:solidFill>
+              </a:rPr>
+              <a:t>非商业</a:t>
+            </a:r>
+            <a:r>
+              <a:rPr lang="en-US" altLang="zh-CN" sz="1200" dirty="0" smtClean="0">
+                <a:solidFill>
+                  <a:prstClr val="black">
+                    <a:tint val="75000"/>
+                  </a:prstClr>
+                </a:solidFill>
+              </a:rPr>
+              <a:t>-</a:t>
+            </a:r>
+            <a:r>
+              <a:rPr lang="zh-CN" altLang="en-US" sz="1200" dirty="0" smtClean="0">
+                <a:solidFill>
+                  <a:prstClr val="black">
+                    <a:tint val="75000"/>
+                  </a:prstClr>
+                </a:solidFill>
+              </a:rPr>
+              <a:t>共享）</a:t>
+            </a:r>
+            <a:endParaRPr lang="en-US" dirty="0"/>
+          </a:p>
+        </p:txBody>
+      </p:sp>
+      <p:pic>
+        <p:nvPicPr>
+          <p:cNvPr id="14" name="图片 13"/>
+          <p:cNvPicPr>
+            <a:picLocks noChangeAspect="1"/>
+          </p:cNvPicPr>
+          <p:nvPr/>
+        </p:nvPicPr>
+        <p:blipFill>
+          <a:blip r:embed="rId3"/>
+          <a:stretch>
+            <a:fillRect/>
+          </a:stretch>
+        </p:blipFill>
+        <p:spPr>
+          <a:xfrm>
+            <a:off x="829734" y="1810327"/>
+            <a:ext cx="6153150" cy="3276600"/>
+          </a:xfrm>
+          <a:prstGeom prst="rect">
+            <a:avLst/>
+          </a:prstGeom>
+        </p:spPr>
+      </p:pic>
+      <p:sp>
+        <p:nvSpPr>
+          <p:cNvPr id="15" name="文本框 14"/>
+          <p:cNvSpPr txBox="1"/>
+          <p:nvPr/>
+        </p:nvSpPr>
+        <p:spPr>
+          <a:xfrm>
+            <a:off x="829734" y="5178679"/>
+            <a:ext cx="8444268" cy="923330"/>
+          </a:xfrm>
+          <a:prstGeom prst="rect">
+            <a:avLst/>
+          </a:prstGeom>
+          <a:noFill/>
+        </p:spPr>
+        <p:txBody>
+          <a:bodyPr wrap="square" rtlCol="0">
+            <a:spAutoFit/>
+          </a:bodyPr>
+          <a:lstStyle/>
+          <a:p>
+            <a:r>
+              <a:rPr lang="en-US" altLang="zh-CN" dirty="0" smtClean="0">
+                <a:solidFill>
+                  <a:schemeClr val="accent3">
+                    <a:lumMod val="75000"/>
+                  </a:schemeClr>
+                </a:solidFill>
+              </a:rPr>
+              <a:t>Fake</a:t>
+            </a:r>
+            <a:r>
+              <a:rPr lang="zh-CN" altLang="en-US" dirty="0" smtClean="0">
+                <a:solidFill>
+                  <a:schemeClr val="accent3">
+                    <a:lumMod val="75000"/>
+                  </a:schemeClr>
+                </a:solidFill>
+              </a:rPr>
+              <a:t>模块</a:t>
+            </a:r>
+            <a:r>
+              <a:rPr lang="zh-CN" altLang="en-US" dirty="0" smtClean="0"/>
+              <a:t>是指具有指定</a:t>
+            </a:r>
+            <a:r>
+              <a:rPr lang="en-US" altLang="zh-CN" dirty="0" smtClean="0"/>
+              <a:t>API</a:t>
+            </a:r>
+            <a:r>
+              <a:rPr lang="zh-CN" altLang="en-US" dirty="0" smtClean="0"/>
+              <a:t>接口的伪实现。</a:t>
+            </a:r>
+            <a:endParaRPr lang="en-US" altLang="zh-CN" dirty="0" smtClean="0"/>
+          </a:p>
+          <a:p>
+            <a:r>
+              <a:rPr lang="zh-CN" altLang="en-US" dirty="0" smtClean="0"/>
+              <a:t>它不关心背后的处理逻辑，只负责接受预先定义的参数，并给出预先定义好的结果。定义良好的</a:t>
+            </a:r>
+            <a:r>
+              <a:rPr lang="en-US" altLang="zh-CN" dirty="0" smtClean="0"/>
+              <a:t>API</a:t>
+            </a:r>
+            <a:r>
+              <a:rPr lang="zh-CN" altLang="en-US" dirty="0" smtClean="0"/>
+              <a:t>及其</a:t>
+            </a:r>
+            <a:r>
+              <a:rPr lang="en-US" altLang="zh-CN" dirty="0" smtClean="0"/>
+              <a:t>Fake</a:t>
+            </a:r>
+            <a:r>
+              <a:rPr lang="zh-CN" altLang="en-US" dirty="0" smtClean="0"/>
+              <a:t>模块可以有效提高开发的并行程度，缩短工期</a:t>
+            </a:r>
+            <a:endParaRPr lang="zh-CN" altLang="en-US" dirty="0"/>
+          </a:p>
+        </p:txBody>
+      </p:sp>
+    </p:spTree>
+    <p:extLst>
+      <p:ext uri="{BB962C8B-B14F-4D97-AF65-F5344CB8AC3E}">
+        <p14:creationId xmlns:p14="http://schemas.microsoft.com/office/powerpoint/2010/main" val="1106270986"/>
+      </p:ext>
+    </p:extLst>
+  </p:cSld>
+  <p:clrMapOvr>
+    <a:masterClrMapping/>
+  </p:clrMapOvr>
+  <p:timing>
+    <p:tnLst>
+      <p:par>
+        <p:cTn id="1" dur="indefinite" restart="never" nodeType="tmRoot"/>
+      </p:par>
+    </p:tnLst>
+  </p:timing>
+</p:sld>
+</file>
+
+<file path=ppt/slides/slide14.xml><?xml version="1.0" encoding="utf-8"?>
 <p:sld xmlns:a="http://schemas.openxmlformats.org/drawingml/2006/main" xmlns:r="http://schemas.openxmlformats.org/officeDocument/2006/relationships" xmlns:p="http://schemas.openxmlformats.org/presentationml/2006/main">
   <p:cSld>
     <p:spTree>
@@ -44538,7 +45872,11 @@
             </a:pPr>
             <a:r>
               <a:rPr lang="zh-CN" altLang="en-US" dirty="0" smtClean="0"/>
-              <a:t>这种图是最浅显的部分，实际上还包括一系列组件图和部署图</a:t>
+              <a:t>这张图</a:t>
+            </a:r>
+            <a:r>
+              <a:rPr lang="zh-CN" altLang="en-US" dirty="0" smtClean="0"/>
+              <a:t>是最浅显的部分，实际上还包括一系列组件图和部署图</a:t>
             </a:r>
             <a:endParaRPr lang="zh-CN" altLang="en-US" dirty="0"/>
           </a:p>
@@ -44604,7 +45942,7 @@
           <a:p>
             <a:fld id="{519954A3-9DFD-4C44-94BA-B95130A3BA1C}" type="slidenum">
               <a:rPr lang="en-US" smtClean="0"/>
-              <a:t>13</a:t>
+              <a:t>14</a:t>
             </a:fld>
             <a:endParaRPr lang="en-US" dirty="0"/>
           </a:p>
@@ -44683,14 +46021,24 @@
               <a:t>        本文档遵循 </a:t>
             </a:r>
             <a:r>
-              <a:rPr lang="en-US" altLang="zh-CN" sz="1200" dirty="0">
+              <a:rPr lang="en-US" altLang="zh-CN" sz="1200" dirty="0" smtClean="0">
                 <a:solidFill>
                   <a:prstClr val="black">
                     <a:tint val="75000"/>
                   </a:prstClr>
                 </a:solidFill>
               </a:rPr>
-              <a:t>CCL</a:t>
+              <a:t>CC</a:t>
+            </a:r>
+            <a:r>
+              <a:rPr lang="zh-CN" altLang="en-US" sz="1200" dirty="0" smtClean="0">
+                <a:solidFill>
+                  <a:prstClr val="black">
+                    <a:tint val="75000"/>
+                  </a:prstClr>
+                </a:solidFill>
+              </a:rPr>
+              <a:t>协议</a:t>
             </a:r>
             <a:r>
               <a:rPr lang="zh-CN" altLang="en-US" sz="1200" dirty="0">
@@ -44700,7 +46048,7 @@
                   </a:prstClr>
                 </a:solidFill>
               </a:rPr>
-              <a:t>协议（署名</a:t>
+              <a:t>（署名</a:t>
             </a:r>
             <a:r>
               <a:rPr lang="en-US" altLang="zh-CN" sz="1200" dirty="0">
@@ -44776,7 +46124,7 @@
 </p:sld>
 </file>
 
-<file path=ppt/slides/slide14.xml><?xml version="1.0" encoding="utf-8"?>
+<file path=ppt/slides/slide15.xml><?xml version="1.0" encoding="utf-8"?>
 <p:sld xmlns:a="http://schemas.openxmlformats.org/drawingml/2006/main" xmlns:r="http://schemas.openxmlformats.org/officeDocument/2006/relationships" xmlns:p="http://schemas.openxmlformats.org/presentationml/2006/main">
   <p:cSld>
     <p:spTree>
@@ -45223,7 +46571,7 @@
           <a:p>
             <a:fld id="{519954A3-9DFD-4C44-94BA-B95130A3BA1C}" type="slidenum">
               <a:rPr lang="en-US" smtClean="0"/>
-              <a:t>14</a:t>
+              <a:t>15</a:t>
             </a:fld>
             <a:endParaRPr lang="en-US" dirty="0"/>
           </a:p>
@@ -45302,14 +46650,24 @@
               <a:t>        本文档遵循 </a:t>
             </a:r>
             <a:r>
-              <a:rPr lang="en-US" altLang="zh-CN" sz="1200" dirty="0">
+              <a:rPr lang="en-US" altLang="zh-CN" sz="1200" dirty="0" smtClean="0">
                 <a:solidFill>
                   <a:prstClr val="black">
                     <a:tint val="75000"/>
                   </a:prstClr>
                 </a:solidFill>
               </a:rPr>
-              <a:t>CCL</a:t>
+              <a:t>CC</a:t>
+            </a:r>
+            <a:r>
+              <a:rPr lang="zh-CN" altLang="en-US" sz="1200" dirty="0" smtClean="0">
+                <a:solidFill>
+                  <a:prstClr val="black">
+                    <a:tint val="75000"/>
+                  </a:prstClr>
+                </a:solidFill>
+              </a:rPr>
+              <a:t>协议</a:t>
             </a:r>
             <a:r>
               <a:rPr lang="zh-CN" altLang="en-US" sz="1200" dirty="0">
@@ -45319,7 +46677,7 @@
                   </a:prstClr>
                 </a:solidFill>
               </a:rPr>
-              <a:t>协议（署名</a:t>
+              <a:t>（署名</a:t>
             </a:r>
             <a:r>
               <a:rPr lang="en-US" altLang="zh-CN" sz="1200" dirty="0">
@@ -45379,310 +46737,6 @@
     <p:extLst>
       <p:ext uri="{BB962C8B-B14F-4D97-AF65-F5344CB8AC3E}">
         <p14:creationId xmlns:p14="http://schemas.microsoft.com/office/powerpoint/2010/main" val="1779575309"/>
-      </p:ext>
-    </p:extLst>
-  </p:cSld>
-  <p:clrMapOvr>
-    <a:masterClrMapping/>
-  </p:clrMapOvr>
-  <p:timing>
-    <p:tnLst>
-      <p:par>
-        <p:cTn id="1" dur="indefinite" restart="never" nodeType="tmRoot"/>
-      </p:par>
-    </p:tnLst>
-  </p:timing>
-</p:sld>
-</file>
-
-<file path=ppt/slides/slide15.xml><?xml version="1.0" encoding="utf-8"?>
-<p:sld xmlns:a="http://schemas.openxmlformats.org/drawingml/2006/main" xmlns:r="http://schemas.openxmlformats.org/officeDocument/2006/relationships" xmlns:p="http://schemas.openxmlformats.org/presentationml/2006/main">
-  <p:cSld>
-    <p:spTree>
-      <p:nvGrpSpPr>
-        <p:cNvPr id="1" name=""/>
-        <p:cNvGrpSpPr/>
-        <p:nvPr/>
-      </p:nvGrpSpPr>
-      <p:grpSpPr>
-        <a:xfrm>
-          <a:off x="0" y="0"/>
-          <a:ext cx="0" cy="0"/>
-          <a:chOff x="0" y="0"/>
-          <a:chExt cx="0" cy="0"/>
-        </a:xfrm>
-      </p:grpSpPr>
-      <p:sp>
-        <p:nvSpPr>
-          <p:cNvPr id="2" name="标题 1"/>
-          <p:cNvSpPr>
-            <a:spLocks noGrp="1"/>
-          </p:cNvSpPr>
-          <p:nvPr>
-            <p:ph type="title"/>
-          </p:nvPr>
-        </p:nvSpPr>
-        <p:spPr/>
-        <p:txBody>
-          <a:bodyPr/>
-          <a:lstStyle/>
-          <a:p>
-            <a:r>
-              <a:rPr lang="zh-CN" altLang="en-US" dirty="0" smtClean="0"/>
-              <a:t>工件 </a:t>
-            </a:r>
-            <a:r>
-              <a:rPr lang="en-US" altLang="zh-CN" dirty="0" smtClean="0"/>
-              <a:t>– </a:t>
-            </a:r>
-            <a:r>
-              <a:rPr lang="zh-CN" altLang="en-US" dirty="0" smtClean="0"/>
-              <a:t>用例图</a:t>
-            </a:r>
-            <a:endParaRPr lang="zh-CN" altLang="en-US" dirty="0"/>
-          </a:p>
-        </p:txBody>
-      </p:sp>
-      <p:pic>
-        <p:nvPicPr>
-          <p:cNvPr id="4" name="图片 3"/>
-          <p:cNvPicPr>
-            <a:picLocks noChangeAspect="1"/>
-          </p:cNvPicPr>
-          <p:nvPr/>
-        </p:nvPicPr>
-        <p:blipFill>
-          <a:blip r:embed="rId2"/>
-          <a:stretch>
-            <a:fillRect/>
-          </a:stretch>
-        </p:blipFill>
-        <p:spPr>
-          <a:xfrm>
-            <a:off x="677334" y="1930400"/>
-            <a:ext cx="8429625" cy="3429000"/>
-          </a:xfrm>
-          <a:prstGeom prst="rect">
-            <a:avLst/>
-          </a:prstGeom>
-        </p:spPr>
-      </p:pic>
-      <p:sp>
-        <p:nvSpPr>
-          <p:cNvPr id="5" name="日期占位符 4"/>
-          <p:cNvSpPr>
-            <a:spLocks noGrp="1"/>
-          </p:cNvSpPr>
-          <p:nvPr>
-            <p:ph type="dt" sz="half" idx="10"/>
-          </p:nvPr>
-        </p:nvSpPr>
-        <p:spPr/>
-        <p:txBody>
-          <a:bodyPr/>
-          <a:lstStyle/>
-          <a:p>
-            <a:r>
-              <a:rPr lang="en-US" altLang="zh-CN" smtClean="0"/>
-              <a:t>2014</a:t>
-            </a:r>
-            <a:r>
-              <a:rPr lang="zh-CN" altLang="en-US" smtClean="0"/>
-              <a:t>年</a:t>
-            </a:r>
-            <a:r>
-              <a:rPr lang="en-US" altLang="zh-CN" smtClean="0"/>
-              <a:t>1</a:t>
-            </a:r>
-            <a:r>
-              <a:rPr lang="zh-CN" altLang="en-US" smtClean="0"/>
-              <a:t>月</a:t>
-            </a:r>
-            <a:r>
-              <a:rPr lang="en-US" altLang="zh-CN" smtClean="0"/>
-              <a:t>5</a:t>
-            </a:r>
-            <a:r>
-              <a:rPr lang="zh-CN" altLang="en-US" smtClean="0"/>
-              <a:t>日</a:t>
-            </a:r>
-            <a:endParaRPr lang="en-US" dirty="0"/>
-          </a:p>
-        </p:txBody>
-      </p:sp>
-      <p:sp>
-        <p:nvSpPr>
-          <p:cNvPr id="7" name="灯片编号占位符 6"/>
-          <p:cNvSpPr>
-            <a:spLocks noGrp="1"/>
-          </p:cNvSpPr>
-          <p:nvPr>
-            <p:ph type="sldNum" sz="quarter" idx="12"/>
-          </p:nvPr>
-        </p:nvSpPr>
-        <p:spPr/>
-        <p:txBody>
-          <a:bodyPr/>
-          <a:lstStyle/>
-          <a:p>
-            <a:fld id="{519954A3-9DFD-4C44-94BA-B95130A3BA1C}" type="slidenum">
-              <a:rPr lang="en-US" smtClean="0"/>
-              <a:t>15</a:t>
-            </a:fld>
-            <a:endParaRPr lang="en-US" dirty="0"/>
-          </a:p>
-        </p:txBody>
-      </p:sp>
-      <p:sp>
-        <p:nvSpPr>
-          <p:cNvPr id="8" name="页脚占位符 4"/>
-          <p:cNvSpPr>
-            <a:spLocks noGrp="1"/>
-          </p:cNvSpPr>
-          <p:nvPr>
-            <p:ph type="ftr" sz="quarter" idx="11"/>
-          </p:nvPr>
-        </p:nvSpPr>
-        <p:spPr>
-          <a:xfrm>
-            <a:off x="677334" y="6041362"/>
-            <a:ext cx="6297612" cy="365125"/>
-          </a:xfrm>
-        </p:spPr>
-        <p:txBody>
-          <a:bodyPr/>
-          <a:lstStyle/>
-          <a:p>
-            <a:pPr lvl="0"/>
-            <a:r>
-              <a:rPr lang="zh-CN" altLang="en-US" sz="1200" dirty="0">
-                <a:solidFill>
-                  <a:prstClr val="black">
-                    <a:tint val="75000"/>
-                  </a:prstClr>
-                </a:solidFill>
-              </a:rPr>
-              <a:t>汪志成 </a:t>
-            </a:r>
-            <a:r>
-              <a:rPr lang="en-US" altLang="zh-CN" sz="1200" dirty="0">
-                <a:solidFill>
-                  <a:prstClr val="black">
-                    <a:tint val="75000"/>
-                  </a:prstClr>
-                </a:solidFill>
-              </a:rPr>
-              <a:t>(</a:t>
-            </a:r>
-            <a:r>
-              <a:rPr lang="en-US" altLang="zh-CN" sz="1200" dirty="0">
-                <a:solidFill>
-                  <a:prstClr val="black">
-                    <a:tint val="75000"/>
-                  </a:prstClr>
-                </a:solidFill>
-                <a:hlinkClick r:id="rId3"/>
-              </a:rPr>
-              <a:t>wangzhicheng@admaster.com.cn</a:t>
-            </a:r>
-            <a:r>
-              <a:rPr lang="en-US" altLang="zh-CN" sz="1200" dirty="0">
-                <a:solidFill>
-                  <a:prstClr val="black">
-                    <a:tint val="75000"/>
-                  </a:prstClr>
-                </a:solidFill>
-              </a:rPr>
-              <a:t>) </a:t>
-            </a:r>
-            <a:r>
-              <a:rPr lang="zh-CN" altLang="en-US" sz="1200" dirty="0">
-                <a:solidFill>
-                  <a:prstClr val="black">
-                    <a:tint val="75000"/>
-                  </a:prstClr>
-                </a:solidFill>
-              </a:rPr>
-              <a:t>        本文档遵循 </a:t>
-            </a:r>
-            <a:r>
-              <a:rPr lang="en-US" altLang="zh-CN" sz="1200" dirty="0">
-                <a:solidFill>
-                  <a:prstClr val="black">
-                    <a:tint val="75000"/>
-                  </a:prstClr>
-                </a:solidFill>
-              </a:rPr>
-              <a:t>CCL</a:t>
-            </a:r>
-            <a:r>
-              <a:rPr lang="zh-CN" altLang="en-US" sz="1200" dirty="0">
-                <a:solidFill>
-                  <a:prstClr val="black">
-                    <a:tint val="75000"/>
-                  </a:prstClr>
-                </a:solidFill>
-              </a:rPr>
-              <a:t>协议（署名</a:t>
-            </a:r>
-            <a:r>
-              <a:rPr lang="en-US" altLang="zh-CN" sz="1200" dirty="0">
-                <a:solidFill>
-                  <a:prstClr val="black">
-                    <a:tint val="75000"/>
-                  </a:prstClr>
-                </a:solidFill>
-              </a:rPr>
-              <a:t>-</a:t>
-            </a:r>
-            <a:r>
-              <a:rPr lang="zh-CN" altLang="en-US" sz="1200" dirty="0">
-                <a:solidFill>
-                  <a:prstClr val="black">
-                    <a:tint val="75000"/>
-                  </a:prstClr>
-                </a:solidFill>
-              </a:rPr>
-              <a:t>非商业</a:t>
-            </a:r>
-            <a:r>
-              <a:rPr lang="en-US" altLang="zh-CN" sz="1200" dirty="0">
-                <a:solidFill>
-                  <a:prstClr val="black">
-                    <a:tint val="75000"/>
-                  </a:prstClr>
-                </a:solidFill>
-              </a:rPr>
-              <a:t>-</a:t>
-            </a:r>
-            <a:r>
-              <a:rPr lang="zh-CN" altLang="en-US" sz="1200" dirty="0">
-                <a:solidFill>
-                  <a:prstClr val="black">
-                    <a:tint val="75000"/>
-                  </a:prstClr>
-                </a:solidFill>
-              </a:rPr>
-              <a:t>共享</a:t>
-            </a:r>
-            <a:r>
-              <a:rPr lang="zh-CN" altLang="en-US" sz="1200" dirty="0" smtClean="0">
-                <a:solidFill>
-                  <a:prstClr val="black">
-                    <a:tint val="75000"/>
-                  </a:prstClr>
-                </a:solidFill>
-              </a:rPr>
-              <a:t>）</a:t>
-            </a:r>
-            <a:endParaRPr lang="en-US" dirty="0"/>
-          </a:p>
-        </p:txBody>
-      </p:sp>
-    </p:spTree>
-    <p:extLst>
-      <p:ext uri="{BB962C8B-B14F-4D97-AF65-F5344CB8AC3E}">
-        <p14:creationId xmlns:p14="http://schemas.microsoft.com/office/powerpoint/2010/main" val="3157707147"/>
       </p:ext>
     </p:extLst>
   </p:cSld>
@@ -45741,7 +46795,7 @@
             </a:r>
             <a:r>
               <a:rPr lang="zh-CN" altLang="en-US" dirty="0" smtClean="0"/>
-              <a:t>活动图</a:t>
+              <a:t>用例图</a:t>
             </a:r>
             <a:endParaRPr lang="zh-CN" altLang="en-US" dirty="0"/>
           </a:p>
@@ -45763,8 +46817,8 @@
         </p:blipFill>
         <p:spPr>
           <a:xfrm>
-            <a:off x="2451062" y="1454583"/>
-            <a:ext cx="5049211" cy="4489029"/>
+            <a:off x="677334" y="1930400"/>
+            <a:ext cx="8429625" cy="3429000"/>
           </a:xfrm>
           <a:prstGeom prst="rect">
             <a:avLst/>
@@ -45910,6 +46964,36 @@
               <a:t>        本文档遵循 </a:t>
             </a:r>
             <a:r>
+              <a:rPr lang="en-US" altLang="zh-CN" sz="1200" dirty="0" smtClean="0">
+                <a:solidFill>
+                  <a:prstClr val="black">
+                    <a:tint val="75000"/>
+                  </a:prstClr>
+                </a:solidFill>
+              </a:rPr>
+              <a:t>CC</a:t>
+            </a:r>
+            <a:r>
+              <a:rPr lang="zh-CN" altLang="en-US" sz="1200" dirty="0" smtClean="0">
+                <a:solidFill>
+                  <a:prstClr val="black">
+                    <a:tint val="75000"/>
+                  </a:prstClr>
+                </a:solidFill>
+              </a:rPr>
+              <a:t>协议</a:t>
+            </a:r>
+            <a:r>
+              <a:rPr lang="zh-CN" altLang="en-US" sz="1200" dirty="0">
+                <a:solidFill>
+                  <a:prstClr val="black">
+                    <a:tint val="75000"/>
+                  </a:prstClr>
+                </a:solidFill>
+              </a:rPr>
+              <a:t>（署名</a:t>
+            </a:r>
+            <a:r>
               <a:rPr lang="en-US" altLang="zh-CN" sz="1200" dirty="0">
                 <a:solidFill>
                   <a:prstClr val="black">
@@ -45917,7 +47001,7 @@
                   </a:prstClr>
                 </a:solidFill>
               </a:rPr>
-              <a:t>CCL</a:t>
+              <a:t>-</a:t>
             </a:r>
             <a:r>
               <a:rPr lang="zh-CN" altLang="en-US" sz="1200" dirty="0">
@@ -45927,7 +47011,301 @@
                   </a:prstClr>
                 </a:solidFill>
               </a:rPr>
-              <a:t>协议（署名</a:t>
+              <a:t>非商业</a:t>
+            </a:r>
+            <a:r>
+              <a:rPr lang="en-US" altLang="zh-CN" sz="1200" dirty="0">
+                <a:solidFill>
+                  <a:prstClr val="black">
+                    <a:tint val="75000"/>
+                  </a:prstClr>
+                </a:solidFill>
+              </a:rPr>
+              <a:t>-</a:t>
+            </a:r>
+            <a:r>
+              <a:rPr lang="zh-CN" altLang="en-US" sz="1200" dirty="0">
+                <a:solidFill>
+                  <a:prstClr val="black">
+                    <a:tint val="75000"/>
+                  </a:prstClr>
+                </a:solidFill>
+              </a:rPr>
+              <a:t>共享</a:t>
+            </a:r>
+            <a:r>
+              <a:rPr lang="zh-CN" altLang="en-US" sz="1200" dirty="0" smtClean="0">
+                <a:solidFill>
+                  <a:prstClr val="black">
+                    <a:tint val="75000"/>
+                  </a:prstClr>
+                </a:solidFill>
+              </a:rPr>
+              <a:t>）</a:t>
+            </a:r>
+            <a:endParaRPr lang="en-US" dirty="0"/>
+          </a:p>
+        </p:txBody>
+      </p:sp>
+    </p:spTree>
+    <p:extLst>
+      <p:ext uri="{BB962C8B-B14F-4D97-AF65-F5344CB8AC3E}">
+        <p14:creationId xmlns:p14="http://schemas.microsoft.com/office/powerpoint/2010/main" val="3157707147"/>
+      </p:ext>
+    </p:extLst>
+  </p:cSld>
+  <p:clrMapOvr>
+    <a:masterClrMapping/>
+  </p:clrMapOvr>
+  <p:timing>
+    <p:tnLst>
+      <p:par>
+        <p:cTn id="1" dur="indefinite" restart="never" nodeType="tmRoot"/>
+      </p:par>
+    </p:tnLst>
+  </p:timing>
+</p:sld>
+</file>
+
+<file path=ppt/slides/slide17.xml><?xml version="1.0" encoding="utf-8"?>
+<p:sld xmlns:a="http://schemas.openxmlformats.org/drawingml/2006/main" xmlns:r="http://schemas.openxmlformats.org/officeDocument/2006/relationships" xmlns:p="http://schemas.openxmlformats.org/presentationml/2006/main">
+  <p:cSld>
+    <p:spTree>
+      <p:nvGrpSpPr>
+        <p:cNvPr id="1" name=""/>
+        <p:cNvGrpSpPr/>
+        <p:nvPr/>
+      </p:nvGrpSpPr>
+      <p:grpSpPr>
+        <a:xfrm>
+          <a:off x="0" y="0"/>
+          <a:ext cx="0" cy="0"/>
+          <a:chOff x="0" y="0"/>
+          <a:chExt cx="0" cy="0"/>
+        </a:xfrm>
+      </p:grpSpPr>
+      <p:sp>
+        <p:nvSpPr>
+          <p:cNvPr id="2" name="标题 1"/>
+          <p:cNvSpPr>
+            <a:spLocks noGrp="1"/>
+          </p:cNvSpPr>
+          <p:nvPr>
+            <p:ph type="title"/>
+          </p:nvPr>
+        </p:nvSpPr>
+        <p:spPr/>
+        <p:txBody>
+          <a:bodyPr/>
+          <a:lstStyle/>
+          <a:p>
+            <a:r>
+              <a:rPr lang="zh-CN" altLang="en-US" dirty="0" smtClean="0"/>
+              <a:t>工件 </a:t>
+            </a:r>
+            <a:r>
+              <a:rPr lang="en-US" altLang="zh-CN" dirty="0" smtClean="0"/>
+              <a:t>– </a:t>
+            </a:r>
+            <a:r>
+              <a:rPr lang="zh-CN" altLang="en-US" dirty="0" smtClean="0"/>
+              <a:t>活动图</a:t>
+            </a:r>
+            <a:endParaRPr lang="zh-CN" altLang="en-US" dirty="0"/>
+          </a:p>
+        </p:txBody>
+      </p:sp>
+      <p:pic>
+        <p:nvPicPr>
+          <p:cNvPr id="4" name="图片 3"/>
+          <p:cNvPicPr>
+            <a:picLocks noChangeAspect="1"/>
+          </p:cNvPicPr>
+          <p:nvPr/>
+        </p:nvPicPr>
+        <p:blipFill>
+          <a:blip r:embed="rId2"/>
+          <a:stretch>
+            <a:fillRect/>
+          </a:stretch>
+        </p:blipFill>
+        <p:spPr>
+          <a:xfrm>
+            <a:off x="2451062" y="1454583"/>
+            <a:ext cx="5049211" cy="4489029"/>
+          </a:xfrm>
+          <a:prstGeom prst="rect">
+            <a:avLst/>
+          </a:prstGeom>
+        </p:spPr>
+      </p:pic>
+      <p:sp>
+        <p:nvSpPr>
+          <p:cNvPr id="5" name="日期占位符 4"/>
+          <p:cNvSpPr>
+            <a:spLocks noGrp="1"/>
+          </p:cNvSpPr>
+          <p:nvPr>
+            <p:ph type="dt" sz="half" idx="10"/>
+          </p:nvPr>
+        </p:nvSpPr>
+        <p:spPr/>
+        <p:txBody>
+          <a:bodyPr/>
+          <a:lstStyle/>
+          <a:p>
+            <a:r>
+              <a:rPr lang="en-US" altLang="zh-CN" smtClean="0"/>
+              <a:t>2014</a:t>
+            </a:r>
+            <a:r>
+              <a:rPr lang="zh-CN" altLang="en-US" smtClean="0"/>
+              <a:t>年</a:t>
+            </a:r>
+            <a:r>
+              <a:rPr lang="en-US" altLang="zh-CN" smtClean="0"/>
+              <a:t>1</a:t>
+            </a:r>
+            <a:r>
+              <a:rPr lang="zh-CN" altLang="en-US" smtClean="0"/>
+              <a:t>月</a:t>
+            </a:r>
+            <a:r>
+              <a:rPr lang="en-US" altLang="zh-CN" smtClean="0"/>
+              <a:t>5</a:t>
+            </a:r>
+            <a:r>
+              <a:rPr lang="zh-CN" altLang="en-US" smtClean="0"/>
+              <a:t>日</a:t>
+            </a:r>
+            <a:endParaRPr lang="en-US" dirty="0"/>
+          </a:p>
+        </p:txBody>
+      </p:sp>
+      <p:sp>
+        <p:nvSpPr>
+          <p:cNvPr id="7" name="灯片编号占位符 6"/>
+          <p:cNvSpPr>
+            <a:spLocks noGrp="1"/>
+          </p:cNvSpPr>
+          <p:nvPr>
+            <p:ph type="sldNum" sz="quarter" idx="12"/>
+          </p:nvPr>
+        </p:nvSpPr>
+        <p:spPr/>
+        <p:txBody>
+          <a:bodyPr/>
+          <a:lstStyle/>
+          <a:p>
+            <a:fld id="{519954A3-9DFD-4C44-94BA-B95130A3BA1C}" type="slidenum">
+              <a:rPr lang="en-US" smtClean="0"/>
+              <a:t>17</a:t>
+            </a:fld>
+            <a:endParaRPr lang="en-US" dirty="0"/>
+          </a:p>
+        </p:txBody>
+      </p:sp>
+      <p:sp>
+        <p:nvSpPr>
+          <p:cNvPr id="8" name="页脚占位符 4"/>
+          <p:cNvSpPr>
+            <a:spLocks noGrp="1"/>
+          </p:cNvSpPr>
+          <p:nvPr>
+            <p:ph type="ftr" sz="quarter" idx="11"/>
+          </p:nvPr>
+        </p:nvSpPr>
+        <p:spPr>
+          <a:xfrm>
+            <a:off x="677334" y="6041362"/>
+            <a:ext cx="6297612" cy="365125"/>
+          </a:xfrm>
+        </p:spPr>
+        <p:txBody>
+          <a:bodyPr/>
+          <a:lstStyle/>
+          <a:p>
+            <a:pPr lvl="0"/>
+            <a:r>
+              <a:rPr lang="zh-CN" altLang="en-US" sz="1200" dirty="0">
+                <a:solidFill>
+                  <a:prstClr val="black">
+                    <a:tint val="75000"/>
+                  </a:prstClr>
+                </a:solidFill>
+              </a:rPr>
+              <a:t>汪志成 </a:t>
+            </a:r>
+            <a:r>
+              <a:rPr lang="en-US" altLang="zh-CN" sz="1200" dirty="0">
+                <a:solidFill>
+                  <a:prstClr val="black">
+                    <a:tint val="75000"/>
+                  </a:prstClr>
+                </a:solidFill>
+              </a:rPr>
+              <a:t>(</a:t>
+            </a:r>
+            <a:r>
+              <a:rPr lang="en-US" altLang="zh-CN" sz="1200" dirty="0">
+                <a:solidFill>
+                  <a:prstClr val="black">
+                    <a:tint val="75000"/>
+                  </a:prstClr>
+                </a:solidFill>
+                <a:hlinkClick r:id="rId3"/>
+              </a:rPr>
+              <a:t>wangzhicheng@admaster.com.cn</a:t>
+            </a:r>
+            <a:r>
+              <a:rPr lang="en-US" altLang="zh-CN" sz="1200" dirty="0">
+                <a:solidFill>
+                  <a:prstClr val="black">
+                    <a:tint val="75000"/>
+                  </a:prstClr>
+                </a:solidFill>
+              </a:rPr>
+              <a:t>) </a:t>
+            </a:r>
+            <a:r>
+              <a:rPr lang="zh-CN" altLang="en-US" sz="1200" dirty="0">
+                <a:solidFill>
+                  <a:prstClr val="black">
+                    <a:tint val="75000"/>
+                  </a:prstClr>
+                </a:solidFill>
+              </a:rPr>
+              <a:t>        本文档遵循 </a:t>
+            </a:r>
+            <a:r>
+              <a:rPr lang="en-US" altLang="zh-CN" sz="1200" dirty="0" smtClean="0">
+                <a:solidFill>
+                  <a:prstClr val="black">
+                    <a:tint val="75000"/>
+                  </a:prstClr>
+                </a:solidFill>
+              </a:rPr>
+              <a:t>CC</a:t>
+            </a:r>
+            <a:r>
+              <a:rPr lang="zh-CN" altLang="en-US" sz="1200" dirty="0" smtClean="0">
+                <a:solidFill>
+                  <a:prstClr val="black">
+                    <a:tint val="75000"/>
+                  </a:prstClr>
+                </a:solidFill>
+              </a:rPr>
+              <a:t>协议</a:t>
+            </a:r>
+            <a:r>
+              <a:rPr lang="zh-CN" altLang="en-US" sz="1200" dirty="0">
+                <a:solidFill>
+                  <a:prstClr val="black">
+                    <a:tint val="75000"/>
+                  </a:prstClr>
+                </a:solidFill>
+              </a:rPr>
+              <a:t>（署名</a:t>
             </a:r>
             <a:r>
               <a:rPr lang="en-US" altLang="zh-CN" sz="1200" dirty="0">
@@ -46003,7 +47381,7 @@
 </p:sld>
 </file>
 
-<file path=ppt/slides/slide17.xml><?xml version="1.0" encoding="utf-8"?>
+<file path=ppt/slides/slide18.xml><?xml version="1.0" encoding="utf-8"?>
 <p:sld xmlns:a="http://schemas.openxmlformats.org/drawingml/2006/main" xmlns:r="http://schemas.openxmlformats.org/officeDocument/2006/relationships" xmlns:p="http://schemas.openxmlformats.org/presentationml/2006/main">
   <p:cSld>
     <p:spTree>
@@ -46154,7 +47532,7 @@
           <a:p>
             <a:fld id="{519954A3-9DFD-4C44-94BA-B95130A3BA1C}" type="slidenum">
               <a:rPr lang="en-US" smtClean="0"/>
-              <a:t>17</a:t>
+              <a:t>18</a:t>
             </a:fld>
             <a:endParaRPr lang="en-US" dirty="0"/>
           </a:p>
@@ -46233,14 +47611,24 @@
               <a:t>        本文档遵循 </a:t>
             </a:r>
             <a:r>
-              <a:rPr lang="en-US" altLang="zh-CN" sz="1200" dirty="0">
+              <a:rPr lang="en-US" altLang="zh-CN" sz="1200" dirty="0" smtClean="0">
                 <a:solidFill>
                   <a:prstClr val="black">
                     <a:tint val="75000"/>
                   </a:prstClr>
                 </a:solidFill>
               </a:rPr>
-              <a:t>CCL</a:t>
+              <a:t>CC</a:t>
+            </a:r>
+            <a:r>
+              <a:rPr lang="zh-CN" altLang="en-US" sz="1200" dirty="0" smtClean="0">
+                <a:solidFill>
+                  <a:prstClr val="black">
+                    <a:tint val="75000"/>
+                  </a:prstClr>
+                </a:solidFill>
+              </a:rPr>
+              <a:t>协议</a:t>
             </a:r>
             <a:r>
               <a:rPr lang="zh-CN" altLang="en-US" sz="1200" dirty="0">
@@ -46250,7 +47638,7 @@
                   </a:prstClr>
                 </a:solidFill>
               </a:rPr>
-              <a:t>协议（署名</a:t>
+              <a:t>（署名</a:t>
             </a:r>
             <a:r>
               <a:rPr lang="en-US" altLang="zh-CN" sz="1200" dirty="0">
@@ -46310,404 +47698,6 @@
     <p:extLst>
       <p:ext uri="{BB962C8B-B14F-4D97-AF65-F5344CB8AC3E}">
         <p14:creationId xmlns:p14="http://schemas.microsoft.com/office/powerpoint/2010/main" val="4080149514"/>
-      </p:ext>
-    </p:extLst>
-  </p:cSld>
-  <p:clrMapOvr>
-    <a:masterClrMapping/>
-  </p:clrMapOvr>
-  <p:timing>
-    <p:tnLst>
-      <p:par>
-        <p:cTn id="1" dur="indefinite" restart="never" nodeType="tmRoot"/>
-      </p:par>
-    </p:tnLst>
-  </p:timing>
-</p:sld>
-</file>
-
-<file path=ppt/slides/slide18.xml><?xml version="1.0" encoding="utf-8"?>
-<p:sld xmlns:a="http://schemas.openxmlformats.org/drawingml/2006/main" xmlns:r="http://schemas.openxmlformats.org/officeDocument/2006/relationships" xmlns:p="http://schemas.openxmlformats.org/presentationml/2006/main">
-  <p:cSld>
-    <p:spTree>
-      <p:nvGrpSpPr>
-        <p:cNvPr id="1" name=""/>
-        <p:cNvGrpSpPr/>
-        <p:nvPr/>
-      </p:nvGrpSpPr>
-      <p:grpSpPr>
-        <a:xfrm>
-          <a:off x="0" y="0"/>
-          <a:ext cx="0" cy="0"/>
-          <a:chOff x="0" y="0"/>
-          <a:chExt cx="0" cy="0"/>
-        </a:xfrm>
-      </p:grpSpPr>
-      <p:sp>
-        <p:nvSpPr>
-          <p:cNvPr id="2" name="标题 1"/>
-          <p:cNvSpPr>
-            <a:spLocks noGrp="1"/>
-          </p:cNvSpPr>
-          <p:nvPr>
-            <p:ph type="title"/>
-          </p:nvPr>
-        </p:nvSpPr>
-        <p:spPr/>
-        <p:txBody>
-          <a:bodyPr/>
-          <a:lstStyle/>
-          <a:p>
-            <a:r>
-              <a:rPr lang="zh-CN" altLang="en-US" dirty="0" smtClean="0"/>
-              <a:t>工件 </a:t>
-            </a:r>
-            <a:r>
-              <a:rPr lang="en-US" altLang="zh-CN" dirty="0" smtClean="0"/>
-              <a:t>– </a:t>
-            </a:r>
-            <a:r>
-              <a:rPr lang="zh-CN" altLang="en-US" dirty="0" smtClean="0"/>
-              <a:t>开发日志</a:t>
-            </a:r>
-            <a:endParaRPr lang="zh-CN" altLang="en-US" dirty="0"/>
-          </a:p>
-        </p:txBody>
-      </p:sp>
-      <p:sp>
-        <p:nvSpPr>
-          <p:cNvPr id="3" name="内容占位符 2"/>
-          <p:cNvSpPr>
-            <a:spLocks noGrp="1"/>
-          </p:cNvSpPr>
-          <p:nvPr>
-            <p:ph idx="1"/>
-          </p:nvPr>
-        </p:nvSpPr>
-        <p:spPr/>
-        <p:txBody>
-          <a:bodyPr/>
-          <a:lstStyle/>
-          <a:p>
-            <a:pPr marL="0" indent="0">
-              <a:buNone/>
-            </a:pPr>
-            <a:r>
-              <a:rPr lang="en-US" altLang="zh-CN" dirty="0" smtClean="0"/>
-              <a:t>[2010-10-20 15:30:10]</a:t>
-            </a:r>
-          </a:p>
-          <a:p>
-            <a:r>
-              <a:rPr lang="zh-CN" altLang="en-US" dirty="0"/>
-              <a:t>一</a:t>
-            </a:r>
-            <a:r>
-              <a:rPr lang="zh-CN" altLang="en-US" dirty="0" smtClean="0"/>
-              <a:t>个</a:t>
-            </a:r>
-            <a:r>
-              <a:rPr lang="en-US" altLang="zh-CN" dirty="0" smtClean="0"/>
-              <a:t>Ajax</a:t>
-            </a:r>
-            <a:r>
-              <a:rPr lang="zh-CN" altLang="en-US" dirty="0" smtClean="0"/>
-              <a:t>错误死活解决不了，本页改用静态网页暂时替代，项目结束后再研究</a:t>
-            </a:r>
-            <a:endParaRPr lang="en-US" altLang="zh-CN" dirty="0" smtClean="0"/>
-          </a:p>
-          <a:p>
-            <a:r>
-              <a:rPr lang="zh-CN" altLang="en-US" dirty="0" smtClean="0"/>
-              <a:t>发现</a:t>
-            </a:r>
-            <a:r>
-              <a:rPr lang="en-US" altLang="zh-CN" dirty="0" err="1" smtClean="0"/>
-              <a:t>momentjs</a:t>
-            </a:r>
-            <a:r>
-              <a:rPr lang="zh-CN" altLang="en-US" dirty="0" smtClean="0"/>
-              <a:t>真心强大，对各类日期处理支持很好，有空了给小伙伴们分享下</a:t>
-            </a:r>
-            <a:endParaRPr lang="en-US" altLang="zh-CN" dirty="0" smtClean="0"/>
-          </a:p>
-          <a:p>
-            <a:r>
-              <a:rPr lang="zh-CN" altLang="en-US" dirty="0" smtClean="0"/>
-              <a:t>今天丢人了，竟然在条件语句里写了句</a:t>
-            </a:r>
-            <a:r>
-              <a:rPr lang="en-US" altLang="zh-CN" dirty="0" smtClean="0"/>
-              <a:t>if (a = 1)……</a:t>
-            </a:r>
-          </a:p>
-          <a:p>
-            <a:pPr marL="0" indent="0">
-              <a:buNone/>
-            </a:pPr>
-            <a:endParaRPr lang="en-US" altLang="zh-CN" dirty="0"/>
-          </a:p>
-          <a:p>
-            <a:pPr marL="0" indent="0">
-              <a:buNone/>
-            </a:pPr>
-            <a:r>
-              <a:rPr lang="en-US" altLang="zh-CN" dirty="0" smtClean="0"/>
-              <a:t>[2010-10-22 9:30:10]</a:t>
-            </a:r>
-          </a:p>
-          <a:p>
-            <a:r>
-              <a:rPr lang="zh-CN" altLang="en-US" dirty="0"/>
-              <a:t>晨</a:t>
-            </a:r>
-            <a:r>
-              <a:rPr lang="zh-CN" altLang="en-US" dirty="0" smtClean="0"/>
-              <a:t>会上迎来一个需求变更，以前误解了客户需求，我的模块看来得重写了</a:t>
-            </a:r>
-            <a:endParaRPr lang="en-US" altLang="zh-CN" dirty="0" smtClean="0"/>
-          </a:p>
-          <a:p>
-            <a:r>
-              <a:rPr lang="zh-CN" altLang="en-US" dirty="0" smtClean="0"/>
-              <a:t>对当前项目打了一个</a:t>
-            </a:r>
-            <a:r>
-              <a:rPr lang="zh-CN" altLang="en-US" dirty="0"/>
-              <a:t>版本</a:t>
-            </a:r>
-            <a:r>
-              <a:rPr lang="zh-CN" altLang="en-US" dirty="0" smtClean="0"/>
-              <a:t>标签“准备重写，注意：这个版本尚有很多</a:t>
-            </a:r>
-            <a:r>
-              <a:rPr lang="en-US" altLang="zh-CN" dirty="0" smtClean="0"/>
-              <a:t>bug</a:t>
-            </a:r>
-            <a:r>
-              <a:rPr lang="zh-CN" altLang="en-US" dirty="0" smtClean="0"/>
-              <a:t>”</a:t>
-            </a:r>
-            <a:endParaRPr lang="zh-CN" altLang="en-US" dirty="0"/>
-          </a:p>
-        </p:txBody>
-      </p:sp>
-      <p:sp>
-        <p:nvSpPr>
-          <p:cNvPr id="4" name="日期占位符 3"/>
-          <p:cNvSpPr>
-            <a:spLocks noGrp="1"/>
-          </p:cNvSpPr>
-          <p:nvPr>
-            <p:ph type="dt" sz="half" idx="10"/>
-          </p:nvPr>
-        </p:nvSpPr>
-        <p:spPr/>
-        <p:txBody>
-          <a:bodyPr/>
-          <a:lstStyle/>
-          <a:p>
-            <a:r>
-              <a:rPr lang="en-US" altLang="zh-CN" smtClean="0"/>
-              <a:t>2014</a:t>
-            </a:r>
-            <a:r>
-              <a:rPr lang="zh-CN" altLang="en-US" smtClean="0"/>
-              <a:t>年</a:t>
-            </a:r>
-            <a:r>
-              <a:rPr lang="en-US" altLang="zh-CN" smtClean="0"/>
-              <a:t>1</a:t>
-            </a:r>
-            <a:r>
-              <a:rPr lang="zh-CN" altLang="en-US" smtClean="0"/>
-              <a:t>月</a:t>
-            </a:r>
-            <a:r>
-              <a:rPr lang="en-US" altLang="zh-CN" smtClean="0"/>
-              <a:t>5</a:t>
-            </a:r>
-            <a:r>
-              <a:rPr lang="zh-CN" altLang="en-US" smtClean="0"/>
-              <a:t>日</a:t>
-            </a:r>
-            <a:endParaRPr lang="en-US" dirty="0"/>
-          </a:p>
-        </p:txBody>
-      </p:sp>
-      <p:sp>
-        <p:nvSpPr>
-          <p:cNvPr id="6" name="灯片编号占位符 5"/>
-          <p:cNvSpPr>
-            <a:spLocks noGrp="1"/>
-          </p:cNvSpPr>
-          <p:nvPr>
-            <p:ph type="sldNum" sz="quarter" idx="12"/>
-          </p:nvPr>
-        </p:nvSpPr>
-        <p:spPr/>
-        <p:txBody>
-          <a:bodyPr/>
-          <a:lstStyle/>
-          <a:p>
-            <a:fld id="{519954A3-9DFD-4C44-94BA-B95130A3BA1C}" type="slidenum">
-              <a:rPr lang="en-US" smtClean="0"/>
-              <a:t>18</a:t>
-            </a:fld>
-            <a:endParaRPr lang="en-US" dirty="0"/>
-          </a:p>
-        </p:txBody>
-      </p:sp>
-      <p:sp>
-        <p:nvSpPr>
-          <p:cNvPr id="7" name="页脚占位符 4"/>
-          <p:cNvSpPr>
-            <a:spLocks noGrp="1"/>
-          </p:cNvSpPr>
-          <p:nvPr>
-            <p:ph type="ftr" sz="quarter" idx="11"/>
-          </p:nvPr>
-        </p:nvSpPr>
-        <p:spPr>
-          <a:xfrm>
-            <a:off x="677334" y="6041362"/>
-            <a:ext cx="6297612" cy="365125"/>
-          </a:xfrm>
-        </p:spPr>
-        <p:txBody>
-          <a:bodyPr/>
-          <a:lstStyle/>
-          <a:p>
-            <a:pPr lvl="0"/>
-            <a:r>
-              <a:rPr lang="zh-CN" altLang="en-US" sz="1200" dirty="0">
-                <a:solidFill>
-                  <a:prstClr val="black">
-                    <a:tint val="75000"/>
-                  </a:prstClr>
-                </a:solidFill>
-              </a:rPr>
-              <a:t>汪志成 </a:t>
-            </a:r>
-            <a:r>
-              <a:rPr lang="en-US" altLang="zh-CN" sz="1200" dirty="0">
-                <a:solidFill>
-                  <a:prstClr val="black">
-                    <a:tint val="75000"/>
-                  </a:prstClr>
-                </a:solidFill>
-              </a:rPr>
-              <a:t>(</a:t>
-            </a:r>
-            <a:r>
-              <a:rPr lang="en-US" altLang="zh-CN" sz="1200" dirty="0">
-                <a:solidFill>
-                  <a:prstClr val="black">
-                    <a:tint val="75000"/>
-                  </a:prstClr>
-                </a:solidFill>
-                <a:hlinkClick r:id="rId2"/>
-              </a:rPr>
-              <a:t>wangzhicheng@admaster.com.cn</a:t>
-            </a:r>
-            <a:r>
-              <a:rPr lang="en-US" altLang="zh-CN" sz="1200" dirty="0">
-                <a:solidFill>
-                  <a:prstClr val="black">
-                    <a:tint val="75000"/>
-                  </a:prstClr>
-                </a:solidFill>
-              </a:rPr>
-              <a:t>) </a:t>
-            </a:r>
-            <a:r>
-              <a:rPr lang="zh-CN" altLang="en-US" sz="1200" dirty="0">
-                <a:solidFill>
-                  <a:prstClr val="black">
-                    <a:tint val="75000"/>
-                  </a:prstClr>
-                </a:solidFill>
-              </a:rPr>
-              <a:t>        本文档遵循 </a:t>
-            </a:r>
-            <a:r>
-              <a:rPr lang="en-US" altLang="zh-CN" sz="1200" dirty="0">
-                <a:solidFill>
-                  <a:prstClr val="black">
-                    <a:tint val="75000"/>
-                  </a:prstClr>
-                </a:solidFill>
-              </a:rPr>
-              <a:t>CCL</a:t>
-            </a:r>
-            <a:r>
-              <a:rPr lang="zh-CN" altLang="en-US" sz="1200" dirty="0">
-                <a:solidFill>
-                  <a:prstClr val="black">
-                    <a:tint val="75000"/>
-                  </a:prstClr>
-                </a:solidFill>
-              </a:rPr>
-              <a:t>协议（署名</a:t>
-            </a:r>
-            <a:r>
-              <a:rPr lang="en-US" altLang="zh-CN" sz="1200" dirty="0">
-                <a:solidFill>
-                  <a:prstClr val="black">
-                    <a:tint val="75000"/>
-                  </a:prstClr>
-                </a:solidFill>
-              </a:rPr>
-              <a:t>-</a:t>
-            </a:r>
-            <a:r>
-              <a:rPr lang="zh-CN" altLang="en-US" sz="1200" dirty="0">
-                <a:solidFill>
-                  <a:prstClr val="black">
-                    <a:tint val="75000"/>
-                  </a:prstClr>
-                </a:solidFill>
-              </a:rPr>
-              <a:t>非商业</a:t>
-            </a:r>
-            <a:r>
-              <a:rPr lang="en-US" altLang="zh-CN" sz="1200" dirty="0">
-                <a:solidFill>
-                  <a:prstClr val="black">
-                    <a:tint val="75000"/>
-                  </a:prstClr>
-                </a:solidFill>
-              </a:rPr>
-              <a:t>-</a:t>
-            </a:r>
-            <a:r>
-              <a:rPr lang="zh-CN" altLang="en-US" sz="1200" dirty="0">
-                <a:solidFill>
-                  <a:prstClr val="black">
-                    <a:tint val="75000"/>
-                  </a:prstClr>
-                </a:solidFill>
-              </a:rPr>
-              <a:t>共享</a:t>
-            </a:r>
-            <a:r>
-              <a:rPr lang="zh-CN" altLang="en-US" sz="1200" dirty="0" smtClean="0">
-                <a:solidFill>
-                  <a:prstClr val="black">
-                    <a:tint val="75000"/>
-                  </a:prstClr>
-                </a:solidFill>
-              </a:rPr>
-              <a:t>）</a:t>
-            </a:r>
-            <a:endParaRPr lang="en-US" dirty="0"/>
-          </a:p>
-        </p:txBody>
-      </p:sp>
-    </p:spTree>
-    <p:extLst>
-      <p:ext uri="{BB962C8B-B14F-4D97-AF65-F5344CB8AC3E}">
-        <p14:creationId xmlns:p14="http://schemas.microsoft.com/office/powerpoint/2010/main" val="353870493"/>
       </p:ext>
     </p:extLst>
   </p:cSld>
@@ -46766,15 +47756,7 @@
             </a:r>
             <a:r>
               <a:rPr lang="zh-CN" altLang="en-US" dirty="0" smtClean="0"/>
-              <a:t>测试用例 </a:t>
-            </a:r>
-            <a:r>
-              <a:rPr lang="en-US" altLang="zh-CN" dirty="0" smtClean="0"/>
-              <a:t>– </a:t>
-            </a:r>
-            <a:r>
-              <a:rPr lang="zh-CN" altLang="en-US" dirty="0" smtClean="0"/>
-              <a:t>收银台</a:t>
+              <a:t>开发日志</a:t>
             </a:r>
             <a:endParaRPr lang="zh-CN" altLang="en-US" dirty="0"/>
           </a:p>
@@ -46792,205 +47774,117 @@
         </p:nvSpPr>
         <p:spPr/>
         <p:txBody>
-          <a:bodyPr>
-            <a:normAutofit fontScale="92500" lnSpcReduction="20000"/>
-          </a:bodyPr>
+          <a:bodyPr/>
           <a:lstStyle/>
           <a:p>
+            <a:pPr marL="0" indent="0">
+              <a:buNone/>
+            </a:pPr>
+            <a:r>
+              <a:rPr lang="en-US" altLang="zh-CN" dirty="0" smtClean="0"/>
+              <a:t>[2010-10-20 15:30:10]</a:t>
+            </a:r>
+          </a:p>
+          <a:p>
+            <a:r>
+              <a:rPr lang="zh-CN" altLang="en-US" dirty="0"/>
+              <a:t>一</a:t>
+            </a:r>
             <a:r>
               <a:rPr lang="zh-CN" altLang="en-US" dirty="0" smtClean="0"/>
-              <a:t>用户概况</a:t>
+              <a:t>个</a:t>
+            </a:r>
+            <a:r>
+              <a:rPr lang="en-US" altLang="zh-CN" dirty="0" smtClean="0"/>
+              <a:t>Ajax</a:t>
+            </a:r>
+            <a:r>
+              <a:rPr lang="zh-CN" altLang="en-US" dirty="0" smtClean="0"/>
+              <a:t>错误死活解决不了，本页改用静态网页暂时替代，项目结束后再研究</a:t>
             </a:r>
             <a:endParaRPr lang="en-US" altLang="zh-CN" dirty="0" smtClean="0"/>
           </a:p>
           <a:p>
-            <a:pPr lvl="1"/>
-            <a:r>
-              <a:rPr lang="zh-CN" altLang="en-US" dirty="0"/>
-              <a:t>张</a:t>
-            </a:r>
             <a:r>
               <a:rPr lang="zh-CN" altLang="en-US" dirty="0" smtClean="0"/>
-              <a:t>三</a:t>
-            </a:r>
-            <a:r>
-              <a:rPr lang="en-US" altLang="zh-CN" dirty="0" smtClean="0"/>
-              <a:t>(e10001)</a:t>
+              <a:t>发现</a:t>
+            </a:r>
+            <a:r>
+              <a:rPr lang="en-US" altLang="zh-CN" dirty="0" err="1" smtClean="0"/>
+              <a:t>momentjs</a:t>
             </a:r>
             <a:r>
               <a:rPr lang="zh-CN" altLang="en-US" dirty="0" smtClean="0"/>
-              <a:t>：收银员，</a:t>
-            </a:r>
-            <a:r>
-              <a:rPr lang="en-US" altLang="zh-CN" dirty="0" smtClean="0"/>
-              <a:t>8</a:t>
-            </a:r>
-            <a:r>
-              <a:rPr lang="zh-CN" altLang="en-US" dirty="0" smtClean="0"/>
-              <a:t>点到</a:t>
-            </a:r>
-            <a:r>
-              <a:rPr lang="en-US" altLang="zh-CN" dirty="0" smtClean="0"/>
-              <a:t>11</a:t>
-            </a:r>
-            <a:r>
-              <a:rPr lang="zh-CN" altLang="en-US" dirty="0" smtClean="0"/>
-              <a:t>点操作收银机</a:t>
-            </a:r>
-            <a:r>
-              <a:rPr lang="en-US" altLang="zh-CN" dirty="0" smtClean="0"/>
-              <a:t>1001</a:t>
-            </a:r>
-          </a:p>
-          <a:p>
-            <a:pPr lvl="1"/>
-            <a:r>
-              <a:rPr lang="zh-CN" altLang="en-US" dirty="0"/>
-              <a:t>李</a:t>
-            </a:r>
-            <a:r>
-              <a:rPr lang="zh-CN" altLang="en-US" dirty="0" smtClean="0"/>
-              <a:t>四</a:t>
-            </a:r>
-            <a:r>
-              <a:rPr lang="en-US" altLang="zh-CN" dirty="0" smtClean="0"/>
-              <a:t>(e10002)</a:t>
-            </a:r>
-            <a:r>
-              <a:rPr lang="zh-CN" altLang="en-US" dirty="0" smtClean="0"/>
-              <a:t>：收银员，</a:t>
-            </a:r>
-            <a:r>
-              <a:rPr lang="en-US" altLang="zh-CN" dirty="0" smtClean="0"/>
-              <a:t>11</a:t>
-            </a:r>
-            <a:r>
-              <a:rPr lang="zh-CN" altLang="en-US" dirty="0" smtClean="0"/>
-              <a:t>点到</a:t>
-            </a:r>
-            <a:r>
-              <a:rPr lang="en-US" altLang="zh-CN" dirty="0" smtClean="0"/>
-              <a:t>16</a:t>
-            </a:r>
-            <a:r>
-              <a:rPr lang="zh-CN" altLang="en-US" dirty="0" smtClean="0"/>
-              <a:t>点操作收银机</a:t>
-            </a:r>
-            <a:r>
-              <a:rPr lang="en-US" altLang="zh-CN" dirty="0" smtClean="0"/>
-              <a:t>1001</a:t>
-            </a:r>
-          </a:p>
-          <a:p>
-            <a:r>
-              <a:rPr lang="zh-CN" altLang="en-US" dirty="0" smtClean="0"/>
-              <a:t>测试目的：收银流程，收银机交接流程</a:t>
+              <a:t>真心强大，对各类日期处理支持很好，有空了给小伙伴们分享下</a:t>
             </a:r>
             <a:endParaRPr lang="en-US" altLang="zh-CN" dirty="0" smtClean="0"/>
           </a:p>
           <a:p>
             <a:r>
               <a:rPr lang="zh-CN" altLang="en-US" dirty="0" smtClean="0"/>
-              <a:t>测试计划</a:t>
+              <a:t>今天丢人了，竟然在条件语句里写了句</a:t>
+            </a:r>
+            <a:r>
+              <a:rPr lang="en-US" altLang="zh-CN" dirty="0" smtClean="0"/>
+              <a:t>if (a = 1)……</a:t>
+            </a:r>
+          </a:p>
+          <a:p>
+            <a:pPr marL="0" indent="0">
+              <a:buNone/>
+            </a:pPr>
+            <a:endParaRPr lang="en-US" altLang="zh-CN" dirty="0"/>
+          </a:p>
+          <a:p>
+            <a:pPr marL="0" indent="0">
+              <a:buNone/>
+            </a:pPr>
+            <a:r>
+              <a:rPr lang="en-US" altLang="zh-CN" dirty="0" smtClean="0"/>
+              <a:t>[2010-10-22 9:30:10]</a:t>
+            </a:r>
+          </a:p>
+          <a:p>
+            <a:r>
+              <a:rPr lang="zh-CN" altLang="en-US" dirty="0"/>
+              <a:t>晨</a:t>
+            </a:r>
+            <a:r>
+              <a:rPr lang="zh-CN" altLang="en-US" dirty="0" smtClean="0"/>
+              <a:t>会上迎来一个需求变更，以前误解了客户需求，我的模块看来得重写了</a:t>
             </a:r>
             <a:endParaRPr lang="en-US" altLang="zh-CN" dirty="0" smtClean="0"/>
           </a:p>
           <a:p>
-            <a:pPr lvl="1"/>
+            <a:r>
+              <a:rPr lang="zh-CN" altLang="en-US" dirty="0" smtClean="0"/>
+              <a:t>对</a:t>
+            </a:r>
+            <a:r>
+              <a:rPr lang="zh-CN" altLang="en-US" dirty="0" smtClean="0"/>
+              <a:t>当前分支打</a:t>
+            </a:r>
+            <a:r>
+              <a:rPr lang="zh-CN" altLang="en-US" dirty="0" smtClean="0"/>
+              <a:t>了一个</a:t>
+            </a:r>
             <a:r>
               <a:rPr lang="zh-CN" altLang="en-US" dirty="0"/>
-              <a:t>张</a:t>
+              <a:t>版本</a:t>
             </a:r>
             <a:r>
               <a:rPr lang="zh-CN" altLang="en-US" dirty="0" smtClean="0"/>
-              <a:t>三打开收银机，刷员工卡完成登录</a:t>
-            </a:r>
-            <a:endParaRPr lang="en-US" altLang="zh-CN" dirty="0" smtClean="0"/>
-          </a:p>
-          <a:p>
-            <a:pPr lvl="1"/>
+              <a:t>标签“准备重写，注意：这个版本尚有很多</a:t>
+            </a:r>
+            <a:r>
+              <a:rPr lang="en-US" altLang="zh-CN" dirty="0" smtClean="0"/>
+              <a:t>bug</a:t>
+            </a:r>
             <a:r>
               <a:rPr lang="zh-CN" altLang="en-US" dirty="0" smtClean="0"/>
-              <a:t>现金支付（有找零），详细步骤如下</a:t>
-            </a:r>
-            <a:r>
-              <a:rPr lang="en-US" altLang="zh-CN" dirty="0" smtClean="0"/>
-              <a:t>……</a:t>
-            </a:r>
-            <a:r>
-              <a:rPr lang="zh-CN" altLang="en-US" dirty="0" smtClean="0"/>
-              <a:t>（根据活动图设计一系列具体操作）</a:t>
-            </a:r>
-            <a:endParaRPr lang="en-US" altLang="zh-CN" dirty="0" smtClean="0"/>
-          </a:p>
-          <a:p>
-            <a:pPr lvl="1"/>
-            <a:r>
-              <a:rPr lang="zh-CN" altLang="en-US" dirty="0" smtClean="0"/>
-              <a:t>现金</a:t>
-            </a:r>
-            <a:r>
-              <a:rPr lang="en-US" altLang="zh-CN" dirty="0" smtClean="0"/>
-              <a:t>+</a:t>
-            </a:r>
-            <a:r>
-              <a:rPr lang="zh-CN" altLang="en-US" dirty="0" smtClean="0"/>
-              <a:t>打折卡，详细步骤如下</a:t>
-            </a:r>
-            <a:r>
-              <a:rPr lang="en-US" altLang="zh-CN" dirty="0" smtClean="0"/>
-              <a:t>……</a:t>
-            </a:r>
-          </a:p>
-          <a:p>
-            <a:pPr lvl="1"/>
-            <a:r>
-              <a:rPr lang="zh-CN" altLang="en-US" dirty="0" smtClean="0"/>
-              <a:t>刷卡支付，详细步骤如下</a:t>
-            </a:r>
-            <a:r>
-              <a:rPr lang="en-US" altLang="zh-CN" dirty="0" smtClean="0"/>
-              <a:t>……</a:t>
-            </a:r>
-          </a:p>
-          <a:p>
-            <a:pPr lvl="1"/>
-            <a:r>
-              <a:rPr lang="zh-CN" altLang="en-US" dirty="0" smtClean="0"/>
-              <a:t>刷卡支付</a:t>
-            </a:r>
-            <a:r>
-              <a:rPr lang="en-US" altLang="zh-CN" dirty="0" smtClean="0"/>
-              <a:t>+</a:t>
-            </a:r>
-            <a:r>
-              <a:rPr lang="zh-CN" altLang="en-US" dirty="0" smtClean="0"/>
-              <a:t>打折卡，详细步骤如下</a:t>
-            </a:r>
-            <a:r>
-              <a:rPr lang="en-US" altLang="zh-CN" dirty="0" smtClean="0"/>
-              <a:t>……</a:t>
-            </a:r>
-          </a:p>
-          <a:p>
-            <a:pPr lvl="1"/>
-            <a:r>
-              <a:rPr lang="zh-CN" altLang="en-US" dirty="0"/>
-              <a:t>张</a:t>
-            </a:r>
-            <a:r>
-              <a:rPr lang="zh-CN" altLang="en-US" dirty="0" smtClean="0"/>
-              <a:t>三登出本收银机，一分钟后，李四登入</a:t>
-            </a:r>
-            <a:endParaRPr lang="en-US" altLang="zh-CN" dirty="0" smtClean="0"/>
-          </a:p>
-          <a:p>
-            <a:pPr lvl="1"/>
-            <a:r>
-              <a:rPr lang="en-US" altLang="zh-CN" dirty="0"/>
-              <a:t>……</a:t>
-            </a:r>
-            <a:endParaRPr lang="en-US" altLang="zh-CN" dirty="0" smtClean="0"/>
+              <a:t>”</a:t>
+            </a:r>
+            <a:endParaRPr lang="zh-CN" altLang="en-US" dirty="0"/>
           </a:p>
         </p:txBody>
       </p:sp>
@@ -47133,14 +48027,24 @@
               <a:t>        本文档遵循 </a:t>
             </a:r>
             <a:r>
-              <a:rPr lang="en-US" altLang="zh-CN" sz="1200" dirty="0">
+              <a:rPr lang="en-US" altLang="zh-CN" sz="1200" dirty="0" smtClean="0">
                 <a:solidFill>
                   <a:prstClr val="black">
                     <a:tint val="75000"/>
                   </a:prstClr>
                 </a:solidFill>
               </a:rPr>
-              <a:t>CCL</a:t>
+              <a:t>CC</a:t>
+            </a:r>
+            <a:r>
+              <a:rPr lang="zh-CN" altLang="en-US" sz="1200" dirty="0" smtClean="0">
+                <a:solidFill>
+                  <a:prstClr val="black">
+                    <a:tint val="75000"/>
+                  </a:prstClr>
+                </a:solidFill>
+              </a:rPr>
+              <a:t>协议</a:t>
             </a:r>
             <a:r>
               <a:rPr lang="zh-CN" altLang="en-US" sz="1200" dirty="0">
@@ -47150,7 +48054,7 @@
                   </a:prstClr>
                 </a:solidFill>
               </a:rPr>
-              <a:t>协议（署名</a:t>
+              <a:t>（署名</a:t>
             </a:r>
             <a:r>
               <a:rPr lang="en-US" altLang="zh-CN" sz="1200" dirty="0">
@@ -47209,7 +48113,7 @@
     </p:spTree>
     <p:extLst>
       <p:ext uri="{BB962C8B-B14F-4D97-AF65-F5344CB8AC3E}">
-        <p14:creationId xmlns:p14="http://schemas.microsoft.com/office/powerpoint/2010/main" val="1370353594"/>
+        <p14:creationId xmlns:p14="http://schemas.microsoft.com/office/powerpoint/2010/main" val="353870493"/>
       </p:ext>
     </p:extLst>
   </p:cSld>
@@ -47430,14 +48334,24 @@
               <a:t>        本文档遵循 </a:t>
             </a:r>
             <a:r>
-              <a:rPr lang="en-US" altLang="zh-CN" sz="1200" dirty="0">
+              <a:rPr lang="en-US" altLang="zh-CN" sz="1200" dirty="0" smtClean="0">
                 <a:solidFill>
                   <a:prstClr val="black">
                     <a:tint val="75000"/>
                   </a:prstClr>
                 </a:solidFill>
               </a:rPr>
-              <a:t>CCL</a:t>
+              <a:t>CC</a:t>
+            </a:r>
+            <a:r>
+              <a:rPr lang="zh-CN" altLang="en-US" sz="1200" dirty="0" smtClean="0">
+                <a:solidFill>
+                  <a:prstClr val="black">
+                    <a:tint val="75000"/>
+                  </a:prstClr>
+                </a:solidFill>
+              </a:rPr>
+              <a:t>协议</a:t>
             </a:r>
             <a:r>
               <a:rPr lang="zh-CN" altLang="en-US" sz="1200" dirty="0">
@@ -47447,7 +48361,7 @@
                   </a:prstClr>
                 </a:solidFill>
               </a:rPr>
-              <a:t>协议（署名</a:t>
+              <a:t>（署名</a:t>
             </a:r>
             <a:r>
               <a:rPr lang="en-US" altLang="zh-CN" sz="1200" dirty="0">
@@ -47557,7 +48471,23 @@
           <a:p>
             <a:r>
               <a:rPr lang="zh-CN" altLang="en-US" dirty="0" smtClean="0"/>
-              <a:t>检查阶段</a:t>
+              <a:t>工件 </a:t>
+            </a:r>
+            <a:r>
+              <a:rPr lang="en-US" altLang="zh-CN" dirty="0" smtClean="0"/>
+              <a:t>– </a:t>
+            </a:r>
+            <a:r>
+              <a:rPr lang="zh-CN" altLang="en-US" dirty="0" smtClean="0"/>
+              <a:t>测试用例 </a:t>
+            </a:r>
+            <a:r>
+              <a:rPr lang="en-US" altLang="zh-CN" dirty="0" smtClean="0"/>
+              <a:t>– </a:t>
+            </a:r>
+            <a:r>
+              <a:rPr lang="zh-CN" altLang="en-US" dirty="0" smtClean="0"/>
+              <a:t>收银台</a:t>
             </a:r>
             <a:endParaRPr lang="zh-CN" altLang="en-US" dirty="0"/>
           </a:p>
@@ -47565,24 +48495,215 @@
       </p:sp>
       <p:sp>
         <p:nvSpPr>
-          <p:cNvPr id="3" name="文本占位符 2"/>
+          <p:cNvPr id="3" name="内容占位符 2"/>
           <p:cNvSpPr>
             <a:spLocks noGrp="1"/>
           </p:cNvSpPr>
           <p:nvPr>
-            <p:ph type="body" idx="1"/>
+            <p:ph idx="1"/>
           </p:nvPr>
         </p:nvSpPr>
         <p:spPr/>
         <p:txBody>
-          <a:bodyPr/>
+          <a:bodyPr>
+            <a:normAutofit fontScale="92500" lnSpcReduction="20000"/>
+          </a:bodyPr>
           <a:lstStyle/>
           <a:p>
             <a:r>
               <a:rPr lang="zh-CN" altLang="en-US" dirty="0" smtClean="0"/>
-              <a:t>测试和技术专家主导的阶段</a:t>
-            </a:r>
-            <a:endParaRPr lang="zh-CN" altLang="en-US" dirty="0"/>
+              <a:t>用户概况</a:t>
+            </a:r>
+            <a:endParaRPr lang="en-US" altLang="zh-CN" dirty="0" smtClean="0"/>
+          </a:p>
+          <a:p>
+            <a:pPr lvl="1"/>
+            <a:r>
+              <a:rPr lang="zh-CN" altLang="en-US" dirty="0"/>
+              <a:t>张</a:t>
+            </a:r>
+            <a:r>
+              <a:rPr lang="zh-CN" altLang="en-US" dirty="0" smtClean="0"/>
+              <a:t>三</a:t>
+            </a:r>
+            <a:r>
+              <a:rPr lang="en-US" altLang="zh-CN" dirty="0" smtClean="0"/>
+              <a:t>(e10001)</a:t>
+            </a:r>
+            <a:r>
+              <a:rPr lang="zh-CN" altLang="en-US" dirty="0" smtClean="0"/>
+              <a:t>：收银员，</a:t>
+            </a:r>
+            <a:r>
+              <a:rPr lang="en-US" altLang="zh-CN" dirty="0" smtClean="0"/>
+              <a:t>8</a:t>
+            </a:r>
+            <a:r>
+              <a:rPr lang="zh-CN" altLang="en-US" dirty="0" smtClean="0"/>
+              <a:t>点到</a:t>
+            </a:r>
+            <a:r>
+              <a:rPr lang="en-US" altLang="zh-CN" dirty="0" smtClean="0"/>
+              <a:t>11</a:t>
+            </a:r>
+            <a:r>
+              <a:rPr lang="zh-CN" altLang="en-US" dirty="0" smtClean="0"/>
+              <a:t>点操作收银机</a:t>
+            </a:r>
+            <a:r>
+              <a:rPr lang="en-US" altLang="zh-CN" dirty="0" smtClean="0"/>
+              <a:t>1001</a:t>
+            </a:r>
+          </a:p>
+          <a:p>
+            <a:pPr lvl="1"/>
+            <a:r>
+              <a:rPr lang="zh-CN" altLang="en-US" dirty="0"/>
+              <a:t>李</a:t>
+            </a:r>
+            <a:r>
+              <a:rPr lang="zh-CN" altLang="en-US" dirty="0" smtClean="0"/>
+              <a:t>四</a:t>
+            </a:r>
+            <a:r>
+              <a:rPr lang="en-US" altLang="zh-CN" dirty="0" smtClean="0"/>
+              <a:t>(e10002)</a:t>
+            </a:r>
+            <a:r>
+              <a:rPr lang="zh-CN" altLang="en-US" dirty="0" smtClean="0"/>
+              <a:t>：收银员，</a:t>
+            </a:r>
+            <a:r>
+              <a:rPr lang="en-US" altLang="zh-CN" dirty="0" smtClean="0"/>
+              <a:t>11</a:t>
+            </a:r>
+            <a:r>
+              <a:rPr lang="zh-CN" altLang="en-US" dirty="0" smtClean="0"/>
+              <a:t>点到</a:t>
+            </a:r>
+            <a:r>
+              <a:rPr lang="en-US" altLang="zh-CN" dirty="0" smtClean="0"/>
+              <a:t>16</a:t>
+            </a:r>
+            <a:r>
+              <a:rPr lang="zh-CN" altLang="en-US" dirty="0" smtClean="0"/>
+              <a:t>点操作收银机</a:t>
+            </a:r>
+            <a:r>
+              <a:rPr lang="en-US" altLang="zh-CN" dirty="0" smtClean="0"/>
+              <a:t>1001</a:t>
+            </a:r>
+          </a:p>
+          <a:p>
+            <a:r>
+              <a:rPr lang="zh-CN" altLang="en-US" dirty="0" smtClean="0"/>
+              <a:t>测试目的：收银流程，收银机交接流程</a:t>
+            </a:r>
+            <a:endParaRPr lang="en-US" altLang="zh-CN" dirty="0" smtClean="0"/>
+          </a:p>
+          <a:p>
+            <a:r>
+              <a:rPr lang="zh-CN" altLang="en-US" dirty="0" smtClean="0"/>
+              <a:t>测试计划</a:t>
+            </a:r>
+            <a:endParaRPr lang="en-US" altLang="zh-CN" dirty="0" smtClean="0"/>
+          </a:p>
+          <a:p>
+            <a:pPr lvl="1"/>
+            <a:r>
+              <a:rPr lang="zh-CN" altLang="en-US" dirty="0"/>
+              <a:t>张</a:t>
+            </a:r>
+            <a:r>
+              <a:rPr lang="zh-CN" altLang="en-US" dirty="0" smtClean="0"/>
+              <a:t>三打开收银机，刷员工卡完成登录</a:t>
+            </a:r>
+            <a:endParaRPr lang="en-US" altLang="zh-CN" dirty="0" smtClean="0"/>
+          </a:p>
+          <a:p>
+            <a:pPr lvl="1"/>
+            <a:r>
+              <a:rPr lang="zh-CN" altLang="en-US" dirty="0" smtClean="0"/>
+              <a:t>现金支付（有找零），详细步骤如下</a:t>
+            </a:r>
+            <a:r>
+              <a:rPr lang="en-US" altLang="zh-CN" dirty="0" smtClean="0"/>
+              <a:t>……</a:t>
+            </a:r>
+            <a:r>
+              <a:rPr lang="zh-CN" altLang="en-US" dirty="0" smtClean="0"/>
+              <a:t>（根据活动图设计一系列具体操作）</a:t>
+            </a:r>
+            <a:endParaRPr lang="en-US" altLang="zh-CN" dirty="0" smtClean="0"/>
+          </a:p>
+          <a:p>
+            <a:pPr lvl="1"/>
+            <a:r>
+              <a:rPr lang="zh-CN" altLang="en-US" dirty="0" smtClean="0"/>
+              <a:t>现金</a:t>
+            </a:r>
+            <a:r>
+              <a:rPr lang="en-US" altLang="zh-CN" dirty="0" smtClean="0"/>
+              <a:t>+</a:t>
+            </a:r>
+            <a:r>
+              <a:rPr lang="zh-CN" altLang="en-US" dirty="0" smtClean="0"/>
+              <a:t>打折卡，详细步骤如下</a:t>
+            </a:r>
+            <a:r>
+              <a:rPr lang="en-US" altLang="zh-CN" dirty="0" smtClean="0"/>
+              <a:t>……</a:t>
+            </a:r>
+          </a:p>
+          <a:p>
+            <a:pPr lvl="1"/>
+            <a:r>
+              <a:rPr lang="zh-CN" altLang="en-US" dirty="0" smtClean="0"/>
+              <a:t>刷卡支付，详细步骤如下</a:t>
+            </a:r>
+            <a:r>
+              <a:rPr lang="en-US" altLang="zh-CN" dirty="0" smtClean="0"/>
+              <a:t>……</a:t>
+            </a:r>
+          </a:p>
+          <a:p>
+            <a:pPr lvl="1"/>
+            <a:r>
+              <a:rPr lang="zh-CN" altLang="en-US" dirty="0" smtClean="0"/>
+              <a:t>刷卡支付</a:t>
+            </a:r>
+            <a:r>
+              <a:rPr lang="en-US" altLang="zh-CN" dirty="0" smtClean="0"/>
+              <a:t>+</a:t>
+            </a:r>
+            <a:r>
+              <a:rPr lang="zh-CN" altLang="en-US" dirty="0" smtClean="0"/>
+              <a:t>打折卡，详细步骤如下</a:t>
+            </a:r>
+            <a:r>
+              <a:rPr lang="en-US" altLang="zh-CN" dirty="0" smtClean="0"/>
+              <a:t>……</a:t>
+            </a:r>
+          </a:p>
+          <a:p>
+            <a:pPr lvl="1"/>
+            <a:r>
+              <a:rPr lang="zh-CN" altLang="en-US" dirty="0"/>
+              <a:t>张</a:t>
+            </a:r>
+            <a:r>
+              <a:rPr lang="zh-CN" altLang="en-US" dirty="0" smtClean="0"/>
+              <a:t>三登出本收银机，一分钟后，李四登入</a:t>
+            </a:r>
+            <a:endParaRPr lang="en-US" altLang="zh-CN" dirty="0" smtClean="0"/>
+          </a:p>
+          <a:p>
+            <a:pPr lvl="1"/>
+            <a:r>
+              <a:rPr lang="en-US" altLang="zh-CN" dirty="0"/>
+              <a:t>……</a:t>
+            </a:r>
+            <a:endParaRPr lang="en-US" altLang="zh-CN" dirty="0" smtClean="0"/>
           </a:p>
         </p:txBody>
       </p:sp>
@@ -47644,9 +48765,8 @@
           <a:bodyPr/>
           <a:lstStyle/>
           <a:p>
-            <a:fld id="{D57F1E4F-1CFF-5643-939E-217C01CDF565}" type="slidenum">
+            <a:fld id="{519954A3-9DFD-4C44-94BA-B95130A3BA1C}" type="slidenum">
               <a:rPr lang="en-US" smtClean="0"/>
-              <a:pPr/>
               <a:t>20</a:t>
             </a:fld>
             <a:endParaRPr lang="en-US" dirty="0"/>
@@ -47726,14 +48846,24 @@
               <a:t>        本文档遵循 </a:t>
             </a:r>
             <a:r>
-              <a:rPr lang="en-US" altLang="zh-CN" sz="1200" dirty="0">
+              <a:rPr lang="en-US" altLang="zh-CN" sz="1200" dirty="0" smtClean="0">
                 <a:solidFill>
                   <a:prstClr val="black">
                     <a:tint val="75000"/>
                   </a:prstClr>
                 </a:solidFill>
               </a:rPr>
-              <a:t>CCL</a:t>
+              <a:t>CC</a:t>
+            </a:r>
+            <a:r>
+              <a:rPr lang="zh-CN" altLang="en-US" sz="1200" dirty="0" smtClean="0">
+                <a:solidFill>
+                  <a:prstClr val="black">
+                    <a:tint val="75000"/>
+                  </a:prstClr>
+                </a:solidFill>
+              </a:rPr>
+              <a:t>协议</a:t>
             </a:r>
             <a:r>
               <a:rPr lang="zh-CN" altLang="en-US" sz="1200" dirty="0">
@@ -47743,7 +48873,7 @@
                   </a:prstClr>
                 </a:solidFill>
               </a:rPr>
-              <a:t>协议（署名</a:t>
+              <a:t>（署名</a:t>
             </a:r>
             <a:r>
               <a:rPr lang="en-US" altLang="zh-CN" sz="1200" dirty="0">
@@ -47802,7 +48932,7 @@
     </p:spTree>
     <p:extLst>
       <p:ext uri="{BB962C8B-B14F-4D97-AF65-F5344CB8AC3E}">
-        <p14:creationId xmlns:p14="http://schemas.microsoft.com/office/powerpoint/2010/main" val="1653611259"/>
+        <p14:creationId xmlns:p14="http://schemas.microsoft.com/office/powerpoint/2010/main" val="1370353594"/>
       </p:ext>
     </p:extLst>
   </p:cSld>
@@ -47853,7 +48983,7 @@
           <a:p>
             <a:r>
               <a:rPr lang="zh-CN" altLang="en-US" dirty="0" smtClean="0"/>
-              <a:t>集成测试</a:t>
+              <a:t>检查阶段</a:t>
             </a:r>
             <a:endParaRPr lang="zh-CN" altLang="en-US" dirty="0"/>
           </a:p>
@@ -47861,12 +48991,12 @@
       </p:sp>
       <p:sp>
         <p:nvSpPr>
-          <p:cNvPr id="3" name="内容占位符 2"/>
+          <p:cNvPr id="3" name="文本占位符 2"/>
           <p:cNvSpPr>
             <a:spLocks noGrp="1"/>
           </p:cNvSpPr>
           <p:nvPr>
-            <p:ph idx="1"/>
+            <p:ph type="body" idx="1"/>
           </p:nvPr>
         </p:nvSpPr>
         <p:spPr/>
@@ -47876,103 +49006,9 @@
           <a:p>
             <a:r>
               <a:rPr lang="zh-CN" altLang="en-US" dirty="0" smtClean="0"/>
-              <a:t>人工测试（与执行有一定的重叠）</a:t>
-            </a:r>
-            <a:endParaRPr lang="en-US" altLang="zh-CN" dirty="0" smtClean="0"/>
-          </a:p>
-          <a:p>
-            <a:pPr lvl="1"/>
-            <a:r>
-              <a:rPr lang="zh-CN" altLang="en-US" dirty="0" smtClean="0"/>
-              <a:t>需求完成度（往往是</a:t>
-            </a:r>
-            <a:r>
-              <a:rPr lang="en-US" altLang="zh-CN" dirty="0" smtClean="0"/>
-              <a:t>major</a:t>
-            </a:r>
-            <a:r>
-              <a:rPr lang="zh-CN" altLang="en-US" dirty="0" smtClean="0"/>
-              <a:t>级别的</a:t>
-            </a:r>
-            <a:r>
-              <a:rPr lang="en-US" altLang="zh-CN" dirty="0" smtClean="0"/>
-              <a:t>bug</a:t>
-            </a:r>
-            <a:r>
-              <a:rPr lang="zh-CN" altLang="en-US" dirty="0" smtClean="0"/>
-              <a:t>）</a:t>
-            </a:r>
-            <a:endParaRPr lang="en-US" altLang="zh-CN" dirty="0" smtClean="0"/>
-          </a:p>
-          <a:p>
-            <a:pPr lvl="1"/>
-            <a:r>
-              <a:rPr lang="zh-CN" altLang="en-US" dirty="0" smtClean="0"/>
-              <a:t>用户友好度</a:t>
-            </a:r>
-            <a:endParaRPr lang="en-US" altLang="zh-CN" dirty="0" smtClean="0"/>
-          </a:p>
-          <a:p>
-            <a:pPr lvl="1"/>
-            <a:r>
-              <a:rPr lang="zh-CN" altLang="en-US" dirty="0" smtClean="0"/>
-              <a:t>界面瑕疵</a:t>
-            </a:r>
-            <a:endParaRPr lang="en-US" altLang="zh-CN" dirty="0" smtClean="0"/>
-          </a:p>
-          <a:p>
-            <a:pPr lvl="1"/>
-            <a:r>
-              <a:rPr lang="zh-CN" altLang="en-US" dirty="0"/>
-              <a:t>综合感受</a:t>
-            </a:r>
-            <a:endParaRPr lang="en-US" altLang="zh-CN" dirty="0" smtClean="0"/>
-          </a:p>
-          <a:p>
-            <a:r>
-              <a:rPr lang="zh-CN" altLang="en-US" dirty="0" smtClean="0"/>
-              <a:t>自动化测试</a:t>
-            </a:r>
-            <a:endParaRPr lang="en-US" altLang="zh-CN" dirty="0" smtClean="0"/>
-          </a:p>
-          <a:p>
-            <a:pPr lvl="1"/>
-            <a:r>
-              <a:rPr lang="en-US" altLang="zh-CN" dirty="0" smtClean="0"/>
-              <a:t>API</a:t>
-            </a:r>
-            <a:r>
-              <a:rPr lang="zh-CN" altLang="en-US" dirty="0" smtClean="0"/>
-              <a:t>测试（从设计阶段一直持续到发布）</a:t>
-            </a:r>
-            <a:endParaRPr lang="en-US" altLang="zh-CN" dirty="0" smtClean="0"/>
-          </a:p>
-          <a:p>
-            <a:pPr lvl="1"/>
-            <a:r>
-              <a:rPr lang="zh-CN" altLang="en-US" dirty="0" smtClean="0"/>
-              <a:t>脚本化的场景测试</a:t>
-            </a:r>
-            <a:endParaRPr lang="en-US" altLang="zh-CN" dirty="0" smtClean="0"/>
-          </a:p>
-          <a:p>
-            <a:pPr lvl="1"/>
-            <a:r>
-              <a:rPr lang="zh-CN" altLang="en-US" dirty="0" smtClean="0"/>
-              <a:t>压力测试</a:t>
-            </a:r>
-            <a:endParaRPr lang="en-US" altLang="zh-CN" dirty="0" smtClean="0"/>
-          </a:p>
-          <a:p>
-            <a:pPr lvl="1"/>
-            <a:r>
-              <a:rPr lang="zh-CN" altLang="en-US" dirty="0" smtClean="0"/>
-              <a:t>安全</a:t>
-            </a:r>
-            <a:r>
-              <a:rPr lang="zh-CN" altLang="en-US" dirty="0"/>
-              <a:t>检测</a:t>
-            </a:r>
+              <a:t>测试和技术专家主导的阶段</a:t>
+            </a:r>
+            <a:endParaRPr lang="zh-CN" altLang="en-US" dirty="0"/>
           </a:p>
         </p:txBody>
       </p:sp>
@@ -48034,8 +49070,9 @@
           <a:bodyPr/>
           <a:lstStyle/>
           <a:p>
-            <a:fld id="{519954A3-9DFD-4C44-94BA-B95130A3BA1C}" type="slidenum">
+            <a:fld id="{D57F1E4F-1CFF-5643-939E-217C01CDF565}" type="slidenum">
               <a:rPr lang="en-US" smtClean="0"/>
+              <a:pPr/>
               <a:t>21</a:t>
             </a:fld>
             <a:endParaRPr lang="en-US" dirty="0"/>
@@ -48044,7 +49081,7 @@
       </p:sp>
       <p:sp>
         <p:nvSpPr>
-          <p:cNvPr id="8" name="页脚占位符 4"/>
+          <p:cNvPr id="7" name="页脚占位符 4"/>
           <p:cNvSpPr>
             <a:spLocks noGrp="1"/>
           </p:cNvSpPr>
@@ -48115,14 +49152,24 @@
               <a:t>        本文档遵循 </a:t>
             </a:r>
             <a:r>
-              <a:rPr lang="en-US" altLang="zh-CN" sz="1200" dirty="0">
+              <a:rPr lang="en-US" altLang="zh-CN" sz="1200" dirty="0" smtClean="0">
                 <a:solidFill>
                   <a:prstClr val="black">
                     <a:tint val="75000"/>
                   </a:prstClr>
                 </a:solidFill>
               </a:rPr>
-              <a:t>CCL</a:t>
+              <a:t>CC</a:t>
+            </a:r>
+            <a:r>
+              <a:rPr lang="zh-CN" altLang="en-US" sz="1200" dirty="0" smtClean="0">
+                <a:solidFill>
+                  <a:prstClr val="black">
+                    <a:tint val="75000"/>
+                  </a:prstClr>
+                </a:solidFill>
+              </a:rPr>
+              <a:t>协议</a:t>
             </a:r>
             <a:r>
               <a:rPr lang="zh-CN" altLang="en-US" sz="1200" dirty="0">
@@ -48132,7 +49179,7 @@
                   </a:prstClr>
                 </a:solidFill>
               </a:rPr>
-              <a:t>协议（署名</a:t>
+              <a:t>（署名</a:t>
             </a:r>
             <a:r>
               <a:rPr lang="en-US" altLang="zh-CN" sz="1200" dirty="0">
@@ -48191,7 +49238,7 @@
     </p:spTree>
     <p:extLst>
       <p:ext uri="{BB962C8B-B14F-4D97-AF65-F5344CB8AC3E}">
-        <p14:creationId xmlns:p14="http://schemas.microsoft.com/office/powerpoint/2010/main" val="1330140025"/>
+        <p14:creationId xmlns:p14="http://schemas.microsoft.com/office/powerpoint/2010/main" val="1653611259"/>
       </p:ext>
     </p:extLst>
   </p:cSld>
@@ -48242,7 +49289,7 @@
           <a:p>
             <a:r>
               <a:rPr lang="zh-CN" altLang="en-US" dirty="0" smtClean="0"/>
-              <a:t>代码复查</a:t>
+              <a:t>集成测试</a:t>
             </a:r>
             <a:endParaRPr lang="zh-CN" altLang="en-US" dirty="0"/>
           </a:p>
@@ -48265,7 +49312,15 @@
           <a:p>
             <a:r>
               <a:rPr lang="zh-CN" altLang="en-US" dirty="0" smtClean="0"/>
-              <a:t>检查典型的设计与编码错误</a:t>
+              <a:t>人工测试（与</a:t>
+            </a:r>
+            <a:r>
+              <a:rPr lang="zh-CN" altLang="en-US" dirty="0" smtClean="0"/>
+              <a:t>执行阶段有</a:t>
+            </a:r>
+            <a:r>
+              <a:rPr lang="zh-CN" altLang="en-US" dirty="0" smtClean="0"/>
+              <a:t>一定的重叠）</a:t>
             </a:r>
             <a:endParaRPr lang="en-US" altLang="zh-CN" dirty="0" smtClean="0"/>
           </a:p>
@@ -48273,7 +49328,23 @@
             <a:pPr lvl="1"/>
             <a:r>
               <a:rPr lang="zh-CN" altLang="en-US" dirty="0" smtClean="0"/>
-              <a:t>与执行阶段的“行进间代码复查”相比，它更注重共性</a:t>
+              <a:t>需求完成度（往往是</a:t>
+            </a:r>
+            <a:r>
+              <a:rPr lang="en-US" altLang="zh-CN" dirty="0" smtClean="0"/>
+              <a:t>major</a:t>
+            </a:r>
+            <a:r>
+              <a:rPr lang="zh-CN" altLang="en-US" dirty="0" smtClean="0"/>
+              <a:t>级别的</a:t>
+            </a:r>
+            <a:r>
+              <a:rPr lang="en-US" altLang="zh-CN" dirty="0" smtClean="0"/>
+              <a:t>bug</a:t>
+            </a:r>
+            <a:r>
+              <a:rPr lang="zh-CN" altLang="en-US" dirty="0" smtClean="0"/>
+              <a:t>）</a:t>
             </a:r>
             <a:endParaRPr lang="en-US" altLang="zh-CN" dirty="0" smtClean="0"/>
           </a:p>
@@ -48281,23 +49352,7 @@
             <a:pPr lvl="1"/>
             <a:r>
               <a:rPr lang="zh-CN" altLang="en-US" dirty="0" smtClean="0"/>
-              <a:t>程序员</a:t>
-            </a:r>
-            <a:r>
-              <a:rPr lang="en-US" altLang="zh-CN" dirty="0" smtClean="0"/>
-              <a:t>A</a:t>
-            </a:r>
-            <a:r>
-              <a:rPr lang="zh-CN" altLang="en-US" dirty="0" smtClean="0"/>
-              <a:t>犯过这个错误，程序员</a:t>
-            </a:r>
-            <a:r>
-              <a:rPr lang="en-US" altLang="zh-CN" dirty="0" smtClean="0"/>
-              <a:t>B</a:t>
-            </a:r>
-            <a:r>
-              <a:rPr lang="zh-CN" altLang="en-US" dirty="0" smtClean="0"/>
-              <a:t>有没有犯？</a:t>
+              <a:t>用户友好度</a:t>
             </a:r>
             <a:endParaRPr lang="en-US" altLang="zh-CN" dirty="0" smtClean="0"/>
           </a:p>
@@ -48305,98 +49360,42 @@
             <a:pPr lvl="1"/>
             <a:r>
               <a:rPr lang="zh-CN" altLang="en-US" dirty="0" smtClean="0"/>
-              <a:t>模块</a:t>
-            </a:r>
-            <a:r>
-              <a:rPr lang="en-US" altLang="zh-CN" dirty="0" smtClean="0"/>
-              <a:t>A</a:t>
-            </a:r>
-            <a:r>
-              <a:rPr lang="zh-CN" altLang="en-US" dirty="0" smtClean="0"/>
-              <a:t>的接口设计非常不友好，模块</a:t>
-            </a:r>
-            <a:r>
-              <a:rPr lang="en-US" altLang="zh-CN" dirty="0" smtClean="0"/>
-              <a:t>B</a:t>
-            </a:r>
-            <a:r>
-              <a:rPr lang="zh-CN" altLang="en-US" dirty="0" smtClean="0"/>
-              <a:t>的接口怎么样？</a:t>
+              <a:t>界面瑕疵</a:t>
             </a:r>
             <a:endParaRPr lang="en-US" altLang="zh-CN" dirty="0" smtClean="0"/>
           </a:p>
           <a:p>
             <a:pPr lvl="1"/>
             <a:r>
+              <a:rPr lang="zh-CN" altLang="en-US" dirty="0"/>
+              <a:t>综合感受</a:t>
+            </a:r>
+            <a:endParaRPr lang="en-US" altLang="zh-CN" dirty="0" smtClean="0"/>
+          </a:p>
+          <a:p>
+            <a:r>
               <a:rPr lang="zh-CN" altLang="en-US" dirty="0" smtClean="0"/>
-              <a:t>程序员</a:t>
-            </a:r>
-            <a:r>
-              <a:rPr lang="en-US" altLang="zh-CN" dirty="0" smtClean="0"/>
-              <a:t>A</a:t>
-            </a:r>
-            <a:r>
-              <a:rPr lang="zh-CN" altLang="en-US" dirty="0" smtClean="0"/>
-              <a:t>使用了一个</a:t>
-            </a:r>
-            <a:r>
-              <a:rPr lang="en-US" altLang="zh-CN" dirty="0" smtClean="0"/>
-              <a:t>10</a:t>
-            </a:r>
-            <a:r>
-              <a:rPr lang="zh-CN" altLang="en-US" dirty="0" smtClean="0"/>
-              <a:t>表大</a:t>
-            </a:r>
-            <a:r>
-              <a:rPr lang="en-US" altLang="zh-CN" dirty="0" smtClean="0"/>
-              <a:t>join</a:t>
-            </a:r>
-            <a:r>
-              <a:rPr lang="zh-CN" altLang="en-US" dirty="0" smtClean="0"/>
-              <a:t>，程序员</a:t>
-            </a:r>
-            <a:r>
-              <a:rPr lang="en-US" altLang="zh-CN" dirty="0" smtClean="0"/>
-              <a:t>B</a:t>
-            </a:r>
-            <a:r>
-              <a:rPr lang="zh-CN" altLang="en-US" dirty="0" smtClean="0"/>
-              <a:t>有没有这样的问题？</a:t>
+              <a:t>自动化测试</a:t>
             </a:r>
             <a:endParaRPr lang="en-US" altLang="zh-CN" dirty="0" smtClean="0"/>
           </a:p>
           <a:p>
             <a:pPr lvl="1"/>
             <a:r>
+              <a:rPr lang="en-US" altLang="zh-CN" dirty="0" smtClean="0"/>
+              <a:t>API</a:t>
+            </a:r>
+            <a:r>
               <a:rPr lang="zh-CN" altLang="en-US" dirty="0" smtClean="0"/>
-              <a:t>某个关键算法没有单元测试，其他的关键算法怎么样？</a:t>
-            </a:r>
-            <a:endParaRPr lang="en-US" altLang="zh-CN" dirty="0" smtClean="0"/>
-          </a:p>
-          <a:p>
-            <a:r>
-              <a:rPr lang="zh-CN" altLang="en-US" dirty="0" smtClean="0"/>
-              <a:t>查找优化与复用的契机</a:t>
+              <a:t>测试（从设计阶段一直持续到发布）</a:t>
             </a:r>
             <a:endParaRPr lang="en-US" altLang="zh-CN" dirty="0" smtClean="0"/>
           </a:p>
           <a:p>
             <a:pPr lvl="1"/>
             <a:r>
-              <a:rPr lang="en-US" altLang="zh-CN" dirty="0" smtClean="0"/>
-              <a:t>A</a:t>
-            </a:r>
-            <a:r>
               <a:rPr lang="zh-CN" altLang="en-US" dirty="0" smtClean="0"/>
-              <a:t>模块和</a:t>
-            </a:r>
-            <a:r>
-              <a:rPr lang="en-US" altLang="zh-CN" dirty="0" smtClean="0"/>
-              <a:t>B</a:t>
-            </a:r>
-            <a:r>
-              <a:rPr lang="zh-CN" altLang="en-US" dirty="0" smtClean="0"/>
-              <a:t>模块都有这项功能，能否提取为公共模块？</a:t>
+              <a:t>脚本化的场景测试</a:t>
             </a:r>
             <a:endParaRPr lang="en-US" altLang="zh-CN" dirty="0" smtClean="0"/>
           </a:p>
@@ -48404,7 +49403,7 @@
             <a:pPr lvl="1"/>
             <a:r>
               <a:rPr lang="zh-CN" altLang="en-US" dirty="0" smtClean="0"/>
-              <a:t>是现在提取还是等将来再提取？</a:t>
+              <a:t>压力测试</a:t>
             </a:r>
             <a:endParaRPr lang="en-US" altLang="zh-CN" dirty="0" smtClean="0"/>
           </a:p>
@@ -48412,9 +49411,12 @@
             <a:pPr lvl="1"/>
             <a:r>
               <a:rPr lang="zh-CN" altLang="en-US" dirty="0" smtClean="0"/>
-              <a:t>压力测试的结果是否具有典型性，是否值得现在就冒险优化？</a:t>
-            </a:r>
-            <a:endParaRPr lang="zh-CN" altLang="en-US" dirty="0"/>
+              <a:t>安全</a:t>
+            </a:r>
+            <a:r>
+              <a:rPr lang="zh-CN" altLang="en-US" dirty="0"/>
+              <a:t>检测</a:t>
+            </a:r>
           </a:p>
         </p:txBody>
       </p:sp>
@@ -48486,7 +49488,7 @@
       </p:sp>
       <p:sp>
         <p:nvSpPr>
-          <p:cNvPr id="7" name="页脚占位符 4"/>
+          <p:cNvPr id="8" name="页脚占位符 4"/>
           <p:cNvSpPr>
             <a:spLocks noGrp="1"/>
           </p:cNvSpPr>
@@ -48557,14 +49559,24 @@
               <a:t>        本文档遵循 </a:t>
             </a:r>
             <a:r>
-              <a:rPr lang="en-US" altLang="zh-CN" sz="1200" dirty="0">
+              <a:rPr lang="en-US" altLang="zh-CN" sz="1200" dirty="0" smtClean="0">
                 <a:solidFill>
                   <a:prstClr val="black">
                     <a:tint val="75000"/>
                   </a:prstClr>
                 </a:solidFill>
               </a:rPr>
-              <a:t>CCL</a:t>
+              <a:t>CC</a:t>
+            </a:r>
+            <a:r>
+              <a:rPr lang="zh-CN" altLang="en-US" sz="1200" dirty="0" smtClean="0">
+                <a:solidFill>
+                  <a:prstClr val="black">
+                    <a:tint val="75000"/>
+                  </a:prstClr>
+                </a:solidFill>
+              </a:rPr>
+              <a:t>协议</a:t>
             </a:r>
             <a:r>
               <a:rPr lang="zh-CN" altLang="en-US" sz="1200" dirty="0">
@@ -48574,7 +49586,7 @@
                   </a:prstClr>
                 </a:solidFill>
               </a:rPr>
-              <a:t>协议（署名</a:t>
+              <a:t>（署名</a:t>
             </a:r>
             <a:r>
               <a:rPr lang="en-US" altLang="zh-CN" sz="1200" dirty="0">
@@ -48633,7 +49645,7 @@
     </p:spTree>
     <p:extLst>
       <p:ext uri="{BB962C8B-B14F-4D97-AF65-F5344CB8AC3E}">
-        <p14:creationId xmlns:p14="http://schemas.microsoft.com/office/powerpoint/2010/main" val="43413222"/>
+        <p14:creationId xmlns:p14="http://schemas.microsoft.com/office/powerpoint/2010/main" val="1330140025"/>
       </p:ext>
     </p:extLst>
   </p:cSld>
@@ -48684,7 +49696,7 @@
           <a:p>
             <a:r>
               <a:rPr lang="zh-CN" altLang="en-US" dirty="0" smtClean="0"/>
-              <a:t>总结提高阶段</a:t>
+              <a:t>代码复查</a:t>
             </a:r>
             <a:endParaRPr lang="zh-CN" altLang="en-US" dirty="0"/>
           </a:p>
@@ -48692,12 +49704,12 @@
       </p:sp>
       <p:sp>
         <p:nvSpPr>
-          <p:cNvPr id="3" name="文本占位符 2"/>
+          <p:cNvPr id="3" name="内容占位符 2"/>
           <p:cNvSpPr>
             <a:spLocks noGrp="1"/>
           </p:cNvSpPr>
           <p:nvPr>
-            <p:ph type="body" idx="1"/>
+            <p:ph idx="1"/>
           </p:nvPr>
         </p:nvSpPr>
         <p:spPr/>
@@ -48706,12 +49718,155 @@
           <a:lstStyle/>
           <a:p>
             <a:r>
+              <a:rPr lang="zh-CN" altLang="en-US" dirty="0" smtClean="0"/>
+              <a:t>检查典型的设计与编码错误</a:t>
+            </a:r>
+            <a:endParaRPr lang="en-US" altLang="zh-CN" dirty="0" smtClean="0"/>
+          </a:p>
+          <a:p>
+            <a:pPr lvl="1"/>
+            <a:r>
+              <a:rPr lang="zh-CN" altLang="en-US" dirty="0" smtClean="0"/>
+              <a:t>与执行阶段的“行进间代码复查”相比，它更注重共性</a:t>
+            </a:r>
+            <a:endParaRPr lang="en-US" altLang="zh-CN" dirty="0" smtClean="0"/>
+          </a:p>
+          <a:p>
+            <a:pPr lvl="1"/>
+            <a:r>
+              <a:rPr lang="zh-CN" altLang="en-US" dirty="0" smtClean="0"/>
+              <a:t>程序员</a:t>
+            </a:r>
+            <a:r>
               <a:rPr lang="en-US" altLang="zh-CN" dirty="0" smtClean="0"/>
-              <a:t>QA</a:t>
+              <a:t>A</a:t>
             </a:r>
             <a:r>
               <a:rPr lang="zh-CN" altLang="en-US" dirty="0" smtClean="0"/>
-              <a:t>主导的阶段</a:t>
+              <a:t>犯过这个错误，程序员</a:t>
+            </a:r>
+            <a:r>
+              <a:rPr lang="en-US" altLang="zh-CN" dirty="0" smtClean="0"/>
+              <a:t>B</a:t>
+            </a:r>
+            <a:r>
+              <a:rPr lang="zh-CN" altLang="en-US" dirty="0" smtClean="0"/>
+              <a:t>有没有犯？</a:t>
+            </a:r>
+            <a:endParaRPr lang="en-US" altLang="zh-CN" dirty="0" smtClean="0"/>
+          </a:p>
+          <a:p>
+            <a:pPr lvl="1"/>
+            <a:r>
+              <a:rPr lang="zh-CN" altLang="en-US" dirty="0" smtClean="0"/>
+              <a:t>模块</a:t>
+            </a:r>
+            <a:r>
+              <a:rPr lang="en-US" altLang="zh-CN" dirty="0" smtClean="0"/>
+              <a:t>A</a:t>
+            </a:r>
+            <a:r>
+              <a:rPr lang="zh-CN" altLang="en-US" dirty="0" smtClean="0"/>
+              <a:t>的接口设计非常不友好，模块</a:t>
+            </a:r>
+            <a:r>
+              <a:rPr lang="en-US" altLang="zh-CN" dirty="0" smtClean="0"/>
+              <a:t>B</a:t>
+            </a:r>
+            <a:r>
+              <a:rPr lang="zh-CN" altLang="en-US" dirty="0" smtClean="0"/>
+              <a:t>的接口怎么样？</a:t>
+            </a:r>
+            <a:endParaRPr lang="en-US" altLang="zh-CN" dirty="0" smtClean="0"/>
+          </a:p>
+          <a:p>
+            <a:pPr lvl="1"/>
+            <a:r>
+              <a:rPr lang="zh-CN" altLang="en-US" dirty="0" smtClean="0"/>
+              <a:t>程序员</a:t>
+            </a:r>
+            <a:r>
+              <a:rPr lang="en-US" altLang="zh-CN" dirty="0" smtClean="0"/>
+              <a:t>A</a:t>
+            </a:r>
+            <a:r>
+              <a:rPr lang="zh-CN" altLang="en-US" dirty="0" smtClean="0"/>
+              <a:t>使用了一个</a:t>
+            </a:r>
+            <a:r>
+              <a:rPr lang="en-US" altLang="zh-CN" dirty="0" smtClean="0"/>
+              <a:t>10</a:t>
+            </a:r>
+            <a:r>
+              <a:rPr lang="zh-CN" altLang="en-US" dirty="0" smtClean="0"/>
+              <a:t>表大</a:t>
+            </a:r>
+            <a:r>
+              <a:rPr lang="en-US" altLang="zh-CN" dirty="0" smtClean="0"/>
+              <a:t>join</a:t>
+            </a:r>
+            <a:r>
+              <a:rPr lang="zh-CN" altLang="en-US" dirty="0" smtClean="0"/>
+              <a:t>，程序员</a:t>
+            </a:r>
+            <a:r>
+              <a:rPr lang="en-US" altLang="zh-CN" dirty="0" smtClean="0"/>
+              <a:t>B</a:t>
+            </a:r>
+            <a:r>
+              <a:rPr lang="zh-CN" altLang="en-US" dirty="0" smtClean="0"/>
+              <a:t>有没有这样的问题？</a:t>
+            </a:r>
+            <a:endParaRPr lang="en-US" altLang="zh-CN" dirty="0" smtClean="0"/>
+          </a:p>
+          <a:p>
+            <a:pPr lvl="1"/>
+            <a:r>
+              <a:rPr lang="zh-CN" altLang="en-US" dirty="0" smtClean="0"/>
+              <a:t>某个关键算法没有单元测试，其他的关键算法怎么样？</a:t>
+            </a:r>
+            <a:endParaRPr lang="en-US" altLang="zh-CN" dirty="0" smtClean="0"/>
+          </a:p>
+          <a:p>
+            <a:r>
+              <a:rPr lang="zh-CN" altLang="en-US" dirty="0" smtClean="0"/>
+              <a:t>查找优化与复用的契机</a:t>
+            </a:r>
+            <a:endParaRPr lang="en-US" altLang="zh-CN" dirty="0" smtClean="0"/>
+          </a:p>
+          <a:p>
+            <a:pPr lvl="1"/>
+            <a:r>
+              <a:rPr lang="en-US" altLang="zh-CN" dirty="0" smtClean="0"/>
+              <a:t>A</a:t>
+            </a:r>
+            <a:r>
+              <a:rPr lang="zh-CN" altLang="en-US" dirty="0" smtClean="0"/>
+              <a:t>模块和</a:t>
+            </a:r>
+            <a:r>
+              <a:rPr lang="en-US" altLang="zh-CN" dirty="0" smtClean="0"/>
+              <a:t>B</a:t>
+            </a:r>
+            <a:r>
+              <a:rPr lang="zh-CN" altLang="en-US" dirty="0" smtClean="0"/>
+              <a:t>模块都有这项功能，能否提取为公共模块？</a:t>
+            </a:r>
+            <a:endParaRPr lang="en-US" altLang="zh-CN" dirty="0" smtClean="0"/>
+          </a:p>
+          <a:p>
+            <a:pPr lvl="1"/>
+            <a:r>
+              <a:rPr lang="zh-CN" altLang="en-US" dirty="0" smtClean="0"/>
+              <a:t>是现在提取还是等将来再提取？</a:t>
+            </a:r>
+            <a:endParaRPr lang="en-US" altLang="zh-CN" dirty="0" smtClean="0"/>
+          </a:p>
+          <a:p>
+            <a:pPr lvl="1"/>
+            <a:r>
+              <a:rPr lang="zh-CN" altLang="en-US" dirty="0" smtClean="0"/>
+              <a:t>压力测试的结果是否具有典型性，是否值得现在就冒险优化？</a:t>
             </a:r>
             <a:endParaRPr lang="zh-CN" altLang="en-US" dirty="0"/>
           </a:p>
@@ -48775,9 +49930,8 @@
           <a:bodyPr/>
           <a:lstStyle/>
           <a:p>
-            <a:fld id="{D57F1E4F-1CFF-5643-939E-217C01CDF565}" type="slidenum">
+            <a:fld id="{519954A3-9DFD-4C44-94BA-B95130A3BA1C}" type="slidenum">
               <a:rPr lang="en-US" smtClean="0"/>
-              <a:pPr/>
               <a:t>23</a:t>
             </a:fld>
             <a:endParaRPr lang="en-US" dirty="0"/>
@@ -48857,14 +50011,24 @@
               <a:t>        本文档遵循 </a:t>
             </a:r>
             <a:r>
-              <a:rPr lang="en-US" altLang="zh-CN" sz="1200" dirty="0">
+              <a:rPr lang="en-US" altLang="zh-CN" sz="1200" dirty="0" smtClean="0">
                 <a:solidFill>
                   <a:prstClr val="black">
                     <a:tint val="75000"/>
                   </a:prstClr>
                 </a:solidFill>
               </a:rPr>
-              <a:t>CCL</a:t>
+              <a:t>CC</a:t>
+            </a:r>
+            <a:r>
+              <a:rPr lang="zh-CN" altLang="en-US" sz="1200" dirty="0" smtClean="0">
+                <a:solidFill>
+                  <a:prstClr val="black">
+                    <a:tint val="75000"/>
+                  </a:prstClr>
+                </a:solidFill>
+              </a:rPr>
+              <a:t>协议</a:t>
             </a:r>
             <a:r>
               <a:rPr lang="zh-CN" altLang="en-US" sz="1200" dirty="0">
@@ -48874,7 +50038,7 @@
                   </a:prstClr>
                 </a:solidFill>
               </a:rPr>
-              <a:t>协议（署名</a:t>
+              <a:t>（署名</a:t>
             </a:r>
             <a:r>
               <a:rPr lang="en-US" altLang="zh-CN" sz="1200" dirty="0">
@@ -48933,7 +50097,7 @@
     </p:spTree>
     <p:extLst>
       <p:ext uri="{BB962C8B-B14F-4D97-AF65-F5344CB8AC3E}">
-        <p14:creationId xmlns:p14="http://schemas.microsoft.com/office/powerpoint/2010/main" val="3897720828"/>
+        <p14:creationId xmlns:p14="http://schemas.microsoft.com/office/powerpoint/2010/main" val="43413222"/>
       </p:ext>
     </p:extLst>
   </p:cSld>
@@ -48984,40 +50148,42 @@
           <a:p>
             <a:r>
               <a:rPr lang="zh-CN" altLang="en-US" dirty="0" smtClean="0"/>
-              <a:t>流程复查</a:t>
+              <a:t>总结提高阶段</a:t>
             </a:r>
             <a:endParaRPr lang="zh-CN" altLang="en-US" dirty="0"/>
           </a:p>
         </p:txBody>
       </p:sp>
-      <p:graphicFrame>
-        <p:nvGraphicFramePr>
-          <p:cNvPr id="4" name="内容占位符 3"/>
-          <p:cNvGraphicFramePr>
-            <a:graphicFrameLocks noGrp="1"/>
-          </p:cNvGraphicFramePr>
-          <p:nvPr>
-            <p:ph idx="1"/>
-            <p:extLst>
-              <p:ext uri="{D42A27DB-BD31-4B8C-83A1-F6EECF244321}">
-                <p14:modId xmlns:p14="http://schemas.microsoft.com/office/powerpoint/2010/main" val="492162425"/>
-              </p:ext>
-            </p:extLst>
-          </p:nvPr>
-        </p:nvGraphicFramePr>
-        <p:xfrm>
-          <a:off x="677863" y="2160588"/>
-          <a:ext cx="8596312" cy="3881437"/>
-        </p:xfrm>
-        <a:graphic>
-          <a:graphicData uri="http://schemas.openxmlformats.org/drawingml/2006/diagram">
-            <dgm:relIds xmlns:dgm="http://schemas.openxmlformats.org/drawingml/2006/diagram" xmlns:r="http://schemas.openxmlformats.org/officeDocument/2006/relationships" r:dm="rId2" r:lo="rId3" r:qs="rId4" r:cs="rId5"/>
-          </a:graphicData>
-        </a:graphic>
-      </p:graphicFrame>
       <p:sp>
         <p:nvSpPr>
-          <p:cNvPr id="5" name="日期占位符 4"/>
+          <p:cNvPr id="3" name="文本占位符 2"/>
+          <p:cNvSpPr>
+            <a:spLocks noGrp="1"/>
+          </p:cNvSpPr>
+          <p:nvPr>
+            <p:ph type="body" idx="1"/>
+          </p:nvPr>
+        </p:nvSpPr>
+        <p:spPr/>
+        <p:txBody>
+          <a:bodyPr/>
+          <a:lstStyle/>
+          <a:p>
+            <a:r>
+              <a:rPr lang="en-US" altLang="zh-CN" dirty="0" smtClean="0"/>
+              <a:t>QA</a:t>
+            </a:r>
+            <a:r>
+              <a:rPr lang="zh-CN" altLang="en-US" dirty="0" smtClean="0"/>
+              <a:t>主导的阶段</a:t>
+            </a:r>
+            <a:endParaRPr lang="zh-CN" altLang="en-US" dirty="0"/>
+          </a:p>
+        </p:txBody>
+      </p:sp>
+      <p:sp>
+        <p:nvSpPr>
+          <p:cNvPr id="4" name="日期占位符 3"/>
           <p:cNvSpPr>
             <a:spLocks noGrp="1"/>
           </p:cNvSpPr>
@@ -49060,7 +50226,7 @@
       </p:sp>
       <p:sp>
         <p:nvSpPr>
-          <p:cNvPr id="7" name="灯片编号占位符 6"/>
+          <p:cNvPr id="6" name="灯片编号占位符 5"/>
           <p:cNvSpPr>
             <a:spLocks noGrp="1"/>
           </p:cNvSpPr>
@@ -49073,8 +50239,9 @@
           <a:bodyPr/>
           <a:lstStyle/>
           <a:p>
-            <a:fld id="{519954A3-9DFD-4C44-94BA-B95130A3BA1C}" type="slidenum">
+            <a:fld id="{D57F1E4F-1CFF-5643-939E-217C01CDF565}" type="slidenum">
               <a:rPr lang="en-US" smtClean="0"/>
+              <a:pPr/>
               <a:t>24</a:t>
             </a:fld>
             <a:endParaRPr lang="en-US" dirty="0"/>
@@ -49083,7 +50250,7 @@
       </p:sp>
       <p:sp>
         <p:nvSpPr>
-          <p:cNvPr id="8" name="页脚占位符 4"/>
+          <p:cNvPr id="7" name="页脚占位符 4"/>
           <p:cNvSpPr>
             <a:spLocks noGrp="1"/>
           </p:cNvSpPr>
@@ -49129,7 +50296,7 @@
                     <a:tint val="75000"/>
                   </a:prstClr>
                 </a:solidFill>
-                <a:hlinkClick r:id="rId7"/>
+                <a:hlinkClick r:id="rId2"/>
               </a:rPr>
               <a:t>wangzhicheng@admaster.com.cn</a:t>
             </a:r>
@@ -49154,14 +50321,24 @@
               <a:t>        本文档遵循 </a:t>
             </a:r>
             <a:r>
-              <a:rPr lang="en-US" altLang="zh-CN" sz="1200" dirty="0">
+              <a:rPr lang="en-US" altLang="zh-CN" sz="1200" dirty="0" smtClean="0">
                 <a:solidFill>
                   <a:prstClr val="black">
                     <a:tint val="75000"/>
                   </a:prstClr>
                 </a:solidFill>
               </a:rPr>
-              <a:t>CCL</a:t>
+              <a:t>CC</a:t>
+            </a:r>
+            <a:r>
+              <a:rPr lang="zh-CN" altLang="en-US" sz="1200" dirty="0" smtClean="0">
+                <a:solidFill>
+                  <a:prstClr val="black">
+                    <a:tint val="75000"/>
+                  </a:prstClr>
+                </a:solidFill>
+              </a:rPr>
+              <a:t>协议</a:t>
             </a:r>
             <a:r>
               <a:rPr lang="zh-CN" altLang="en-US" sz="1200" dirty="0">
@@ -49171,7 +50348,7 @@
                   </a:prstClr>
                 </a:solidFill>
               </a:rPr>
-              <a:t>协议（署名</a:t>
+              <a:t>（署名</a:t>
             </a:r>
             <a:r>
               <a:rPr lang="en-US" altLang="zh-CN" sz="1200" dirty="0">
@@ -49230,7 +50407,7 @@
     </p:spTree>
     <p:extLst>
       <p:ext uri="{BB962C8B-B14F-4D97-AF65-F5344CB8AC3E}">
-        <p14:creationId xmlns:p14="http://schemas.microsoft.com/office/powerpoint/2010/main" val="3180032443"/>
+        <p14:creationId xmlns:p14="http://schemas.microsoft.com/office/powerpoint/2010/main" val="3897720828"/>
       </p:ext>
     </p:extLst>
   </p:cSld>
@@ -49281,7 +50458,7 @@
           <a:p>
             <a:r>
               <a:rPr lang="zh-CN" altLang="en-US" dirty="0" smtClean="0"/>
-              <a:t>研发规范</a:t>
+              <a:t>流程复查</a:t>
             </a:r>
             <a:endParaRPr lang="zh-CN" altLang="en-US" dirty="0"/>
           </a:p>
@@ -49297,7 +50474,7 @@
             <p:ph idx="1"/>
             <p:extLst>
               <p:ext uri="{D42A27DB-BD31-4B8C-83A1-F6EECF244321}">
-                <p14:modId xmlns:p14="http://schemas.microsoft.com/office/powerpoint/2010/main" val="1541376475"/>
+                <p14:modId xmlns:p14="http://schemas.microsoft.com/office/powerpoint/2010/main" val="492162425"/>
               </p:ext>
             </p:extLst>
           </p:nvPr>
@@ -49308,7 +50485,7 @@
         </p:xfrm>
         <a:graphic>
           <a:graphicData uri="http://schemas.openxmlformats.org/drawingml/2006/diagram">
-            <dgm:relIds xmlns:dgm="http://schemas.openxmlformats.org/drawingml/2006/diagram" xmlns:r="http://schemas.openxmlformats.org/officeDocument/2006/relationships" r:dm="rId3" r:lo="rId4" r:qs="rId5" r:cs="rId6"/>
+            <dgm:relIds xmlns:dgm="http://schemas.openxmlformats.org/drawingml/2006/diagram" xmlns:r="http://schemas.openxmlformats.org/officeDocument/2006/relationships" r:dm="rId2" r:lo="rId3" r:qs="rId4" r:cs="rId5"/>
           </a:graphicData>
         </a:graphic>
       </p:graphicFrame>
@@ -49426,7 +50603,7 @@
                     <a:tint val="75000"/>
                   </a:prstClr>
                 </a:solidFill>
-                <a:hlinkClick r:id="rId8"/>
+                <a:hlinkClick r:id="rId7"/>
               </a:rPr>
               <a:t>wangzhicheng@admaster.com.cn</a:t>
             </a:r>
@@ -49451,14 +50628,24 @@
               <a:t>        本文档遵循 </a:t>
             </a:r>
             <a:r>
-              <a:rPr lang="en-US" altLang="zh-CN" sz="1200" dirty="0">
+              <a:rPr lang="en-US" altLang="zh-CN" sz="1200" dirty="0" smtClean="0">
                 <a:solidFill>
                   <a:prstClr val="black">
                     <a:tint val="75000"/>
                   </a:prstClr>
                 </a:solidFill>
               </a:rPr>
-              <a:t>CCL</a:t>
+              <a:t>CC</a:t>
+            </a:r>
+            <a:r>
+              <a:rPr lang="zh-CN" altLang="en-US" sz="1200" dirty="0" smtClean="0">
+                <a:solidFill>
+                  <a:prstClr val="black">
+                    <a:tint val="75000"/>
+                  </a:prstClr>
+                </a:solidFill>
+              </a:rPr>
+              <a:t>协议</a:t>
             </a:r>
             <a:r>
               <a:rPr lang="zh-CN" altLang="en-US" sz="1200" dirty="0">
@@ -49468,7 +50655,7 @@
                   </a:prstClr>
                 </a:solidFill>
               </a:rPr>
-              <a:t>协议（署名</a:t>
+              <a:t>（署名</a:t>
             </a:r>
             <a:r>
               <a:rPr lang="en-US" altLang="zh-CN" sz="1200" dirty="0">
@@ -49527,7 +50714,7 @@
     </p:spTree>
     <p:extLst>
       <p:ext uri="{BB962C8B-B14F-4D97-AF65-F5344CB8AC3E}">
-        <p14:creationId xmlns:p14="http://schemas.microsoft.com/office/powerpoint/2010/main" val="1395261582"/>
+        <p14:creationId xmlns:p14="http://schemas.microsoft.com/office/powerpoint/2010/main" val="3180032443"/>
       </p:ext>
     </p:extLst>
   </p:cSld>
@@ -49578,7 +50765,7 @@
           <a:p>
             <a:r>
               <a:rPr lang="zh-CN" altLang="en-US" dirty="0" smtClean="0"/>
-              <a:t>可复用清单</a:t>
+              <a:t>研发规范</a:t>
             </a:r>
             <a:endParaRPr lang="zh-CN" altLang="en-US" dirty="0"/>
           </a:p>
@@ -49594,7 +50781,7 @@
             <p:ph idx="1"/>
             <p:extLst>
               <p:ext uri="{D42A27DB-BD31-4B8C-83A1-F6EECF244321}">
-                <p14:modId xmlns:p14="http://schemas.microsoft.com/office/powerpoint/2010/main" val="1393230068"/>
+                <p14:modId xmlns:p14="http://schemas.microsoft.com/office/powerpoint/2010/main" val="1541376475"/>
               </p:ext>
             </p:extLst>
           </p:nvPr>
@@ -49605,7 +50792,7 @@
         </p:xfrm>
         <a:graphic>
           <a:graphicData uri="http://schemas.openxmlformats.org/drawingml/2006/diagram">
-            <dgm:relIds xmlns:dgm="http://schemas.openxmlformats.org/drawingml/2006/diagram" xmlns:r="http://schemas.openxmlformats.org/officeDocument/2006/relationships" r:dm="rId2" r:lo="rId3" r:qs="rId4" r:cs="rId5"/>
+            <dgm:relIds xmlns:dgm="http://schemas.openxmlformats.org/drawingml/2006/diagram" xmlns:r="http://schemas.openxmlformats.org/officeDocument/2006/relationships" r:dm="rId3" r:lo="rId4" r:qs="rId5" r:cs="rId6"/>
           </a:graphicData>
         </a:graphic>
       </p:graphicFrame>
@@ -49723,7 +50910,7 @@
                     <a:tint val="75000"/>
                   </a:prstClr>
                 </a:solidFill>
-                <a:hlinkClick r:id="rId7"/>
+                <a:hlinkClick r:id="rId8"/>
               </a:rPr>
               <a:t>wangzhicheng@admaster.com.cn</a:t>
             </a:r>
@@ -49748,6 +50935,36 @@
               <a:t>        本文档遵循 </a:t>
             </a:r>
             <a:r>
+              <a:rPr lang="en-US" altLang="zh-CN" sz="1200" dirty="0" smtClean="0">
+                <a:solidFill>
+                  <a:prstClr val="black">
+                    <a:tint val="75000"/>
+                  </a:prstClr>
+                </a:solidFill>
+              </a:rPr>
+              <a:t>CC</a:t>
+            </a:r>
+            <a:r>
+              <a:rPr lang="zh-CN" altLang="en-US" sz="1200" dirty="0" smtClean="0">
+                <a:solidFill>
+                  <a:prstClr val="black">
+                    <a:tint val="75000"/>
+                  </a:prstClr>
+                </a:solidFill>
+              </a:rPr>
+              <a:t>协议</a:t>
+            </a:r>
+            <a:r>
+              <a:rPr lang="zh-CN" altLang="en-US" sz="1200" dirty="0">
+                <a:solidFill>
+                  <a:prstClr val="black">
+                    <a:tint val="75000"/>
+                  </a:prstClr>
+                </a:solidFill>
+              </a:rPr>
+              <a:t>（署名</a:t>
+            </a:r>
+            <a:r>
               <a:rPr lang="en-US" altLang="zh-CN" sz="1200" dirty="0">
                 <a:solidFill>
                   <a:prstClr val="black">
@@ -49755,7 +50972,7 @@
                   </a:prstClr>
                 </a:solidFill>
               </a:rPr>
-              <a:t>CCL</a:t>
+              <a:t>-</a:t>
             </a:r>
             <a:r>
               <a:rPr lang="zh-CN" altLang="en-US" sz="1200" dirty="0">
@@ -49765,7 +50982,294 @@
                   </a:prstClr>
                 </a:solidFill>
               </a:rPr>
-              <a:t>协议（署名</a:t>
+              <a:t>非商业</a:t>
+            </a:r>
+            <a:r>
+              <a:rPr lang="en-US" altLang="zh-CN" sz="1200" dirty="0">
+                <a:solidFill>
+                  <a:prstClr val="black">
+                    <a:tint val="75000"/>
+                  </a:prstClr>
+                </a:solidFill>
+              </a:rPr>
+              <a:t>-</a:t>
+            </a:r>
+            <a:r>
+              <a:rPr lang="zh-CN" altLang="en-US" sz="1200" dirty="0">
+                <a:solidFill>
+                  <a:prstClr val="black">
+                    <a:tint val="75000"/>
+                  </a:prstClr>
+                </a:solidFill>
+              </a:rPr>
+              <a:t>共享</a:t>
+            </a:r>
+            <a:r>
+              <a:rPr lang="zh-CN" altLang="en-US" sz="1200" dirty="0" smtClean="0">
+                <a:solidFill>
+                  <a:prstClr val="black">
+                    <a:tint val="75000"/>
+                  </a:prstClr>
+                </a:solidFill>
+              </a:rPr>
+              <a:t>）</a:t>
+            </a:r>
+            <a:endParaRPr lang="en-US" dirty="0"/>
+          </a:p>
+        </p:txBody>
+      </p:sp>
+    </p:spTree>
+    <p:extLst>
+      <p:ext uri="{BB962C8B-B14F-4D97-AF65-F5344CB8AC3E}">
+        <p14:creationId xmlns:p14="http://schemas.microsoft.com/office/powerpoint/2010/main" val="1395261582"/>
+      </p:ext>
+    </p:extLst>
+  </p:cSld>
+  <p:clrMapOvr>
+    <a:masterClrMapping/>
+  </p:clrMapOvr>
+  <p:timing>
+    <p:tnLst>
+      <p:par>
+        <p:cTn id="1" dur="indefinite" restart="never" nodeType="tmRoot"/>
+      </p:par>
+    </p:tnLst>
+  </p:timing>
+</p:sld>
+</file>
+
+<file path=ppt/slides/slide27.xml><?xml version="1.0" encoding="utf-8"?>
+<p:sld xmlns:a="http://schemas.openxmlformats.org/drawingml/2006/main" xmlns:r="http://schemas.openxmlformats.org/officeDocument/2006/relationships" xmlns:p="http://schemas.openxmlformats.org/presentationml/2006/main">
+  <p:cSld>
+    <p:spTree>
+      <p:nvGrpSpPr>
+        <p:cNvPr id="1" name=""/>
+        <p:cNvGrpSpPr/>
+        <p:nvPr/>
+      </p:nvGrpSpPr>
+      <p:grpSpPr>
+        <a:xfrm>
+          <a:off x="0" y="0"/>
+          <a:ext cx="0" cy="0"/>
+          <a:chOff x="0" y="0"/>
+          <a:chExt cx="0" cy="0"/>
+        </a:xfrm>
+      </p:grpSpPr>
+      <p:sp>
+        <p:nvSpPr>
+          <p:cNvPr id="2" name="标题 1"/>
+          <p:cNvSpPr>
+            <a:spLocks noGrp="1"/>
+          </p:cNvSpPr>
+          <p:nvPr>
+            <p:ph type="title"/>
+          </p:nvPr>
+        </p:nvSpPr>
+        <p:spPr/>
+        <p:txBody>
+          <a:bodyPr/>
+          <a:lstStyle/>
+          <a:p>
+            <a:r>
+              <a:rPr lang="zh-CN" altLang="en-US" dirty="0" smtClean="0"/>
+              <a:t>可复用清单</a:t>
+            </a:r>
+            <a:endParaRPr lang="zh-CN" altLang="en-US" dirty="0"/>
+          </a:p>
+        </p:txBody>
+      </p:sp>
+      <p:graphicFrame>
+        <p:nvGraphicFramePr>
+          <p:cNvPr id="4" name="内容占位符 3"/>
+          <p:cNvGraphicFramePr>
+            <a:graphicFrameLocks noGrp="1"/>
+          </p:cNvGraphicFramePr>
+          <p:nvPr>
+            <p:ph idx="1"/>
+            <p:extLst>
+              <p:ext uri="{D42A27DB-BD31-4B8C-83A1-F6EECF244321}">
+                <p14:modId xmlns:p14="http://schemas.microsoft.com/office/powerpoint/2010/main" val="1393230068"/>
+              </p:ext>
+            </p:extLst>
+          </p:nvPr>
+        </p:nvGraphicFramePr>
+        <p:xfrm>
+          <a:off x="677863" y="2160588"/>
+          <a:ext cx="8596312" cy="3881437"/>
+        </p:xfrm>
+        <a:graphic>
+          <a:graphicData uri="http://schemas.openxmlformats.org/drawingml/2006/diagram">
+            <dgm:relIds xmlns:dgm="http://schemas.openxmlformats.org/drawingml/2006/diagram" xmlns:r="http://schemas.openxmlformats.org/officeDocument/2006/relationships" r:dm="rId2" r:lo="rId3" r:qs="rId4" r:cs="rId5"/>
+          </a:graphicData>
+        </a:graphic>
+      </p:graphicFrame>
+      <p:sp>
+        <p:nvSpPr>
+          <p:cNvPr id="5" name="日期占位符 4"/>
+          <p:cNvSpPr>
+            <a:spLocks noGrp="1"/>
+          </p:cNvSpPr>
+          <p:nvPr>
+            <p:ph type="dt" sz="half" idx="10"/>
+          </p:nvPr>
+        </p:nvSpPr>
+        <p:spPr/>
+        <p:txBody>
+          <a:bodyPr/>
+          <a:lstStyle/>
+          <a:p>
+            <a:r>
+              <a:rPr lang="en-US" altLang="zh-CN" smtClean="0"/>
+              <a:t>2014</a:t>
+            </a:r>
+            <a:r>
+              <a:rPr lang="zh-CN" altLang="en-US" smtClean="0"/>
+              <a:t>年</a:t>
+            </a:r>
+            <a:r>
+              <a:rPr lang="en-US" altLang="zh-CN" smtClean="0"/>
+              <a:t>1</a:t>
+            </a:r>
+            <a:r>
+              <a:rPr lang="zh-CN" altLang="en-US" smtClean="0"/>
+              <a:t>月</a:t>
+            </a:r>
+            <a:r>
+              <a:rPr lang="en-US" altLang="zh-CN" smtClean="0"/>
+              <a:t>5</a:t>
+            </a:r>
+            <a:r>
+              <a:rPr lang="zh-CN" altLang="en-US" smtClean="0"/>
+              <a:t>日</a:t>
+            </a:r>
+            <a:endParaRPr lang="en-US" dirty="0"/>
+          </a:p>
+        </p:txBody>
+      </p:sp>
+      <p:sp>
+        <p:nvSpPr>
+          <p:cNvPr id="7" name="灯片编号占位符 6"/>
+          <p:cNvSpPr>
+            <a:spLocks noGrp="1"/>
+          </p:cNvSpPr>
+          <p:nvPr>
+            <p:ph type="sldNum" sz="quarter" idx="12"/>
+          </p:nvPr>
+        </p:nvSpPr>
+        <p:spPr/>
+        <p:txBody>
+          <a:bodyPr/>
+          <a:lstStyle/>
+          <a:p>
+            <a:fld id="{519954A3-9DFD-4C44-94BA-B95130A3BA1C}" type="slidenum">
+              <a:rPr lang="en-US" smtClean="0"/>
+              <a:t>27</a:t>
+            </a:fld>
+            <a:endParaRPr lang="en-US" dirty="0"/>
+          </a:p>
+        </p:txBody>
+      </p:sp>
+      <p:sp>
+        <p:nvSpPr>
+          <p:cNvPr id="8" name="页脚占位符 4"/>
+          <p:cNvSpPr>
+            <a:spLocks noGrp="1"/>
+          </p:cNvSpPr>
+          <p:nvPr>
+            <p:ph type="ftr" sz="quarter" idx="11"/>
+          </p:nvPr>
+        </p:nvSpPr>
+        <p:spPr>
+          <a:xfrm>
+            <a:off x="677334" y="6041362"/>
+            <a:ext cx="6297612" cy="365125"/>
+          </a:xfrm>
+        </p:spPr>
+        <p:txBody>
+          <a:bodyPr/>
+          <a:lstStyle/>
+          <a:p>
+            <a:pPr lvl="0"/>
+            <a:r>
+              <a:rPr lang="zh-CN" altLang="en-US" sz="1200" dirty="0">
+                <a:solidFill>
+                  <a:prstClr val="black">
+                    <a:tint val="75000"/>
+                  </a:prstClr>
+                </a:solidFill>
+              </a:rPr>
+              <a:t>汪志成 </a:t>
+            </a:r>
+            <a:r>
+              <a:rPr lang="en-US" altLang="zh-CN" sz="1200" dirty="0">
+                <a:solidFill>
+                  <a:prstClr val="black">
+                    <a:tint val="75000"/>
+                  </a:prstClr>
+                </a:solidFill>
+              </a:rPr>
+              <a:t>(</a:t>
+            </a:r>
+            <a:r>
+              <a:rPr lang="en-US" altLang="zh-CN" sz="1200" dirty="0">
+                <a:solidFill>
+                  <a:prstClr val="black">
+                    <a:tint val="75000"/>
+                  </a:prstClr>
+                </a:solidFill>
+                <a:hlinkClick r:id="rId7"/>
+              </a:rPr>
+              <a:t>wangzhicheng@admaster.com.cn</a:t>
+            </a:r>
+            <a:r>
+              <a:rPr lang="en-US" altLang="zh-CN" sz="1200" dirty="0">
+                <a:solidFill>
+                  <a:prstClr val="black">
+                    <a:tint val="75000"/>
+                  </a:prstClr>
+                </a:solidFill>
+              </a:rPr>
+              <a:t>) </a:t>
+            </a:r>
+            <a:r>
+              <a:rPr lang="zh-CN" altLang="en-US" sz="1200" dirty="0">
+                <a:solidFill>
+                  <a:prstClr val="black">
+                    <a:tint val="75000"/>
+                  </a:prstClr>
+                </a:solidFill>
+              </a:rPr>
+              <a:t>        本文档遵循 </a:t>
+            </a:r>
+            <a:r>
+              <a:rPr lang="en-US" altLang="zh-CN" sz="1200" dirty="0" smtClean="0">
+                <a:solidFill>
+                  <a:prstClr val="black">
+                    <a:tint val="75000"/>
+                  </a:prstClr>
+                </a:solidFill>
+              </a:rPr>
+              <a:t>CC</a:t>
+            </a:r>
+            <a:r>
+              <a:rPr lang="zh-CN" altLang="en-US" sz="1200" dirty="0" smtClean="0">
+                <a:solidFill>
+                  <a:prstClr val="black">
+                    <a:tint val="75000"/>
+                  </a:prstClr>
+                </a:solidFill>
+              </a:rPr>
+              <a:t>协议</a:t>
+            </a:r>
+            <a:r>
+              <a:rPr lang="zh-CN" altLang="en-US" sz="1200" dirty="0">
+                <a:solidFill>
+                  <a:prstClr val="black">
+                    <a:tint val="75000"/>
+                  </a:prstClr>
+                </a:solidFill>
+              </a:rPr>
+              <a:t>（署名</a:t>
             </a:r>
             <a:r>
               <a:rPr lang="en-US" altLang="zh-CN" sz="1200" dirty="0">
@@ -49841,7 +51345,7 @@
 </p:sld>
 </file>
 
-<file path=ppt/slides/slide27.xml><?xml version="1.0" encoding="utf-8"?>
+<file path=ppt/slides/slide28.xml><?xml version="1.0" encoding="utf-8"?>
 <p:sld xmlns:a="http://schemas.openxmlformats.org/drawingml/2006/main" xmlns:r="http://schemas.openxmlformats.org/officeDocument/2006/relationships" xmlns:p="http://schemas.openxmlformats.org/presentationml/2006/main">
   <p:cSld>
     <p:spTree>
@@ -50116,14 +51620,24 @@
               <a:t>        本文档遵循 </a:t>
             </a:r>
             <a:r>
-              <a:rPr lang="en-US" altLang="zh-CN" sz="1200" dirty="0">
+              <a:rPr lang="en-US" altLang="zh-CN" sz="1200" dirty="0" smtClean="0">
                 <a:solidFill>
                   <a:prstClr val="black">
                     <a:tint val="75000"/>
                   </a:prstClr>
                 </a:solidFill>
               </a:rPr>
-              <a:t>CCL</a:t>
+              <a:t>CC</a:t>
+            </a:r>
+            <a:r>
+              <a:rPr lang="zh-CN" altLang="en-US" sz="1200" dirty="0" smtClean="0">
+                <a:solidFill>
+                  <a:prstClr val="black">
+                    <a:tint val="75000"/>
+                  </a:prstClr>
+                </a:solidFill>
+              </a:rPr>
+              <a:t>协议</a:t>
             </a:r>
             <a:r>
               <a:rPr lang="zh-CN" altLang="en-US" sz="1200" dirty="0">
@@ -50133,7 +51647,7 @@
                   </a:prstClr>
                 </a:solidFill>
               </a:rPr>
-              <a:t>协议（署名</a:t>
+              <a:t>（署名</a:t>
             </a:r>
             <a:r>
               <a:rPr lang="en-US" altLang="zh-CN" sz="1200" dirty="0">
@@ -50412,14 +51926,24 @@
               <a:t>        本文档遵循 </a:t>
             </a:r>
             <a:r>
-              <a:rPr lang="en-US" altLang="zh-CN" sz="1200" dirty="0">
+              <a:rPr lang="en-US" altLang="zh-CN" sz="1200" dirty="0" smtClean="0">
                 <a:solidFill>
                   <a:prstClr val="black">
                     <a:tint val="75000"/>
                   </a:prstClr>
                 </a:solidFill>
               </a:rPr>
-              <a:t>CCL</a:t>
+              <a:t>CC</a:t>
+            </a:r>
+            <a:r>
+              <a:rPr lang="zh-CN" altLang="en-US" sz="1200" dirty="0" smtClean="0">
+                <a:solidFill>
+                  <a:prstClr val="black">
+                    <a:tint val="75000"/>
+                  </a:prstClr>
+                </a:solidFill>
+              </a:rPr>
+              <a:t>协议</a:t>
             </a:r>
             <a:r>
               <a:rPr lang="zh-CN" altLang="en-US" sz="1200" dirty="0">
@@ -50429,7 +51953,7 @@
                   </a:prstClr>
                 </a:solidFill>
               </a:rPr>
-              <a:t>协议（署名</a:t>
+              <a:t>（署名</a:t>
             </a:r>
             <a:r>
               <a:rPr lang="en-US" altLang="zh-CN" sz="1200" dirty="0">
@@ -50709,14 +52233,24 @@
               <a:t>        本文档遵循 </a:t>
             </a:r>
             <a:r>
-              <a:rPr lang="en-US" altLang="zh-CN" sz="1200" dirty="0">
+              <a:rPr lang="en-US" altLang="zh-CN" sz="1200" dirty="0" smtClean="0">
                 <a:solidFill>
                   <a:prstClr val="black">
                     <a:tint val="75000"/>
                   </a:prstClr>
                 </a:solidFill>
               </a:rPr>
-              <a:t>CCL</a:t>
+              <a:t>CC</a:t>
+            </a:r>
+            <a:r>
+              <a:rPr lang="zh-CN" altLang="en-US" sz="1200" dirty="0" smtClean="0">
+                <a:solidFill>
+                  <a:prstClr val="black">
+                    <a:tint val="75000"/>
+                  </a:prstClr>
+                </a:solidFill>
+              </a:rPr>
+              <a:t>协议</a:t>
             </a:r>
             <a:r>
               <a:rPr lang="zh-CN" altLang="en-US" sz="1200" dirty="0">
@@ -50726,7 +52260,7 @@
                   </a:prstClr>
                 </a:solidFill>
               </a:rPr>
-              <a:t>协议（署名</a:t>
+              <a:t>（署名</a:t>
             </a:r>
             <a:r>
               <a:rPr lang="en-US" altLang="zh-CN" sz="1200" dirty="0">
@@ -51005,14 +52539,24 @@
               <a:t>        本文档遵循 </a:t>
             </a:r>
             <a:r>
-              <a:rPr lang="en-US" altLang="zh-CN" sz="1200" dirty="0">
+              <a:rPr lang="en-US" altLang="zh-CN" sz="1200" dirty="0" smtClean="0">
                 <a:solidFill>
                   <a:prstClr val="black">
                     <a:tint val="75000"/>
                   </a:prstClr>
                 </a:solidFill>
               </a:rPr>
-              <a:t>CCL</a:t>
+              <a:t>CC</a:t>
+            </a:r>
+            <a:r>
+              <a:rPr lang="zh-CN" altLang="en-US" sz="1200" dirty="0" smtClean="0">
+                <a:solidFill>
+                  <a:prstClr val="black">
+                    <a:tint val="75000"/>
+                  </a:prstClr>
+                </a:solidFill>
+              </a:rPr>
+              <a:t>协议</a:t>
             </a:r>
             <a:r>
               <a:rPr lang="zh-CN" altLang="en-US" sz="1200" dirty="0">
@@ -51022,7 +52566,7 @@
                   </a:prstClr>
                 </a:solidFill>
               </a:rPr>
-              <a:t>协议（署名</a:t>
+              <a:t>（署名</a:t>
             </a:r>
             <a:r>
               <a:rPr lang="en-US" altLang="zh-CN" sz="1200" dirty="0">
@@ -51148,13 +52692,13 @@
             <p:ph idx="1"/>
             <p:extLst>
               <p:ext uri="{D42A27DB-BD31-4B8C-83A1-F6EECF244321}">
-                <p14:modId xmlns:p14="http://schemas.microsoft.com/office/powerpoint/2010/main" val="2104505400"/>
+                <p14:modId xmlns:p14="http://schemas.microsoft.com/office/powerpoint/2010/main" val="817510712"/>
               </p:ext>
             </p:extLst>
           </p:nvPr>
         </p:nvGraphicFramePr>
         <p:xfrm>
-          <a:off x="677863" y="2160588"/>
+          <a:off x="677863" y="2142115"/>
           <a:ext cx="8596312" cy="3881437"/>
         </p:xfrm>
         <a:graphic>
@@ -51302,14 +52846,24 @@
               <a:t>        本文档遵循 </a:t>
             </a:r>
             <a:r>
-              <a:rPr lang="en-US" altLang="zh-CN" sz="1200" dirty="0">
+              <a:rPr lang="en-US" altLang="zh-CN" sz="1200" dirty="0" smtClean="0">
                 <a:solidFill>
                   <a:prstClr val="black">
                     <a:tint val="75000"/>
                   </a:prstClr>
                 </a:solidFill>
               </a:rPr>
-              <a:t>CCL</a:t>
+              <a:t>CC</a:t>
+            </a:r>
+            <a:r>
+              <a:rPr lang="zh-CN" altLang="en-US" sz="1200" dirty="0" smtClean="0">
+                <a:solidFill>
+                  <a:prstClr val="black">
+                    <a:tint val="75000"/>
+                  </a:prstClr>
+                </a:solidFill>
+              </a:rPr>
+              <a:t>协议</a:t>
             </a:r>
             <a:r>
               <a:rPr lang="zh-CN" altLang="en-US" sz="1200" dirty="0">
@@ -51319,7 +52873,7 @@
                   </a:prstClr>
                 </a:solidFill>
               </a:rPr>
-              <a:t>协议（署名</a:t>
+              <a:t>（署名</a:t>
             </a:r>
             <a:r>
               <a:rPr lang="en-US" altLang="zh-CN" sz="1200" dirty="0">
@@ -51599,14 +53153,24 @@
               <a:t>        本文档遵循 </a:t>
             </a:r>
             <a:r>
-              <a:rPr lang="en-US" altLang="zh-CN" sz="1200" dirty="0">
+              <a:rPr lang="en-US" altLang="zh-CN" sz="1200" dirty="0" smtClean="0">
                 <a:solidFill>
                   <a:prstClr val="black">
                     <a:tint val="75000"/>
                   </a:prstClr>
                 </a:solidFill>
               </a:rPr>
-              <a:t>CCL</a:t>
+              <a:t>CC</a:t>
+            </a:r>
+            <a:r>
+              <a:rPr lang="zh-CN" altLang="en-US" sz="1200" dirty="0" smtClean="0">
+                <a:solidFill>
+                  <a:prstClr val="black">
+                    <a:tint val="75000"/>
+                  </a:prstClr>
+                </a:solidFill>
+              </a:rPr>
+              <a:t>协议</a:t>
             </a:r>
             <a:r>
               <a:rPr lang="zh-CN" altLang="en-US" sz="1200" dirty="0">
@@ -51616,7 +53180,7 @@
                   </a:prstClr>
                 </a:solidFill>
               </a:rPr>
-              <a:t>协议（署名</a:t>
+              <a:t>（署名</a:t>
             </a:r>
             <a:r>
               <a:rPr lang="en-US" altLang="zh-CN" sz="1200" dirty="0">
@@ -51904,14 +53468,24 @@
               <a:t>        本文档遵循 </a:t>
             </a:r>
             <a:r>
-              <a:rPr lang="en-US" altLang="zh-CN" sz="1200" dirty="0">
+              <a:rPr lang="en-US" altLang="zh-CN" sz="1200" dirty="0" smtClean="0">
                 <a:solidFill>
                   <a:prstClr val="black">
                     <a:tint val="75000"/>
                   </a:prstClr>
                 </a:solidFill>
               </a:rPr>
-              <a:t>CCL</a:t>
+              <a:t>CC</a:t>
+            </a:r>
+            <a:r>
+              <a:rPr lang="zh-CN" altLang="en-US" sz="1200" dirty="0" smtClean="0">
+                <a:solidFill>
+                  <a:prstClr val="black">
+                    <a:tint val="75000"/>
+                  </a:prstClr>
+                </a:solidFill>
+              </a:rPr>
+              <a:t>协议</a:t>
             </a:r>
             <a:r>
               <a:rPr lang="zh-CN" altLang="en-US" sz="1200" dirty="0">
@@ -51921,7 +53495,7 @@
                   </a:prstClr>
                 </a:solidFill>
               </a:rPr>
-              <a:t>协议（署名</a:t>
+              <a:t>（署名</a:t>
             </a:r>
             <a:r>
               <a:rPr lang="en-US" altLang="zh-CN" sz="1200" dirty="0">
